--- a/przentacja.pptx
+++ b/przentacja.pptx
@@ -395,7 +395,7 @@
           <a:p>
             <a:fld id="{78ABE3C1-DBE1-495D-B57B-2849774B866A}" type="datetimeFigureOut">
               <a:rPr lang="en-US" dirty="0"/>
-              <a:t>3/9/2020</a:t>
+              <a:t>3/10/2020</a:t>
             </a:fld>
             <a:endParaRPr lang="en-US" dirty="0"/>
           </a:p>
@@ -804,7 +804,7 @@
           <a:p>
             <a:fld id="{446C117F-5CCF-4837-BE5F-2B92066CAFAF}" type="datetimeFigureOut">
               <a:rPr lang="en-US" dirty="0"/>
-              <a:t>3/9/2020</a:t>
+              <a:t>3/10/2020</a:t>
             </a:fld>
             <a:endParaRPr lang="en-US" dirty="0"/>
           </a:p>
@@ -1135,7 +1135,7 @@
           <a:p>
             <a:fld id="{84EB90BD-B6CE-46B7-997F-7313B992CCDC}" type="datetimeFigureOut">
               <a:rPr lang="en-US" dirty="0"/>
-              <a:t>3/9/2020</a:t>
+              <a:t>3/10/2020</a:t>
             </a:fld>
             <a:endParaRPr lang="en-US" dirty="0"/>
           </a:p>
@@ -1535,7 +1535,7 @@
           <a:p>
             <a:fld id="{CDB9D11F-B188-461D-B23F-39381795C052}" type="datetimeFigureOut">
               <a:rPr lang="en-US" dirty="0"/>
-              <a:t>3/9/2020</a:t>
+              <a:t>3/10/2020</a:t>
             </a:fld>
             <a:endParaRPr lang="en-US" dirty="0"/>
           </a:p>
@@ -2098,7 +2098,7 @@
           <a:p>
             <a:fld id="{52E6D8D9-55A2-4063-B0F3-121F44549695}" type="datetimeFigureOut">
               <a:rPr lang="en-US" dirty="0"/>
-              <a:t>3/9/2020</a:t>
+              <a:t>3/10/2020</a:t>
             </a:fld>
             <a:endParaRPr lang="en-US" dirty="0"/>
           </a:p>
@@ -2774,7 +2774,7 @@
           <a:p>
             <a:fld id="{D4B24536-994D-4021-A283-9F449C0DB509}" type="datetimeFigureOut">
               <a:rPr lang="en-US" dirty="0"/>
-              <a:t>3/9/2020</a:t>
+              <a:t>3/10/2020</a:t>
             </a:fld>
             <a:endParaRPr lang="en-US" dirty="0"/>
           </a:p>
@@ -3682,7 +3682,7 @@
           <a:p>
             <a:fld id="{3CBBBB78-C96F-47B7-AB17-D852CA960AC9}" type="datetimeFigureOut">
               <a:rPr lang="en-US" dirty="0"/>
-              <a:t>3/9/2020</a:t>
+              <a:t>3/10/2020</a:t>
             </a:fld>
             <a:endParaRPr lang="en-US" dirty="0"/>
           </a:p>
@@ -3990,7 +3990,7 @@
           <a:p>
             <a:fld id="{1FA3F48C-C7C6-4055-9F49-3777875E72AE}" type="datetimeFigureOut">
               <a:rPr lang="en-US" dirty="0"/>
-              <a:t>3/9/2020</a:t>
+              <a:t>3/10/2020</a:t>
             </a:fld>
             <a:endParaRPr lang="en-US" dirty="0"/>
           </a:p>
@@ -4249,7 +4249,7 @@
           <a:p>
             <a:fld id="{6178E61D-D431-422C-9764-11DAFE33AB63}" type="datetimeFigureOut">
               <a:rPr lang="en-US" dirty="0"/>
-              <a:t>3/9/2020</a:t>
+              <a:t>3/10/2020</a:t>
             </a:fld>
             <a:endParaRPr lang="en-US" dirty="0"/>
           </a:p>
@@ -4568,7 +4568,7 @@
           <a:p>
             <a:fld id="{12DE42F4-6EEF-4EF7-8ED4-2208F0F89A08}" type="datetimeFigureOut">
               <a:rPr lang="en-US" dirty="0"/>
-              <a:t>3/9/2020</a:t>
+              <a:t>3/10/2020</a:t>
             </a:fld>
             <a:endParaRPr lang="en-US" dirty="0"/>
           </a:p>
@@ -4952,7 +4952,7 @@
           <a:p>
             <a:fld id="{30578ACC-22D6-47C1-A373-4FD133E34F3C}" type="datetimeFigureOut">
               <a:rPr lang="en-US" dirty="0"/>
-              <a:t>3/9/2020</a:t>
+              <a:t>3/10/2020</a:t>
             </a:fld>
             <a:endParaRPr lang="en-US" dirty="0"/>
           </a:p>
@@ -5323,7 +5323,7 @@
           <a:p>
             <a:fld id="{4E5A6C69-6797-4E8A-BF37-F2C3751466E9}" type="datetimeFigureOut">
               <a:rPr lang="en-US" dirty="0"/>
-              <a:t>3/9/2020</a:t>
+              <a:t>3/10/2020</a:t>
             </a:fld>
             <a:endParaRPr lang="en-US" dirty="0"/>
           </a:p>
@@ -5824,7 +5824,7 @@
           <a:p>
             <a:fld id="{D82014A1-A632-4878-A0D3-F52BA7563730}" type="datetimeFigureOut">
               <a:rPr lang="en-US" dirty="0"/>
-              <a:t>3/9/2020</a:t>
+              <a:t>3/10/2020</a:t>
             </a:fld>
             <a:endParaRPr lang="en-US" dirty="0"/>
           </a:p>
@@ -6076,7 +6076,7 @@
           <a:p>
             <a:fld id="{CE99F462-093F-4566-844B-4C71F2739DA5}" type="datetimeFigureOut">
               <a:rPr lang="en-US" dirty="0"/>
-              <a:t>3/9/2020</a:t>
+              <a:t>3/10/2020</a:t>
             </a:fld>
             <a:endParaRPr lang="en-US" dirty="0"/>
           </a:p>
@@ -6234,7 +6234,7 @@
           <a:p>
             <a:fld id="{3D24A7AC-904D-4781-85BA-7D10C17ED021}" type="datetimeFigureOut">
               <a:rPr lang="en-US" dirty="0"/>
-              <a:t>3/9/2020</a:t>
+              <a:t>3/10/2020</a:t>
             </a:fld>
             <a:endParaRPr lang="en-US" dirty="0"/>
           </a:p>
@@ -6619,7 +6619,7 @@
           <a:p>
             <a:fld id="{E331444B-B92B-4E27-8C94-BB93EAF5CB18}" type="datetimeFigureOut">
               <a:rPr lang="en-US" dirty="0"/>
-              <a:t>3/9/2020</a:t>
+              <a:t>3/10/2020</a:t>
             </a:fld>
             <a:endParaRPr lang="en-US" dirty="0"/>
           </a:p>
@@ -7023,7 +7023,7 @@
           <a:p>
             <a:fld id="{363EFA5E-FA76-400D-B3DC-F0BA90E6D107}" type="datetimeFigureOut">
               <a:rPr lang="en-US" dirty="0"/>
-              <a:t>3/9/2020</a:t>
+              <a:t>3/10/2020</a:t>
             </a:fld>
             <a:endParaRPr lang="en-US" dirty="0"/>
           </a:p>
@@ -7262,7 +7262,7 @@
           <a:p>
             <a:fld id="{9D6E9DEC-419B-4CC5-A080-3B06BD5A8291}" type="datetimeFigureOut">
               <a:rPr lang="en-US" dirty="0"/>
-              <a:t>3/9/2020</a:t>
+              <a:t>3/10/2020</a:t>
             </a:fld>
             <a:endParaRPr lang="en-US" dirty="0"/>
           </a:p>
@@ -7688,7 +7688,7 @@
         </p:nvSpPr>
         <p:spPr>
           <a:xfrm>
-            <a:off x="779176" y="2742465"/>
+            <a:off x="779176" y="2833904"/>
             <a:ext cx="8144134" cy="1373070"/>
           </a:xfrm>
         </p:spPr>
@@ -7770,8 +7770,8 @@
         </p:nvSpPr>
         <p:spPr>
           <a:xfrm>
-            <a:off x="9185189" y="2967335"/>
-            <a:ext cx="2594919" cy="923330"/>
+            <a:off x="9185189" y="2828835"/>
+            <a:ext cx="2714890" cy="1200329"/>
           </a:xfrm>
           <a:prstGeom prst="rect">
             <a:avLst/>
@@ -7792,7 +7792,7 @@
           <a:p>
             <a:r>
               <a:rPr lang="pl-PL" dirty="0"/>
-              <a:t>Sprawdził:</a:t>
+              <a:t>Sprawdziła: Katarzyna 		     Czajkowska</a:t>
             </a:r>
           </a:p>
           <a:p>
@@ -8816,13 +8816,13 @@
         </p:nvSpPr>
         <p:spPr>
           <a:xfrm>
-            <a:off x="5155660" y="5239977"/>
+            <a:off x="5487251" y="5294686"/>
             <a:ext cx="5644361" cy="467298"/>
           </a:xfrm>
         </p:spPr>
         <p:txBody>
           <a:bodyPr>
-            <a:normAutofit/>
+            <a:noAutofit/>
           </a:bodyPr>
           <a:lstStyle/>
           <a:p>
@@ -8830,11 +8830,11 @@
               <a:buNone/>
             </a:pPr>
             <a:r>
-              <a:rPr lang="pl-PL" dirty="0" err="1"/>
+              <a:rPr lang="pl-PL" sz="2800" dirty="0" err="1"/>
               <a:t>Arduino</a:t>
             </a:r>
             <a:r>
-              <a:rPr lang="pl-PL" dirty="0"/>
+              <a:rPr lang="pl-PL" sz="2800" dirty="0"/>
               <a:t> Nano</a:t>
             </a:r>
           </a:p>
@@ -8892,7 +8892,7 @@
         </p:blipFill>
         <p:spPr>
           <a:xfrm>
-            <a:off x="4258918" y="2223292"/>
+            <a:off x="4658163" y="2222002"/>
             <a:ext cx="3810351" cy="2857763"/>
           </a:xfrm>
           <a:prstGeom prst="rect">
@@ -8944,7 +8944,7 @@
         </p:nvSpPr>
         <p:spPr>
           <a:xfrm>
-            <a:off x="955829" y="5284225"/>
+            <a:off x="1411242" y="5184055"/>
             <a:ext cx="1583090" cy="523220"/>
           </a:xfrm>
           <a:prstGeom prst="rect">
@@ -9005,6 +9005,36 @@
           </a:p>
         </p:txBody>
       </p:sp>
+      <p:pic>
+        <p:nvPicPr>
+          <p:cNvPr id="4" name="Obraz 3">
+            <a:extLst>
+              <a:ext uri="{FF2B5EF4-FFF2-40B4-BE49-F238E27FC236}">
+                <a16:creationId xmlns:a16="http://schemas.microsoft.com/office/drawing/2014/main" id="{FC2838A4-DBBF-450D-BEA2-A7980C493144}"/>
+              </a:ext>
+            </a:extLst>
+          </p:cNvPr>
+          <p:cNvPicPr>
+            <a:picLocks noChangeAspect="1"/>
+          </p:cNvPicPr>
+          <p:nvPr/>
+        </p:nvPicPr>
+        <p:blipFill>
+          <a:blip r:embed="rId5"/>
+          <a:stretch>
+            <a:fillRect/>
+          </a:stretch>
+        </p:blipFill>
+        <p:spPr>
+          <a:xfrm>
+            <a:off x="221728" y="2222002"/>
+            <a:ext cx="3962118" cy="2857763"/>
+          </a:xfrm>
+          <a:prstGeom prst="rect">
+            <a:avLst/>
+          </a:prstGeom>
+        </p:spPr>
+      </p:pic>
     </p:spTree>
     <p:extLst>
       <p:ext uri="{BB962C8B-B14F-4D97-AF65-F5344CB8AC3E}">

--- a/przentacja.pptx
+++ b/przentacja.pptx
@@ -395,7 +395,7 @@
           <a:p>
             <a:fld id="{78ABE3C1-DBE1-495D-B57B-2849774B866A}" type="datetimeFigureOut">
               <a:rPr lang="en-US" dirty="0"/>
-              <a:t>3/10/2020</a:t>
+              <a:t>3/11/2020</a:t>
             </a:fld>
             <a:endParaRPr lang="en-US" dirty="0"/>
           </a:p>
@@ -804,7 +804,7 @@
           <a:p>
             <a:fld id="{446C117F-5CCF-4837-BE5F-2B92066CAFAF}" type="datetimeFigureOut">
               <a:rPr lang="en-US" dirty="0"/>
-              <a:t>3/10/2020</a:t>
+              <a:t>3/11/2020</a:t>
             </a:fld>
             <a:endParaRPr lang="en-US" dirty="0"/>
           </a:p>
@@ -1135,7 +1135,7 @@
           <a:p>
             <a:fld id="{84EB90BD-B6CE-46B7-997F-7313B992CCDC}" type="datetimeFigureOut">
               <a:rPr lang="en-US" dirty="0"/>
-              <a:t>3/10/2020</a:t>
+              <a:t>3/11/2020</a:t>
             </a:fld>
             <a:endParaRPr lang="en-US" dirty="0"/>
           </a:p>
@@ -1535,7 +1535,7 @@
           <a:p>
             <a:fld id="{CDB9D11F-B188-461D-B23F-39381795C052}" type="datetimeFigureOut">
               <a:rPr lang="en-US" dirty="0"/>
-              <a:t>3/10/2020</a:t>
+              <a:t>3/11/2020</a:t>
             </a:fld>
             <a:endParaRPr lang="en-US" dirty="0"/>
           </a:p>
@@ -2098,7 +2098,7 @@
           <a:p>
             <a:fld id="{52E6D8D9-55A2-4063-B0F3-121F44549695}" type="datetimeFigureOut">
               <a:rPr lang="en-US" dirty="0"/>
-              <a:t>3/10/2020</a:t>
+              <a:t>3/11/2020</a:t>
             </a:fld>
             <a:endParaRPr lang="en-US" dirty="0"/>
           </a:p>
@@ -2774,7 +2774,7 @@
           <a:p>
             <a:fld id="{D4B24536-994D-4021-A283-9F449C0DB509}" type="datetimeFigureOut">
               <a:rPr lang="en-US" dirty="0"/>
-              <a:t>3/10/2020</a:t>
+              <a:t>3/11/2020</a:t>
             </a:fld>
             <a:endParaRPr lang="en-US" dirty="0"/>
           </a:p>
@@ -3682,7 +3682,7 @@
           <a:p>
             <a:fld id="{3CBBBB78-C96F-47B7-AB17-D852CA960AC9}" type="datetimeFigureOut">
               <a:rPr lang="en-US" dirty="0"/>
-              <a:t>3/10/2020</a:t>
+              <a:t>3/11/2020</a:t>
             </a:fld>
             <a:endParaRPr lang="en-US" dirty="0"/>
           </a:p>
@@ -3990,7 +3990,7 @@
           <a:p>
             <a:fld id="{1FA3F48C-C7C6-4055-9F49-3777875E72AE}" type="datetimeFigureOut">
               <a:rPr lang="en-US" dirty="0"/>
-              <a:t>3/10/2020</a:t>
+              <a:t>3/11/2020</a:t>
             </a:fld>
             <a:endParaRPr lang="en-US" dirty="0"/>
           </a:p>
@@ -4249,7 +4249,7 @@
           <a:p>
             <a:fld id="{6178E61D-D431-422C-9764-11DAFE33AB63}" type="datetimeFigureOut">
               <a:rPr lang="en-US" dirty="0"/>
-              <a:t>3/10/2020</a:t>
+              <a:t>3/11/2020</a:t>
             </a:fld>
             <a:endParaRPr lang="en-US" dirty="0"/>
           </a:p>
@@ -4568,7 +4568,7 @@
           <a:p>
             <a:fld id="{12DE42F4-6EEF-4EF7-8ED4-2208F0F89A08}" type="datetimeFigureOut">
               <a:rPr lang="en-US" dirty="0"/>
-              <a:t>3/10/2020</a:t>
+              <a:t>3/11/2020</a:t>
             </a:fld>
             <a:endParaRPr lang="en-US" dirty="0"/>
           </a:p>
@@ -4952,7 +4952,7 @@
           <a:p>
             <a:fld id="{30578ACC-22D6-47C1-A373-4FD133E34F3C}" type="datetimeFigureOut">
               <a:rPr lang="en-US" dirty="0"/>
-              <a:t>3/10/2020</a:t>
+              <a:t>3/11/2020</a:t>
             </a:fld>
             <a:endParaRPr lang="en-US" dirty="0"/>
           </a:p>
@@ -5323,7 +5323,7 @@
           <a:p>
             <a:fld id="{4E5A6C69-6797-4E8A-BF37-F2C3751466E9}" type="datetimeFigureOut">
               <a:rPr lang="en-US" dirty="0"/>
-              <a:t>3/10/2020</a:t>
+              <a:t>3/11/2020</a:t>
             </a:fld>
             <a:endParaRPr lang="en-US" dirty="0"/>
           </a:p>
@@ -5824,7 +5824,7 @@
           <a:p>
             <a:fld id="{D82014A1-A632-4878-A0D3-F52BA7563730}" type="datetimeFigureOut">
               <a:rPr lang="en-US" dirty="0"/>
-              <a:t>3/10/2020</a:t>
+              <a:t>3/11/2020</a:t>
             </a:fld>
             <a:endParaRPr lang="en-US" dirty="0"/>
           </a:p>
@@ -6076,7 +6076,7 @@
           <a:p>
             <a:fld id="{CE99F462-093F-4566-844B-4C71F2739DA5}" type="datetimeFigureOut">
               <a:rPr lang="en-US" dirty="0"/>
-              <a:t>3/10/2020</a:t>
+              <a:t>3/11/2020</a:t>
             </a:fld>
             <a:endParaRPr lang="en-US" dirty="0"/>
           </a:p>
@@ -6234,7 +6234,7 @@
           <a:p>
             <a:fld id="{3D24A7AC-904D-4781-85BA-7D10C17ED021}" type="datetimeFigureOut">
               <a:rPr lang="en-US" dirty="0"/>
-              <a:t>3/10/2020</a:t>
+              <a:t>3/11/2020</a:t>
             </a:fld>
             <a:endParaRPr lang="en-US" dirty="0"/>
           </a:p>
@@ -6619,7 +6619,7 @@
           <a:p>
             <a:fld id="{E331444B-B92B-4E27-8C94-BB93EAF5CB18}" type="datetimeFigureOut">
               <a:rPr lang="en-US" dirty="0"/>
-              <a:t>3/10/2020</a:t>
+              <a:t>3/11/2020</a:t>
             </a:fld>
             <a:endParaRPr lang="en-US" dirty="0"/>
           </a:p>
@@ -7023,7 +7023,7 @@
           <a:p>
             <a:fld id="{363EFA5E-FA76-400D-B3DC-F0BA90E6D107}" type="datetimeFigureOut">
               <a:rPr lang="en-US" dirty="0"/>
-              <a:t>3/10/2020</a:t>
+              <a:t>3/11/2020</a:t>
             </a:fld>
             <a:endParaRPr lang="en-US" dirty="0"/>
           </a:p>
@@ -7262,7 +7262,7 @@
           <a:p>
             <a:fld id="{9D6E9DEC-419B-4CC5-A080-3B06BD5A8291}" type="datetimeFigureOut">
               <a:rPr lang="en-US" dirty="0"/>
-              <a:t>3/10/2020</a:t>
+              <a:t>3/11/2020</a:t>
             </a:fld>
             <a:endParaRPr lang="en-US" dirty="0"/>
           </a:p>
@@ -7770,8 +7770,8 @@
         </p:nvSpPr>
         <p:spPr>
           <a:xfrm>
-            <a:off x="9185189" y="2828835"/>
-            <a:ext cx="2714890" cy="1200329"/>
+            <a:off x="9160476" y="2631126"/>
+            <a:ext cx="3031524" cy="738664"/>
           </a:xfrm>
           <a:prstGeom prst="rect">
             <a:avLst/>
@@ -7785,19 +7785,19 @@
           <a:lstStyle/>
           <a:p>
             <a:r>
-              <a:rPr lang="pl-PL" dirty="0"/>
+              <a:rPr lang="pl-PL" sz="1400" dirty="0"/>
               <a:t>Wykonał: Adam Krizar</a:t>
             </a:r>
           </a:p>
           <a:p>
             <a:r>
-              <a:rPr lang="pl-PL" dirty="0"/>
-              <a:t>Sprawdziła: Katarzyna 		     Czajkowska</a:t>
-            </a:r>
-          </a:p>
-          <a:p>
-            <a:r>
-              <a:rPr lang="pl-PL" dirty="0"/>
+              <a:rPr lang="pl-PL" sz="1400" dirty="0"/>
+              <a:t>Sprawdziła: Katarzyna Czajkowska</a:t>
+            </a:r>
+          </a:p>
+          <a:p>
+            <a:r>
+              <a:rPr lang="pl-PL" sz="1400" dirty="0"/>
               <a:t>Zatwierdził:</a:t>
             </a:r>
           </a:p>

--- a/przentacja.pptx
+++ b/przentacja.pptx
@@ -15,6 +15,8 @@
     <p:sldId id="263" r:id="rId9"/>
     <p:sldId id="264" r:id="rId10"/>
     <p:sldId id="265" r:id="rId11"/>
+    <p:sldId id="266" r:id="rId12"/>
+    <p:sldId id="267" r:id="rId13"/>
   </p:sldIdLst>
   <p:sldSz cx="12192000" cy="6858000"/>
   <p:notesSz cx="6858000" cy="9144000"/>
@@ -8003,6 +8005,171 @@
 </p:sld>
 </file>
 
+<file path=ppt/slides/slide11.xml><?xml version="1.0" encoding="utf-8"?>
+<p:sld xmlns:a="http://schemas.openxmlformats.org/drawingml/2006/main" xmlns:r="http://schemas.openxmlformats.org/officeDocument/2006/relationships" xmlns:p="http://schemas.openxmlformats.org/presentationml/2006/main">
+  <p:cSld>
+    <p:spTree>
+      <p:nvGrpSpPr>
+        <p:cNvPr id="1" name=""/>
+        <p:cNvGrpSpPr/>
+        <p:nvPr/>
+      </p:nvGrpSpPr>
+      <p:grpSpPr>
+        <a:xfrm>
+          <a:off x="0" y="0"/>
+          <a:ext cx="0" cy="0"/>
+          <a:chOff x="0" y="0"/>
+          <a:chExt cx="0" cy="0"/>
+        </a:xfrm>
+      </p:grpSpPr>
+      <p:sp>
+        <p:nvSpPr>
+          <p:cNvPr id="2" name="Tytuł 1">
+            <a:extLst>
+              <a:ext uri="{FF2B5EF4-FFF2-40B4-BE49-F238E27FC236}">
+                <a16:creationId xmlns:a16="http://schemas.microsoft.com/office/drawing/2014/main" id="{1A7B8F4B-9F20-45EE-A788-685583AFFDCB}"/>
+              </a:ext>
+            </a:extLst>
+          </p:cNvPr>
+          <p:cNvSpPr>
+            <a:spLocks noGrp="1"/>
+          </p:cNvSpPr>
+          <p:nvPr>
+            <p:ph type="title"/>
+          </p:nvPr>
+        </p:nvSpPr>
+        <p:spPr/>
+        <p:txBody>
+          <a:bodyPr/>
+          <a:lstStyle/>
+          <a:p>
+            <a:r>
+              <a:rPr lang="pl-PL" dirty="0"/>
+              <a:t>Interfejs</a:t>
+            </a:r>
+          </a:p>
+        </p:txBody>
+      </p:sp>
+      <p:pic>
+        <p:nvPicPr>
+          <p:cNvPr id="5" name="Symbol zastępczy zawartości 4" descr="Obraz zawierający zrzut ekranu&#10;&#10;Opis wygenerowany automatycznie">
+            <a:extLst>
+              <a:ext uri="{FF2B5EF4-FFF2-40B4-BE49-F238E27FC236}">
+                <a16:creationId xmlns:a16="http://schemas.microsoft.com/office/drawing/2014/main" id="{6976626B-4FFF-43FD-8F10-FEA1727039F9}"/>
+              </a:ext>
+            </a:extLst>
+          </p:cNvPr>
+          <p:cNvPicPr>
+            <a:picLocks noGrp="1" noChangeAspect="1"/>
+          </p:cNvPicPr>
+          <p:nvPr>
+            <p:ph idx="1"/>
+          </p:nvPr>
+        </p:nvPicPr>
+        <p:blipFill>
+          <a:blip r:embed="rId2"/>
+          <a:stretch>
+            <a:fillRect/>
+          </a:stretch>
+        </p:blipFill>
+        <p:spPr>
+          <a:xfrm>
+            <a:off x="2297041" y="2151974"/>
+            <a:ext cx="7597917" cy="4271743"/>
+          </a:xfrm>
+        </p:spPr>
+      </p:pic>
+    </p:spTree>
+    <p:extLst>
+      <p:ext uri="{BB962C8B-B14F-4D97-AF65-F5344CB8AC3E}">
+        <p14:creationId xmlns:p14="http://schemas.microsoft.com/office/powerpoint/2010/main" val="4238017757"/>
+      </p:ext>
+    </p:extLst>
+  </p:cSld>
+  <p:clrMapOvr>
+    <a:masterClrMapping/>
+  </p:clrMapOvr>
+</p:sld>
+</file>
+
+<file path=ppt/slides/slide12.xml><?xml version="1.0" encoding="utf-8"?>
+<p:sld xmlns:a="http://schemas.openxmlformats.org/drawingml/2006/main" xmlns:r="http://schemas.openxmlformats.org/officeDocument/2006/relationships" xmlns:p="http://schemas.openxmlformats.org/presentationml/2006/main">
+  <p:cSld>
+    <p:spTree>
+      <p:nvGrpSpPr>
+        <p:cNvPr id="1" name=""/>
+        <p:cNvGrpSpPr/>
+        <p:nvPr/>
+      </p:nvGrpSpPr>
+      <p:grpSpPr>
+        <a:xfrm>
+          <a:off x="0" y="0"/>
+          <a:ext cx="0" cy="0"/>
+          <a:chOff x="0" y="0"/>
+          <a:chExt cx="0" cy="0"/>
+        </a:xfrm>
+      </p:grpSpPr>
+      <p:sp>
+        <p:nvSpPr>
+          <p:cNvPr id="4" name="Prostokąt 3">
+            <a:extLst>
+              <a:ext uri="{FF2B5EF4-FFF2-40B4-BE49-F238E27FC236}">
+                <a16:creationId xmlns:a16="http://schemas.microsoft.com/office/drawing/2014/main" id="{BF8C8F3B-C015-4A44-BA47-2F03169761BD}"/>
+              </a:ext>
+            </a:extLst>
+          </p:cNvPr>
+          <p:cNvSpPr/>
+          <p:nvPr/>
+        </p:nvSpPr>
+        <p:spPr>
+          <a:xfrm>
+            <a:off x="2654994" y="2852005"/>
+            <a:ext cx="6882012" cy="923330"/>
+          </a:xfrm>
+          <a:prstGeom prst="rect">
+            <a:avLst/>
+          </a:prstGeom>
+          <a:noFill/>
+        </p:spPr>
+        <p:txBody>
+          <a:bodyPr wrap="none" lIns="91440" tIns="45720" rIns="91440" bIns="45720">
+            <a:spAutoFit/>
+          </a:bodyPr>
+          <a:lstStyle/>
+          <a:p>
+            <a:pPr algn="ctr"/>
+            <a:r>
+              <a:rPr lang="pl-PL" sz="5400" b="0" cap="none" spc="0" dirty="0">
+                <a:ln w="0"/>
+                <a:solidFill>
+                  <a:schemeClr val="tx1"/>
+                </a:solidFill>
+                <a:effectLst>
+                  <a:outerShdw blurRad="38100" dist="19050" dir="2700000" algn="tl" rotWithShape="0">
+                    <a:schemeClr val="dk1">
+                      <a:alpha val="40000"/>
+                    </a:schemeClr>
+                  </a:outerShdw>
+                </a:effectLst>
+              </a:rPr>
+              <a:t>Dziękujemy za uwagę</a:t>
+            </a:r>
+          </a:p>
+        </p:txBody>
+      </p:sp>
+    </p:spTree>
+    <p:extLst>
+      <p:ext uri="{BB962C8B-B14F-4D97-AF65-F5344CB8AC3E}">
+        <p14:creationId xmlns:p14="http://schemas.microsoft.com/office/powerpoint/2010/main" val="2285759344"/>
+      </p:ext>
+    </p:extLst>
+  </p:cSld>
+  <p:clrMapOvr>
+    <a:masterClrMapping/>
+  </p:clrMapOvr>
+</p:sld>
+</file>
+
 <file path=ppt/slides/slide2.xml><?xml version="1.0" encoding="utf-8"?>
 <p:sld xmlns:a="http://schemas.openxmlformats.org/drawingml/2006/main" xmlns:r="http://schemas.openxmlformats.org/officeDocument/2006/relationships" xmlns:p="http://schemas.openxmlformats.org/presentationml/2006/main">
   <p:cSld>

--- a/przentacja.pptx
+++ b/przentacja.pptx
@@ -7800,8 +7800,13 @@
           <a:p>
             <a:r>
               <a:rPr lang="pl-PL" sz="1400" dirty="0"/>
-              <a:t>Zatwierdził:</a:t>
-            </a:r>
+              <a:t>Zatwierdził: Mateusz </a:t>
+            </a:r>
+            <a:r>
+              <a:rPr lang="pl-PL" sz="1400"/>
+              <a:t>Gurrski</a:t>
+            </a:r>
+            <a:endParaRPr lang="pl-PL" sz="1400" dirty="0"/>
           </a:p>
         </p:txBody>
       </p:sp>

--- a/przentacja.pptx
+++ b/przentacja.pptx
@@ -10,13 +10,24 @@
     <p:sldId id="258" r:id="rId4"/>
     <p:sldId id="259" r:id="rId5"/>
     <p:sldId id="260" r:id="rId6"/>
-    <p:sldId id="261" r:id="rId7"/>
-    <p:sldId id="262" r:id="rId8"/>
-    <p:sldId id="263" r:id="rId9"/>
-    <p:sldId id="264" r:id="rId10"/>
-    <p:sldId id="265" r:id="rId11"/>
-    <p:sldId id="266" r:id="rId12"/>
-    <p:sldId id="267" r:id="rId13"/>
+    <p:sldId id="268" r:id="rId7"/>
+    <p:sldId id="261" r:id="rId8"/>
+    <p:sldId id="262" r:id="rId9"/>
+    <p:sldId id="263" r:id="rId10"/>
+    <p:sldId id="269" r:id="rId11"/>
+    <p:sldId id="264" r:id="rId12"/>
+    <p:sldId id="270" r:id="rId13"/>
+    <p:sldId id="271" r:id="rId14"/>
+    <p:sldId id="265" r:id="rId15"/>
+    <p:sldId id="272" r:id="rId16"/>
+    <p:sldId id="273" r:id="rId17"/>
+    <p:sldId id="266" r:id="rId18"/>
+    <p:sldId id="274" r:id="rId19"/>
+    <p:sldId id="275" r:id="rId20"/>
+    <p:sldId id="276" r:id="rId21"/>
+    <p:sldId id="277" r:id="rId22"/>
+    <p:sldId id="278" r:id="rId23"/>
+    <p:sldId id="267" r:id="rId24"/>
   </p:sldIdLst>
   <p:sldSz cx="12192000" cy="6858000"/>
   <p:notesSz cx="6858000" cy="9144000"/>
@@ -397,7 +408,7 @@
           <a:p>
             <a:fld id="{78ABE3C1-DBE1-495D-B57B-2849774B866A}" type="datetimeFigureOut">
               <a:rPr lang="en-US" dirty="0"/>
-              <a:t>3/11/2020</a:t>
+              <a:t>5/17/2020</a:t>
             </a:fld>
             <a:endParaRPr lang="en-US" dirty="0"/>
           </a:p>
@@ -806,7 +817,7 @@
           <a:p>
             <a:fld id="{446C117F-5CCF-4837-BE5F-2B92066CAFAF}" type="datetimeFigureOut">
               <a:rPr lang="en-US" dirty="0"/>
-              <a:t>3/11/2020</a:t>
+              <a:t>5/17/2020</a:t>
             </a:fld>
             <a:endParaRPr lang="en-US" dirty="0"/>
           </a:p>
@@ -1137,7 +1148,7 @@
           <a:p>
             <a:fld id="{84EB90BD-B6CE-46B7-997F-7313B992CCDC}" type="datetimeFigureOut">
               <a:rPr lang="en-US" dirty="0"/>
-              <a:t>3/11/2020</a:t>
+              <a:t>5/17/2020</a:t>
             </a:fld>
             <a:endParaRPr lang="en-US" dirty="0"/>
           </a:p>
@@ -1537,7 +1548,7 @@
           <a:p>
             <a:fld id="{CDB9D11F-B188-461D-B23F-39381795C052}" type="datetimeFigureOut">
               <a:rPr lang="en-US" dirty="0"/>
-              <a:t>3/11/2020</a:t>
+              <a:t>5/17/2020</a:t>
             </a:fld>
             <a:endParaRPr lang="en-US" dirty="0"/>
           </a:p>
@@ -2100,7 +2111,7 @@
           <a:p>
             <a:fld id="{52E6D8D9-55A2-4063-B0F3-121F44549695}" type="datetimeFigureOut">
               <a:rPr lang="en-US" dirty="0"/>
-              <a:t>3/11/2020</a:t>
+              <a:t>5/17/2020</a:t>
             </a:fld>
             <a:endParaRPr lang="en-US" dirty="0"/>
           </a:p>
@@ -2776,7 +2787,7 @@
           <a:p>
             <a:fld id="{D4B24536-994D-4021-A283-9F449C0DB509}" type="datetimeFigureOut">
               <a:rPr lang="en-US" dirty="0"/>
-              <a:t>3/11/2020</a:t>
+              <a:t>5/17/2020</a:t>
             </a:fld>
             <a:endParaRPr lang="en-US" dirty="0"/>
           </a:p>
@@ -3684,7 +3695,7 @@
           <a:p>
             <a:fld id="{3CBBBB78-C96F-47B7-AB17-D852CA960AC9}" type="datetimeFigureOut">
               <a:rPr lang="en-US" dirty="0"/>
-              <a:t>3/11/2020</a:t>
+              <a:t>5/17/2020</a:t>
             </a:fld>
             <a:endParaRPr lang="en-US" dirty="0"/>
           </a:p>
@@ -3992,7 +4003,7 @@
           <a:p>
             <a:fld id="{1FA3F48C-C7C6-4055-9F49-3777875E72AE}" type="datetimeFigureOut">
               <a:rPr lang="en-US" dirty="0"/>
-              <a:t>3/11/2020</a:t>
+              <a:t>5/17/2020</a:t>
             </a:fld>
             <a:endParaRPr lang="en-US" dirty="0"/>
           </a:p>
@@ -4251,7 +4262,7 @@
           <a:p>
             <a:fld id="{6178E61D-D431-422C-9764-11DAFE33AB63}" type="datetimeFigureOut">
               <a:rPr lang="en-US" dirty="0"/>
-              <a:t>3/11/2020</a:t>
+              <a:t>5/17/2020</a:t>
             </a:fld>
             <a:endParaRPr lang="en-US" dirty="0"/>
           </a:p>
@@ -4570,7 +4581,7 @@
           <a:p>
             <a:fld id="{12DE42F4-6EEF-4EF7-8ED4-2208F0F89A08}" type="datetimeFigureOut">
               <a:rPr lang="en-US" dirty="0"/>
-              <a:t>3/11/2020</a:t>
+              <a:t>5/17/2020</a:t>
             </a:fld>
             <a:endParaRPr lang="en-US" dirty="0"/>
           </a:p>
@@ -4954,7 +4965,7 @@
           <a:p>
             <a:fld id="{30578ACC-22D6-47C1-A373-4FD133E34F3C}" type="datetimeFigureOut">
               <a:rPr lang="en-US" dirty="0"/>
-              <a:t>3/11/2020</a:t>
+              <a:t>5/17/2020</a:t>
             </a:fld>
             <a:endParaRPr lang="en-US" dirty="0"/>
           </a:p>
@@ -5325,7 +5336,7 @@
           <a:p>
             <a:fld id="{4E5A6C69-6797-4E8A-BF37-F2C3751466E9}" type="datetimeFigureOut">
               <a:rPr lang="en-US" dirty="0"/>
-              <a:t>3/11/2020</a:t>
+              <a:t>5/17/2020</a:t>
             </a:fld>
             <a:endParaRPr lang="en-US" dirty="0"/>
           </a:p>
@@ -5826,7 +5837,7 @@
           <a:p>
             <a:fld id="{D82014A1-A632-4878-A0D3-F52BA7563730}" type="datetimeFigureOut">
               <a:rPr lang="en-US" dirty="0"/>
-              <a:t>3/11/2020</a:t>
+              <a:t>5/17/2020</a:t>
             </a:fld>
             <a:endParaRPr lang="en-US" dirty="0"/>
           </a:p>
@@ -6078,7 +6089,7 @@
           <a:p>
             <a:fld id="{CE99F462-093F-4566-844B-4C71F2739DA5}" type="datetimeFigureOut">
               <a:rPr lang="en-US" dirty="0"/>
-              <a:t>3/11/2020</a:t>
+              <a:t>5/17/2020</a:t>
             </a:fld>
             <a:endParaRPr lang="en-US" dirty="0"/>
           </a:p>
@@ -6236,7 +6247,7 @@
           <a:p>
             <a:fld id="{3D24A7AC-904D-4781-85BA-7D10C17ED021}" type="datetimeFigureOut">
               <a:rPr lang="en-US" dirty="0"/>
-              <a:t>3/11/2020</a:t>
+              <a:t>5/17/2020</a:t>
             </a:fld>
             <a:endParaRPr lang="en-US" dirty="0"/>
           </a:p>
@@ -6621,7 +6632,7 @@
           <a:p>
             <a:fld id="{E331444B-B92B-4E27-8C94-BB93EAF5CB18}" type="datetimeFigureOut">
               <a:rPr lang="en-US" dirty="0"/>
-              <a:t>3/11/2020</a:t>
+              <a:t>5/17/2020</a:t>
             </a:fld>
             <a:endParaRPr lang="en-US" dirty="0"/>
           </a:p>
@@ -7025,7 +7036,7 @@
           <a:p>
             <a:fld id="{363EFA5E-FA76-400D-B3DC-F0BA90E6D107}" type="datetimeFigureOut">
               <a:rPr lang="en-US" dirty="0"/>
-              <a:t>3/11/2020</a:t>
+              <a:t>5/17/2020</a:t>
             </a:fld>
             <a:endParaRPr lang="en-US" dirty="0"/>
           </a:p>
@@ -7264,7 +7275,7 @@
           <a:p>
             <a:fld id="{9D6E9DEC-419B-4CC5-A080-3B06BD5A8291}" type="datetimeFigureOut">
               <a:rPr lang="en-US" dirty="0"/>
-              <a:t>3/11/2020</a:t>
+              <a:t>5/17/2020</a:t>
             </a:fld>
             <a:endParaRPr lang="en-US" dirty="0"/>
           </a:p>
@@ -7845,7 +7856,7 @@
           <p:cNvPr id="2" name="Tytuł 1">
             <a:extLst>
               <a:ext uri="{FF2B5EF4-FFF2-40B4-BE49-F238E27FC236}">
-                <a16:creationId xmlns:a16="http://schemas.microsoft.com/office/drawing/2014/main" id="{24EE09B4-6F21-4F6F-AF0C-ABEE66C54E03}"/>
+                <a16:creationId xmlns:a16="http://schemas.microsoft.com/office/drawing/2014/main" id="{95FEBA9D-BA9F-4A49-9899-5F12168F8E48}"/>
               </a:ext>
             </a:extLst>
           </p:cNvPr>
@@ -7863,17 +7874,17 @@
           <a:p>
             <a:r>
               <a:rPr lang="pl-PL" dirty="0"/>
-              <a:t>Peryferia</a:t>
+              <a:t>Android Studio</a:t>
             </a:r>
           </a:p>
         </p:txBody>
       </p:sp>
       <p:pic>
         <p:nvPicPr>
-          <p:cNvPr id="5" name="Symbol zastępczy zawartości 4">
+          <p:cNvPr id="5" name="Symbol zastępczy zawartości 4" descr="Obraz zawierający zrzut ekranu, monitor, sprzęt elektroniczny, komputer&#10;&#10;Opis wygenerowany automatycznie">
             <a:extLst>
               <a:ext uri="{FF2B5EF4-FFF2-40B4-BE49-F238E27FC236}">
-                <a16:creationId xmlns:a16="http://schemas.microsoft.com/office/drawing/2014/main" id="{D849F78C-A2D8-4F29-A71C-980AF0C0F27B}"/>
+                <a16:creationId xmlns:a16="http://schemas.microsoft.com/office/drawing/2014/main" id="{0A48FF11-FADF-43BC-862F-D32B4CC92C9E}"/>
               </a:ext>
             </a:extLst>
           </p:cNvPr>
@@ -7892,115 +7903,15 @@
         </p:blipFill>
         <p:spPr>
           <a:xfrm>
-            <a:off x="2008017" y="2526248"/>
-            <a:ext cx="2857500" cy="2857500"/>
+            <a:off x="2695152" y="2216031"/>
+            <a:ext cx="6801695" cy="3888741"/>
           </a:xfrm>
         </p:spPr>
       </p:pic>
-      <p:pic>
-        <p:nvPicPr>
-          <p:cNvPr id="7" name="Obraz 6" descr="Obraz zawierający sprzęt elektroniczny, obwód&#10;&#10;Opis wygenerowany automatycznie">
-            <a:extLst>
-              <a:ext uri="{FF2B5EF4-FFF2-40B4-BE49-F238E27FC236}">
-                <a16:creationId xmlns:a16="http://schemas.microsoft.com/office/drawing/2014/main" id="{57F70319-A4BD-44D1-A153-CB9DD53F6339}"/>
-              </a:ext>
-            </a:extLst>
-          </p:cNvPr>
-          <p:cNvPicPr>
-            <a:picLocks noChangeAspect="1"/>
-          </p:cNvPicPr>
-          <p:nvPr/>
-        </p:nvPicPr>
-        <p:blipFill>
-          <a:blip r:embed="rId3"/>
-          <a:stretch>
-            <a:fillRect/>
-          </a:stretch>
-        </p:blipFill>
-        <p:spPr>
-          <a:xfrm>
-            <a:off x="6901250" y="2526248"/>
-            <a:ext cx="2857500" cy="2857500"/>
-          </a:xfrm>
-          <a:prstGeom prst="rect">
-            <a:avLst/>
-          </a:prstGeom>
-        </p:spPr>
-      </p:pic>
-      <p:sp>
-        <p:nvSpPr>
-          <p:cNvPr id="8" name="pole tekstowe 7">
-            <a:extLst>
-              <a:ext uri="{FF2B5EF4-FFF2-40B4-BE49-F238E27FC236}">
-                <a16:creationId xmlns:a16="http://schemas.microsoft.com/office/drawing/2014/main" id="{1C4697CE-9B18-4EFB-845D-991E52678A0F}"/>
-              </a:ext>
-            </a:extLst>
-          </p:cNvPr>
-          <p:cNvSpPr txBox="1"/>
-          <p:nvPr/>
-        </p:nvSpPr>
-        <p:spPr>
-          <a:xfrm>
-            <a:off x="2866768" y="5552610"/>
-            <a:ext cx="2100649" cy="523220"/>
-          </a:xfrm>
-          <a:prstGeom prst="rect">
-            <a:avLst/>
-          </a:prstGeom>
-          <a:noFill/>
-        </p:spPr>
-        <p:txBody>
-          <a:bodyPr wrap="square" rtlCol="0">
-            <a:spAutoFit/>
-          </a:bodyPr>
-          <a:lstStyle/>
-          <a:p>
-            <a:r>
-              <a:rPr lang="pl-PL" sz="2800" dirty="0"/>
-              <a:t>DHT11</a:t>
-            </a:r>
-          </a:p>
-        </p:txBody>
-      </p:sp>
-      <p:sp>
-        <p:nvSpPr>
-          <p:cNvPr id="9" name="pole tekstowe 8">
-            <a:extLst>
-              <a:ext uri="{FF2B5EF4-FFF2-40B4-BE49-F238E27FC236}">
-                <a16:creationId xmlns:a16="http://schemas.microsoft.com/office/drawing/2014/main" id="{A09AD15A-FDA6-47A1-9AAD-40CF6D5A4FF7}"/>
-              </a:ext>
-            </a:extLst>
-          </p:cNvPr>
-          <p:cNvSpPr txBox="1"/>
-          <p:nvPr/>
-        </p:nvSpPr>
-        <p:spPr>
-          <a:xfrm>
-            <a:off x="7447005" y="5552610"/>
-            <a:ext cx="1878227" cy="523220"/>
-          </a:xfrm>
-          <a:prstGeom prst="rect">
-            <a:avLst/>
-          </a:prstGeom>
-          <a:noFill/>
-        </p:spPr>
-        <p:txBody>
-          <a:bodyPr wrap="square" rtlCol="0">
-            <a:spAutoFit/>
-          </a:bodyPr>
-          <a:lstStyle/>
-          <a:p>
-            <a:r>
-              <a:rPr lang="pl-PL" sz="2800" dirty="0"/>
-              <a:t>NRF24L01</a:t>
-            </a:r>
-          </a:p>
-        </p:txBody>
-      </p:sp>
     </p:spTree>
     <p:extLst>
       <p:ext uri="{BB962C8B-B14F-4D97-AF65-F5344CB8AC3E}">
-        <p14:creationId xmlns:p14="http://schemas.microsoft.com/office/powerpoint/2010/main" val="3777934071"/>
+        <p14:creationId xmlns:p14="http://schemas.microsoft.com/office/powerpoint/2010/main" val="2310732814"/>
       </p:ext>
     </p:extLst>
   </p:cSld>
@@ -8032,7 +7943,7 @@
           <p:cNvPr id="2" name="Tytuł 1">
             <a:extLst>
               <a:ext uri="{FF2B5EF4-FFF2-40B4-BE49-F238E27FC236}">
-                <a16:creationId xmlns:a16="http://schemas.microsoft.com/office/drawing/2014/main" id="{1A7B8F4B-9F20-45EE-A788-685583AFFDCB}"/>
+                <a16:creationId xmlns:a16="http://schemas.microsoft.com/office/drawing/2014/main" id="{C048F54A-88BE-4C0B-86A5-79F390D34D7E}"/>
               </a:ext>
             </a:extLst>
           </p:cNvPr>
@@ -8050,26 +7961,66 @@
           <a:p>
             <a:r>
               <a:rPr lang="pl-PL" dirty="0"/>
-              <a:t>Interfejs</a:t>
+              <a:t>Mikrokontrolery</a:t>
+            </a:r>
+          </a:p>
+        </p:txBody>
+      </p:sp>
+      <p:sp>
+        <p:nvSpPr>
+          <p:cNvPr id="3" name="Symbol zastępczy zawartości 2">
+            <a:extLst>
+              <a:ext uri="{FF2B5EF4-FFF2-40B4-BE49-F238E27FC236}">
+                <a16:creationId xmlns:a16="http://schemas.microsoft.com/office/drawing/2014/main" id="{68FBB798-A2A5-4BB5-B904-30A7CBA0D6AD}"/>
+              </a:ext>
+            </a:extLst>
+          </p:cNvPr>
+          <p:cNvSpPr>
+            <a:spLocks noGrp="1"/>
+          </p:cNvSpPr>
+          <p:nvPr>
+            <p:ph idx="1"/>
+          </p:nvPr>
+        </p:nvSpPr>
+        <p:spPr>
+          <a:xfrm>
+            <a:off x="759894" y="5310210"/>
+            <a:ext cx="5644361" cy="467298"/>
+          </a:xfrm>
+        </p:spPr>
+        <p:txBody>
+          <a:bodyPr>
+            <a:noAutofit/>
+          </a:bodyPr>
+          <a:lstStyle/>
+          <a:p>
+            <a:pPr marL="0" indent="0" algn="ctr">
+              <a:buNone/>
+            </a:pPr>
+            <a:r>
+              <a:rPr lang="pl-PL" sz="2800" dirty="0" err="1"/>
+              <a:t>Arduino</a:t>
+            </a:r>
+            <a:r>
+              <a:rPr lang="pl-PL" sz="2800" dirty="0"/>
+              <a:t> Nano</a:t>
             </a:r>
           </a:p>
         </p:txBody>
       </p:sp>
       <p:pic>
         <p:nvPicPr>
-          <p:cNvPr id="5" name="Symbol zastępczy zawartości 4" descr="Obraz zawierający zrzut ekranu&#10;&#10;Opis wygenerowany automatycznie">
+          <p:cNvPr id="7" name="Obraz 6" descr="Obraz zawierający obwód, sprzęt elektroniczny&#10;&#10;Opis wygenerowany automatycznie">
             <a:extLst>
               <a:ext uri="{FF2B5EF4-FFF2-40B4-BE49-F238E27FC236}">
-                <a16:creationId xmlns:a16="http://schemas.microsoft.com/office/drawing/2014/main" id="{6976626B-4FFF-43FD-8F10-FEA1727039F9}"/>
+                <a16:creationId xmlns:a16="http://schemas.microsoft.com/office/drawing/2014/main" id="{FE7F094A-8CA4-4D45-972B-46AEC269585F}"/>
               </a:ext>
             </a:extLst>
           </p:cNvPr>
           <p:cNvPicPr>
-            <a:picLocks noGrp="1" noChangeAspect="1"/>
+            <a:picLocks noChangeAspect="1"/>
           </p:cNvPicPr>
-          <p:nvPr>
-            <p:ph idx="1"/>
-          </p:nvPr>
+          <p:nvPr/>
         </p:nvPicPr>
         <p:blipFill>
           <a:blip r:embed="rId2"/>
@@ -8079,15 +8030,87 @@
         </p:blipFill>
         <p:spPr>
           <a:xfrm>
-            <a:off x="2297041" y="2151974"/>
-            <a:ext cx="7597917" cy="4271743"/>
-          </a:xfrm>
+            <a:off x="1676900" y="2223292"/>
+            <a:ext cx="3810351" cy="2857763"/>
+          </a:xfrm>
+          <a:prstGeom prst="rect">
+            <a:avLst/>
+          </a:prstGeom>
         </p:spPr>
       </p:pic>
+      <p:pic>
+        <p:nvPicPr>
+          <p:cNvPr id="9" name="Obraz 8" descr="Obraz zawierający sprzęt elektroniczny, obwód&#10;&#10;Opis wygenerowany automatycznie">
+            <a:extLst>
+              <a:ext uri="{FF2B5EF4-FFF2-40B4-BE49-F238E27FC236}">
+                <a16:creationId xmlns:a16="http://schemas.microsoft.com/office/drawing/2014/main" id="{88B1E253-985E-4761-BA84-725C24DA480A}"/>
+              </a:ext>
+            </a:extLst>
+          </p:cNvPr>
+          <p:cNvPicPr>
+            <a:picLocks noChangeAspect="1"/>
+          </p:cNvPicPr>
+          <p:nvPr/>
+        </p:nvPicPr>
+        <p:blipFill>
+          <a:blip r:embed="rId3"/>
+          <a:stretch>
+            <a:fillRect/>
+          </a:stretch>
+        </p:blipFill>
+        <p:spPr>
+          <a:xfrm>
+            <a:off x="7011978" y="2232815"/>
+            <a:ext cx="2856473" cy="2856473"/>
+          </a:xfrm>
+          <a:prstGeom prst="rect">
+            <a:avLst/>
+          </a:prstGeom>
+        </p:spPr>
+      </p:pic>
+      <p:sp>
+        <p:nvSpPr>
+          <p:cNvPr id="11" name="pole tekstowe 10">
+            <a:extLst>
+              <a:ext uri="{FF2B5EF4-FFF2-40B4-BE49-F238E27FC236}">
+                <a16:creationId xmlns:a16="http://schemas.microsoft.com/office/drawing/2014/main" id="{EE84C6E6-5555-4A7D-9C42-913EB51D4941}"/>
+              </a:ext>
+            </a:extLst>
+          </p:cNvPr>
+          <p:cNvSpPr txBox="1"/>
+          <p:nvPr/>
+        </p:nvSpPr>
+        <p:spPr>
+          <a:xfrm>
+            <a:off x="7360149" y="5254288"/>
+            <a:ext cx="2160129" cy="523220"/>
+          </a:xfrm>
+          <a:prstGeom prst="rect">
+            <a:avLst/>
+          </a:prstGeom>
+          <a:noFill/>
+        </p:spPr>
+        <p:txBody>
+          <a:bodyPr wrap="square" rtlCol="0">
+            <a:spAutoFit/>
+          </a:bodyPr>
+          <a:lstStyle/>
+          <a:p>
+            <a:r>
+              <a:rPr lang="pl-PL" sz="2800" dirty="0" err="1"/>
+              <a:t>Arduino</a:t>
+            </a:r>
+            <a:r>
+              <a:rPr lang="pl-PL" sz="2800" dirty="0"/>
+              <a:t> Uno</a:t>
+            </a:r>
+          </a:p>
+        </p:txBody>
+      </p:sp>
     </p:spTree>
     <p:extLst>
       <p:ext uri="{BB962C8B-B14F-4D97-AF65-F5344CB8AC3E}">
-        <p14:creationId xmlns:p14="http://schemas.microsoft.com/office/powerpoint/2010/main" val="4238017757"/>
+        <p14:creationId xmlns:p14="http://schemas.microsoft.com/office/powerpoint/2010/main" val="2175086332"/>
       </p:ext>
     </p:extLst>
   </p:cSld>
@@ -8116,20 +8139,80 @@
       </p:grpSpPr>
       <p:sp>
         <p:nvSpPr>
-          <p:cNvPr id="4" name="Prostokąt 3">
+          <p:cNvPr id="2" name="Tytuł 1">
             <a:extLst>
               <a:ext uri="{FF2B5EF4-FFF2-40B4-BE49-F238E27FC236}">
-                <a16:creationId xmlns:a16="http://schemas.microsoft.com/office/drawing/2014/main" id="{BF8C8F3B-C015-4A44-BA47-2F03169761BD}"/>
+                <a16:creationId xmlns:a16="http://schemas.microsoft.com/office/drawing/2014/main" id="{54C246BA-79EA-4E8F-B04A-254B8D094291}"/>
               </a:ext>
             </a:extLst>
           </p:cNvPr>
-          <p:cNvSpPr/>
+          <p:cNvSpPr>
+            <a:spLocks noGrp="1"/>
+          </p:cNvSpPr>
+          <p:nvPr>
+            <p:ph type="title"/>
+          </p:nvPr>
+        </p:nvSpPr>
+        <p:spPr/>
+        <p:txBody>
+          <a:bodyPr/>
+          <a:lstStyle/>
+          <a:p>
+            <a:r>
+              <a:rPr lang="pl-PL" dirty="0"/>
+              <a:t>Mikrokontrolery</a:t>
+            </a:r>
+          </a:p>
+        </p:txBody>
+      </p:sp>
+      <p:pic>
+        <p:nvPicPr>
+          <p:cNvPr id="4" name="Symbol zastępczy zawartości 3">
+            <a:extLst>
+              <a:ext uri="{FF2B5EF4-FFF2-40B4-BE49-F238E27FC236}">
+                <a16:creationId xmlns:a16="http://schemas.microsoft.com/office/drawing/2014/main" id="{DCCA5341-A051-4E86-BBD9-AAA95CD788C0}"/>
+              </a:ext>
+            </a:extLst>
+          </p:cNvPr>
+          <p:cNvPicPr>
+            <a:picLocks noGrp="1" noChangeAspect="1"/>
+          </p:cNvPicPr>
+          <p:nvPr>
+            <p:ph idx="1"/>
+          </p:nvPr>
+        </p:nvPicPr>
+        <p:blipFill>
+          <a:blip r:embed="rId2"/>
+          <a:stretch>
+            <a:fillRect/>
+          </a:stretch>
+        </p:blipFill>
+        <p:spPr>
+          <a:xfrm>
+            <a:off x="1872431" y="2564594"/>
+            <a:ext cx="3821873" cy="2756608"/>
+          </a:xfrm>
+          <a:prstGeom prst="rect">
+            <a:avLst/>
+          </a:prstGeom>
+        </p:spPr>
+      </p:pic>
+      <p:sp>
+        <p:nvSpPr>
+          <p:cNvPr id="5" name="pole tekstowe 4">
+            <a:extLst>
+              <a:ext uri="{FF2B5EF4-FFF2-40B4-BE49-F238E27FC236}">
+                <a16:creationId xmlns:a16="http://schemas.microsoft.com/office/drawing/2014/main" id="{2A6C94EB-A468-4580-BD5D-9BA6B2E519F4}"/>
+              </a:ext>
+            </a:extLst>
+          </p:cNvPr>
+          <p:cNvSpPr txBox="1"/>
           <p:nvPr/>
         </p:nvSpPr>
         <p:spPr>
           <a:xfrm>
-            <a:off x="2654994" y="2852005"/>
-            <a:ext cx="6882012" cy="923330"/>
+            <a:off x="2252741" y="5581552"/>
+            <a:ext cx="3061252" cy="523220"/>
           </a:xfrm>
           <a:prstGeom prst="rect">
             <a:avLst/>
@@ -8137,27 +8220,81 @@
           <a:noFill/>
         </p:spPr>
         <p:txBody>
-          <a:bodyPr wrap="none" lIns="91440" tIns="45720" rIns="91440" bIns="45720">
+          <a:bodyPr wrap="square" rtlCol="0">
             <a:spAutoFit/>
           </a:bodyPr>
           <a:lstStyle/>
           <a:p>
             <a:pPr algn="ctr"/>
             <a:r>
-              <a:rPr lang="pl-PL" sz="5400" b="0" cap="none" spc="0" dirty="0">
-                <a:ln w="0"/>
-                <a:solidFill>
-                  <a:schemeClr val="tx1"/>
-                </a:solidFill>
-                <a:effectLst>
-                  <a:outerShdw blurRad="38100" dist="19050" dir="2700000" algn="tl" rotWithShape="0">
-                    <a:schemeClr val="dk1">
-                      <a:alpha val="40000"/>
-                    </a:schemeClr>
-                  </a:outerShdw>
-                </a:effectLst>
-              </a:rPr>
-              <a:t>Dziękujemy za uwagę</a:t>
+              <a:rPr lang="pl-PL" sz="2800" dirty="0"/>
+              <a:t>ESP8266</a:t>
+            </a:r>
+          </a:p>
+        </p:txBody>
+      </p:sp>
+      <p:pic>
+        <p:nvPicPr>
+          <p:cNvPr id="7" name="Obraz 6" descr="Obraz zawierający sprzęt elektroniczny, obwód&#10;&#10;Opis wygenerowany automatycznie">
+            <a:extLst>
+              <a:ext uri="{FF2B5EF4-FFF2-40B4-BE49-F238E27FC236}">
+                <a16:creationId xmlns:a16="http://schemas.microsoft.com/office/drawing/2014/main" id="{55CBAD94-9686-4D7B-A0C2-0443D9A76A05}"/>
+              </a:ext>
+            </a:extLst>
+          </p:cNvPr>
+          <p:cNvPicPr>
+            <a:picLocks noChangeAspect="1"/>
+          </p:cNvPicPr>
+          <p:nvPr/>
+        </p:nvPicPr>
+        <p:blipFill>
+          <a:blip r:embed="rId3"/>
+          <a:stretch>
+            <a:fillRect/>
+          </a:stretch>
+        </p:blipFill>
+        <p:spPr>
+          <a:xfrm>
+            <a:off x="7213315" y="2564594"/>
+            <a:ext cx="2756608" cy="2756608"/>
+          </a:xfrm>
+          <a:prstGeom prst="rect">
+            <a:avLst/>
+          </a:prstGeom>
+        </p:spPr>
+      </p:pic>
+      <p:sp>
+        <p:nvSpPr>
+          <p:cNvPr id="8" name="pole tekstowe 7">
+            <a:extLst>
+              <a:ext uri="{FF2B5EF4-FFF2-40B4-BE49-F238E27FC236}">
+                <a16:creationId xmlns:a16="http://schemas.microsoft.com/office/drawing/2014/main" id="{B0C46DC2-B809-4978-B172-8B29CC3B605D}"/>
+              </a:ext>
+            </a:extLst>
+          </p:cNvPr>
+          <p:cNvSpPr txBox="1"/>
+          <p:nvPr/>
+        </p:nvSpPr>
+        <p:spPr>
+          <a:xfrm>
+            <a:off x="7021236" y="5528410"/>
+            <a:ext cx="3140766" cy="523220"/>
+          </a:xfrm>
+          <a:prstGeom prst="rect">
+            <a:avLst/>
+          </a:prstGeom>
+          <a:noFill/>
+        </p:spPr>
+        <p:txBody>
+          <a:bodyPr wrap="square" rtlCol="0">
+            <a:spAutoFit/>
+          </a:bodyPr>
+          <a:lstStyle/>
+          <a:p>
+            <a:pPr algn="ctr"/>
+            <a:r>
+              <a:rPr lang="pl-PL" sz="2800" dirty="0"/>
+              <a:t>ESP32</a:t>
             </a:r>
           </a:p>
         </p:txBody>
@@ -8165,7 +8302,1061 @@
     </p:spTree>
     <p:extLst>
       <p:ext uri="{BB962C8B-B14F-4D97-AF65-F5344CB8AC3E}">
-        <p14:creationId xmlns:p14="http://schemas.microsoft.com/office/powerpoint/2010/main" val="2285759344"/>
+        <p14:creationId xmlns:p14="http://schemas.microsoft.com/office/powerpoint/2010/main" val="2363893276"/>
+      </p:ext>
+    </p:extLst>
+  </p:cSld>
+  <p:clrMapOvr>
+    <a:masterClrMapping/>
+  </p:clrMapOvr>
+</p:sld>
+</file>
+
+<file path=ppt/slides/slide13.xml><?xml version="1.0" encoding="utf-8"?>
+<p:sld xmlns:a="http://schemas.openxmlformats.org/drawingml/2006/main" xmlns:r="http://schemas.openxmlformats.org/officeDocument/2006/relationships" xmlns:p="http://schemas.openxmlformats.org/presentationml/2006/main">
+  <p:cSld>
+    <p:spTree>
+      <p:nvGrpSpPr>
+        <p:cNvPr id="1" name=""/>
+        <p:cNvGrpSpPr/>
+        <p:nvPr/>
+      </p:nvGrpSpPr>
+      <p:grpSpPr>
+        <a:xfrm>
+          <a:off x="0" y="0"/>
+          <a:ext cx="0" cy="0"/>
+          <a:chOff x="0" y="0"/>
+          <a:chExt cx="0" cy="0"/>
+        </a:xfrm>
+      </p:grpSpPr>
+      <p:sp>
+        <p:nvSpPr>
+          <p:cNvPr id="2" name="Tytuł 1">
+            <a:extLst>
+              <a:ext uri="{FF2B5EF4-FFF2-40B4-BE49-F238E27FC236}">
+                <a16:creationId xmlns:a16="http://schemas.microsoft.com/office/drawing/2014/main" id="{84776CD2-899A-4263-BB7E-C0065E69C8CB}"/>
+              </a:ext>
+            </a:extLst>
+          </p:cNvPr>
+          <p:cNvSpPr>
+            <a:spLocks noGrp="1"/>
+          </p:cNvSpPr>
+          <p:nvPr>
+            <p:ph type="title"/>
+          </p:nvPr>
+        </p:nvSpPr>
+        <p:spPr/>
+        <p:txBody>
+          <a:bodyPr/>
+          <a:lstStyle/>
+          <a:p>
+            <a:r>
+              <a:rPr lang="pl-PL" dirty="0"/>
+              <a:t>Wybór mikrokontrolera</a:t>
+            </a:r>
+          </a:p>
+        </p:txBody>
+      </p:sp>
+      <p:sp>
+        <p:nvSpPr>
+          <p:cNvPr id="3" name="Symbol zastępczy zawartości 2">
+            <a:extLst>
+              <a:ext uri="{FF2B5EF4-FFF2-40B4-BE49-F238E27FC236}">
+                <a16:creationId xmlns:a16="http://schemas.microsoft.com/office/drawing/2014/main" id="{38A094A9-3A96-4045-BAAE-DE674BA25A76}"/>
+              </a:ext>
+            </a:extLst>
+          </p:cNvPr>
+          <p:cNvSpPr>
+            <a:spLocks noGrp="1"/>
+          </p:cNvSpPr>
+          <p:nvPr>
+            <p:ph idx="1"/>
+          </p:nvPr>
+        </p:nvSpPr>
+        <p:spPr>
+          <a:xfrm>
+            <a:off x="680322" y="2336873"/>
+            <a:ext cx="6515608" cy="3599316"/>
+          </a:xfrm>
+        </p:spPr>
+        <p:txBody>
+          <a:bodyPr>
+            <a:normAutofit/>
+          </a:bodyPr>
+          <a:lstStyle/>
+          <a:p>
+            <a:pPr marL="0" indent="0" algn="ctr">
+              <a:buNone/>
+            </a:pPr>
+            <a:r>
+              <a:rPr lang="pl-PL" sz="3600" dirty="0"/>
+              <a:t>ESP8266</a:t>
+            </a:r>
+            <a:endParaRPr lang="pl-PL" dirty="0"/>
+          </a:p>
+          <a:p>
+            <a:pPr marL="0" indent="0">
+              <a:buNone/>
+            </a:pPr>
+            <a:r>
+              <a:rPr lang="pl-PL" dirty="0"/>
+              <a:t>Możliwości wszystkich kontrolerów są zbliżone, jednak tylko urządzenia ESP posiadają wbudowaną kartę </a:t>
+            </a:r>
+            <a:r>
+              <a:rPr lang="pl-PL" dirty="0" err="1"/>
+              <a:t>WiFi</a:t>
+            </a:r>
+            <a:r>
+              <a:rPr lang="pl-PL" dirty="0"/>
+              <a:t>. Ponieważ układy nie będą wymagać dużej mocy obliczeniowej, ani nie potrzebują dużo pamięci (RAM oraz </a:t>
+            </a:r>
+            <a:r>
+              <a:rPr lang="pl-PL" dirty="0" err="1"/>
+              <a:t>flash</a:t>
+            </a:r>
+            <a:r>
+              <a:rPr lang="pl-PL" dirty="0"/>
+              <a:t>), w tym przypadku wybór sprowadza się więc do porównania ceny między nimi.</a:t>
+            </a:r>
+          </a:p>
+          <a:p>
+            <a:pPr marL="0" indent="0">
+              <a:buNone/>
+            </a:pPr>
+            <a:endParaRPr lang="pl-PL" dirty="0"/>
+          </a:p>
+        </p:txBody>
+      </p:sp>
+      <p:pic>
+        <p:nvPicPr>
+          <p:cNvPr id="4" name="Symbol zastępczy zawartości 3">
+            <a:extLst>
+              <a:ext uri="{FF2B5EF4-FFF2-40B4-BE49-F238E27FC236}">
+                <a16:creationId xmlns:a16="http://schemas.microsoft.com/office/drawing/2014/main" id="{6FA39A1F-7AC8-4C9D-BC86-C98F3371FA4B}"/>
+              </a:ext>
+            </a:extLst>
+          </p:cNvPr>
+          <p:cNvPicPr>
+            <a:picLocks noChangeAspect="1"/>
+          </p:cNvPicPr>
+          <p:nvPr/>
+        </p:nvPicPr>
+        <p:blipFill>
+          <a:blip r:embed="rId2"/>
+          <a:stretch>
+            <a:fillRect/>
+          </a:stretch>
+        </p:blipFill>
+        <p:spPr>
+          <a:xfrm>
+            <a:off x="7442721" y="2758227"/>
+            <a:ext cx="3821873" cy="2756608"/>
+          </a:xfrm>
+          <a:prstGeom prst="rect">
+            <a:avLst/>
+          </a:prstGeom>
+        </p:spPr>
+      </p:pic>
+    </p:spTree>
+    <p:extLst>
+      <p:ext uri="{BB962C8B-B14F-4D97-AF65-F5344CB8AC3E}">
+        <p14:creationId xmlns:p14="http://schemas.microsoft.com/office/powerpoint/2010/main" val="1598752641"/>
+      </p:ext>
+    </p:extLst>
+  </p:cSld>
+  <p:clrMapOvr>
+    <a:masterClrMapping/>
+  </p:clrMapOvr>
+</p:sld>
+</file>
+
+<file path=ppt/slides/slide14.xml><?xml version="1.0" encoding="utf-8"?>
+<p:sld xmlns:a="http://schemas.openxmlformats.org/drawingml/2006/main" xmlns:r="http://schemas.openxmlformats.org/officeDocument/2006/relationships" xmlns:p="http://schemas.openxmlformats.org/presentationml/2006/main">
+  <p:cSld>
+    <p:spTree>
+      <p:nvGrpSpPr>
+        <p:cNvPr id="1" name=""/>
+        <p:cNvGrpSpPr/>
+        <p:nvPr/>
+      </p:nvGrpSpPr>
+      <p:grpSpPr>
+        <a:xfrm>
+          <a:off x="0" y="0"/>
+          <a:ext cx="0" cy="0"/>
+          <a:chOff x="0" y="0"/>
+          <a:chExt cx="0" cy="0"/>
+        </a:xfrm>
+      </p:grpSpPr>
+      <p:sp>
+        <p:nvSpPr>
+          <p:cNvPr id="2" name="Tytuł 1">
+            <a:extLst>
+              <a:ext uri="{FF2B5EF4-FFF2-40B4-BE49-F238E27FC236}">
+                <a16:creationId xmlns:a16="http://schemas.microsoft.com/office/drawing/2014/main" id="{24EE09B4-6F21-4F6F-AF0C-ABEE66C54E03}"/>
+              </a:ext>
+            </a:extLst>
+          </p:cNvPr>
+          <p:cNvSpPr>
+            <a:spLocks noGrp="1"/>
+          </p:cNvSpPr>
+          <p:nvPr>
+            <p:ph type="title"/>
+          </p:nvPr>
+        </p:nvSpPr>
+        <p:spPr/>
+        <p:txBody>
+          <a:bodyPr/>
+          <a:lstStyle/>
+          <a:p>
+            <a:r>
+              <a:rPr lang="pl-PL" dirty="0"/>
+              <a:t>Czujniki</a:t>
+            </a:r>
+          </a:p>
+        </p:txBody>
+      </p:sp>
+      <p:pic>
+        <p:nvPicPr>
+          <p:cNvPr id="5" name="Symbol zastępczy zawartości 4">
+            <a:extLst>
+              <a:ext uri="{FF2B5EF4-FFF2-40B4-BE49-F238E27FC236}">
+                <a16:creationId xmlns:a16="http://schemas.microsoft.com/office/drawing/2014/main" id="{D849F78C-A2D8-4F29-A71C-980AF0C0F27B}"/>
+              </a:ext>
+            </a:extLst>
+          </p:cNvPr>
+          <p:cNvPicPr>
+            <a:picLocks noGrp="1" noChangeAspect="1"/>
+          </p:cNvPicPr>
+          <p:nvPr>
+            <p:ph idx="1"/>
+          </p:nvPr>
+        </p:nvPicPr>
+        <p:blipFill>
+          <a:blip r:embed="rId2"/>
+          <a:stretch>
+            <a:fillRect/>
+          </a:stretch>
+        </p:blipFill>
+        <p:spPr>
+          <a:xfrm>
+            <a:off x="506844" y="2457573"/>
+            <a:ext cx="2857500" cy="2857500"/>
+          </a:xfrm>
+        </p:spPr>
+      </p:pic>
+      <p:sp>
+        <p:nvSpPr>
+          <p:cNvPr id="8" name="pole tekstowe 7">
+            <a:extLst>
+              <a:ext uri="{FF2B5EF4-FFF2-40B4-BE49-F238E27FC236}">
+                <a16:creationId xmlns:a16="http://schemas.microsoft.com/office/drawing/2014/main" id="{1C4697CE-9B18-4EFB-845D-991E52678A0F}"/>
+              </a:ext>
+            </a:extLst>
+          </p:cNvPr>
+          <p:cNvSpPr txBox="1"/>
+          <p:nvPr/>
+        </p:nvSpPr>
+        <p:spPr>
+          <a:xfrm>
+            <a:off x="885269" y="5552610"/>
+            <a:ext cx="2100649" cy="523220"/>
+          </a:xfrm>
+          <a:prstGeom prst="rect">
+            <a:avLst/>
+          </a:prstGeom>
+          <a:noFill/>
+        </p:spPr>
+        <p:txBody>
+          <a:bodyPr wrap="square" rtlCol="0">
+            <a:spAutoFit/>
+          </a:bodyPr>
+          <a:lstStyle/>
+          <a:p>
+            <a:pPr algn="ctr"/>
+            <a:r>
+              <a:rPr lang="pl-PL" sz="2800" dirty="0"/>
+              <a:t>DHT11</a:t>
+            </a:r>
+          </a:p>
+        </p:txBody>
+      </p:sp>
+      <p:sp>
+        <p:nvSpPr>
+          <p:cNvPr id="9" name="pole tekstowe 8">
+            <a:extLst>
+              <a:ext uri="{FF2B5EF4-FFF2-40B4-BE49-F238E27FC236}">
+                <a16:creationId xmlns:a16="http://schemas.microsoft.com/office/drawing/2014/main" id="{A09AD15A-FDA6-47A1-9AAD-40CF6D5A4FF7}"/>
+              </a:ext>
+            </a:extLst>
+          </p:cNvPr>
+          <p:cNvSpPr txBox="1"/>
+          <p:nvPr/>
+        </p:nvSpPr>
+        <p:spPr>
+          <a:xfrm>
+            <a:off x="4826935" y="5529368"/>
+            <a:ext cx="1878227" cy="523220"/>
+          </a:xfrm>
+          <a:prstGeom prst="rect">
+            <a:avLst/>
+          </a:prstGeom>
+          <a:noFill/>
+        </p:spPr>
+        <p:txBody>
+          <a:bodyPr wrap="square" rtlCol="0">
+            <a:spAutoFit/>
+          </a:bodyPr>
+          <a:lstStyle/>
+          <a:p>
+            <a:pPr algn="ctr"/>
+            <a:r>
+              <a:rPr lang="pl-PL" sz="2800" dirty="0"/>
+              <a:t>DHT22</a:t>
+            </a:r>
+          </a:p>
+        </p:txBody>
+      </p:sp>
+      <p:pic>
+        <p:nvPicPr>
+          <p:cNvPr id="10" name="Obraz 9" descr="DHT11 i DHT22 odczytywanie temperatury i wilgotności | Blog ...">
+            <a:extLst>
+              <a:ext uri="{FF2B5EF4-FFF2-40B4-BE49-F238E27FC236}">
+                <a16:creationId xmlns:a16="http://schemas.microsoft.com/office/drawing/2014/main" id="{9C47D12F-500E-4183-83F8-D5DFE424300D}"/>
+              </a:ext>
+            </a:extLst>
+          </p:cNvPr>
+          <p:cNvPicPr/>
+          <p:nvPr/>
+        </p:nvPicPr>
+        <p:blipFill rotWithShape="1">
+          <a:blip r:embed="rId3">
+            <a:extLst>
+              <a:ext uri="{28A0092B-C50C-407E-A947-70E740481C1C}">
+                <a14:useLocalDpi xmlns:a14="http://schemas.microsoft.com/office/drawing/2010/main" val="0"/>
+              </a:ext>
+            </a:extLst>
+          </a:blip>
+          <a:srcRect l="55886" t="17049" r="21462" b="22105"/>
+          <a:stretch/>
+        </p:blipFill>
+        <p:spPr bwMode="auto">
+          <a:xfrm rot="5400000">
+            <a:off x="4672579" y="2215248"/>
+            <a:ext cx="2186940" cy="3305175"/>
+          </a:xfrm>
+          <a:prstGeom prst="rect">
+            <a:avLst/>
+          </a:prstGeom>
+          <a:noFill/>
+          <a:ln>
+            <a:noFill/>
+          </a:ln>
+          <a:extLst>
+            <a:ext uri="{53640926-AAD7-44D8-BBD7-CCE9431645EC}">
+              <a14:shadowObscured xmlns:a14="http://schemas.microsoft.com/office/drawing/2010/main"/>
+            </a:ext>
+          </a:extLst>
+        </p:spPr>
+      </p:pic>
+      <p:pic>
+        <p:nvPicPr>
+          <p:cNvPr id="11" name="Obraz 10" descr="Sunrobotics DHT21 AM2301 Temperature Humidity Module hight quality ...">
+            <a:extLst>
+              <a:ext uri="{FF2B5EF4-FFF2-40B4-BE49-F238E27FC236}">
+                <a16:creationId xmlns:a16="http://schemas.microsoft.com/office/drawing/2014/main" id="{8AAF0C34-C010-4176-B68B-1B133759D2C9}"/>
+              </a:ext>
+            </a:extLst>
+          </p:cNvPr>
+          <p:cNvPicPr/>
+          <p:nvPr/>
+        </p:nvPicPr>
+        <p:blipFill rotWithShape="1">
+          <a:blip r:embed="rId4">
+            <a:extLst>
+              <a:ext uri="{28A0092B-C50C-407E-A947-70E740481C1C}">
+                <a14:useLocalDpi xmlns:a14="http://schemas.microsoft.com/office/drawing/2010/main" val="0"/>
+              </a:ext>
+            </a:extLst>
+          </a:blip>
+          <a:srcRect l="10400" t="12600" r="16000" b="24400"/>
+          <a:stretch/>
+        </p:blipFill>
+        <p:spPr bwMode="auto">
+          <a:xfrm>
+            <a:off x="8491887" y="2674930"/>
+            <a:ext cx="2857500" cy="2422786"/>
+          </a:xfrm>
+          <a:prstGeom prst="rect">
+            <a:avLst/>
+          </a:prstGeom>
+          <a:noFill/>
+          <a:ln>
+            <a:noFill/>
+          </a:ln>
+          <a:extLst>
+            <a:ext uri="{53640926-AAD7-44D8-BBD7-CCE9431645EC}">
+              <a14:shadowObscured xmlns:a14="http://schemas.microsoft.com/office/drawing/2010/main"/>
+            </a:ext>
+          </a:extLst>
+        </p:spPr>
+      </p:pic>
+      <p:sp>
+        <p:nvSpPr>
+          <p:cNvPr id="3" name="pole tekstowe 2">
+            <a:extLst>
+              <a:ext uri="{FF2B5EF4-FFF2-40B4-BE49-F238E27FC236}">
+                <a16:creationId xmlns:a16="http://schemas.microsoft.com/office/drawing/2014/main" id="{5F89CEB7-85C3-43F5-978F-A7C1C10CFE7E}"/>
+              </a:ext>
+            </a:extLst>
+          </p:cNvPr>
+          <p:cNvSpPr txBox="1"/>
+          <p:nvPr/>
+        </p:nvSpPr>
+        <p:spPr>
+          <a:xfrm>
+            <a:off x="8729876" y="5529368"/>
+            <a:ext cx="2381522" cy="523220"/>
+          </a:xfrm>
+          <a:prstGeom prst="rect">
+            <a:avLst/>
+          </a:prstGeom>
+          <a:noFill/>
+        </p:spPr>
+        <p:txBody>
+          <a:bodyPr wrap="square" rtlCol="0">
+            <a:spAutoFit/>
+          </a:bodyPr>
+          <a:lstStyle/>
+          <a:p>
+            <a:pPr algn="ctr"/>
+            <a:r>
+              <a:rPr lang="pl-PL" sz="2800" dirty="0"/>
+              <a:t>DHT21</a:t>
+            </a:r>
+            <a:endParaRPr lang="pl-PL" sz="2000" dirty="0"/>
+          </a:p>
+        </p:txBody>
+      </p:sp>
+    </p:spTree>
+    <p:extLst>
+      <p:ext uri="{BB962C8B-B14F-4D97-AF65-F5344CB8AC3E}">
+        <p14:creationId xmlns:p14="http://schemas.microsoft.com/office/powerpoint/2010/main" val="3777934071"/>
+      </p:ext>
+    </p:extLst>
+  </p:cSld>
+  <p:clrMapOvr>
+    <a:masterClrMapping/>
+  </p:clrMapOvr>
+</p:sld>
+</file>
+
+<file path=ppt/slides/slide15.xml><?xml version="1.0" encoding="utf-8"?>
+<p:sld xmlns:a="http://schemas.openxmlformats.org/drawingml/2006/main" xmlns:r="http://schemas.openxmlformats.org/officeDocument/2006/relationships" xmlns:p="http://schemas.openxmlformats.org/presentationml/2006/main">
+  <p:cSld>
+    <p:spTree>
+      <p:nvGrpSpPr>
+        <p:cNvPr id="1" name=""/>
+        <p:cNvGrpSpPr/>
+        <p:nvPr/>
+      </p:nvGrpSpPr>
+      <p:grpSpPr>
+        <a:xfrm>
+          <a:off x="0" y="0"/>
+          <a:ext cx="0" cy="0"/>
+          <a:chOff x="0" y="0"/>
+          <a:chExt cx="0" cy="0"/>
+        </a:xfrm>
+      </p:grpSpPr>
+      <p:sp>
+        <p:nvSpPr>
+          <p:cNvPr id="2" name="Tytuł 1">
+            <a:extLst>
+              <a:ext uri="{FF2B5EF4-FFF2-40B4-BE49-F238E27FC236}">
+                <a16:creationId xmlns:a16="http://schemas.microsoft.com/office/drawing/2014/main" id="{9988B2A7-31B6-401F-B0DC-110EB9341C24}"/>
+              </a:ext>
+            </a:extLst>
+          </p:cNvPr>
+          <p:cNvSpPr>
+            <a:spLocks noGrp="1"/>
+          </p:cNvSpPr>
+          <p:nvPr>
+            <p:ph type="title"/>
+          </p:nvPr>
+        </p:nvSpPr>
+        <p:spPr/>
+        <p:txBody>
+          <a:bodyPr/>
+          <a:lstStyle/>
+          <a:p>
+            <a:r>
+              <a:rPr lang="pl-PL" dirty="0"/>
+              <a:t>Wybór czujnika</a:t>
+            </a:r>
+          </a:p>
+        </p:txBody>
+      </p:sp>
+      <p:sp>
+        <p:nvSpPr>
+          <p:cNvPr id="3" name="Symbol zastępczy zawartości 2">
+            <a:extLst>
+              <a:ext uri="{FF2B5EF4-FFF2-40B4-BE49-F238E27FC236}">
+                <a16:creationId xmlns:a16="http://schemas.microsoft.com/office/drawing/2014/main" id="{A6328C50-49B5-4BA6-9969-F2AE101E02D6}"/>
+              </a:ext>
+            </a:extLst>
+          </p:cNvPr>
+          <p:cNvSpPr>
+            <a:spLocks noGrp="1"/>
+          </p:cNvSpPr>
+          <p:nvPr>
+            <p:ph idx="1"/>
+          </p:nvPr>
+        </p:nvSpPr>
+        <p:spPr>
+          <a:xfrm>
+            <a:off x="437040" y="2211038"/>
+            <a:ext cx="7104662" cy="4223318"/>
+          </a:xfrm>
+        </p:spPr>
+        <p:txBody>
+          <a:bodyPr>
+            <a:normAutofit/>
+          </a:bodyPr>
+          <a:lstStyle/>
+          <a:p>
+            <a:pPr marL="0" indent="0" algn="ctr">
+              <a:buNone/>
+            </a:pPr>
+            <a:r>
+              <a:rPr lang="pl-PL" sz="3600" dirty="0"/>
+              <a:t>DHT11</a:t>
+            </a:r>
+          </a:p>
+          <a:p>
+            <a:pPr marL="0" indent="0">
+              <a:buNone/>
+            </a:pPr>
+            <a:r>
+              <a:rPr lang="pl-PL" dirty="0"/>
+              <a:t>Jedyne parametry które mogą rozróżniać te czujniki od siebie to zakres badanej wartości, jej dokładność oraz cena. Nie posiadając dokładnych wymagań klienta, a w szczególności takich mówiących o wyżej wymienionych czynnikach, uznaliśmy, że najbardziej kluczowym parametrem będzie cena.</a:t>
+            </a:r>
+          </a:p>
+          <a:p>
+            <a:pPr marL="0" indent="0">
+              <a:buNone/>
+            </a:pPr>
+            <a:r>
+              <a:rPr lang="pl-PL" dirty="0"/>
+              <a:t>Alternatywnie można wykorzystać czujnik: DHT22</a:t>
+            </a:r>
+          </a:p>
+          <a:p>
+            <a:pPr marL="0" indent="0">
+              <a:buNone/>
+            </a:pPr>
+            <a:endParaRPr lang="pl-PL" dirty="0"/>
+          </a:p>
+        </p:txBody>
+      </p:sp>
+      <p:pic>
+        <p:nvPicPr>
+          <p:cNvPr id="4" name="Symbol zastępczy zawartości 4">
+            <a:extLst>
+              <a:ext uri="{FF2B5EF4-FFF2-40B4-BE49-F238E27FC236}">
+                <a16:creationId xmlns:a16="http://schemas.microsoft.com/office/drawing/2014/main" id="{735EE96B-DBD2-4A61-A1DD-FAA8D25429DC}"/>
+              </a:ext>
+            </a:extLst>
+          </p:cNvPr>
+          <p:cNvPicPr>
+            <a:picLocks noChangeAspect="1"/>
+          </p:cNvPicPr>
+          <p:nvPr/>
+        </p:nvPicPr>
+        <p:blipFill>
+          <a:blip r:embed="rId2"/>
+          <a:stretch>
+            <a:fillRect/>
+          </a:stretch>
+        </p:blipFill>
+        <p:spPr>
+          <a:xfrm>
+            <a:off x="8195315" y="2419142"/>
+            <a:ext cx="3254192" cy="3254192"/>
+          </a:xfrm>
+          <a:prstGeom prst="rect">
+            <a:avLst/>
+          </a:prstGeom>
+        </p:spPr>
+      </p:pic>
+    </p:spTree>
+    <p:extLst>
+      <p:ext uri="{BB962C8B-B14F-4D97-AF65-F5344CB8AC3E}">
+        <p14:creationId xmlns:p14="http://schemas.microsoft.com/office/powerpoint/2010/main" val="3974088952"/>
+      </p:ext>
+    </p:extLst>
+  </p:cSld>
+  <p:clrMapOvr>
+    <a:masterClrMapping/>
+  </p:clrMapOvr>
+</p:sld>
+</file>
+
+<file path=ppt/slides/slide16.xml><?xml version="1.0" encoding="utf-8"?>
+<p:sld xmlns:a="http://schemas.openxmlformats.org/drawingml/2006/main" xmlns:r="http://schemas.openxmlformats.org/officeDocument/2006/relationships" xmlns:p="http://schemas.openxmlformats.org/presentationml/2006/main">
+  <p:cSld>
+    <p:spTree>
+      <p:nvGrpSpPr>
+        <p:cNvPr id="1" name=""/>
+        <p:cNvGrpSpPr/>
+        <p:nvPr/>
+      </p:nvGrpSpPr>
+      <p:grpSpPr>
+        <a:xfrm>
+          <a:off x="0" y="0"/>
+          <a:ext cx="0" cy="0"/>
+          <a:chOff x="0" y="0"/>
+          <a:chExt cx="0" cy="0"/>
+        </a:xfrm>
+      </p:grpSpPr>
+      <p:sp>
+        <p:nvSpPr>
+          <p:cNvPr id="2" name="Tytuł 1">
+            <a:extLst>
+              <a:ext uri="{FF2B5EF4-FFF2-40B4-BE49-F238E27FC236}">
+                <a16:creationId xmlns:a16="http://schemas.microsoft.com/office/drawing/2014/main" id="{28D30765-FF80-4C3C-AC3E-EB11DCB03C79}"/>
+              </a:ext>
+            </a:extLst>
+          </p:cNvPr>
+          <p:cNvSpPr>
+            <a:spLocks noGrp="1"/>
+          </p:cNvSpPr>
+          <p:nvPr>
+            <p:ph type="title"/>
+          </p:nvPr>
+        </p:nvSpPr>
+        <p:spPr/>
+        <p:txBody>
+          <a:bodyPr/>
+          <a:lstStyle/>
+          <a:p>
+            <a:r>
+              <a:rPr lang="pl-PL" dirty="0"/>
+              <a:t>Aplikacja Desktopowa</a:t>
+            </a:r>
+          </a:p>
+        </p:txBody>
+      </p:sp>
+      <p:sp>
+        <p:nvSpPr>
+          <p:cNvPr id="3" name="Symbol zastępczy zawartości 2">
+            <a:extLst>
+              <a:ext uri="{FF2B5EF4-FFF2-40B4-BE49-F238E27FC236}">
+                <a16:creationId xmlns:a16="http://schemas.microsoft.com/office/drawing/2014/main" id="{79FBE106-86F7-412D-8AF1-526716ABE63B}"/>
+              </a:ext>
+            </a:extLst>
+          </p:cNvPr>
+          <p:cNvSpPr>
+            <a:spLocks noGrp="1"/>
+          </p:cNvSpPr>
+          <p:nvPr>
+            <p:ph idx="1"/>
+          </p:nvPr>
+        </p:nvSpPr>
+        <p:spPr/>
+        <p:txBody>
+          <a:bodyPr/>
+          <a:lstStyle/>
+          <a:p>
+            <a:pPr marL="0" indent="0">
+              <a:buNone/>
+            </a:pPr>
+            <a:r>
+              <a:rPr lang="pl-PL" dirty="0"/>
+              <a:t>Wymagania:</a:t>
+            </a:r>
+          </a:p>
+          <a:p>
+            <a:r>
+              <a:rPr lang="pl-PL" dirty="0"/>
+              <a:t>Wsparcie </a:t>
+            </a:r>
+            <a:r>
+              <a:rPr lang="pl-PL" dirty="0" err="1"/>
+              <a:t>Qt</a:t>
+            </a:r>
+            <a:r>
+              <a:rPr lang="pl-PL" dirty="0"/>
+              <a:t> w wersji minimum 5.8.</a:t>
+            </a:r>
+          </a:p>
+          <a:p>
+            <a:r>
+              <a:rPr lang="pl-PL" dirty="0"/>
+              <a:t>Możliwość odczytywania danych z podłączonych czujników.</a:t>
+            </a:r>
+          </a:p>
+          <a:p>
+            <a:r>
+              <a:rPr lang="pl-PL" dirty="0"/>
+              <a:t>Możliwość nazywania podłączonych urządzeń </a:t>
+            </a:r>
+            <a:r>
+              <a:rPr lang="pl-PL" dirty="0" err="1"/>
+              <a:t>np</a:t>
+            </a:r>
+            <a:r>
+              <a:rPr lang="pl-PL" dirty="0"/>
+              <a:t>: temepratura-hala1.</a:t>
+            </a:r>
+          </a:p>
+          <a:p>
+            <a:r>
+              <a:rPr lang="pl-PL" dirty="0"/>
+              <a:t>Możliwość dodawania i usuwania połączonych urządzeń.</a:t>
+            </a:r>
+          </a:p>
+          <a:p>
+            <a:r>
+              <a:rPr lang="pl-PL" dirty="0"/>
+              <a:t>Tryb administratora umożliwiający testowanie systemu.</a:t>
+            </a:r>
+          </a:p>
+          <a:p>
+            <a:pPr marL="0" indent="0">
+              <a:buNone/>
+            </a:pPr>
+            <a:endParaRPr lang="pl-PL" dirty="0"/>
+          </a:p>
+        </p:txBody>
+      </p:sp>
+    </p:spTree>
+    <p:extLst>
+      <p:ext uri="{BB962C8B-B14F-4D97-AF65-F5344CB8AC3E}">
+        <p14:creationId xmlns:p14="http://schemas.microsoft.com/office/powerpoint/2010/main" val="3946150921"/>
+      </p:ext>
+    </p:extLst>
+  </p:cSld>
+  <p:clrMapOvr>
+    <a:masterClrMapping/>
+  </p:clrMapOvr>
+</p:sld>
+</file>
+
+<file path=ppt/slides/slide17.xml><?xml version="1.0" encoding="utf-8"?>
+<p:sld xmlns:a="http://schemas.openxmlformats.org/drawingml/2006/main" xmlns:r="http://schemas.openxmlformats.org/officeDocument/2006/relationships" xmlns:p="http://schemas.openxmlformats.org/presentationml/2006/main">
+  <p:cSld>
+    <p:spTree>
+      <p:nvGrpSpPr>
+        <p:cNvPr id="1" name=""/>
+        <p:cNvGrpSpPr/>
+        <p:nvPr/>
+      </p:nvGrpSpPr>
+      <p:grpSpPr>
+        <a:xfrm>
+          <a:off x="0" y="0"/>
+          <a:ext cx="0" cy="0"/>
+          <a:chOff x="0" y="0"/>
+          <a:chExt cx="0" cy="0"/>
+        </a:xfrm>
+      </p:grpSpPr>
+      <p:sp>
+        <p:nvSpPr>
+          <p:cNvPr id="2" name="Tytuł 1">
+            <a:extLst>
+              <a:ext uri="{FF2B5EF4-FFF2-40B4-BE49-F238E27FC236}">
+                <a16:creationId xmlns:a16="http://schemas.microsoft.com/office/drawing/2014/main" id="{1A7B8F4B-9F20-45EE-A788-685583AFFDCB}"/>
+              </a:ext>
+            </a:extLst>
+          </p:cNvPr>
+          <p:cNvSpPr>
+            <a:spLocks noGrp="1"/>
+          </p:cNvSpPr>
+          <p:nvPr>
+            <p:ph type="title"/>
+          </p:nvPr>
+        </p:nvSpPr>
+        <p:spPr/>
+        <p:txBody>
+          <a:bodyPr/>
+          <a:lstStyle/>
+          <a:p>
+            <a:r>
+              <a:rPr lang="pl-PL" dirty="0"/>
+              <a:t>Prototyp interfejsu</a:t>
+            </a:r>
+          </a:p>
+        </p:txBody>
+      </p:sp>
+      <p:pic>
+        <p:nvPicPr>
+          <p:cNvPr id="5" name="Symbol zastępczy zawartości 4" descr="Obraz zawierający zrzut ekranu&#10;&#10;Opis wygenerowany automatycznie">
+            <a:extLst>
+              <a:ext uri="{FF2B5EF4-FFF2-40B4-BE49-F238E27FC236}">
+                <a16:creationId xmlns:a16="http://schemas.microsoft.com/office/drawing/2014/main" id="{6976626B-4FFF-43FD-8F10-FEA1727039F9}"/>
+              </a:ext>
+            </a:extLst>
+          </p:cNvPr>
+          <p:cNvPicPr>
+            <a:picLocks noGrp="1" noChangeAspect="1"/>
+          </p:cNvPicPr>
+          <p:nvPr>
+            <p:ph idx="1"/>
+          </p:nvPr>
+        </p:nvPicPr>
+        <p:blipFill>
+          <a:blip r:embed="rId2"/>
+          <a:stretch>
+            <a:fillRect/>
+          </a:stretch>
+        </p:blipFill>
+        <p:spPr>
+          <a:xfrm>
+            <a:off x="2297041" y="2151974"/>
+            <a:ext cx="7597917" cy="4271743"/>
+          </a:xfrm>
+        </p:spPr>
+      </p:pic>
+    </p:spTree>
+    <p:extLst>
+      <p:ext uri="{BB962C8B-B14F-4D97-AF65-F5344CB8AC3E}">
+        <p14:creationId xmlns:p14="http://schemas.microsoft.com/office/powerpoint/2010/main" val="4238017757"/>
+      </p:ext>
+    </p:extLst>
+  </p:cSld>
+  <p:clrMapOvr>
+    <a:masterClrMapping/>
+  </p:clrMapOvr>
+</p:sld>
+</file>
+
+<file path=ppt/slides/slide18.xml><?xml version="1.0" encoding="utf-8"?>
+<p:sld xmlns:a="http://schemas.openxmlformats.org/drawingml/2006/main" xmlns:r="http://schemas.openxmlformats.org/officeDocument/2006/relationships" xmlns:p="http://schemas.openxmlformats.org/presentationml/2006/main">
+  <p:cSld>
+    <p:spTree>
+      <p:nvGrpSpPr>
+        <p:cNvPr id="1" name=""/>
+        <p:cNvGrpSpPr/>
+        <p:nvPr/>
+      </p:nvGrpSpPr>
+      <p:grpSpPr>
+        <a:xfrm>
+          <a:off x="0" y="0"/>
+          <a:ext cx="0" cy="0"/>
+          <a:chOff x="0" y="0"/>
+          <a:chExt cx="0" cy="0"/>
+        </a:xfrm>
+      </p:grpSpPr>
+      <p:sp>
+        <p:nvSpPr>
+          <p:cNvPr id="2" name="Tytuł 1">
+            <a:extLst>
+              <a:ext uri="{FF2B5EF4-FFF2-40B4-BE49-F238E27FC236}">
+                <a16:creationId xmlns:a16="http://schemas.microsoft.com/office/drawing/2014/main" id="{274E6FB1-798D-4982-9AB0-9CF816854144}"/>
+              </a:ext>
+            </a:extLst>
+          </p:cNvPr>
+          <p:cNvSpPr>
+            <a:spLocks noGrp="1"/>
+          </p:cNvSpPr>
+          <p:nvPr>
+            <p:ph type="title"/>
+          </p:nvPr>
+        </p:nvSpPr>
+        <p:spPr/>
+        <p:txBody>
+          <a:bodyPr/>
+          <a:lstStyle/>
+          <a:p>
+            <a:r>
+              <a:rPr lang="pl-PL" dirty="0"/>
+              <a:t>Gotowy interfejs</a:t>
+            </a:r>
+          </a:p>
+        </p:txBody>
+      </p:sp>
+      <p:pic>
+        <p:nvPicPr>
+          <p:cNvPr id="5" name="Symbol zastępczy zawartości 4" descr="Obraz zawierający zrzut ekranu, monitor, ekran, komputer&#10;&#10;Opis wygenerowany automatycznie">
+            <a:extLst>
+              <a:ext uri="{FF2B5EF4-FFF2-40B4-BE49-F238E27FC236}">
+                <a16:creationId xmlns:a16="http://schemas.microsoft.com/office/drawing/2014/main" id="{316519A3-A569-472A-9E65-0DEF9D67F822}"/>
+              </a:ext>
+            </a:extLst>
+          </p:cNvPr>
+          <p:cNvPicPr>
+            <a:picLocks noGrp="1" noChangeAspect="1"/>
+          </p:cNvPicPr>
+          <p:nvPr>
+            <p:ph idx="1"/>
+          </p:nvPr>
+        </p:nvPicPr>
+        <p:blipFill>
+          <a:blip r:embed="rId2"/>
+          <a:stretch>
+            <a:fillRect/>
+          </a:stretch>
+        </p:blipFill>
+        <p:spPr>
+          <a:xfrm>
+            <a:off x="1030056" y="2421030"/>
+            <a:ext cx="4596342" cy="3598863"/>
+          </a:xfrm>
+        </p:spPr>
+      </p:pic>
+      <p:pic>
+        <p:nvPicPr>
+          <p:cNvPr id="7" name="Obraz 6" descr="Obraz zawierający zrzut ekranu, monitor, ekran, telewizja&#10;&#10;Opis wygenerowany automatycznie">
+            <a:extLst>
+              <a:ext uri="{FF2B5EF4-FFF2-40B4-BE49-F238E27FC236}">
+                <a16:creationId xmlns:a16="http://schemas.microsoft.com/office/drawing/2014/main" id="{3E76DD78-3F57-4066-8085-C7FF89B4961B}"/>
+              </a:ext>
+            </a:extLst>
+          </p:cNvPr>
+          <p:cNvPicPr>
+            <a:picLocks noChangeAspect="1"/>
+          </p:cNvPicPr>
+          <p:nvPr/>
+        </p:nvPicPr>
+        <p:blipFill>
+          <a:blip r:embed="rId3"/>
+          <a:stretch>
+            <a:fillRect/>
+          </a:stretch>
+        </p:blipFill>
+        <p:spPr>
+          <a:xfrm>
+            <a:off x="6704751" y="2421031"/>
+            <a:ext cx="4555165" cy="3598863"/>
+          </a:xfrm>
+          <a:prstGeom prst="rect">
+            <a:avLst/>
+          </a:prstGeom>
+        </p:spPr>
+      </p:pic>
+    </p:spTree>
+    <p:extLst>
+      <p:ext uri="{BB962C8B-B14F-4D97-AF65-F5344CB8AC3E}">
+        <p14:creationId xmlns:p14="http://schemas.microsoft.com/office/powerpoint/2010/main" val="3513395958"/>
+      </p:ext>
+    </p:extLst>
+  </p:cSld>
+  <p:clrMapOvr>
+    <a:masterClrMapping/>
+  </p:clrMapOvr>
+</p:sld>
+</file>
+
+<file path=ppt/slides/slide19.xml><?xml version="1.0" encoding="utf-8"?>
+<p:sld xmlns:a="http://schemas.openxmlformats.org/drawingml/2006/main" xmlns:r="http://schemas.openxmlformats.org/officeDocument/2006/relationships" xmlns:p="http://schemas.openxmlformats.org/presentationml/2006/main">
+  <p:cSld>
+    <p:spTree>
+      <p:nvGrpSpPr>
+        <p:cNvPr id="1" name=""/>
+        <p:cNvGrpSpPr/>
+        <p:nvPr/>
+      </p:nvGrpSpPr>
+      <p:grpSpPr>
+        <a:xfrm>
+          <a:off x="0" y="0"/>
+          <a:ext cx="0" cy="0"/>
+          <a:chOff x="0" y="0"/>
+          <a:chExt cx="0" cy="0"/>
+        </a:xfrm>
+      </p:grpSpPr>
+      <p:sp>
+        <p:nvSpPr>
+          <p:cNvPr id="2" name="Tytuł 1">
+            <a:extLst>
+              <a:ext uri="{FF2B5EF4-FFF2-40B4-BE49-F238E27FC236}">
+                <a16:creationId xmlns:a16="http://schemas.microsoft.com/office/drawing/2014/main" id="{22502E1B-1BC5-44F6-9229-82C5E990E8E1}"/>
+              </a:ext>
+            </a:extLst>
+          </p:cNvPr>
+          <p:cNvSpPr>
+            <a:spLocks noGrp="1"/>
+          </p:cNvSpPr>
+          <p:nvPr>
+            <p:ph type="title"/>
+          </p:nvPr>
+        </p:nvSpPr>
+        <p:spPr/>
+        <p:txBody>
+          <a:bodyPr/>
+          <a:lstStyle/>
+          <a:p>
+            <a:r>
+              <a:rPr lang="pl-PL" dirty="0"/>
+              <a:t>Aplikacja na system Android</a:t>
+            </a:r>
+          </a:p>
+        </p:txBody>
+      </p:sp>
+      <p:sp>
+        <p:nvSpPr>
+          <p:cNvPr id="3" name="Symbol zastępczy zawartości 2">
+            <a:extLst>
+              <a:ext uri="{FF2B5EF4-FFF2-40B4-BE49-F238E27FC236}">
+                <a16:creationId xmlns:a16="http://schemas.microsoft.com/office/drawing/2014/main" id="{C217CC8C-EB11-4D99-AA55-57868CAECC7C}"/>
+              </a:ext>
+            </a:extLst>
+          </p:cNvPr>
+          <p:cNvSpPr>
+            <a:spLocks noGrp="1"/>
+          </p:cNvSpPr>
+          <p:nvPr>
+            <p:ph idx="1"/>
+          </p:nvPr>
+        </p:nvSpPr>
+        <p:spPr/>
+        <p:txBody>
+          <a:bodyPr/>
+          <a:lstStyle/>
+          <a:p>
+            <a:pPr marL="0" indent="0">
+              <a:buNone/>
+            </a:pPr>
+            <a:r>
+              <a:rPr lang="pl-PL" dirty="0"/>
+              <a:t>Aplikacja posiada tą samą funkcjonalność jak wersja na system Linux.</a:t>
+            </a:r>
+          </a:p>
+          <a:p>
+            <a:pPr marL="0" indent="0">
+              <a:buNone/>
+            </a:pPr>
+            <a:r>
+              <a:rPr lang="pl-PL" dirty="0"/>
+              <a:t>Wsparcie:</a:t>
+            </a:r>
+          </a:p>
+          <a:p>
+            <a:r>
+              <a:rPr lang="pl-PL" dirty="0"/>
+              <a:t>Wymagany android od wersji 7 w wzwyż. (Powyżej API 24)</a:t>
+            </a:r>
+          </a:p>
+          <a:p>
+            <a:r>
+              <a:rPr lang="pl-PL" dirty="0"/>
+              <a:t>Urządzenie musi posiadać możliwość podłączenia do sieci (poprzez </a:t>
+            </a:r>
+            <a:r>
+              <a:rPr lang="pl-PL" dirty="0" err="1"/>
+              <a:t>WiFi</a:t>
+            </a:r>
+            <a:r>
+              <a:rPr lang="pl-PL" dirty="0"/>
+              <a:t> lub kablem Ethernet)</a:t>
+            </a:r>
+          </a:p>
+          <a:p>
+            <a:endParaRPr lang="pl-PL" dirty="0"/>
+          </a:p>
+        </p:txBody>
+      </p:sp>
+    </p:spTree>
+    <p:extLst>
+      <p:ext uri="{BB962C8B-B14F-4D97-AF65-F5344CB8AC3E}">
+        <p14:creationId xmlns:p14="http://schemas.microsoft.com/office/powerpoint/2010/main" val="2648048728"/>
       </p:ext>
     </p:extLst>
   </p:cSld>
@@ -8238,18 +9429,20 @@
         </p:nvSpPr>
         <p:spPr/>
         <p:txBody>
-          <a:bodyPr/>
+          <a:bodyPr>
+            <a:normAutofit fontScale="92500" lnSpcReduction="10000"/>
+          </a:bodyPr>
           <a:lstStyle/>
           <a:p>
             <a:r>
               <a:rPr lang="pl-PL" sz="3200" dirty="0"/>
-              <a:t>Adam Krizar: Kierowanie zespołem, interfejs oraz funkcjonalność aplikacji i obsługa protokołu MQTT.</a:t>
+              <a:t>Adam Krizar: Dokumentacja, prezentacja, Interfejs Android oraz Linux oraz zarządzanie zespołem.</a:t>
             </a:r>
           </a:p>
           <a:p>
             <a:r>
               <a:rPr lang="pl-PL" sz="3200" dirty="0"/>
-              <a:t>Katarzyna Czajkowska: Kontrola dokumentacji, Interfejs aplikacji oraz obsługa protokołu MQTT.</a:t>
+              <a:t>Katarzyna Czajkowska: Kontrola dokumentacji, interfejs aplikacji Linux oraz obsługa protokołu MQTT.</a:t>
             </a:r>
           </a:p>
           <a:p>
@@ -8263,13 +9456,24 @@
             </a:r>
             <a:r>
               <a:rPr lang="pl-PL" sz="3200" dirty="0"/>
-              <a:t>: Obsługa protokołu HTTP, kontrola dokumentacji, oprogramowanie urządzeń </a:t>
+              <a:t>: Obsługa protokołu HTTP, </a:t>
+            </a:r>
+            <a:r>
+              <a:rPr lang="pl-PL" sz="3200" dirty="0" err="1"/>
+              <a:t>aplikacjka</a:t>
+            </a:r>
+            <a:r>
+              <a:rPr lang="pl-PL" sz="3200" dirty="0"/>
+              <a:t> Linux i aplikacja android oraz oprogramowanie urządzeń </a:t>
             </a:r>
             <a:r>
               <a:rPr lang="pl-PL" sz="3200" dirty="0" err="1"/>
               <a:t>IoT</a:t>
             </a:r>
-            <a:endParaRPr lang="pl-PL" sz="3200" dirty="0"/>
+            <a:r>
+              <a:rPr lang="pl-PL" sz="3200" dirty="0"/>
+              <a:t>.</a:t>
+            </a:r>
           </a:p>
         </p:txBody>
       </p:sp>
@@ -8277,6 +9481,440 @@
     <p:extLst>
       <p:ext uri="{BB962C8B-B14F-4D97-AF65-F5344CB8AC3E}">
         <p14:creationId xmlns:p14="http://schemas.microsoft.com/office/powerpoint/2010/main" val="2785142015"/>
+      </p:ext>
+    </p:extLst>
+  </p:cSld>
+  <p:clrMapOvr>
+    <a:masterClrMapping/>
+  </p:clrMapOvr>
+</p:sld>
+</file>
+
+<file path=ppt/slides/slide20.xml><?xml version="1.0" encoding="utf-8"?>
+<p:sld xmlns:a="http://schemas.openxmlformats.org/drawingml/2006/main" xmlns:r="http://schemas.openxmlformats.org/officeDocument/2006/relationships" xmlns:p="http://schemas.openxmlformats.org/presentationml/2006/main">
+  <p:cSld>
+    <p:spTree>
+      <p:nvGrpSpPr>
+        <p:cNvPr id="1" name=""/>
+        <p:cNvGrpSpPr/>
+        <p:nvPr/>
+      </p:nvGrpSpPr>
+      <p:grpSpPr>
+        <a:xfrm>
+          <a:off x="0" y="0"/>
+          <a:ext cx="0" cy="0"/>
+          <a:chOff x="0" y="0"/>
+          <a:chExt cx="0" cy="0"/>
+        </a:xfrm>
+      </p:grpSpPr>
+      <p:sp>
+        <p:nvSpPr>
+          <p:cNvPr id="2" name="Tytuł 1">
+            <a:extLst>
+              <a:ext uri="{FF2B5EF4-FFF2-40B4-BE49-F238E27FC236}">
+                <a16:creationId xmlns:a16="http://schemas.microsoft.com/office/drawing/2014/main" id="{C420F8B4-77AC-4DCF-A0CE-924E13925BC3}"/>
+              </a:ext>
+            </a:extLst>
+          </p:cNvPr>
+          <p:cNvSpPr>
+            <a:spLocks noGrp="1"/>
+          </p:cNvSpPr>
+          <p:nvPr>
+            <p:ph type="title"/>
+          </p:nvPr>
+        </p:nvSpPr>
+        <p:spPr/>
+        <p:txBody>
+          <a:bodyPr/>
+          <a:lstStyle/>
+          <a:p>
+            <a:r>
+              <a:rPr lang="pl-PL" dirty="0"/>
+              <a:t>Prototyp </a:t>
+            </a:r>
+            <a:r>
+              <a:rPr lang="pl-PL" dirty="0" err="1"/>
+              <a:t>intefejsu</a:t>
+            </a:r>
+            <a:endParaRPr lang="pl-PL" dirty="0"/>
+          </a:p>
+        </p:txBody>
+      </p:sp>
+      <p:pic>
+        <p:nvPicPr>
+          <p:cNvPr id="5" name="Symbol zastępczy zawartości 4">
+            <a:extLst>
+              <a:ext uri="{FF2B5EF4-FFF2-40B4-BE49-F238E27FC236}">
+                <a16:creationId xmlns:a16="http://schemas.microsoft.com/office/drawing/2014/main" id="{34C26BD5-5A6A-4010-AF55-9329E67601EB}"/>
+              </a:ext>
+            </a:extLst>
+          </p:cNvPr>
+          <p:cNvPicPr>
+            <a:picLocks noGrp="1" noChangeAspect="1"/>
+          </p:cNvPicPr>
+          <p:nvPr>
+            <p:ph idx="1"/>
+          </p:nvPr>
+        </p:nvPicPr>
+        <p:blipFill>
+          <a:blip r:embed="rId2"/>
+          <a:stretch>
+            <a:fillRect/>
+          </a:stretch>
+        </p:blipFill>
+        <p:spPr>
+          <a:xfrm>
+            <a:off x="2474368" y="2170022"/>
+            <a:ext cx="2425623" cy="4246685"/>
+          </a:xfrm>
+        </p:spPr>
+      </p:pic>
+      <p:pic>
+        <p:nvPicPr>
+          <p:cNvPr id="7" name="Obraz 6">
+            <a:extLst>
+              <a:ext uri="{FF2B5EF4-FFF2-40B4-BE49-F238E27FC236}">
+                <a16:creationId xmlns:a16="http://schemas.microsoft.com/office/drawing/2014/main" id="{E8B3D010-3DFB-4843-BB0D-2174032F07EA}"/>
+              </a:ext>
+            </a:extLst>
+          </p:cNvPr>
+          <p:cNvPicPr>
+            <a:picLocks noChangeAspect="1"/>
+          </p:cNvPicPr>
+          <p:nvPr/>
+        </p:nvPicPr>
+        <p:blipFill>
+          <a:blip r:embed="rId3"/>
+          <a:stretch>
+            <a:fillRect/>
+          </a:stretch>
+        </p:blipFill>
+        <p:spPr>
+          <a:xfrm>
+            <a:off x="7484165" y="2170023"/>
+            <a:ext cx="2425623" cy="4246684"/>
+          </a:xfrm>
+          <a:prstGeom prst="rect">
+            <a:avLst/>
+          </a:prstGeom>
+        </p:spPr>
+      </p:pic>
+    </p:spTree>
+    <p:extLst>
+      <p:ext uri="{BB962C8B-B14F-4D97-AF65-F5344CB8AC3E}">
+        <p14:creationId xmlns:p14="http://schemas.microsoft.com/office/powerpoint/2010/main" val="2739928159"/>
+      </p:ext>
+    </p:extLst>
+  </p:cSld>
+  <p:clrMapOvr>
+    <a:masterClrMapping/>
+  </p:clrMapOvr>
+</p:sld>
+</file>
+
+<file path=ppt/slides/slide21.xml><?xml version="1.0" encoding="utf-8"?>
+<p:sld xmlns:a="http://schemas.openxmlformats.org/drawingml/2006/main" xmlns:r="http://schemas.openxmlformats.org/officeDocument/2006/relationships" xmlns:p="http://schemas.openxmlformats.org/presentationml/2006/main">
+  <p:cSld>
+    <p:spTree>
+      <p:nvGrpSpPr>
+        <p:cNvPr id="1" name=""/>
+        <p:cNvGrpSpPr/>
+        <p:nvPr/>
+      </p:nvGrpSpPr>
+      <p:grpSpPr>
+        <a:xfrm>
+          <a:off x="0" y="0"/>
+          <a:ext cx="0" cy="0"/>
+          <a:chOff x="0" y="0"/>
+          <a:chExt cx="0" cy="0"/>
+        </a:xfrm>
+      </p:grpSpPr>
+      <p:sp>
+        <p:nvSpPr>
+          <p:cNvPr id="2" name="Tytuł 1">
+            <a:extLst>
+              <a:ext uri="{FF2B5EF4-FFF2-40B4-BE49-F238E27FC236}">
+                <a16:creationId xmlns:a16="http://schemas.microsoft.com/office/drawing/2014/main" id="{6A2D38C8-6768-4794-9FBB-210BE94600F7}"/>
+              </a:ext>
+            </a:extLst>
+          </p:cNvPr>
+          <p:cNvSpPr>
+            <a:spLocks noGrp="1"/>
+          </p:cNvSpPr>
+          <p:nvPr>
+            <p:ph type="title"/>
+          </p:nvPr>
+        </p:nvSpPr>
+        <p:spPr/>
+        <p:txBody>
+          <a:bodyPr/>
+          <a:lstStyle/>
+          <a:p>
+            <a:r>
+              <a:rPr lang="pl-PL" dirty="0"/>
+              <a:t>Gotowy Interfejs</a:t>
+            </a:r>
+          </a:p>
+        </p:txBody>
+      </p:sp>
+      <p:pic>
+        <p:nvPicPr>
+          <p:cNvPr id="5" name="Symbol zastępczy zawartości 4" descr="Obraz zawierający zrzut ekranu&#10;&#10;Opis wygenerowany automatycznie">
+            <a:extLst>
+              <a:ext uri="{FF2B5EF4-FFF2-40B4-BE49-F238E27FC236}">
+                <a16:creationId xmlns:a16="http://schemas.microsoft.com/office/drawing/2014/main" id="{B871338A-55AA-4187-BC6F-8DEFFA6230E4}"/>
+              </a:ext>
+            </a:extLst>
+          </p:cNvPr>
+          <p:cNvPicPr>
+            <a:picLocks noGrp="1" noChangeAspect="1"/>
+          </p:cNvPicPr>
+          <p:nvPr>
+            <p:ph idx="1"/>
+          </p:nvPr>
+        </p:nvPicPr>
+        <p:blipFill>
+          <a:blip r:embed="rId2"/>
+          <a:stretch>
+            <a:fillRect/>
+          </a:stretch>
+        </p:blipFill>
+        <p:spPr>
+          <a:xfrm>
+            <a:off x="2315817" y="2227470"/>
+            <a:ext cx="2309041" cy="4173795"/>
+          </a:xfrm>
+        </p:spPr>
+      </p:pic>
+      <p:pic>
+        <p:nvPicPr>
+          <p:cNvPr id="11" name="Obraz 10" descr="Obraz zawierający zrzut ekranu, rysunek&#10;&#10;Opis wygenerowany automatycznie">
+            <a:extLst>
+              <a:ext uri="{FF2B5EF4-FFF2-40B4-BE49-F238E27FC236}">
+                <a16:creationId xmlns:a16="http://schemas.microsoft.com/office/drawing/2014/main" id="{EEADE10B-3D27-485C-9AE9-54992B46A89D}"/>
+              </a:ext>
+            </a:extLst>
+          </p:cNvPr>
+          <p:cNvPicPr>
+            <a:picLocks noChangeAspect="1"/>
+          </p:cNvPicPr>
+          <p:nvPr/>
+        </p:nvPicPr>
+        <p:blipFill>
+          <a:blip r:embed="rId3"/>
+          <a:stretch>
+            <a:fillRect/>
+          </a:stretch>
+        </p:blipFill>
+        <p:spPr>
+          <a:xfrm>
+            <a:off x="7567144" y="2227469"/>
+            <a:ext cx="2264897" cy="4173795"/>
+          </a:xfrm>
+          <a:prstGeom prst="rect">
+            <a:avLst/>
+          </a:prstGeom>
+        </p:spPr>
+      </p:pic>
+    </p:spTree>
+    <p:extLst>
+      <p:ext uri="{BB962C8B-B14F-4D97-AF65-F5344CB8AC3E}">
+        <p14:creationId xmlns:p14="http://schemas.microsoft.com/office/powerpoint/2010/main" val="1142710450"/>
+      </p:ext>
+    </p:extLst>
+  </p:cSld>
+  <p:clrMapOvr>
+    <a:masterClrMapping/>
+  </p:clrMapOvr>
+</p:sld>
+</file>
+
+<file path=ppt/slides/slide22.xml><?xml version="1.0" encoding="utf-8"?>
+<p:sld xmlns:a="http://schemas.openxmlformats.org/drawingml/2006/main" xmlns:r="http://schemas.openxmlformats.org/officeDocument/2006/relationships" xmlns:p="http://schemas.openxmlformats.org/presentationml/2006/main">
+  <p:cSld>
+    <p:spTree>
+      <p:nvGrpSpPr>
+        <p:cNvPr id="1" name=""/>
+        <p:cNvGrpSpPr/>
+        <p:nvPr/>
+      </p:nvGrpSpPr>
+      <p:grpSpPr>
+        <a:xfrm>
+          <a:off x="0" y="0"/>
+          <a:ext cx="0" cy="0"/>
+          <a:chOff x="0" y="0"/>
+          <a:chExt cx="0" cy="0"/>
+        </a:xfrm>
+      </p:grpSpPr>
+      <p:sp>
+        <p:nvSpPr>
+          <p:cNvPr id="2" name="Tytuł 1">
+            <a:extLst>
+              <a:ext uri="{FF2B5EF4-FFF2-40B4-BE49-F238E27FC236}">
+                <a16:creationId xmlns:a16="http://schemas.microsoft.com/office/drawing/2014/main" id="{F6D8681D-B74D-4894-8F66-568E8595C195}"/>
+              </a:ext>
+            </a:extLst>
+          </p:cNvPr>
+          <p:cNvSpPr>
+            <a:spLocks noGrp="1"/>
+          </p:cNvSpPr>
+          <p:nvPr>
+            <p:ph type="title"/>
+          </p:nvPr>
+        </p:nvSpPr>
+        <p:spPr/>
+        <p:txBody>
+          <a:bodyPr/>
+          <a:lstStyle/>
+          <a:p>
+            <a:r>
+              <a:rPr lang="pl-PL" dirty="0"/>
+              <a:t>Gotowy Interfejs</a:t>
+            </a:r>
+          </a:p>
+        </p:txBody>
+      </p:sp>
+      <p:pic>
+        <p:nvPicPr>
+          <p:cNvPr id="5" name="Symbol zastępczy zawartości 4" descr="Obraz zawierający rysunek&#10;&#10;Opis wygenerowany automatycznie">
+            <a:extLst>
+              <a:ext uri="{FF2B5EF4-FFF2-40B4-BE49-F238E27FC236}">
+                <a16:creationId xmlns:a16="http://schemas.microsoft.com/office/drawing/2014/main" id="{55AA9CB3-C72D-4DD4-955A-F5B122FC2EB9}"/>
+              </a:ext>
+            </a:extLst>
+          </p:cNvPr>
+          <p:cNvPicPr>
+            <a:picLocks noGrp="1" noChangeAspect="1"/>
+          </p:cNvPicPr>
+          <p:nvPr>
+            <p:ph idx="1"/>
+          </p:nvPr>
+        </p:nvPicPr>
+        <p:blipFill>
+          <a:blip r:embed="rId2"/>
+          <a:stretch>
+            <a:fillRect/>
+          </a:stretch>
+        </p:blipFill>
+        <p:spPr>
+          <a:xfrm>
+            <a:off x="2359131" y="2171773"/>
+            <a:ext cx="2455472" cy="4466306"/>
+          </a:xfrm>
+        </p:spPr>
+      </p:pic>
+      <p:pic>
+        <p:nvPicPr>
+          <p:cNvPr id="7" name="Obraz 6" descr="Obraz zawierający zrzut ekranu&#10;&#10;Opis wygenerowany automatycznie">
+            <a:extLst>
+              <a:ext uri="{FF2B5EF4-FFF2-40B4-BE49-F238E27FC236}">
+                <a16:creationId xmlns:a16="http://schemas.microsoft.com/office/drawing/2014/main" id="{5BBA04C4-B0A1-44A7-9895-338EC545583D}"/>
+              </a:ext>
+            </a:extLst>
+          </p:cNvPr>
+          <p:cNvPicPr>
+            <a:picLocks noChangeAspect="1"/>
+          </p:cNvPicPr>
+          <p:nvPr/>
+        </p:nvPicPr>
+        <p:blipFill>
+          <a:blip r:embed="rId3"/>
+          <a:stretch>
+            <a:fillRect/>
+          </a:stretch>
+        </p:blipFill>
+        <p:spPr>
+          <a:xfrm>
+            <a:off x="7377399" y="2171773"/>
+            <a:ext cx="2434367" cy="4466306"/>
+          </a:xfrm>
+          <a:prstGeom prst="rect">
+            <a:avLst/>
+          </a:prstGeom>
+        </p:spPr>
+      </p:pic>
+    </p:spTree>
+    <p:extLst>
+      <p:ext uri="{BB962C8B-B14F-4D97-AF65-F5344CB8AC3E}">
+        <p14:creationId xmlns:p14="http://schemas.microsoft.com/office/powerpoint/2010/main" val="1819095391"/>
+      </p:ext>
+    </p:extLst>
+  </p:cSld>
+  <p:clrMapOvr>
+    <a:masterClrMapping/>
+  </p:clrMapOvr>
+</p:sld>
+</file>
+
+<file path=ppt/slides/slide23.xml><?xml version="1.0" encoding="utf-8"?>
+<p:sld xmlns:a="http://schemas.openxmlformats.org/drawingml/2006/main" xmlns:r="http://schemas.openxmlformats.org/officeDocument/2006/relationships" xmlns:p="http://schemas.openxmlformats.org/presentationml/2006/main">
+  <p:cSld>
+    <p:spTree>
+      <p:nvGrpSpPr>
+        <p:cNvPr id="1" name=""/>
+        <p:cNvGrpSpPr/>
+        <p:nvPr/>
+      </p:nvGrpSpPr>
+      <p:grpSpPr>
+        <a:xfrm>
+          <a:off x="0" y="0"/>
+          <a:ext cx="0" cy="0"/>
+          <a:chOff x="0" y="0"/>
+          <a:chExt cx="0" cy="0"/>
+        </a:xfrm>
+      </p:grpSpPr>
+      <p:sp>
+        <p:nvSpPr>
+          <p:cNvPr id="4" name="Prostokąt 3">
+            <a:extLst>
+              <a:ext uri="{FF2B5EF4-FFF2-40B4-BE49-F238E27FC236}">
+                <a16:creationId xmlns:a16="http://schemas.microsoft.com/office/drawing/2014/main" id="{BF8C8F3B-C015-4A44-BA47-2F03169761BD}"/>
+              </a:ext>
+            </a:extLst>
+          </p:cNvPr>
+          <p:cNvSpPr/>
+          <p:nvPr/>
+        </p:nvSpPr>
+        <p:spPr>
+          <a:xfrm>
+            <a:off x="2654994" y="2852005"/>
+            <a:ext cx="6882012" cy="923330"/>
+          </a:xfrm>
+          <a:prstGeom prst="rect">
+            <a:avLst/>
+          </a:prstGeom>
+          <a:noFill/>
+        </p:spPr>
+        <p:txBody>
+          <a:bodyPr wrap="none" lIns="91440" tIns="45720" rIns="91440" bIns="45720">
+            <a:spAutoFit/>
+          </a:bodyPr>
+          <a:lstStyle/>
+          <a:p>
+            <a:pPr algn="ctr"/>
+            <a:r>
+              <a:rPr lang="pl-PL" sz="5400" b="0" cap="none" spc="0" dirty="0">
+                <a:ln w="0"/>
+                <a:solidFill>
+                  <a:schemeClr val="tx1"/>
+                </a:solidFill>
+                <a:effectLst>
+                  <a:outerShdw blurRad="38100" dist="19050" dir="2700000" algn="tl" rotWithShape="0">
+                    <a:schemeClr val="dk1">
+                      <a:alpha val="40000"/>
+                    </a:schemeClr>
+                  </a:outerShdw>
+                </a:effectLst>
+              </a:rPr>
+              <a:t>Dziękujemy za uwagę</a:t>
+            </a:r>
+          </a:p>
+        </p:txBody>
+      </p:sp>
+    </p:spTree>
+    <p:extLst>
+      <p:ext uri="{BB962C8B-B14F-4D97-AF65-F5344CB8AC3E}">
+        <p14:creationId xmlns:p14="http://schemas.microsoft.com/office/powerpoint/2010/main" val="2285759344"/>
       </p:ext>
     </p:extLst>
   </p:cSld>
@@ -8370,7 +10008,7 @@
           <a:p>
             <a:r>
               <a:rPr lang="pl-PL" sz="3200" dirty="0"/>
-              <a:t>Szymon Cichy: Obsługa protokołu HTTP, Obsługa protokołu MQTT oraz oprogramowanie urządzenia </a:t>
+              <a:t>Szymon Cichy: Obsługa protokołu HTTP, Obsługa protokołu MQTT, oprogramowanie urządzenia </a:t>
             </a:r>
             <a:r>
               <a:rPr lang="pl-PL" sz="3200" dirty="0" err="1"/>
@@ -8378,7 +10016,7 @@
             </a:r>
             <a:r>
               <a:rPr lang="pl-PL" sz="3200" dirty="0"/>
-              <a:t>.</a:t>
+              <a:t>, aplikacja android.</a:t>
             </a:r>
           </a:p>
           <a:p>
@@ -8473,13 +10111,16 @@
             </a:pPr>
             <a:r>
               <a:rPr lang="pl-PL" sz="2800" dirty="0"/>
-              <a:t>Stworzenie przyjaznej dla użytkownika aplikacji do komunikacji z urządzeniami </a:t>
+              <a:t>Wykorzystanie biblioteki </a:t>
             </a:r>
             <a:r>
               <a:rPr lang="pl-PL" sz="2800" dirty="0" err="1"/>
-              <a:t>IoT</a:t>
-            </a:r>
-            <a:endParaRPr lang="pl-PL" sz="2800" dirty="0"/>
+              <a:t>Qt</a:t>
+            </a:r>
+            <a:r>
+              <a:rPr lang="pl-PL" sz="2800" dirty="0"/>
+              <a:t> (aplikacja desktopowa)</a:t>
+            </a:r>
           </a:p>
           <a:p>
             <a:pPr marL="514350" indent="-514350">
@@ -8488,7 +10129,7 @@
             </a:pPr>
             <a:r>
               <a:rPr lang="pl-PL" sz="2800" dirty="0"/>
-              <a:t>Zapewnienie łatwego przenoszenia kodu między platformami</a:t>
+              <a:t>Stworzenie aplikacji na dwie platformy (PC: Linux, Android)</a:t>
             </a:r>
           </a:p>
           <a:p>
@@ -8498,7 +10139,7 @@
             </a:pPr>
             <a:r>
               <a:rPr lang="pl-PL" sz="2800" dirty="0"/>
-              <a:t>Przeprowadzenie testów sprawdzających stabilność aplikacji</a:t>
+              <a:t>Implementacja dwóch protokołów komunikacji: HTTP i MQTT.</a:t>
             </a:r>
           </a:p>
           <a:p>
@@ -8508,15 +10149,7 @@
             </a:pPr>
             <a:r>
               <a:rPr lang="pl-PL" sz="2800" dirty="0"/>
-              <a:t>Stworzenie przykładowej sieci urządzeń </a:t>
-            </a:r>
-            <a:r>
-              <a:rPr lang="pl-PL" sz="2800" dirty="0" err="1"/>
-              <a:t>IoT</a:t>
-            </a:r>
-            <a:r>
-              <a:rPr lang="pl-PL" sz="2800" dirty="0"/>
-              <a:t> w celu prezentacji możliwości naszej aplikacji</a:t>
+              <a:t>Przygotowanie przykładowego systemu wykorzystującego naszą aplikację.</a:t>
             </a:r>
           </a:p>
         </p:txBody>
@@ -8673,7 +10306,7 @@
           <p:cNvPr id="2" name="Tytuł 1">
             <a:extLst>
               <a:ext uri="{FF2B5EF4-FFF2-40B4-BE49-F238E27FC236}">
-                <a16:creationId xmlns:a16="http://schemas.microsoft.com/office/drawing/2014/main" id="{047502D6-B33D-4D9A-846D-E22E330390DE}"/>
+                <a16:creationId xmlns:a16="http://schemas.microsoft.com/office/drawing/2014/main" id="{7010F86E-4915-4077-BCCA-F068EEC57175}"/>
               </a:ext>
             </a:extLst>
           </p:cNvPr>
@@ -8691,22 +10324,17 @@
           <a:p>
             <a:r>
               <a:rPr lang="pl-PL" dirty="0"/>
-              <a:t>QT </a:t>
-            </a:r>
-            <a:r>
-              <a:rPr lang="pl-PL" dirty="0" err="1"/>
-              <a:t>Creator</a:t>
-            </a:r>
-            <a:endParaRPr lang="pl-PL" dirty="0"/>
+              <a:t>Wybrane środowiska</a:t>
+            </a:r>
           </a:p>
         </p:txBody>
       </p:sp>
       <p:pic>
         <p:nvPicPr>
-          <p:cNvPr id="5" name="Symbol zastępczy zawartości 4" descr="Obraz zawierający zrzut ekranu, monitor, komputer, ekran&#10;&#10;Opis wygenerowany automatycznie">
+          <p:cNvPr id="5" name="Symbol zastępczy zawartości 4" descr="Obraz zawierający zrzut ekranu, telefon&#10;&#10;Opis wygenerowany automatycznie">
             <a:extLst>
               <a:ext uri="{FF2B5EF4-FFF2-40B4-BE49-F238E27FC236}">
-                <a16:creationId xmlns:a16="http://schemas.microsoft.com/office/drawing/2014/main" id="{9A9998A1-144C-4AF8-8F08-5FC64302034D}"/>
+                <a16:creationId xmlns:a16="http://schemas.microsoft.com/office/drawing/2014/main" id="{66F1A036-4CBB-4C07-8BD1-7C07A7F427DD}"/>
               </a:ext>
             </a:extLst>
           </p:cNvPr>
@@ -8725,15 +10353,15 @@
         </p:blipFill>
         <p:spPr>
           <a:xfrm>
-            <a:off x="1978509" y="2064426"/>
-            <a:ext cx="8234982" cy="4705704"/>
+            <a:off x="3230405" y="2312086"/>
+            <a:ext cx="5731190" cy="3598863"/>
           </a:xfrm>
         </p:spPr>
       </p:pic>
     </p:spTree>
     <p:extLst>
       <p:ext uri="{BB962C8B-B14F-4D97-AF65-F5344CB8AC3E}">
-        <p14:creationId xmlns:p14="http://schemas.microsoft.com/office/powerpoint/2010/main" val="1004497374"/>
+        <p14:creationId xmlns:p14="http://schemas.microsoft.com/office/powerpoint/2010/main" val="2147612439"/>
       </p:ext>
     </p:extLst>
   </p:cSld>
@@ -8765,7 +10393,7 @@
           <p:cNvPr id="2" name="Tytuł 1">
             <a:extLst>
               <a:ext uri="{FF2B5EF4-FFF2-40B4-BE49-F238E27FC236}">
-                <a16:creationId xmlns:a16="http://schemas.microsoft.com/office/drawing/2014/main" id="{C2781182-2684-4A1A-ACBA-A4FC4E1A48D3}"/>
+                <a16:creationId xmlns:a16="http://schemas.microsoft.com/office/drawing/2014/main" id="{047502D6-B33D-4D9A-846D-E22E330390DE}"/>
               </a:ext>
             </a:extLst>
           </p:cNvPr>
@@ -8782,22 +10410,23 @@
           <a:lstStyle/>
           <a:p>
             <a:r>
+              <a:rPr lang="pl-PL" dirty="0"/>
+              <a:t>QT </a:t>
+            </a:r>
+            <a:r>
               <a:rPr lang="pl-PL" dirty="0" err="1"/>
-              <a:t>Qt</a:t>
-            </a:r>
-            <a:r>
-              <a:rPr lang="pl-PL" dirty="0"/>
-              <a:t> Designer</a:t>
-            </a:r>
+              <a:t>Creator</a:t>
+            </a:r>
+            <a:endParaRPr lang="pl-PL" dirty="0"/>
           </a:p>
         </p:txBody>
       </p:sp>
       <p:pic>
         <p:nvPicPr>
-          <p:cNvPr id="5" name="Symbol zastępczy zawartości 4" descr="Obraz zawierający zrzut ekranu, monitor, sprzęt elektroniczny, ekran&#10;&#10;Opis wygenerowany automatycznie">
+          <p:cNvPr id="5" name="Symbol zastępczy zawartości 4" descr="Obraz zawierający zrzut ekranu, monitor, komputer, ekran&#10;&#10;Opis wygenerowany automatycznie">
             <a:extLst>
               <a:ext uri="{FF2B5EF4-FFF2-40B4-BE49-F238E27FC236}">
-                <a16:creationId xmlns:a16="http://schemas.microsoft.com/office/drawing/2014/main" id="{36DD2F8B-AE72-411F-9A84-7A5984C1739F}"/>
+                <a16:creationId xmlns:a16="http://schemas.microsoft.com/office/drawing/2014/main" id="{9A9998A1-144C-4AF8-8F08-5FC64302034D}"/>
               </a:ext>
             </a:extLst>
           </p:cNvPr>
@@ -8816,15 +10445,15 @@
         </p:blipFill>
         <p:spPr>
           <a:xfrm>
-            <a:off x="2050107" y="2076168"/>
-            <a:ext cx="8091785" cy="4623877"/>
+            <a:off x="1978509" y="2064426"/>
+            <a:ext cx="8234982" cy="4705704"/>
           </a:xfrm>
         </p:spPr>
       </p:pic>
     </p:spTree>
     <p:extLst>
       <p:ext uri="{BB962C8B-B14F-4D97-AF65-F5344CB8AC3E}">
-        <p14:creationId xmlns:p14="http://schemas.microsoft.com/office/powerpoint/2010/main" val="1571734805"/>
+        <p14:creationId xmlns:p14="http://schemas.microsoft.com/office/powerpoint/2010/main" val="1004497374"/>
       </p:ext>
     </p:extLst>
   </p:cSld>
@@ -8856,7 +10485,7 @@
           <p:cNvPr id="2" name="Tytuł 1">
             <a:extLst>
               <a:ext uri="{FF2B5EF4-FFF2-40B4-BE49-F238E27FC236}">
-                <a16:creationId xmlns:a16="http://schemas.microsoft.com/office/drawing/2014/main" id="{34A9AA28-20D1-451F-A6A0-BE007C548616}"/>
+                <a16:creationId xmlns:a16="http://schemas.microsoft.com/office/drawing/2014/main" id="{C2781182-2684-4A1A-ACBA-A4FC4E1A48D3}"/>
               </a:ext>
             </a:extLst>
           </p:cNvPr>
@@ -8874,21 +10503,21 @@
           <a:p>
             <a:r>
               <a:rPr lang="pl-PL" dirty="0" err="1"/>
-              <a:t>Arduino</a:t>
+              <a:t>Qt</a:t>
             </a:r>
             <a:r>
               <a:rPr lang="pl-PL" dirty="0"/>
-              <a:t> IDE</a:t>
+              <a:t> Designer</a:t>
             </a:r>
           </a:p>
         </p:txBody>
       </p:sp>
       <p:pic>
         <p:nvPicPr>
-          <p:cNvPr id="5" name="Symbol zastępczy zawartości 4" descr="Obraz zawierający zrzut ekranu&#10;&#10;Opis wygenerowany automatycznie">
+          <p:cNvPr id="5" name="Symbol zastępczy zawartości 4" descr="Obraz zawierający zrzut ekranu, monitor, sprzęt elektroniczny, ekran&#10;&#10;Opis wygenerowany automatycznie">
             <a:extLst>
               <a:ext uri="{FF2B5EF4-FFF2-40B4-BE49-F238E27FC236}">
-                <a16:creationId xmlns:a16="http://schemas.microsoft.com/office/drawing/2014/main" id="{C5F2B9F7-F41F-4080-BFBD-FB7B723FC601}"/>
+                <a16:creationId xmlns:a16="http://schemas.microsoft.com/office/drawing/2014/main" id="{36DD2F8B-AE72-411F-9A84-7A5984C1739F}"/>
               </a:ext>
             </a:extLst>
           </p:cNvPr>
@@ -8907,15 +10536,15 @@
         </p:blipFill>
         <p:spPr>
           <a:xfrm>
-            <a:off x="2112216" y="2147415"/>
-            <a:ext cx="7967568" cy="4552896"/>
+            <a:off x="2050107" y="2076168"/>
+            <a:ext cx="8091785" cy="4623877"/>
           </a:xfrm>
         </p:spPr>
       </p:pic>
     </p:spTree>
     <p:extLst>
       <p:ext uri="{BB962C8B-B14F-4D97-AF65-F5344CB8AC3E}">
-        <p14:creationId xmlns:p14="http://schemas.microsoft.com/office/powerpoint/2010/main" val="2090030534"/>
+        <p14:creationId xmlns:p14="http://schemas.microsoft.com/office/powerpoint/2010/main" val="1571734805"/>
       </p:ext>
     </p:extLst>
   </p:cSld>
@@ -8947,7 +10576,7 @@
           <p:cNvPr id="2" name="Tytuł 1">
             <a:extLst>
               <a:ext uri="{FF2B5EF4-FFF2-40B4-BE49-F238E27FC236}">
-                <a16:creationId xmlns:a16="http://schemas.microsoft.com/office/drawing/2014/main" id="{C048F54A-88BE-4C0B-86A5-79F390D34D7E}"/>
+                <a16:creationId xmlns:a16="http://schemas.microsoft.com/office/drawing/2014/main" id="{34A9AA28-20D1-451F-A6A0-BE007C548616}"/>
               </a:ext>
             </a:extLst>
           </p:cNvPr>
@@ -8964,67 +10593,31 @@
           <a:lstStyle/>
           <a:p>
             <a:r>
+              <a:rPr lang="pl-PL" dirty="0" err="1"/>
+              <a:t>Arduino</a:t>
+            </a:r>
+            <a:r>
               <a:rPr lang="pl-PL" dirty="0"/>
-              <a:t>Sprzęt</a:t>
-            </a:r>
-          </a:p>
-        </p:txBody>
-      </p:sp>
-      <p:sp>
-        <p:nvSpPr>
-          <p:cNvPr id="3" name="Symbol zastępczy zawartości 2">
+              <a:t> IDE</a:t>
+            </a:r>
+          </a:p>
+        </p:txBody>
+      </p:sp>
+      <p:pic>
+        <p:nvPicPr>
+          <p:cNvPr id="5" name="Symbol zastępczy zawartości 4" descr="Obraz zawierający zrzut ekranu&#10;&#10;Opis wygenerowany automatycznie">
             <a:extLst>
               <a:ext uri="{FF2B5EF4-FFF2-40B4-BE49-F238E27FC236}">
-                <a16:creationId xmlns:a16="http://schemas.microsoft.com/office/drawing/2014/main" id="{68FBB798-A2A5-4BB5-B904-30A7CBA0D6AD}"/>
-              </a:ext>
-            </a:extLst>
-          </p:cNvPr>
-          <p:cNvSpPr>
-            <a:spLocks noGrp="1"/>
-          </p:cNvSpPr>
-          <p:nvPr>
-            <p:ph idx="1"/>
-          </p:nvPr>
-        </p:nvSpPr>
-        <p:spPr>
-          <a:xfrm>
-            <a:off x="5487251" y="5294686"/>
-            <a:ext cx="5644361" cy="467298"/>
-          </a:xfrm>
-        </p:spPr>
-        <p:txBody>
-          <a:bodyPr>
-            <a:noAutofit/>
-          </a:bodyPr>
-          <a:lstStyle/>
-          <a:p>
-            <a:pPr marL="0" indent="0">
-              <a:buNone/>
-            </a:pPr>
-            <a:r>
-              <a:rPr lang="pl-PL" sz="2800" dirty="0" err="1"/>
-              <a:t>Arduino</a:t>
-            </a:r>
-            <a:r>
-              <a:rPr lang="pl-PL" sz="2800" dirty="0"/>
-              <a:t> Nano</a:t>
-            </a:r>
-          </a:p>
-        </p:txBody>
-      </p:sp>
-      <p:pic>
-        <p:nvPicPr>
-          <p:cNvPr id="5" name="Obraz 4" descr="Obraz zawierający sprzęt elektroniczny, obwód&#10;&#10;Opis wygenerowany automatycznie">
-            <a:extLst>
-              <a:ext uri="{FF2B5EF4-FFF2-40B4-BE49-F238E27FC236}">
-                <a16:creationId xmlns:a16="http://schemas.microsoft.com/office/drawing/2014/main" id="{158BBD3C-613E-41CE-ACE0-56142B500A9A}"/>
+                <a16:creationId xmlns:a16="http://schemas.microsoft.com/office/drawing/2014/main" id="{C5F2B9F7-F41F-4080-BFBD-FB7B723FC601}"/>
               </a:ext>
             </a:extLst>
           </p:cNvPr>
           <p:cNvPicPr>
-            <a:picLocks noChangeAspect="1"/>
+            <a:picLocks noGrp="1" noChangeAspect="1"/>
           </p:cNvPicPr>
-          <p:nvPr/>
+          <p:nvPr>
+            <p:ph idx="1"/>
+          </p:nvPr>
         </p:nvPicPr>
         <p:blipFill>
           <a:blip r:embed="rId2"/>
@@ -9034,183 +10627,15 @@
         </p:blipFill>
         <p:spPr>
           <a:xfrm>
-            <a:off x="369036" y="2223293"/>
-            <a:ext cx="2856473" cy="2856473"/>
-          </a:xfrm>
-          <a:prstGeom prst="rect">
-            <a:avLst/>
-          </a:prstGeom>
-        </p:spPr>
-      </p:pic>
-      <p:pic>
-        <p:nvPicPr>
-          <p:cNvPr id="7" name="Obraz 6" descr="Obraz zawierający obwód, sprzęt elektroniczny&#10;&#10;Opis wygenerowany automatycznie">
-            <a:extLst>
-              <a:ext uri="{FF2B5EF4-FFF2-40B4-BE49-F238E27FC236}">
-                <a16:creationId xmlns:a16="http://schemas.microsoft.com/office/drawing/2014/main" id="{FE7F094A-8CA4-4D45-972B-46AEC269585F}"/>
-              </a:ext>
-            </a:extLst>
-          </p:cNvPr>
-          <p:cNvPicPr>
-            <a:picLocks noChangeAspect="1"/>
-          </p:cNvPicPr>
-          <p:nvPr/>
-        </p:nvPicPr>
-        <p:blipFill>
-          <a:blip r:embed="rId3"/>
-          <a:stretch>
-            <a:fillRect/>
-          </a:stretch>
-        </p:blipFill>
-        <p:spPr>
-          <a:xfrm>
-            <a:off x="4658163" y="2222002"/>
-            <a:ext cx="3810351" cy="2857763"/>
-          </a:xfrm>
-          <a:prstGeom prst="rect">
-            <a:avLst/>
-          </a:prstGeom>
-        </p:spPr>
-      </p:pic>
-      <p:pic>
-        <p:nvPicPr>
-          <p:cNvPr id="9" name="Obraz 8" descr="Obraz zawierający sprzęt elektroniczny, obwód&#10;&#10;Opis wygenerowany automatycznie">
-            <a:extLst>
-              <a:ext uri="{FF2B5EF4-FFF2-40B4-BE49-F238E27FC236}">
-                <a16:creationId xmlns:a16="http://schemas.microsoft.com/office/drawing/2014/main" id="{88B1E253-985E-4761-BA84-725C24DA480A}"/>
-              </a:ext>
-            </a:extLst>
-          </p:cNvPr>
-          <p:cNvPicPr>
-            <a:picLocks noChangeAspect="1"/>
-          </p:cNvPicPr>
-          <p:nvPr/>
-        </p:nvPicPr>
-        <p:blipFill>
-          <a:blip r:embed="rId4"/>
-          <a:stretch>
-            <a:fillRect/>
-          </a:stretch>
-        </p:blipFill>
-        <p:spPr>
-          <a:xfrm>
-            <a:off x="8865945" y="2223292"/>
-            <a:ext cx="2856473" cy="2856473"/>
-          </a:xfrm>
-          <a:prstGeom prst="rect">
-            <a:avLst/>
-          </a:prstGeom>
-        </p:spPr>
-      </p:pic>
-      <p:sp>
-        <p:nvSpPr>
-          <p:cNvPr id="10" name="pole tekstowe 9">
-            <a:extLst>
-              <a:ext uri="{FF2B5EF4-FFF2-40B4-BE49-F238E27FC236}">
-                <a16:creationId xmlns:a16="http://schemas.microsoft.com/office/drawing/2014/main" id="{4773E44A-ECA2-4D9B-980B-18E791F51DB0}"/>
-              </a:ext>
-            </a:extLst>
-          </p:cNvPr>
-          <p:cNvSpPr txBox="1"/>
-          <p:nvPr/>
-        </p:nvSpPr>
-        <p:spPr>
-          <a:xfrm>
-            <a:off x="1411242" y="5184055"/>
-            <a:ext cx="1583090" cy="523220"/>
-          </a:xfrm>
-          <a:prstGeom prst="rect">
-            <a:avLst/>
-          </a:prstGeom>
-          <a:noFill/>
-        </p:spPr>
-        <p:txBody>
-          <a:bodyPr wrap="square" rtlCol="0">
-            <a:spAutoFit/>
-          </a:bodyPr>
-          <a:lstStyle/>
-          <a:p>
-            <a:r>
-              <a:rPr lang="pl-PL" sz="2800" dirty="0"/>
-              <a:t>ESP8266</a:t>
-            </a:r>
-            <a:endParaRPr lang="pl-PL" dirty="0"/>
-          </a:p>
-        </p:txBody>
-      </p:sp>
-      <p:sp>
-        <p:nvSpPr>
-          <p:cNvPr id="11" name="pole tekstowe 10">
-            <a:extLst>
-              <a:ext uri="{FF2B5EF4-FFF2-40B4-BE49-F238E27FC236}">
-                <a16:creationId xmlns:a16="http://schemas.microsoft.com/office/drawing/2014/main" id="{EE84C6E6-5555-4A7D-9C42-913EB51D4941}"/>
-              </a:ext>
-            </a:extLst>
-          </p:cNvPr>
-          <p:cNvSpPr txBox="1"/>
-          <p:nvPr/>
-        </p:nvSpPr>
-        <p:spPr>
-          <a:xfrm>
-            <a:off x="9214116" y="5184055"/>
-            <a:ext cx="2160129" cy="523220"/>
-          </a:xfrm>
-          <a:prstGeom prst="rect">
-            <a:avLst/>
-          </a:prstGeom>
-          <a:noFill/>
-        </p:spPr>
-        <p:txBody>
-          <a:bodyPr wrap="square" rtlCol="0">
-            <a:spAutoFit/>
-          </a:bodyPr>
-          <a:lstStyle/>
-          <a:p>
-            <a:r>
-              <a:rPr lang="pl-PL" sz="2800" dirty="0" err="1"/>
-              <a:t>Arduino</a:t>
-            </a:r>
-            <a:r>
-              <a:rPr lang="pl-PL" sz="2800" dirty="0"/>
-              <a:t> Uno</a:t>
-            </a:r>
-          </a:p>
-        </p:txBody>
-      </p:sp>
-      <p:pic>
-        <p:nvPicPr>
-          <p:cNvPr id="4" name="Obraz 3">
-            <a:extLst>
-              <a:ext uri="{FF2B5EF4-FFF2-40B4-BE49-F238E27FC236}">
-                <a16:creationId xmlns:a16="http://schemas.microsoft.com/office/drawing/2014/main" id="{FC2838A4-DBBF-450D-BEA2-A7980C493144}"/>
-              </a:ext>
-            </a:extLst>
-          </p:cNvPr>
-          <p:cNvPicPr>
-            <a:picLocks noChangeAspect="1"/>
-          </p:cNvPicPr>
-          <p:nvPr/>
-        </p:nvPicPr>
-        <p:blipFill>
-          <a:blip r:embed="rId5"/>
-          <a:stretch>
-            <a:fillRect/>
-          </a:stretch>
-        </p:blipFill>
-        <p:spPr>
-          <a:xfrm>
-            <a:off x="221728" y="2222002"/>
-            <a:ext cx="3962118" cy="2857763"/>
-          </a:xfrm>
-          <a:prstGeom prst="rect">
-            <a:avLst/>
-          </a:prstGeom>
+            <a:off x="2112216" y="2147415"/>
+            <a:ext cx="7967568" cy="4552896"/>
+          </a:xfrm>
         </p:spPr>
       </p:pic>
     </p:spTree>
     <p:extLst>
       <p:ext uri="{BB962C8B-B14F-4D97-AF65-F5344CB8AC3E}">
-        <p14:creationId xmlns:p14="http://schemas.microsoft.com/office/powerpoint/2010/main" val="2175086332"/>
+        <p14:creationId xmlns:p14="http://schemas.microsoft.com/office/powerpoint/2010/main" val="2090030534"/>
       </p:ext>
     </p:extLst>
   </p:cSld>

--- a/przentacja.pptx
+++ b/przentacja.pptx
@@ -9005,7 +9005,7 @@
             </a:r>
             <a:r>
               <a:rPr lang="pl-PL" dirty="0"/>
-              <a:t>: temepratura-hala1.</a:t>
+              <a:t>: temepatura-hala1.</a:t>
             </a:r>
           </a:p>
           <a:p>

--- a/przentacja.pptx
+++ b/przentacja.pptx
@@ -408,7 +408,7 @@
           <a:p>
             <a:fld id="{78ABE3C1-DBE1-495D-B57B-2849774B866A}" type="datetimeFigureOut">
               <a:rPr lang="en-US" dirty="0"/>
-              <a:t>5/17/2020</a:t>
+              <a:t>5/20/2020</a:t>
             </a:fld>
             <a:endParaRPr lang="en-US" dirty="0"/>
           </a:p>
@@ -817,7 +817,7 @@
           <a:p>
             <a:fld id="{446C117F-5CCF-4837-BE5F-2B92066CAFAF}" type="datetimeFigureOut">
               <a:rPr lang="en-US" dirty="0"/>
-              <a:t>5/17/2020</a:t>
+              <a:t>5/20/2020</a:t>
             </a:fld>
             <a:endParaRPr lang="en-US" dirty="0"/>
           </a:p>
@@ -1148,7 +1148,7 @@
           <a:p>
             <a:fld id="{84EB90BD-B6CE-46B7-997F-7313B992CCDC}" type="datetimeFigureOut">
               <a:rPr lang="en-US" dirty="0"/>
-              <a:t>5/17/2020</a:t>
+              <a:t>5/20/2020</a:t>
             </a:fld>
             <a:endParaRPr lang="en-US" dirty="0"/>
           </a:p>
@@ -1548,7 +1548,7 @@
           <a:p>
             <a:fld id="{CDB9D11F-B188-461D-B23F-39381795C052}" type="datetimeFigureOut">
               <a:rPr lang="en-US" dirty="0"/>
-              <a:t>5/17/2020</a:t>
+              <a:t>5/20/2020</a:t>
             </a:fld>
             <a:endParaRPr lang="en-US" dirty="0"/>
           </a:p>
@@ -2111,7 +2111,7 @@
           <a:p>
             <a:fld id="{52E6D8D9-55A2-4063-B0F3-121F44549695}" type="datetimeFigureOut">
               <a:rPr lang="en-US" dirty="0"/>
-              <a:t>5/17/2020</a:t>
+              <a:t>5/20/2020</a:t>
             </a:fld>
             <a:endParaRPr lang="en-US" dirty="0"/>
           </a:p>
@@ -2787,7 +2787,7 @@
           <a:p>
             <a:fld id="{D4B24536-994D-4021-A283-9F449C0DB509}" type="datetimeFigureOut">
               <a:rPr lang="en-US" dirty="0"/>
-              <a:t>5/17/2020</a:t>
+              <a:t>5/20/2020</a:t>
             </a:fld>
             <a:endParaRPr lang="en-US" dirty="0"/>
           </a:p>
@@ -3695,7 +3695,7 @@
           <a:p>
             <a:fld id="{3CBBBB78-C96F-47B7-AB17-D852CA960AC9}" type="datetimeFigureOut">
               <a:rPr lang="en-US" dirty="0"/>
-              <a:t>5/17/2020</a:t>
+              <a:t>5/20/2020</a:t>
             </a:fld>
             <a:endParaRPr lang="en-US" dirty="0"/>
           </a:p>
@@ -4003,7 +4003,7 @@
           <a:p>
             <a:fld id="{1FA3F48C-C7C6-4055-9F49-3777875E72AE}" type="datetimeFigureOut">
               <a:rPr lang="en-US" dirty="0"/>
-              <a:t>5/17/2020</a:t>
+              <a:t>5/20/2020</a:t>
             </a:fld>
             <a:endParaRPr lang="en-US" dirty="0"/>
           </a:p>
@@ -4262,7 +4262,7 @@
           <a:p>
             <a:fld id="{6178E61D-D431-422C-9764-11DAFE33AB63}" type="datetimeFigureOut">
               <a:rPr lang="en-US" dirty="0"/>
-              <a:t>5/17/2020</a:t>
+              <a:t>5/20/2020</a:t>
             </a:fld>
             <a:endParaRPr lang="en-US" dirty="0"/>
           </a:p>
@@ -4581,7 +4581,7 @@
           <a:p>
             <a:fld id="{12DE42F4-6EEF-4EF7-8ED4-2208F0F89A08}" type="datetimeFigureOut">
               <a:rPr lang="en-US" dirty="0"/>
-              <a:t>5/17/2020</a:t>
+              <a:t>5/20/2020</a:t>
             </a:fld>
             <a:endParaRPr lang="en-US" dirty="0"/>
           </a:p>
@@ -4965,7 +4965,7 @@
           <a:p>
             <a:fld id="{30578ACC-22D6-47C1-A373-4FD133E34F3C}" type="datetimeFigureOut">
               <a:rPr lang="en-US" dirty="0"/>
-              <a:t>5/17/2020</a:t>
+              <a:t>5/20/2020</a:t>
             </a:fld>
             <a:endParaRPr lang="en-US" dirty="0"/>
           </a:p>
@@ -5336,7 +5336,7 @@
           <a:p>
             <a:fld id="{4E5A6C69-6797-4E8A-BF37-F2C3751466E9}" type="datetimeFigureOut">
               <a:rPr lang="en-US" dirty="0"/>
-              <a:t>5/17/2020</a:t>
+              <a:t>5/20/2020</a:t>
             </a:fld>
             <a:endParaRPr lang="en-US" dirty="0"/>
           </a:p>
@@ -5837,7 +5837,7 @@
           <a:p>
             <a:fld id="{D82014A1-A632-4878-A0D3-F52BA7563730}" type="datetimeFigureOut">
               <a:rPr lang="en-US" dirty="0"/>
-              <a:t>5/17/2020</a:t>
+              <a:t>5/20/2020</a:t>
             </a:fld>
             <a:endParaRPr lang="en-US" dirty="0"/>
           </a:p>
@@ -6089,7 +6089,7 @@
           <a:p>
             <a:fld id="{CE99F462-093F-4566-844B-4C71F2739DA5}" type="datetimeFigureOut">
               <a:rPr lang="en-US" dirty="0"/>
-              <a:t>5/17/2020</a:t>
+              <a:t>5/20/2020</a:t>
             </a:fld>
             <a:endParaRPr lang="en-US" dirty="0"/>
           </a:p>
@@ -6247,7 +6247,7 @@
           <a:p>
             <a:fld id="{3D24A7AC-904D-4781-85BA-7D10C17ED021}" type="datetimeFigureOut">
               <a:rPr lang="en-US" dirty="0"/>
-              <a:t>5/17/2020</a:t>
+              <a:t>5/20/2020</a:t>
             </a:fld>
             <a:endParaRPr lang="en-US" dirty="0"/>
           </a:p>
@@ -6632,7 +6632,7 @@
           <a:p>
             <a:fld id="{E331444B-B92B-4E27-8C94-BB93EAF5CB18}" type="datetimeFigureOut">
               <a:rPr lang="en-US" dirty="0"/>
-              <a:t>5/17/2020</a:t>
+              <a:t>5/20/2020</a:t>
             </a:fld>
             <a:endParaRPr lang="en-US" dirty="0"/>
           </a:p>
@@ -7036,7 +7036,7 @@
           <a:p>
             <a:fld id="{363EFA5E-FA76-400D-B3DC-F0BA90E6D107}" type="datetimeFigureOut">
               <a:rPr lang="en-US" dirty="0"/>
-              <a:t>5/17/2020</a:t>
+              <a:t>5/20/2020</a:t>
             </a:fld>
             <a:endParaRPr lang="en-US" dirty="0"/>
           </a:p>
@@ -7275,7 +7275,7 @@
           <a:p>
             <a:fld id="{9D6E9DEC-419B-4CC5-A080-3B06BD5A8291}" type="datetimeFigureOut">
               <a:rPr lang="en-US" dirty="0"/>
-              <a:t>5/17/2020</a:t>
+              <a:t>5/20/2020</a:t>
             </a:fld>
             <a:endParaRPr lang="en-US" dirty="0"/>
           </a:p>
@@ -9659,63 +9659,107 @@
       </p:sp>
       <p:pic>
         <p:nvPicPr>
-          <p:cNvPr id="5" name="Symbol zastępczy zawartości 4" descr="Obraz zawierający zrzut ekranu&#10;&#10;Opis wygenerowany automatycznie">
+          <p:cNvPr id="6" name="Obraz 5">
             <a:extLst>
               <a:ext uri="{FF2B5EF4-FFF2-40B4-BE49-F238E27FC236}">
-                <a16:creationId xmlns:a16="http://schemas.microsoft.com/office/drawing/2014/main" id="{B871338A-55AA-4187-BC6F-8DEFFA6230E4}"/>
+                <a16:creationId xmlns:a16="http://schemas.microsoft.com/office/drawing/2014/main" id="{50B3C163-43EF-42C9-AAA2-B03E3720FA89}"/>
               </a:ext>
             </a:extLst>
           </p:cNvPr>
-          <p:cNvPicPr>
-            <a:picLocks noGrp="1" noChangeAspect="1"/>
-          </p:cNvPicPr>
-          <p:nvPr>
-            <p:ph idx="1"/>
-          </p:nvPr>
+          <p:cNvPicPr/>
+          <p:nvPr/>
         </p:nvPicPr>
         <p:blipFill>
-          <a:blip r:embed="rId2"/>
+          <a:blip r:embed="rId2" cstate="print">
+            <a:extLst>
+              <a:ext uri="{28A0092B-C50C-407E-A947-70E740481C1C}">
+                <a14:useLocalDpi xmlns:a14="http://schemas.microsoft.com/office/drawing/2010/main" val="0"/>
+              </a:ext>
+            </a:extLst>
+          </a:blip>
+          <a:srcRect/>
           <a:stretch>
             <a:fillRect/>
           </a:stretch>
         </p:blipFill>
-        <p:spPr>
-          <a:xfrm>
-            <a:off x="2315817" y="2227470"/>
-            <a:ext cx="2309041" cy="4173795"/>
-          </a:xfrm>
+        <p:spPr bwMode="auto">
+          <a:xfrm>
+            <a:off x="7493727" y="2227470"/>
+            <a:ext cx="2126523" cy="4333875"/>
+          </a:xfrm>
+          <a:prstGeom prst="rect">
+            <a:avLst/>
+          </a:prstGeom>
+          <a:noFill/>
+          <a:ln>
+            <a:noFill/>
+          </a:ln>
         </p:spPr>
       </p:pic>
       <p:pic>
         <p:nvPicPr>
-          <p:cNvPr id="11" name="Obraz 10" descr="Obraz zawierający zrzut ekranu, rysunek&#10;&#10;Opis wygenerowany automatycznie">
+          <p:cNvPr id="8" name="Obraz 7">
             <a:extLst>
               <a:ext uri="{FF2B5EF4-FFF2-40B4-BE49-F238E27FC236}">
-                <a16:creationId xmlns:a16="http://schemas.microsoft.com/office/drawing/2014/main" id="{EEADE10B-3D27-485C-9AE9-54992B46A89D}"/>
+                <a16:creationId xmlns:a16="http://schemas.microsoft.com/office/drawing/2014/main" id="{6C3C991B-88AA-45E3-915D-2950D71830BE}"/>
               </a:ext>
             </a:extLst>
           </p:cNvPr>
-          <p:cNvPicPr>
-            <a:picLocks noChangeAspect="1"/>
-          </p:cNvPicPr>
+          <p:cNvPicPr/>
           <p:nvPr/>
         </p:nvPicPr>
         <p:blipFill>
-          <a:blip r:embed="rId3"/>
+          <a:blip r:embed="rId2" cstate="print">
+            <a:extLst>
+              <a:ext uri="{28A0092B-C50C-407E-A947-70E740481C1C}">
+                <a14:useLocalDpi xmlns:a14="http://schemas.microsoft.com/office/drawing/2010/main" val="0"/>
+              </a:ext>
+            </a:extLst>
+          </a:blip>
+          <a:srcRect/>
           <a:stretch>
             <a:fillRect/>
           </a:stretch>
         </p:blipFill>
-        <p:spPr>
-          <a:xfrm>
-            <a:off x="7567144" y="2227469"/>
-            <a:ext cx="2264897" cy="4173795"/>
+        <p:spPr bwMode="auto">
+          <a:xfrm>
+            <a:off x="2466975" y="2227470"/>
+            <a:ext cx="2126523" cy="4333875"/>
           </a:xfrm>
           <a:prstGeom prst="rect">
             <a:avLst/>
           </a:prstGeom>
+          <a:noFill/>
+          <a:ln>
+            <a:noFill/>
+          </a:ln>
         </p:spPr>
       </p:pic>
+      <p:sp>
+        <p:nvSpPr>
+          <p:cNvPr id="4" name="Symbol zastępczy zawartości 3">
+            <a:extLst>
+              <a:ext uri="{FF2B5EF4-FFF2-40B4-BE49-F238E27FC236}">
+                <a16:creationId xmlns:a16="http://schemas.microsoft.com/office/drawing/2014/main" id="{AAFABD0E-E886-478E-A5CD-4F3030E556AB}"/>
+              </a:ext>
+            </a:extLst>
+          </p:cNvPr>
+          <p:cNvSpPr>
+            <a:spLocks noGrp="1"/>
+          </p:cNvSpPr>
+          <p:nvPr>
+            <p:ph idx="1"/>
+          </p:nvPr>
+        </p:nvSpPr>
+        <p:spPr/>
+        <p:txBody>
+          <a:bodyPr/>
+          <a:lstStyle/>
+          <a:p>
+            <a:endParaRPr lang="pl-PL" dirty="0"/>
+          </a:p>
+        </p:txBody>
+      </p:sp>
     </p:spTree>
     <p:extLst>
       <p:ext uri="{BB962C8B-B14F-4D97-AF65-F5344CB8AC3E}">

--- a/przentacja.pptx
+++ b/przentacja.pptx
@@ -7,27 +7,19 @@
   <p:sldIdLst>
     <p:sldId id="256" r:id="rId2"/>
     <p:sldId id="257" r:id="rId3"/>
-    <p:sldId id="258" r:id="rId4"/>
-    <p:sldId id="259" r:id="rId5"/>
-    <p:sldId id="260" r:id="rId6"/>
-    <p:sldId id="268" r:id="rId7"/>
-    <p:sldId id="261" r:id="rId8"/>
-    <p:sldId id="262" r:id="rId9"/>
-    <p:sldId id="263" r:id="rId10"/>
-    <p:sldId id="269" r:id="rId11"/>
-    <p:sldId id="264" r:id="rId12"/>
-    <p:sldId id="270" r:id="rId13"/>
+    <p:sldId id="259" r:id="rId4"/>
+    <p:sldId id="260" r:id="rId5"/>
+    <p:sldId id="274" r:id="rId6"/>
+    <p:sldId id="279" r:id="rId7"/>
+    <p:sldId id="280" r:id="rId8"/>
+    <p:sldId id="281" r:id="rId9"/>
+    <p:sldId id="282" r:id="rId10"/>
+    <p:sldId id="283" r:id="rId11"/>
+    <p:sldId id="284" r:id="rId12"/>
+    <p:sldId id="285" r:id="rId13"/>
     <p:sldId id="271" r:id="rId14"/>
-    <p:sldId id="265" r:id="rId15"/>
-    <p:sldId id="272" r:id="rId16"/>
-    <p:sldId id="273" r:id="rId17"/>
-    <p:sldId id="266" r:id="rId18"/>
-    <p:sldId id="274" r:id="rId19"/>
-    <p:sldId id="275" r:id="rId20"/>
-    <p:sldId id="276" r:id="rId21"/>
-    <p:sldId id="277" r:id="rId22"/>
-    <p:sldId id="278" r:id="rId23"/>
-    <p:sldId id="267" r:id="rId24"/>
+    <p:sldId id="272" r:id="rId15"/>
+    <p:sldId id="267" r:id="rId16"/>
   </p:sldIdLst>
   <p:sldSz cx="12192000" cy="6858000"/>
   <p:notesSz cx="6858000" cy="9144000"/>
@@ -408,7 +400,7 @@
           <a:p>
             <a:fld id="{78ABE3C1-DBE1-495D-B57B-2849774B866A}" type="datetimeFigureOut">
               <a:rPr lang="en-US" dirty="0"/>
-              <a:t>5/20/2020</a:t>
+              <a:t>6/2/2020</a:t>
             </a:fld>
             <a:endParaRPr lang="en-US" dirty="0"/>
           </a:p>
@@ -817,7 +809,7 @@
           <a:p>
             <a:fld id="{446C117F-5CCF-4837-BE5F-2B92066CAFAF}" type="datetimeFigureOut">
               <a:rPr lang="en-US" dirty="0"/>
-              <a:t>5/20/2020</a:t>
+              <a:t>6/2/2020</a:t>
             </a:fld>
             <a:endParaRPr lang="en-US" dirty="0"/>
           </a:p>
@@ -1148,7 +1140,7 @@
           <a:p>
             <a:fld id="{84EB90BD-B6CE-46B7-997F-7313B992CCDC}" type="datetimeFigureOut">
               <a:rPr lang="en-US" dirty="0"/>
-              <a:t>5/20/2020</a:t>
+              <a:t>6/2/2020</a:t>
             </a:fld>
             <a:endParaRPr lang="en-US" dirty="0"/>
           </a:p>
@@ -1548,7 +1540,7 @@
           <a:p>
             <a:fld id="{CDB9D11F-B188-461D-B23F-39381795C052}" type="datetimeFigureOut">
               <a:rPr lang="en-US" dirty="0"/>
-              <a:t>5/20/2020</a:t>
+              <a:t>6/2/2020</a:t>
             </a:fld>
             <a:endParaRPr lang="en-US" dirty="0"/>
           </a:p>
@@ -2111,7 +2103,7 @@
           <a:p>
             <a:fld id="{52E6D8D9-55A2-4063-B0F3-121F44549695}" type="datetimeFigureOut">
               <a:rPr lang="en-US" dirty="0"/>
-              <a:t>5/20/2020</a:t>
+              <a:t>6/2/2020</a:t>
             </a:fld>
             <a:endParaRPr lang="en-US" dirty="0"/>
           </a:p>
@@ -2787,7 +2779,7 @@
           <a:p>
             <a:fld id="{D4B24536-994D-4021-A283-9F449C0DB509}" type="datetimeFigureOut">
               <a:rPr lang="en-US" dirty="0"/>
-              <a:t>5/20/2020</a:t>
+              <a:t>6/2/2020</a:t>
             </a:fld>
             <a:endParaRPr lang="en-US" dirty="0"/>
           </a:p>
@@ -3695,7 +3687,7 @@
           <a:p>
             <a:fld id="{3CBBBB78-C96F-47B7-AB17-D852CA960AC9}" type="datetimeFigureOut">
               <a:rPr lang="en-US" dirty="0"/>
-              <a:t>5/20/2020</a:t>
+              <a:t>6/2/2020</a:t>
             </a:fld>
             <a:endParaRPr lang="en-US" dirty="0"/>
           </a:p>
@@ -4003,7 +3995,7 @@
           <a:p>
             <a:fld id="{1FA3F48C-C7C6-4055-9F49-3777875E72AE}" type="datetimeFigureOut">
               <a:rPr lang="en-US" dirty="0"/>
-              <a:t>5/20/2020</a:t>
+              <a:t>6/2/2020</a:t>
             </a:fld>
             <a:endParaRPr lang="en-US" dirty="0"/>
           </a:p>
@@ -4262,7 +4254,7 @@
           <a:p>
             <a:fld id="{6178E61D-D431-422C-9764-11DAFE33AB63}" type="datetimeFigureOut">
               <a:rPr lang="en-US" dirty="0"/>
-              <a:t>5/20/2020</a:t>
+              <a:t>6/2/2020</a:t>
             </a:fld>
             <a:endParaRPr lang="en-US" dirty="0"/>
           </a:p>
@@ -4581,7 +4573,7 @@
           <a:p>
             <a:fld id="{12DE42F4-6EEF-4EF7-8ED4-2208F0F89A08}" type="datetimeFigureOut">
               <a:rPr lang="en-US" dirty="0"/>
-              <a:t>5/20/2020</a:t>
+              <a:t>6/2/2020</a:t>
             </a:fld>
             <a:endParaRPr lang="en-US" dirty="0"/>
           </a:p>
@@ -4965,7 +4957,7 @@
           <a:p>
             <a:fld id="{30578ACC-22D6-47C1-A373-4FD133E34F3C}" type="datetimeFigureOut">
               <a:rPr lang="en-US" dirty="0"/>
-              <a:t>5/20/2020</a:t>
+              <a:t>6/2/2020</a:t>
             </a:fld>
             <a:endParaRPr lang="en-US" dirty="0"/>
           </a:p>
@@ -5336,7 +5328,7 @@
           <a:p>
             <a:fld id="{4E5A6C69-6797-4E8A-BF37-F2C3751466E9}" type="datetimeFigureOut">
               <a:rPr lang="en-US" dirty="0"/>
-              <a:t>5/20/2020</a:t>
+              <a:t>6/2/2020</a:t>
             </a:fld>
             <a:endParaRPr lang="en-US" dirty="0"/>
           </a:p>
@@ -5837,7 +5829,7 @@
           <a:p>
             <a:fld id="{D82014A1-A632-4878-A0D3-F52BA7563730}" type="datetimeFigureOut">
               <a:rPr lang="en-US" dirty="0"/>
-              <a:t>5/20/2020</a:t>
+              <a:t>6/2/2020</a:t>
             </a:fld>
             <a:endParaRPr lang="en-US" dirty="0"/>
           </a:p>
@@ -6089,7 +6081,7 @@
           <a:p>
             <a:fld id="{CE99F462-093F-4566-844B-4C71F2739DA5}" type="datetimeFigureOut">
               <a:rPr lang="en-US" dirty="0"/>
-              <a:t>5/20/2020</a:t>
+              <a:t>6/2/2020</a:t>
             </a:fld>
             <a:endParaRPr lang="en-US" dirty="0"/>
           </a:p>
@@ -6247,7 +6239,7 @@
           <a:p>
             <a:fld id="{3D24A7AC-904D-4781-85BA-7D10C17ED021}" type="datetimeFigureOut">
               <a:rPr lang="en-US" dirty="0"/>
-              <a:t>5/20/2020</a:t>
+              <a:t>6/2/2020</a:t>
             </a:fld>
             <a:endParaRPr lang="en-US" dirty="0"/>
           </a:p>
@@ -6632,7 +6624,7 @@
           <a:p>
             <a:fld id="{E331444B-B92B-4E27-8C94-BB93EAF5CB18}" type="datetimeFigureOut">
               <a:rPr lang="en-US" dirty="0"/>
-              <a:t>5/20/2020</a:t>
+              <a:t>6/2/2020</a:t>
             </a:fld>
             <a:endParaRPr lang="en-US" dirty="0"/>
           </a:p>
@@ -7036,7 +7028,7 @@
           <a:p>
             <a:fld id="{363EFA5E-FA76-400D-B3DC-F0BA90E6D107}" type="datetimeFigureOut">
               <a:rPr lang="en-US" dirty="0"/>
-              <a:t>5/20/2020</a:t>
+              <a:t>6/2/2020</a:t>
             </a:fld>
             <a:endParaRPr lang="en-US" dirty="0"/>
           </a:p>
@@ -7275,7 +7267,7 @@
           <a:p>
             <a:fld id="{9D6E9DEC-419B-4CC5-A080-3B06BD5A8291}" type="datetimeFigureOut">
               <a:rPr lang="en-US" dirty="0"/>
-              <a:t>5/20/2020</a:t>
+              <a:t>6/2/2020</a:t>
             </a:fld>
             <a:endParaRPr lang="en-US" dirty="0"/>
           </a:p>
@@ -7701,8 +7693,8 @@
         </p:nvSpPr>
         <p:spPr>
           <a:xfrm>
-            <a:off x="779176" y="2833904"/>
-            <a:ext cx="8144134" cy="1373070"/>
+            <a:off x="-94427" y="2902643"/>
+            <a:ext cx="8606676" cy="1052713"/>
           </a:xfrm>
         </p:spPr>
         <p:txBody>
@@ -7711,15 +7703,11 @@
           <a:p>
             <a:r>
               <a:rPr lang="pl-PL" sz="3600" i="1" dirty="0"/>
-              <a:t>Projekt elastycznej aplikacji do zarządzania urządzeniami </a:t>
+              <a:t>Elastyczna aplikacja do zarządzania urządzeniami </a:t>
             </a:r>
             <a:r>
               <a:rPr lang="pl-PL" sz="3600" i="1" dirty="0" err="1"/>
               <a:t>IoT</a:t>
-            </a:r>
-            <a:r>
-              <a:rPr lang="pl-PL" sz="3600" i="1" dirty="0"/>
-              <a:t> w oparciu o bibliotekę QT</a:t>
             </a:r>
             <a:endParaRPr lang="pl-PL" sz="3600" dirty="0"/>
           </a:p>
@@ -7771,56 +7759,79 @@
       </p:sp>
       <p:sp>
         <p:nvSpPr>
-          <p:cNvPr id="4" name="pole tekstowe 3">
+          <p:cNvPr id="7" name="AutoShape 2">
             <a:extLst>
               <a:ext uri="{FF2B5EF4-FFF2-40B4-BE49-F238E27FC236}">
-                <a16:creationId xmlns:a16="http://schemas.microsoft.com/office/drawing/2014/main" id="{1CC04C04-A738-448B-B7DB-CB3AC30A3680}"/>
+                <a16:creationId xmlns:a16="http://schemas.microsoft.com/office/drawing/2014/main" id="{31BC2D9D-880E-4AF6-A02B-84BF1B9B6120}"/>
               </a:ext>
             </a:extLst>
           </p:cNvPr>
-          <p:cNvSpPr txBox="1"/>
+          <p:cNvSpPr>
+            <a:spLocks noChangeAspect="1" noChangeArrowheads="1"/>
+          </p:cNvSpPr>
           <p:nvPr/>
         </p:nvSpPr>
-        <p:spPr>
-          <a:xfrm>
-            <a:off x="9160476" y="2631126"/>
-            <a:ext cx="3031524" cy="738664"/>
+        <p:spPr bwMode="auto">
+          <a:xfrm>
+            <a:off x="3867325" y="1200325"/>
+            <a:ext cx="2381075" cy="2381075"/>
           </a:xfrm>
           <a:prstGeom prst="rect">
             <a:avLst/>
           </a:prstGeom>
           <a:noFill/>
-        </p:spPr>
-        <p:txBody>
-          <a:bodyPr wrap="square" rtlCol="0">
-            <a:spAutoFit/>
+          <a:extLst>
+            <a:ext uri="{909E8E84-426E-40DD-AFC4-6F175D3DCCD1}">
+              <a14:hiddenFill xmlns:a14="http://schemas.microsoft.com/office/drawing/2010/main">
+                <a:solidFill>
+                  <a:srgbClr val="FFFFFF"/>
+                </a:solidFill>
+              </a14:hiddenFill>
+            </a:ext>
+          </a:extLst>
+        </p:spPr>
+        <p:txBody>
+          <a:bodyPr vert="horz" wrap="square" lIns="91440" tIns="45720" rIns="91440" bIns="45720" numCol="1" anchor="t" anchorCtr="0" compatLnSpc="1">
+            <a:prstTxWarp prst="textNoShape">
+              <a:avLst/>
+            </a:prstTxWarp>
           </a:bodyPr>
           <a:lstStyle/>
           <a:p>
-            <a:r>
-              <a:rPr lang="pl-PL" sz="1400" dirty="0"/>
-              <a:t>Wykonał: Adam Krizar</a:t>
-            </a:r>
-          </a:p>
-          <a:p>
-            <a:r>
-              <a:rPr lang="pl-PL" sz="1400" dirty="0"/>
-              <a:t>Sprawdziła: Katarzyna Czajkowska</a:t>
-            </a:r>
-          </a:p>
-          <a:p>
-            <a:r>
-              <a:rPr lang="pl-PL" sz="1400" dirty="0"/>
-              <a:t>Zatwierdził: Mateusz </a:t>
-            </a:r>
-            <a:r>
-              <a:rPr lang="pl-PL" sz="1400"/>
-              <a:t>Gurrski</a:t>
-            </a:r>
-            <a:endParaRPr lang="pl-PL" sz="1400" dirty="0"/>
-          </a:p>
-        </p:txBody>
-      </p:sp>
+            <a:endParaRPr lang="pl-PL"/>
+          </a:p>
+        </p:txBody>
+      </p:sp>
+      <p:pic>
+        <p:nvPicPr>
+          <p:cNvPr id="9" name="Obraz 8">
+            <a:extLst>
+              <a:ext uri="{FF2B5EF4-FFF2-40B4-BE49-F238E27FC236}">
+                <a16:creationId xmlns:a16="http://schemas.microsoft.com/office/drawing/2014/main" id="{E444BEB3-B501-4B7E-A605-ACD184325615}"/>
+              </a:ext>
+            </a:extLst>
+          </p:cNvPr>
+          <p:cNvPicPr>
+            <a:picLocks noChangeAspect="1"/>
+          </p:cNvPicPr>
+          <p:nvPr/>
+        </p:nvPicPr>
+        <p:blipFill>
+          <a:blip r:embed="rId2"/>
+          <a:stretch>
+            <a:fillRect/>
+          </a:stretch>
+        </p:blipFill>
+        <p:spPr>
+          <a:xfrm>
+            <a:off x="316634" y="152223"/>
+            <a:ext cx="1559574" cy="2269222"/>
+          </a:xfrm>
+          <a:prstGeom prst="rect">
+            <a:avLst/>
+          </a:prstGeom>
+        </p:spPr>
+      </p:pic>
     </p:spTree>
     <p:extLst>
       <p:ext uri="{BB962C8B-B14F-4D97-AF65-F5344CB8AC3E}">
@@ -7837,6 +7848,41 @@
 <file path=ppt/slides/slide10.xml><?xml version="1.0" encoding="utf-8"?>
 <p:sld xmlns:a="http://schemas.openxmlformats.org/drawingml/2006/main" xmlns:r="http://schemas.openxmlformats.org/officeDocument/2006/relationships" xmlns:p="http://schemas.openxmlformats.org/presentationml/2006/main">
   <p:cSld>
+    <p:bg>
+      <p:bgPr>
+        <a:gradFill rotWithShape="1">
+          <a:gsLst>
+            <a:gs pos="0">
+              <a:schemeClr val="bg2">
+                <a:tint val="96000"/>
+                <a:shade val="100000"/>
+                <a:hueMod val="270000"/>
+                <a:satMod val="200000"/>
+                <a:lumMod val="128000"/>
+              </a:schemeClr>
+            </a:gs>
+            <a:gs pos="50000">
+              <a:schemeClr val="bg2">
+                <a:shade val="100000"/>
+                <a:hueMod val="100000"/>
+                <a:satMod val="110000"/>
+                <a:lumMod val="130000"/>
+              </a:schemeClr>
+            </a:gs>
+            <a:gs pos="100000">
+              <a:schemeClr val="bg2">
+                <a:shade val="78000"/>
+                <a:hueMod val="44000"/>
+                <a:satMod val="200000"/>
+                <a:lumMod val="69000"/>
+              </a:schemeClr>
+            </a:gs>
+          </a:gsLst>
+          <a:lin ang="2520000" scaled="0"/>
+        </a:gradFill>
+        <a:effectLst/>
+      </p:bgPr>
+    </p:bg>
     <p:spTree>
       <p:nvGrpSpPr>
         <p:cNvPr id="1" name=""/>
@@ -7851,12 +7897,281 @@
           <a:chExt cx="0" cy="0"/>
         </a:xfrm>
       </p:grpSpPr>
+      <p:sp useBgFill="1">
+        <p:nvSpPr>
+          <p:cNvPr id="8" name="Rectangle 7">
+            <a:extLst>
+              <a:ext uri="{FF2B5EF4-FFF2-40B4-BE49-F238E27FC236}">
+                <a16:creationId xmlns:a16="http://schemas.microsoft.com/office/drawing/2014/main" id="{4B0FA309-807F-4C17-98EF-A3BA7388E213}"/>
+              </a:ext>
+              <a:ext uri="{C183D7F6-B498-43B3-948B-1728B52AA6E4}">
+                <adec:decorative xmlns:adec="http://schemas.microsoft.com/office/drawing/2017/decorative" val="1"/>
+              </a:ext>
+            </a:extLst>
+          </p:cNvPr>
+          <p:cNvSpPr>
+            <a:spLocks noGrp="1" noRot="1" noChangeAspect="1" noMove="1" noResize="1" noEditPoints="1" noAdjustHandles="1" noChangeArrowheads="1" noChangeShapeType="1" noTextEdit="1"/>
+          </p:cNvSpPr>
+          <p:nvPr>
+            <p:extLst>
+              <p:ext uri="{386F3935-93C4-4BCD-93E2-E3B085C9AB24}">
+                <p16:designElem xmlns:p16="http://schemas.microsoft.com/office/powerpoint/2015/main" val="1"/>
+              </p:ext>
+            </p:extLst>
+          </p:nvPr>
+        </p:nvSpPr>
+        <p:spPr>
+          <a:xfrm>
+            <a:off x="0" y="0"/>
+            <a:ext cx="12188824" cy="6858000"/>
+          </a:xfrm>
+          <a:prstGeom prst="rect">
+            <a:avLst/>
+          </a:prstGeom>
+          <a:ln>
+            <a:noFill/>
+          </a:ln>
+        </p:spPr>
+        <p:style>
+          <a:lnRef idx="2">
+            <a:schemeClr val="accent1">
+              <a:shade val="50000"/>
+            </a:schemeClr>
+          </a:lnRef>
+          <a:fillRef idx="1">
+            <a:schemeClr val="accent1"/>
+          </a:fillRef>
+          <a:effectRef idx="0">
+            <a:schemeClr val="accent1"/>
+          </a:effectRef>
+          <a:fontRef idx="minor">
+            <a:schemeClr val="lt1"/>
+          </a:fontRef>
+        </p:style>
+        <p:txBody>
+          <a:bodyPr rtlCol="0" anchor="ctr"/>
+          <a:lstStyle/>
+          <a:p>
+            <a:pPr algn="ctr"/>
+            <a:endParaRPr lang="en-US"/>
+          </a:p>
+        </p:txBody>
+      </p:sp>
+      <p:pic>
+        <p:nvPicPr>
+          <p:cNvPr id="10" name="Picture 9">
+            <a:extLst>
+              <a:ext uri="{FF2B5EF4-FFF2-40B4-BE49-F238E27FC236}">
+                <a16:creationId xmlns:a16="http://schemas.microsoft.com/office/drawing/2014/main" id="{2642A87B-CAE9-4F8F-B293-28388E45D9EE}"/>
+              </a:ext>
+              <a:ext uri="{C183D7F6-B498-43B3-948B-1728B52AA6E4}">
+                <adec:decorative xmlns:adec="http://schemas.microsoft.com/office/drawing/2017/decorative" val="1"/>
+              </a:ext>
+            </a:extLst>
+          </p:cNvPr>
+          <p:cNvPicPr>
+            <a:picLocks noGrp="1" noRot="1" noChangeAspect="1" noMove="1" noResize="1" noEditPoints="1" noAdjustHandles="1" noChangeArrowheads="1" noChangeShapeType="1" noCrop="1"/>
+          </p:cNvPicPr>
+          <p:nvPr>
+            <p:extLst>
+              <p:ext uri="{386F3935-93C4-4BCD-93E2-E3B085C9AB24}">
+                <p16:designElem xmlns:p16="http://schemas.microsoft.com/office/powerpoint/2015/main" val="1"/>
+              </p:ext>
+            </p:extLst>
+          </p:nvPr>
+        </p:nvPicPr>
+        <p:blipFill>
+          <a:blip r:embed="rId2">
+            <a:alphaModFix amt="10000"/>
+            <a:extLst>
+              <a:ext uri="{28A0092B-C50C-407E-A947-70E740481C1C}">
+                <a14:useLocalDpi xmlns:a14="http://schemas.microsoft.com/office/drawing/2010/main" val="0"/>
+              </a:ext>
+            </a:extLst>
+          </a:blip>
+          <a:stretch>
+            <a:fillRect/>
+          </a:stretch>
+        </p:blipFill>
+        <p:spPr>
+          <a:xfrm>
+            <a:off x="0" y="0"/>
+            <a:ext cx="12192000" cy="6858000"/>
+          </a:xfrm>
+          <a:prstGeom prst="rect">
+            <a:avLst/>
+          </a:prstGeom>
+        </p:spPr>
+      </p:pic>
+      <p:sp>
+        <p:nvSpPr>
+          <p:cNvPr id="12" name="Rectangle 11">
+            <a:extLst>
+              <a:ext uri="{FF2B5EF4-FFF2-40B4-BE49-F238E27FC236}">
+                <a16:creationId xmlns:a16="http://schemas.microsoft.com/office/drawing/2014/main" id="{C8FA1749-B91A-40E7-AD01-0B9C9C6AF74E}"/>
+              </a:ext>
+              <a:ext uri="{C183D7F6-B498-43B3-948B-1728B52AA6E4}">
+                <adec:decorative xmlns:adec="http://schemas.microsoft.com/office/drawing/2017/decorative" val="1"/>
+              </a:ext>
+            </a:extLst>
+          </p:cNvPr>
+          <p:cNvSpPr>
+            <a:spLocks noGrp="1" noRot="1" noChangeAspect="1" noMove="1" noResize="1" noEditPoints="1" noAdjustHandles="1" noChangeArrowheads="1" noChangeShapeType="1" noTextEdit="1"/>
+          </p:cNvSpPr>
+          <p:nvPr>
+            <p:extLst>
+              <p:ext uri="{386F3935-93C4-4BCD-93E2-E3B085C9AB24}">
+                <p16:designElem xmlns:p16="http://schemas.microsoft.com/office/powerpoint/2015/main" val="1"/>
+              </p:ext>
+            </p:extLst>
+          </p:nvPr>
+        </p:nvSpPr>
+        <p:spPr>
+          <a:xfrm>
+            <a:off x="4644527" y="0"/>
+            <a:ext cx="7552944" cy="6858001"/>
+          </a:xfrm>
+          <a:prstGeom prst="rect">
+            <a:avLst/>
+          </a:prstGeom>
+          <a:solidFill>
+            <a:schemeClr val="accent1"/>
+          </a:solidFill>
+          <a:ln>
+            <a:noFill/>
+          </a:ln>
+        </p:spPr>
+        <p:style>
+          <a:lnRef idx="2">
+            <a:schemeClr val="accent1">
+              <a:shade val="50000"/>
+            </a:schemeClr>
+          </a:lnRef>
+          <a:fillRef idx="1">
+            <a:schemeClr val="accent1"/>
+          </a:fillRef>
+          <a:effectRef idx="0">
+            <a:schemeClr val="accent1"/>
+          </a:effectRef>
+          <a:fontRef idx="minor">
+            <a:schemeClr val="lt1"/>
+          </a:fontRef>
+        </p:style>
+        <p:txBody>
+          <a:bodyPr rtlCol="0" anchor="ctr"/>
+          <a:lstStyle/>
+          <a:p>
+            <a:pPr algn="ctr"/>
+            <a:endParaRPr lang="en-US"/>
+          </a:p>
+        </p:txBody>
+      </p:sp>
+      <p:pic>
+        <p:nvPicPr>
+          <p:cNvPr id="14" name="Picture 13">
+            <a:extLst>
+              <a:ext uri="{FF2B5EF4-FFF2-40B4-BE49-F238E27FC236}">
+                <a16:creationId xmlns:a16="http://schemas.microsoft.com/office/drawing/2014/main" id="{3B7A934F-FFF7-4353-83D3-4EF66E93EEF8}"/>
+              </a:ext>
+              <a:ext uri="{C183D7F6-B498-43B3-948B-1728B52AA6E4}">
+                <adec:decorative xmlns:adec="http://schemas.microsoft.com/office/drawing/2017/decorative" val="1"/>
+              </a:ext>
+            </a:extLst>
+          </p:cNvPr>
+          <p:cNvPicPr>
+            <a:picLocks noGrp="1" noRot="1" noChangeAspect="1" noMove="1" noResize="1" noEditPoints="1" noAdjustHandles="1" noChangeArrowheads="1" noChangeShapeType="1" noCrop="1"/>
+          </p:cNvPicPr>
+          <p:nvPr>
+            <p:extLst>
+              <p:ext uri="{386F3935-93C4-4BCD-93E2-E3B085C9AB24}">
+                <p16:designElem xmlns:p16="http://schemas.microsoft.com/office/powerpoint/2015/main" val="1"/>
+              </p:ext>
+            </p:extLst>
+          </p:nvPr>
+        </p:nvPicPr>
+        <p:blipFill>
+          <a:blip r:embed="rId3" cstate="print">
+            <a:extLst>
+              <a:ext uri="{28A0092B-C50C-407E-A947-70E740481C1C}">
+                <a14:useLocalDpi xmlns:a14="http://schemas.microsoft.com/office/drawing/2010/main" val="0"/>
+              </a:ext>
+            </a:extLst>
+          </a:blip>
+          <a:stretch>
+            <a:fillRect/>
+          </a:stretch>
+        </p:blipFill>
+        <p:spPr>
+          <a:xfrm>
+            <a:off x="1" y="5006045"/>
+            <a:ext cx="4965192" cy="144668"/>
+          </a:xfrm>
+          <a:prstGeom prst="rect">
+            <a:avLst/>
+          </a:prstGeom>
+        </p:spPr>
+      </p:pic>
+      <p:sp>
+        <p:nvSpPr>
+          <p:cNvPr id="16" name="Rectangle 15">
+            <a:extLst>
+              <a:ext uri="{FF2B5EF4-FFF2-40B4-BE49-F238E27FC236}">
+                <a16:creationId xmlns:a16="http://schemas.microsoft.com/office/drawing/2014/main" id="{700676C8-6DE8-47DD-9A23-D42063A12E10}"/>
+              </a:ext>
+              <a:ext uri="{C183D7F6-B498-43B3-948B-1728B52AA6E4}">
+                <adec:decorative xmlns:adec="http://schemas.microsoft.com/office/drawing/2017/decorative" val="1"/>
+              </a:ext>
+            </a:extLst>
+          </p:cNvPr>
+          <p:cNvSpPr>
+            <a:spLocks noGrp="1" noRot="1" noChangeAspect="1" noMove="1" noResize="1" noEditPoints="1" noAdjustHandles="1" noChangeArrowheads="1" noChangeShapeType="1" noTextEdit="1"/>
+          </p:cNvSpPr>
+          <p:nvPr>
+            <p:extLst>
+              <p:ext uri="{386F3935-93C4-4BCD-93E2-E3B085C9AB24}">
+                <p16:designElem xmlns:p16="http://schemas.microsoft.com/office/powerpoint/2015/main" val="1"/>
+              </p:ext>
+            </p:extLst>
+          </p:nvPr>
+        </p:nvSpPr>
+        <p:spPr>
+          <a:xfrm>
+            <a:off x="-1" y="1838764"/>
+            <a:ext cx="4964567" cy="3180473"/>
+          </a:xfrm>
+          <a:prstGeom prst="rect">
+            <a:avLst/>
+          </a:prstGeom>
+          <a:solidFill>
+            <a:srgbClr val="262626"/>
+          </a:solidFill>
+          <a:ln>
+            <a:noFill/>
+          </a:ln>
+        </p:spPr>
+        <p:style>
+          <a:lnRef idx="2">
+            <a:schemeClr val="accent1">
+              <a:shade val="50000"/>
+            </a:schemeClr>
+          </a:lnRef>
+          <a:fillRef idx="1">
+            <a:schemeClr val="accent1"/>
+          </a:fillRef>
+          <a:effectRef idx="0">
+            <a:schemeClr val="accent1"/>
+          </a:effectRef>
+          <a:fontRef idx="minor">
+            <a:schemeClr val="lt1"/>
+          </a:fontRef>
+        </p:style>
+      </p:sp>
       <p:sp>
         <p:nvSpPr>
           <p:cNvPr id="2" name="Tytuł 1">
             <a:extLst>
               <a:ext uri="{FF2B5EF4-FFF2-40B4-BE49-F238E27FC236}">
-                <a16:creationId xmlns:a16="http://schemas.microsoft.com/office/drawing/2014/main" id="{95FEBA9D-BA9F-4A49-9899-5F12168F8E48}"/>
+                <a16:creationId xmlns:a16="http://schemas.microsoft.com/office/drawing/2014/main" id="{2294BD86-C7CC-47E5-9CA5-8D232644AAF8}"/>
               </a:ext>
             </a:extLst>
           </p:cNvPr>
@@ -7867,24 +8182,36 @@
             <p:ph type="title"/>
           </p:nvPr>
         </p:nvSpPr>
-        <p:spPr/>
-        <p:txBody>
-          <a:bodyPr/>
+        <p:spPr>
+          <a:xfrm>
+            <a:off x="680321" y="2063262"/>
+            <a:ext cx="3739279" cy="2661052"/>
+          </a:xfrm>
+        </p:spPr>
+        <p:txBody>
+          <a:bodyPr>
+            <a:normAutofit/>
+          </a:bodyPr>
           <a:lstStyle/>
           <a:p>
-            <a:r>
-              <a:rPr lang="pl-PL" dirty="0"/>
-              <a:t>Android Studio</a:t>
+            <a:pPr algn="r"/>
+            <a:r>
+              <a:rPr lang="pl-PL" sz="4400" dirty="0">
+                <a:solidFill>
+                  <a:srgbClr val="FFFFFF"/>
+                </a:solidFill>
+              </a:rPr>
+              <a:t>Aplikacja Android</a:t>
             </a:r>
           </a:p>
         </p:txBody>
       </p:sp>
       <p:pic>
         <p:nvPicPr>
-          <p:cNvPr id="5" name="Symbol zastępczy zawartości 4" descr="Obraz zawierający zrzut ekranu, monitor, sprzęt elektroniczny, komputer&#10;&#10;Opis wygenerowany automatycznie">
+          <p:cNvPr id="5" name="Symbol zastępczy zawartości 4" descr="Obraz zawierający zrzut ekranu&#10;&#10;Opis wygenerowany automatycznie">
             <a:extLst>
               <a:ext uri="{FF2B5EF4-FFF2-40B4-BE49-F238E27FC236}">
-                <a16:creationId xmlns:a16="http://schemas.microsoft.com/office/drawing/2014/main" id="{0A48FF11-FADF-43BC-862F-D32B4CC92C9E}"/>
+                <a16:creationId xmlns:a16="http://schemas.microsoft.com/office/drawing/2014/main" id="{EE4DCDC3-42C3-49EB-B85E-F14E660E130A}"/>
               </a:ext>
             </a:extLst>
           </p:cNvPr>
@@ -7896,22 +8223,22 @@
           </p:nvPr>
         </p:nvPicPr>
         <p:blipFill>
-          <a:blip r:embed="rId2"/>
+          <a:blip r:embed="rId4"/>
           <a:stretch>
             <a:fillRect/>
           </a:stretch>
         </p:blipFill>
         <p:spPr>
           <a:xfrm>
-            <a:off x="2695152" y="2216031"/>
-            <a:ext cx="6801695" cy="3888741"/>
+            <a:off x="6838384" y="0"/>
+            <a:ext cx="3165230" cy="6858000"/>
           </a:xfrm>
         </p:spPr>
       </p:pic>
     </p:spTree>
     <p:extLst>
       <p:ext uri="{BB962C8B-B14F-4D97-AF65-F5344CB8AC3E}">
-        <p14:creationId xmlns:p14="http://schemas.microsoft.com/office/powerpoint/2010/main" val="2310732814"/>
+        <p14:creationId xmlns:p14="http://schemas.microsoft.com/office/powerpoint/2010/main" val="1948458012"/>
       </p:ext>
     </p:extLst>
   </p:cSld>
@@ -7924,6 +8251,41 @@
 <file path=ppt/slides/slide11.xml><?xml version="1.0" encoding="utf-8"?>
 <p:sld xmlns:a="http://schemas.openxmlformats.org/drawingml/2006/main" xmlns:r="http://schemas.openxmlformats.org/officeDocument/2006/relationships" xmlns:p="http://schemas.openxmlformats.org/presentationml/2006/main">
   <p:cSld>
+    <p:bg>
+      <p:bgPr>
+        <a:gradFill rotWithShape="1">
+          <a:gsLst>
+            <a:gs pos="0">
+              <a:schemeClr val="bg2">
+                <a:tint val="96000"/>
+                <a:shade val="100000"/>
+                <a:hueMod val="270000"/>
+                <a:satMod val="200000"/>
+                <a:lumMod val="128000"/>
+              </a:schemeClr>
+            </a:gs>
+            <a:gs pos="50000">
+              <a:schemeClr val="bg2">
+                <a:shade val="100000"/>
+                <a:hueMod val="100000"/>
+                <a:satMod val="110000"/>
+                <a:lumMod val="130000"/>
+              </a:schemeClr>
+            </a:gs>
+            <a:gs pos="100000">
+              <a:schemeClr val="bg2">
+                <a:shade val="78000"/>
+                <a:hueMod val="44000"/>
+                <a:satMod val="200000"/>
+                <a:lumMod val="69000"/>
+              </a:schemeClr>
+            </a:gs>
+          </a:gsLst>
+          <a:lin ang="2520000" scaled="0"/>
+        </a:gradFill>
+        <a:effectLst/>
+      </p:bgPr>
+    </p:bg>
     <p:spTree>
       <p:nvGrpSpPr>
         <p:cNvPr id="1" name=""/>
@@ -7938,130 +8300,214 @@
           <a:chExt cx="0" cy="0"/>
         </a:xfrm>
       </p:grpSpPr>
-      <p:sp>
-        <p:nvSpPr>
-          <p:cNvPr id="2" name="Tytuł 1">
+      <p:sp useBgFill="1">
+        <p:nvSpPr>
+          <p:cNvPr id="8" name="Rectangle 7">
             <a:extLst>
               <a:ext uri="{FF2B5EF4-FFF2-40B4-BE49-F238E27FC236}">
-                <a16:creationId xmlns:a16="http://schemas.microsoft.com/office/drawing/2014/main" id="{C048F54A-88BE-4C0B-86A5-79F390D34D7E}"/>
+                <a16:creationId xmlns:a16="http://schemas.microsoft.com/office/drawing/2014/main" id="{4B0FA309-807F-4C17-98EF-A3BA7388E213}"/>
+              </a:ext>
+              <a:ext uri="{C183D7F6-B498-43B3-948B-1728B52AA6E4}">
+                <adec:decorative xmlns:adec="http://schemas.microsoft.com/office/drawing/2017/decorative" val="1"/>
               </a:ext>
             </a:extLst>
           </p:cNvPr>
           <p:cNvSpPr>
-            <a:spLocks noGrp="1"/>
-          </p:cNvSpPr>
-          <p:nvPr>
-            <p:ph type="title"/>
-          </p:nvPr>
-        </p:nvSpPr>
-        <p:spPr/>
-        <p:txBody>
-          <a:bodyPr/>
+            <a:spLocks noGrp="1" noRot="1" noChangeAspect="1" noMove="1" noResize="1" noEditPoints="1" noAdjustHandles="1" noChangeArrowheads="1" noChangeShapeType="1" noTextEdit="1"/>
+          </p:cNvSpPr>
+          <p:nvPr>
+            <p:extLst>
+              <p:ext uri="{386F3935-93C4-4BCD-93E2-E3B085C9AB24}">
+                <p16:designElem xmlns:p16="http://schemas.microsoft.com/office/powerpoint/2015/main" val="1"/>
+              </p:ext>
+            </p:extLst>
+          </p:nvPr>
+        </p:nvSpPr>
+        <p:spPr>
+          <a:xfrm>
+            <a:off x="0" y="0"/>
+            <a:ext cx="12188824" cy="6858000"/>
+          </a:xfrm>
+          <a:prstGeom prst="rect">
+            <a:avLst/>
+          </a:prstGeom>
+          <a:ln>
+            <a:noFill/>
+          </a:ln>
+        </p:spPr>
+        <p:style>
+          <a:lnRef idx="2">
+            <a:schemeClr val="accent1">
+              <a:shade val="50000"/>
+            </a:schemeClr>
+          </a:lnRef>
+          <a:fillRef idx="1">
+            <a:schemeClr val="accent1"/>
+          </a:fillRef>
+          <a:effectRef idx="0">
+            <a:schemeClr val="accent1"/>
+          </a:effectRef>
+          <a:fontRef idx="minor">
+            <a:schemeClr val="lt1"/>
+          </a:fontRef>
+        </p:style>
+        <p:txBody>
+          <a:bodyPr rtlCol="0" anchor="ctr"/>
           <a:lstStyle/>
           <a:p>
-            <a:r>
-              <a:rPr lang="pl-PL" dirty="0"/>
-              <a:t>Mikrokontrolery</a:t>
-            </a:r>
-          </a:p>
-        </p:txBody>
-      </p:sp>
-      <p:sp>
-        <p:nvSpPr>
-          <p:cNvPr id="3" name="Symbol zastępczy zawartości 2">
+            <a:pPr algn="ctr"/>
+            <a:endParaRPr lang="en-US"/>
+          </a:p>
+        </p:txBody>
+      </p:sp>
+      <p:pic>
+        <p:nvPicPr>
+          <p:cNvPr id="10" name="Picture 9">
             <a:extLst>
               <a:ext uri="{FF2B5EF4-FFF2-40B4-BE49-F238E27FC236}">
-                <a16:creationId xmlns:a16="http://schemas.microsoft.com/office/drawing/2014/main" id="{68FBB798-A2A5-4BB5-B904-30A7CBA0D6AD}"/>
-              </a:ext>
-            </a:extLst>
-          </p:cNvPr>
-          <p:cNvSpPr>
-            <a:spLocks noGrp="1"/>
-          </p:cNvSpPr>
-          <p:nvPr>
-            <p:ph idx="1"/>
-          </p:nvPr>
-        </p:nvSpPr>
-        <p:spPr>
-          <a:xfrm>
-            <a:off x="759894" y="5310210"/>
-            <a:ext cx="5644361" cy="467298"/>
-          </a:xfrm>
-        </p:spPr>
-        <p:txBody>
-          <a:bodyPr>
-            <a:noAutofit/>
-          </a:bodyPr>
-          <a:lstStyle/>
-          <a:p>
-            <a:pPr marL="0" indent="0" algn="ctr">
-              <a:buNone/>
-            </a:pPr>
-            <a:r>
-              <a:rPr lang="pl-PL" sz="2800" dirty="0" err="1"/>
-              <a:t>Arduino</a:t>
-            </a:r>
-            <a:r>
-              <a:rPr lang="pl-PL" sz="2800" dirty="0"/>
-              <a:t> Nano</a:t>
-            </a:r>
-          </a:p>
-        </p:txBody>
-      </p:sp>
-      <p:pic>
-        <p:nvPicPr>
-          <p:cNvPr id="7" name="Obraz 6" descr="Obraz zawierający obwód, sprzęt elektroniczny&#10;&#10;Opis wygenerowany automatycznie">
-            <a:extLst>
-              <a:ext uri="{FF2B5EF4-FFF2-40B4-BE49-F238E27FC236}">
-                <a16:creationId xmlns:a16="http://schemas.microsoft.com/office/drawing/2014/main" id="{FE7F094A-8CA4-4D45-972B-46AEC269585F}"/>
+                <a16:creationId xmlns:a16="http://schemas.microsoft.com/office/drawing/2014/main" id="{2642A87B-CAE9-4F8F-B293-28388E45D9EE}"/>
+              </a:ext>
+              <a:ext uri="{C183D7F6-B498-43B3-948B-1728B52AA6E4}">
+                <adec:decorative xmlns:adec="http://schemas.microsoft.com/office/drawing/2017/decorative" val="1"/>
               </a:ext>
             </a:extLst>
           </p:cNvPr>
           <p:cNvPicPr>
-            <a:picLocks noChangeAspect="1"/>
+            <a:picLocks noGrp="1" noRot="1" noChangeAspect="1" noMove="1" noResize="1" noEditPoints="1" noAdjustHandles="1" noChangeArrowheads="1" noChangeShapeType="1" noCrop="1"/>
           </p:cNvPicPr>
-          <p:nvPr/>
+          <p:nvPr>
+            <p:extLst>
+              <p:ext uri="{386F3935-93C4-4BCD-93E2-E3B085C9AB24}">
+                <p16:designElem xmlns:p16="http://schemas.microsoft.com/office/powerpoint/2015/main" val="1"/>
+              </p:ext>
+            </p:extLst>
+          </p:nvPr>
         </p:nvPicPr>
         <p:blipFill>
-          <a:blip r:embed="rId2"/>
+          <a:blip r:embed="rId2">
+            <a:alphaModFix amt="10000"/>
+            <a:extLst>
+              <a:ext uri="{28A0092B-C50C-407E-A947-70E740481C1C}">
+                <a14:useLocalDpi xmlns:a14="http://schemas.microsoft.com/office/drawing/2010/main" val="0"/>
+              </a:ext>
+            </a:extLst>
+          </a:blip>
           <a:stretch>
             <a:fillRect/>
           </a:stretch>
         </p:blipFill>
         <p:spPr>
           <a:xfrm>
-            <a:off x="1676900" y="2223292"/>
-            <a:ext cx="3810351" cy="2857763"/>
+            <a:off x="0" y="0"/>
+            <a:ext cx="12192000" cy="6858000"/>
           </a:xfrm>
           <a:prstGeom prst="rect">
             <a:avLst/>
           </a:prstGeom>
         </p:spPr>
       </p:pic>
+      <p:sp>
+        <p:nvSpPr>
+          <p:cNvPr id="12" name="Rectangle 11">
+            <a:extLst>
+              <a:ext uri="{FF2B5EF4-FFF2-40B4-BE49-F238E27FC236}">
+                <a16:creationId xmlns:a16="http://schemas.microsoft.com/office/drawing/2014/main" id="{C8FA1749-B91A-40E7-AD01-0B9C9C6AF74E}"/>
+              </a:ext>
+              <a:ext uri="{C183D7F6-B498-43B3-948B-1728B52AA6E4}">
+                <adec:decorative xmlns:adec="http://schemas.microsoft.com/office/drawing/2017/decorative" val="1"/>
+              </a:ext>
+            </a:extLst>
+          </p:cNvPr>
+          <p:cNvSpPr>
+            <a:spLocks noGrp="1" noRot="1" noChangeAspect="1" noMove="1" noResize="1" noEditPoints="1" noAdjustHandles="1" noChangeArrowheads="1" noChangeShapeType="1" noTextEdit="1"/>
+          </p:cNvSpPr>
+          <p:nvPr>
+            <p:extLst>
+              <p:ext uri="{386F3935-93C4-4BCD-93E2-E3B085C9AB24}">
+                <p16:designElem xmlns:p16="http://schemas.microsoft.com/office/powerpoint/2015/main" val="1"/>
+              </p:ext>
+            </p:extLst>
+          </p:nvPr>
+        </p:nvSpPr>
+        <p:spPr>
+          <a:xfrm>
+            <a:off x="4644527" y="0"/>
+            <a:ext cx="7552944" cy="6858001"/>
+          </a:xfrm>
+          <a:prstGeom prst="rect">
+            <a:avLst/>
+          </a:prstGeom>
+          <a:solidFill>
+            <a:schemeClr val="accent1"/>
+          </a:solidFill>
+          <a:ln>
+            <a:noFill/>
+          </a:ln>
+        </p:spPr>
+        <p:style>
+          <a:lnRef idx="2">
+            <a:schemeClr val="accent1">
+              <a:shade val="50000"/>
+            </a:schemeClr>
+          </a:lnRef>
+          <a:fillRef idx="1">
+            <a:schemeClr val="accent1"/>
+          </a:fillRef>
+          <a:effectRef idx="0">
+            <a:schemeClr val="accent1"/>
+          </a:effectRef>
+          <a:fontRef idx="minor">
+            <a:schemeClr val="lt1"/>
+          </a:fontRef>
+        </p:style>
+        <p:txBody>
+          <a:bodyPr rtlCol="0" anchor="ctr"/>
+          <a:lstStyle/>
+          <a:p>
+            <a:pPr algn="ctr"/>
+            <a:endParaRPr lang="en-US"/>
+          </a:p>
+        </p:txBody>
+      </p:sp>
       <p:pic>
         <p:nvPicPr>
-          <p:cNvPr id="9" name="Obraz 8" descr="Obraz zawierający sprzęt elektroniczny, obwód&#10;&#10;Opis wygenerowany automatycznie">
+          <p:cNvPr id="14" name="Picture 13">
             <a:extLst>
               <a:ext uri="{FF2B5EF4-FFF2-40B4-BE49-F238E27FC236}">
-                <a16:creationId xmlns:a16="http://schemas.microsoft.com/office/drawing/2014/main" id="{88B1E253-985E-4761-BA84-725C24DA480A}"/>
+                <a16:creationId xmlns:a16="http://schemas.microsoft.com/office/drawing/2014/main" id="{3B7A934F-FFF7-4353-83D3-4EF66E93EEF8}"/>
+              </a:ext>
+              <a:ext uri="{C183D7F6-B498-43B3-948B-1728B52AA6E4}">
+                <adec:decorative xmlns:adec="http://schemas.microsoft.com/office/drawing/2017/decorative" val="1"/>
               </a:ext>
             </a:extLst>
           </p:cNvPr>
           <p:cNvPicPr>
-            <a:picLocks noChangeAspect="1"/>
+            <a:picLocks noGrp="1" noRot="1" noChangeAspect="1" noMove="1" noResize="1" noEditPoints="1" noAdjustHandles="1" noChangeArrowheads="1" noChangeShapeType="1" noCrop="1"/>
           </p:cNvPicPr>
-          <p:nvPr/>
+          <p:nvPr>
+            <p:extLst>
+              <p:ext uri="{386F3935-93C4-4BCD-93E2-E3B085C9AB24}">
+                <p16:designElem xmlns:p16="http://schemas.microsoft.com/office/powerpoint/2015/main" val="1"/>
+              </p:ext>
+            </p:extLst>
+          </p:nvPr>
         </p:nvPicPr>
         <p:blipFill>
-          <a:blip r:embed="rId3"/>
+          <a:blip r:embed="rId3" cstate="print">
+            <a:extLst>
+              <a:ext uri="{28A0092B-C50C-407E-A947-70E740481C1C}">
+                <a14:useLocalDpi xmlns:a14="http://schemas.microsoft.com/office/drawing/2010/main" val="0"/>
+              </a:ext>
+            </a:extLst>
+          </a:blip>
           <a:stretch>
             <a:fillRect/>
           </a:stretch>
         </p:blipFill>
         <p:spPr>
           <a:xfrm>
-            <a:off x="7011978" y="2232815"/>
-            <a:ext cx="2856473" cy="2856473"/>
+            <a:off x="1" y="5006045"/>
+            <a:ext cx="4965192" cy="144668"/>
           </a:xfrm>
           <a:prstGeom prst="rect">
             <a:avLst/>
@@ -8070,47 +8516,132 @@
       </p:pic>
       <p:sp>
         <p:nvSpPr>
-          <p:cNvPr id="11" name="pole tekstowe 10">
+          <p:cNvPr id="16" name="Rectangle 15">
             <a:extLst>
               <a:ext uri="{FF2B5EF4-FFF2-40B4-BE49-F238E27FC236}">
-                <a16:creationId xmlns:a16="http://schemas.microsoft.com/office/drawing/2014/main" id="{EE84C6E6-5555-4A7D-9C42-913EB51D4941}"/>
+                <a16:creationId xmlns:a16="http://schemas.microsoft.com/office/drawing/2014/main" id="{700676C8-6DE8-47DD-9A23-D42063A12E10}"/>
+              </a:ext>
+              <a:ext uri="{C183D7F6-B498-43B3-948B-1728B52AA6E4}">
+                <adec:decorative xmlns:adec="http://schemas.microsoft.com/office/drawing/2017/decorative" val="1"/>
               </a:ext>
             </a:extLst>
           </p:cNvPr>
-          <p:cNvSpPr txBox="1"/>
-          <p:nvPr/>
-        </p:nvSpPr>
-        <p:spPr>
-          <a:xfrm>
-            <a:off x="7360149" y="5254288"/>
-            <a:ext cx="2160129" cy="523220"/>
+          <p:cNvSpPr>
+            <a:spLocks noGrp="1" noRot="1" noChangeAspect="1" noMove="1" noResize="1" noEditPoints="1" noAdjustHandles="1" noChangeArrowheads="1" noChangeShapeType="1" noTextEdit="1"/>
+          </p:cNvSpPr>
+          <p:nvPr>
+            <p:extLst>
+              <p:ext uri="{386F3935-93C4-4BCD-93E2-E3B085C9AB24}">
+                <p16:designElem xmlns:p16="http://schemas.microsoft.com/office/powerpoint/2015/main" val="1"/>
+              </p:ext>
+            </p:extLst>
+          </p:nvPr>
+        </p:nvSpPr>
+        <p:spPr>
+          <a:xfrm>
+            <a:off x="-1" y="1838764"/>
+            <a:ext cx="4964567" cy="3180473"/>
           </a:xfrm>
           <a:prstGeom prst="rect">
             <a:avLst/>
           </a:prstGeom>
-          <a:noFill/>
-        </p:spPr>
-        <p:txBody>
-          <a:bodyPr wrap="square" rtlCol="0">
-            <a:spAutoFit/>
+          <a:solidFill>
+            <a:srgbClr val="262626"/>
+          </a:solidFill>
+          <a:ln>
+            <a:noFill/>
+          </a:ln>
+        </p:spPr>
+        <p:style>
+          <a:lnRef idx="2">
+            <a:schemeClr val="accent1">
+              <a:shade val="50000"/>
+            </a:schemeClr>
+          </a:lnRef>
+          <a:fillRef idx="1">
+            <a:schemeClr val="accent1"/>
+          </a:fillRef>
+          <a:effectRef idx="0">
+            <a:schemeClr val="accent1"/>
+          </a:effectRef>
+          <a:fontRef idx="minor">
+            <a:schemeClr val="lt1"/>
+          </a:fontRef>
+        </p:style>
+      </p:sp>
+      <p:sp>
+        <p:nvSpPr>
+          <p:cNvPr id="2" name="Tytuł 1">
+            <a:extLst>
+              <a:ext uri="{FF2B5EF4-FFF2-40B4-BE49-F238E27FC236}">
+                <a16:creationId xmlns:a16="http://schemas.microsoft.com/office/drawing/2014/main" id="{2294BD86-C7CC-47E5-9CA5-8D232644AAF8}"/>
+              </a:ext>
+            </a:extLst>
+          </p:cNvPr>
+          <p:cNvSpPr>
+            <a:spLocks noGrp="1"/>
+          </p:cNvSpPr>
+          <p:nvPr>
+            <p:ph type="title"/>
+          </p:nvPr>
+        </p:nvSpPr>
+        <p:spPr>
+          <a:xfrm>
+            <a:off x="680321" y="2063262"/>
+            <a:ext cx="3739279" cy="2661052"/>
+          </a:xfrm>
+        </p:spPr>
+        <p:txBody>
+          <a:bodyPr>
+            <a:normAutofit/>
           </a:bodyPr>
           <a:lstStyle/>
           <a:p>
-            <a:r>
-              <a:rPr lang="pl-PL" sz="2800" dirty="0" err="1"/>
-              <a:t>Arduino</a:t>
-            </a:r>
-            <a:r>
-              <a:rPr lang="pl-PL" sz="2800" dirty="0"/>
-              <a:t> Uno</a:t>
-            </a:r>
-          </a:p>
-        </p:txBody>
-      </p:sp>
+            <a:pPr algn="r"/>
+            <a:r>
+              <a:rPr lang="pl-PL" sz="4400" dirty="0">
+                <a:solidFill>
+                  <a:srgbClr val="FFFFFF"/>
+                </a:solidFill>
+              </a:rPr>
+              <a:t>Aplikacja Android</a:t>
+            </a:r>
+          </a:p>
+        </p:txBody>
+      </p:sp>
+      <p:pic>
+        <p:nvPicPr>
+          <p:cNvPr id="5" name="Symbol zastępczy zawartości 4" descr="Obraz zawierający zrzut ekranu, rysunek, mikrofalówka&#10;&#10;Opis wygenerowany automatycznie">
+            <a:extLst>
+              <a:ext uri="{FF2B5EF4-FFF2-40B4-BE49-F238E27FC236}">
+                <a16:creationId xmlns:a16="http://schemas.microsoft.com/office/drawing/2014/main" id="{95F17CB6-6783-4C52-B754-5F7F9CF403B4}"/>
+              </a:ext>
+            </a:extLst>
+          </p:cNvPr>
+          <p:cNvPicPr>
+            <a:picLocks noGrp="1" noChangeAspect="1"/>
+          </p:cNvPicPr>
+          <p:nvPr>
+            <p:ph idx="1"/>
+          </p:nvPr>
+        </p:nvPicPr>
+        <p:blipFill>
+          <a:blip r:embed="rId4"/>
+          <a:stretch>
+            <a:fillRect/>
+          </a:stretch>
+        </p:blipFill>
+        <p:spPr>
+          <a:xfrm>
+            <a:off x="6835991" y="-10367"/>
+            <a:ext cx="3170015" cy="6868367"/>
+          </a:xfrm>
+        </p:spPr>
+      </p:pic>
     </p:spTree>
     <p:extLst>
       <p:ext uri="{BB962C8B-B14F-4D97-AF65-F5344CB8AC3E}">
-        <p14:creationId xmlns:p14="http://schemas.microsoft.com/office/powerpoint/2010/main" val="2175086332"/>
+        <p14:creationId xmlns:p14="http://schemas.microsoft.com/office/powerpoint/2010/main" val="3668903003"/>
       </p:ext>
     </p:extLst>
   </p:cSld>
@@ -8123,6 +8654,41 @@
 <file path=ppt/slides/slide12.xml><?xml version="1.0" encoding="utf-8"?>
 <p:sld xmlns:a="http://schemas.openxmlformats.org/drawingml/2006/main" xmlns:r="http://schemas.openxmlformats.org/officeDocument/2006/relationships" xmlns:p="http://schemas.openxmlformats.org/presentationml/2006/main">
   <p:cSld>
+    <p:bg>
+      <p:bgPr>
+        <a:gradFill rotWithShape="1">
+          <a:gsLst>
+            <a:gs pos="0">
+              <a:schemeClr val="bg2">
+                <a:tint val="96000"/>
+                <a:shade val="100000"/>
+                <a:hueMod val="270000"/>
+                <a:satMod val="200000"/>
+                <a:lumMod val="128000"/>
+              </a:schemeClr>
+            </a:gs>
+            <a:gs pos="50000">
+              <a:schemeClr val="bg2">
+                <a:shade val="100000"/>
+                <a:hueMod val="100000"/>
+                <a:satMod val="110000"/>
+                <a:lumMod val="130000"/>
+              </a:schemeClr>
+            </a:gs>
+            <a:gs pos="100000">
+              <a:schemeClr val="bg2">
+                <a:shade val="78000"/>
+                <a:hueMod val="44000"/>
+                <a:satMod val="200000"/>
+                <a:lumMod val="69000"/>
+              </a:schemeClr>
+            </a:gs>
+          </a:gsLst>
+          <a:lin ang="2520000" scaled="0"/>
+        </a:gradFill>
+        <a:effectLst/>
+      </p:bgPr>
+    </p:bg>
     <p:spTree>
       <p:nvGrpSpPr>
         <p:cNvPr id="1" name=""/>
@@ -8137,12 +8703,281 @@
           <a:chExt cx="0" cy="0"/>
         </a:xfrm>
       </p:grpSpPr>
+      <p:sp useBgFill="1">
+        <p:nvSpPr>
+          <p:cNvPr id="8" name="Rectangle 7">
+            <a:extLst>
+              <a:ext uri="{FF2B5EF4-FFF2-40B4-BE49-F238E27FC236}">
+                <a16:creationId xmlns:a16="http://schemas.microsoft.com/office/drawing/2014/main" id="{4B0FA309-807F-4C17-98EF-A3BA7388E213}"/>
+              </a:ext>
+              <a:ext uri="{C183D7F6-B498-43B3-948B-1728B52AA6E4}">
+                <adec:decorative xmlns:adec="http://schemas.microsoft.com/office/drawing/2017/decorative" val="1"/>
+              </a:ext>
+            </a:extLst>
+          </p:cNvPr>
+          <p:cNvSpPr>
+            <a:spLocks noGrp="1" noRot="1" noChangeAspect="1" noMove="1" noResize="1" noEditPoints="1" noAdjustHandles="1" noChangeArrowheads="1" noChangeShapeType="1" noTextEdit="1"/>
+          </p:cNvSpPr>
+          <p:nvPr>
+            <p:extLst>
+              <p:ext uri="{386F3935-93C4-4BCD-93E2-E3B085C9AB24}">
+                <p16:designElem xmlns:p16="http://schemas.microsoft.com/office/powerpoint/2015/main" val="1"/>
+              </p:ext>
+            </p:extLst>
+          </p:nvPr>
+        </p:nvSpPr>
+        <p:spPr>
+          <a:xfrm>
+            <a:off x="0" y="0"/>
+            <a:ext cx="12188824" cy="6858000"/>
+          </a:xfrm>
+          <a:prstGeom prst="rect">
+            <a:avLst/>
+          </a:prstGeom>
+          <a:ln>
+            <a:noFill/>
+          </a:ln>
+        </p:spPr>
+        <p:style>
+          <a:lnRef idx="2">
+            <a:schemeClr val="accent1">
+              <a:shade val="50000"/>
+            </a:schemeClr>
+          </a:lnRef>
+          <a:fillRef idx="1">
+            <a:schemeClr val="accent1"/>
+          </a:fillRef>
+          <a:effectRef idx="0">
+            <a:schemeClr val="accent1"/>
+          </a:effectRef>
+          <a:fontRef idx="minor">
+            <a:schemeClr val="lt1"/>
+          </a:fontRef>
+        </p:style>
+        <p:txBody>
+          <a:bodyPr rtlCol="0" anchor="ctr"/>
+          <a:lstStyle/>
+          <a:p>
+            <a:pPr algn="ctr"/>
+            <a:endParaRPr lang="en-US"/>
+          </a:p>
+        </p:txBody>
+      </p:sp>
+      <p:pic>
+        <p:nvPicPr>
+          <p:cNvPr id="10" name="Picture 9">
+            <a:extLst>
+              <a:ext uri="{FF2B5EF4-FFF2-40B4-BE49-F238E27FC236}">
+                <a16:creationId xmlns:a16="http://schemas.microsoft.com/office/drawing/2014/main" id="{2642A87B-CAE9-4F8F-B293-28388E45D9EE}"/>
+              </a:ext>
+              <a:ext uri="{C183D7F6-B498-43B3-948B-1728B52AA6E4}">
+                <adec:decorative xmlns:adec="http://schemas.microsoft.com/office/drawing/2017/decorative" val="1"/>
+              </a:ext>
+            </a:extLst>
+          </p:cNvPr>
+          <p:cNvPicPr>
+            <a:picLocks noGrp="1" noRot="1" noChangeAspect="1" noMove="1" noResize="1" noEditPoints="1" noAdjustHandles="1" noChangeArrowheads="1" noChangeShapeType="1" noCrop="1"/>
+          </p:cNvPicPr>
+          <p:nvPr>
+            <p:extLst>
+              <p:ext uri="{386F3935-93C4-4BCD-93E2-E3B085C9AB24}">
+                <p16:designElem xmlns:p16="http://schemas.microsoft.com/office/powerpoint/2015/main" val="1"/>
+              </p:ext>
+            </p:extLst>
+          </p:nvPr>
+        </p:nvPicPr>
+        <p:blipFill>
+          <a:blip r:embed="rId2">
+            <a:alphaModFix amt="10000"/>
+            <a:extLst>
+              <a:ext uri="{28A0092B-C50C-407E-A947-70E740481C1C}">
+                <a14:useLocalDpi xmlns:a14="http://schemas.microsoft.com/office/drawing/2010/main" val="0"/>
+              </a:ext>
+            </a:extLst>
+          </a:blip>
+          <a:stretch>
+            <a:fillRect/>
+          </a:stretch>
+        </p:blipFill>
+        <p:spPr>
+          <a:xfrm>
+            <a:off x="0" y="0"/>
+            <a:ext cx="12192000" cy="6858000"/>
+          </a:xfrm>
+          <a:prstGeom prst="rect">
+            <a:avLst/>
+          </a:prstGeom>
+        </p:spPr>
+      </p:pic>
+      <p:sp>
+        <p:nvSpPr>
+          <p:cNvPr id="12" name="Rectangle 11">
+            <a:extLst>
+              <a:ext uri="{FF2B5EF4-FFF2-40B4-BE49-F238E27FC236}">
+                <a16:creationId xmlns:a16="http://schemas.microsoft.com/office/drawing/2014/main" id="{C8FA1749-B91A-40E7-AD01-0B9C9C6AF74E}"/>
+              </a:ext>
+              <a:ext uri="{C183D7F6-B498-43B3-948B-1728B52AA6E4}">
+                <adec:decorative xmlns:adec="http://schemas.microsoft.com/office/drawing/2017/decorative" val="1"/>
+              </a:ext>
+            </a:extLst>
+          </p:cNvPr>
+          <p:cNvSpPr>
+            <a:spLocks noGrp="1" noRot="1" noChangeAspect="1" noMove="1" noResize="1" noEditPoints="1" noAdjustHandles="1" noChangeArrowheads="1" noChangeShapeType="1" noTextEdit="1"/>
+          </p:cNvSpPr>
+          <p:nvPr>
+            <p:extLst>
+              <p:ext uri="{386F3935-93C4-4BCD-93E2-E3B085C9AB24}">
+                <p16:designElem xmlns:p16="http://schemas.microsoft.com/office/powerpoint/2015/main" val="1"/>
+              </p:ext>
+            </p:extLst>
+          </p:nvPr>
+        </p:nvSpPr>
+        <p:spPr>
+          <a:xfrm>
+            <a:off x="4644527" y="0"/>
+            <a:ext cx="7552944" cy="6858001"/>
+          </a:xfrm>
+          <a:prstGeom prst="rect">
+            <a:avLst/>
+          </a:prstGeom>
+          <a:solidFill>
+            <a:schemeClr val="accent1"/>
+          </a:solidFill>
+          <a:ln>
+            <a:noFill/>
+          </a:ln>
+        </p:spPr>
+        <p:style>
+          <a:lnRef idx="2">
+            <a:schemeClr val="accent1">
+              <a:shade val="50000"/>
+            </a:schemeClr>
+          </a:lnRef>
+          <a:fillRef idx="1">
+            <a:schemeClr val="accent1"/>
+          </a:fillRef>
+          <a:effectRef idx="0">
+            <a:schemeClr val="accent1"/>
+          </a:effectRef>
+          <a:fontRef idx="minor">
+            <a:schemeClr val="lt1"/>
+          </a:fontRef>
+        </p:style>
+        <p:txBody>
+          <a:bodyPr rtlCol="0" anchor="ctr"/>
+          <a:lstStyle/>
+          <a:p>
+            <a:pPr algn="ctr"/>
+            <a:endParaRPr lang="en-US"/>
+          </a:p>
+        </p:txBody>
+      </p:sp>
+      <p:pic>
+        <p:nvPicPr>
+          <p:cNvPr id="14" name="Picture 13">
+            <a:extLst>
+              <a:ext uri="{FF2B5EF4-FFF2-40B4-BE49-F238E27FC236}">
+                <a16:creationId xmlns:a16="http://schemas.microsoft.com/office/drawing/2014/main" id="{3B7A934F-FFF7-4353-83D3-4EF66E93EEF8}"/>
+              </a:ext>
+              <a:ext uri="{C183D7F6-B498-43B3-948B-1728B52AA6E4}">
+                <adec:decorative xmlns:adec="http://schemas.microsoft.com/office/drawing/2017/decorative" val="1"/>
+              </a:ext>
+            </a:extLst>
+          </p:cNvPr>
+          <p:cNvPicPr>
+            <a:picLocks noGrp="1" noRot="1" noChangeAspect="1" noMove="1" noResize="1" noEditPoints="1" noAdjustHandles="1" noChangeArrowheads="1" noChangeShapeType="1" noCrop="1"/>
+          </p:cNvPicPr>
+          <p:nvPr>
+            <p:extLst>
+              <p:ext uri="{386F3935-93C4-4BCD-93E2-E3B085C9AB24}">
+                <p16:designElem xmlns:p16="http://schemas.microsoft.com/office/powerpoint/2015/main" val="1"/>
+              </p:ext>
+            </p:extLst>
+          </p:nvPr>
+        </p:nvPicPr>
+        <p:blipFill>
+          <a:blip r:embed="rId3" cstate="print">
+            <a:extLst>
+              <a:ext uri="{28A0092B-C50C-407E-A947-70E740481C1C}">
+                <a14:useLocalDpi xmlns:a14="http://schemas.microsoft.com/office/drawing/2010/main" val="0"/>
+              </a:ext>
+            </a:extLst>
+          </a:blip>
+          <a:stretch>
+            <a:fillRect/>
+          </a:stretch>
+        </p:blipFill>
+        <p:spPr>
+          <a:xfrm>
+            <a:off x="1" y="5006045"/>
+            <a:ext cx="4965192" cy="144668"/>
+          </a:xfrm>
+          <a:prstGeom prst="rect">
+            <a:avLst/>
+          </a:prstGeom>
+        </p:spPr>
+      </p:pic>
+      <p:sp>
+        <p:nvSpPr>
+          <p:cNvPr id="16" name="Rectangle 15">
+            <a:extLst>
+              <a:ext uri="{FF2B5EF4-FFF2-40B4-BE49-F238E27FC236}">
+                <a16:creationId xmlns:a16="http://schemas.microsoft.com/office/drawing/2014/main" id="{700676C8-6DE8-47DD-9A23-D42063A12E10}"/>
+              </a:ext>
+              <a:ext uri="{C183D7F6-B498-43B3-948B-1728B52AA6E4}">
+                <adec:decorative xmlns:adec="http://schemas.microsoft.com/office/drawing/2017/decorative" val="1"/>
+              </a:ext>
+            </a:extLst>
+          </p:cNvPr>
+          <p:cNvSpPr>
+            <a:spLocks noGrp="1" noRot="1" noChangeAspect="1" noMove="1" noResize="1" noEditPoints="1" noAdjustHandles="1" noChangeArrowheads="1" noChangeShapeType="1" noTextEdit="1"/>
+          </p:cNvSpPr>
+          <p:nvPr>
+            <p:extLst>
+              <p:ext uri="{386F3935-93C4-4BCD-93E2-E3B085C9AB24}">
+                <p16:designElem xmlns:p16="http://schemas.microsoft.com/office/powerpoint/2015/main" val="1"/>
+              </p:ext>
+            </p:extLst>
+          </p:nvPr>
+        </p:nvSpPr>
+        <p:spPr>
+          <a:xfrm>
+            <a:off x="-1" y="1838764"/>
+            <a:ext cx="4964567" cy="3180473"/>
+          </a:xfrm>
+          <a:prstGeom prst="rect">
+            <a:avLst/>
+          </a:prstGeom>
+          <a:solidFill>
+            <a:srgbClr val="262626"/>
+          </a:solidFill>
+          <a:ln>
+            <a:noFill/>
+          </a:ln>
+        </p:spPr>
+        <p:style>
+          <a:lnRef idx="2">
+            <a:schemeClr val="accent1">
+              <a:shade val="50000"/>
+            </a:schemeClr>
+          </a:lnRef>
+          <a:fillRef idx="1">
+            <a:schemeClr val="accent1"/>
+          </a:fillRef>
+          <a:effectRef idx="0">
+            <a:schemeClr val="accent1"/>
+          </a:effectRef>
+          <a:fontRef idx="minor">
+            <a:schemeClr val="lt1"/>
+          </a:fontRef>
+        </p:style>
+      </p:sp>
       <p:sp>
         <p:nvSpPr>
           <p:cNvPr id="2" name="Tytuł 1">
             <a:extLst>
               <a:ext uri="{FF2B5EF4-FFF2-40B4-BE49-F238E27FC236}">
-                <a16:creationId xmlns:a16="http://schemas.microsoft.com/office/drawing/2014/main" id="{54C246BA-79EA-4E8F-B04A-254B8D094291}"/>
+                <a16:creationId xmlns:a16="http://schemas.microsoft.com/office/drawing/2014/main" id="{2294BD86-C7CC-47E5-9CA5-8D232644AAF8}"/>
               </a:ext>
             </a:extLst>
           </p:cNvPr>
@@ -8153,24 +8988,36 @@
             <p:ph type="title"/>
           </p:nvPr>
         </p:nvSpPr>
-        <p:spPr/>
-        <p:txBody>
-          <a:bodyPr/>
+        <p:spPr>
+          <a:xfrm>
+            <a:off x="680321" y="2063262"/>
+            <a:ext cx="3739279" cy="2661052"/>
+          </a:xfrm>
+        </p:spPr>
+        <p:txBody>
+          <a:bodyPr>
+            <a:normAutofit/>
+          </a:bodyPr>
           <a:lstStyle/>
           <a:p>
-            <a:r>
-              <a:rPr lang="pl-PL" dirty="0"/>
-              <a:t>Mikrokontrolery</a:t>
+            <a:pPr algn="r"/>
+            <a:r>
+              <a:rPr lang="pl-PL" sz="4400" dirty="0">
+                <a:solidFill>
+                  <a:srgbClr val="FFFFFF"/>
+                </a:solidFill>
+              </a:rPr>
+              <a:t>Aplikacja Android</a:t>
             </a:r>
           </a:p>
         </p:txBody>
       </p:sp>
       <p:pic>
         <p:nvPicPr>
-          <p:cNvPr id="4" name="Symbol zastępczy zawartości 3">
+          <p:cNvPr id="5" name="Symbol zastępczy zawartości 4" descr="Obraz zawierający zrzut ekranu, rysunek&#10;&#10;Opis wygenerowany automatycznie">
             <a:extLst>
               <a:ext uri="{FF2B5EF4-FFF2-40B4-BE49-F238E27FC236}">
-                <a16:creationId xmlns:a16="http://schemas.microsoft.com/office/drawing/2014/main" id="{DCCA5341-A051-4E86-BBD9-AAA95CD788C0}"/>
+                <a16:creationId xmlns:a16="http://schemas.microsoft.com/office/drawing/2014/main" id="{CE942DEC-B810-4C4D-817B-F9938F0BBBC9}"/>
               </a:ext>
             </a:extLst>
           </p:cNvPr>
@@ -8182,127 +9029,22 @@
           </p:nvPr>
         </p:nvPicPr>
         <p:blipFill>
-          <a:blip r:embed="rId2"/>
+          <a:blip r:embed="rId4"/>
           <a:stretch>
             <a:fillRect/>
           </a:stretch>
         </p:blipFill>
         <p:spPr>
           <a:xfrm>
-            <a:off x="1872431" y="2564594"/>
-            <a:ext cx="3821873" cy="2756608"/>
-          </a:xfrm>
-          <a:prstGeom prst="rect">
-            <a:avLst/>
-          </a:prstGeom>
+            <a:off x="6838029" y="0"/>
+            <a:ext cx="3165940" cy="6859538"/>
+          </a:xfrm>
         </p:spPr>
       </p:pic>
-      <p:sp>
-        <p:nvSpPr>
-          <p:cNvPr id="5" name="pole tekstowe 4">
-            <a:extLst>
-              <a:ext uri="{FF2B5EF4-FFF2-40B4-BE49-F238E27FC236}">
-                <a16:creationId xmlns:a16="http://schemas.microsoft.com/office/drawing/2014/main" id="{2A6C94EB-A468-4580-BD5D-9BA6B2E519F4}"/>
-              </a:ext>
-            </a:extLst>
-          </p:cNvPr>
-          <p:cNvSpPr txBox="1"/>
-          <p:nvPr/>
-        </p:nvSpPr>
-        <p:spPr>
-          <a:xfrm>
-            <a:off x="2252741" y="5581552"/>
-            <a:ext cx="3061252" cy="523220"/>
-          </a:xfrm>
-          <a:prstGeom prst="rect">
-            <a:avLst/>
-          </a:prstGeom>
-          <a:noFill/>
-        </p:spPr>
-        <p:txBody>
-          <a:bodyPr wrap="square" rtlCol="0">
-            <a:spAutoFit/>
-          </a:bodyPr>
-          <a:lstStyle/>
-          <a:p>
-            <a:pPr algn="ctr"/>
-            <a:r>
-              <a:rPr lang="pl-PL" sz="2800" dirty="0"/>
-              <a:t>ESP8266</a:t>
-            </a:r>
-          </a:p>
-        </p:txBody>
-      </p:sp>
-      <p:pic>
-        <p:nvPicPr>
-          <p:cNvPr id="7" name="Obraz 6" descr="Obraz zawierający sprzęt elektroniczny, obwód&#10;&#10;Opis wygenerowany automatycznie">
-            <a:extLst>
-              <a:ext uri="{FF2B5EF4-FFF2-40B4-BE49-F238E27FC236}">
-                <a16:creationId xmlns:a16="http://schemas.microsoft.com/office/drawing/2014/main" id="{55CBAD94-9686-4D7B-A0C2-0443D9A76A05}"/>
-              </a:ext>
-            </a:extLst>
-          </p:cNvPr>
-          <p:cNvPicPr>
-            <a:picLocks noChangeAspect="1"/>
-          </p:cNvPicPr>
-          <p:nvPr/>
-        </p:nvPicPr>
-        <p:blipFill>
-          <a:blip r:embed="rId3"/>
-          <a:stretch>
-            <a:fillRect/>
-          </a:stretch>
-        </p:blipFill>
-        <p:spPr>
-          <a:xfrm>
-            <a:off x="7213315" y="2564594"/>
-            <a:ext cx="2756608" cy="2756608"/>
-          </a:xfrm>
-          <a:prstGeom prst="rect">
-            <a:avLst/>
-          </a:prstGeom>
-        </p:spPr>
-      </p:pic>
-      <p:sp>
-        <p:nvSpPr>
-          <p:cNvPr id="8" name="pole tekstowe 7">
-            <a:extLst>
-              <a:ext uri="{FF2B5EF4-FFF2-40B4-BE49-F238E27FC236}">
-                <a16:creationId xmlns:a16="http://schemas.microsoft.com/office/drawing/2014/main" id="{B0C46DC2-B809-4978-B172-8B29CC3B605D}"/>
-              </a:ext>
-            </a:extLst>
-          </p:cNvPr>
-          <p:cNvSpPr txBox="1"/>
-          <p:nvPr/>
-        </p:nvSpPr>
-        <p:spPr>
-          <a:xfrm>
-            <a:off x="7021236" y="5528410"/>
-            <a:ext cx="3140766" cy="523220"/>
-          </a:xfrm>
-          <a:prstGeom prst="rect">
-            <a:avLst/>
-          </a:prstGeom>
-          <a:noFill/>
-        </p:spPr>
-        <p:txBody>
-          <a:bodyPr wrap="square" rtlCol="0">
-            <a:spAutoFit/>
-          </a:bodyPr>
-          <a:lstStyle/>
-          <a:p>
-            <a:pPr algn="ctr"/>
-            <a:r>
-              <a:rPr lang="pl-PL" sz="2800" dirty="0"/>
-              <a:t>ESP32</a:t>
-            </a:r>
-          </a:p>
-        </p:txBody>
-      </p:sp>
     </p:spTree>
     <p:extLst>
       <p:ext uri="{BB962C8B-B14F-4D97-AF65-F5344CB8AC3E}">
-        <p14:creationId xmlns:p14="http://schemas.microsoft.com/office/powerpoint/2010/main" val="2363893276"/>
+        <p14:creationId xmlns:p14="http://schemas.microsoft.com/office/powerpoint/2010/main" val="2802582942"/>
       </p:ext>
     </p:extLst>
   </p:cSld>
@@ -8352,7 +9094,15 @@
           <a:p>
             <a:r>
               <a:rPr lang="pl-PL" dirty="0"/>
-              <a:t>Wybór mikrokontrolera</a:t>
+              <a:t>Przykładowe </a:t>
+            </a:r>
+            <a:r>
+              <a:rPr lang="pl-PL" dirty="0" err="1"/>
+              <a:t>IoT</a:t>
+            </a:r>
+            <a:r>
+              <a:rPr lang="pl-PL" dirty="0"/>
+              <a:t> - Mikrokontroler</a:t>
             </a:r>
           </a:p>
         </p:txBody>
@@ -8375,48 +9125,131 @@
         </p:nvSpPr>
         <p:spPr>
           <a:xfrm>
-            <a:off x="680322" y="2336873"/>
-            <a:ext cx="6515608" cy="3599316"/>
+            <a:off x="0" y="2367649"/>
+            <a:ext cx="3531765" cy="4226097"/>
           </a:xfrm>
         </p:spPr>
         <p:txBody>
           <a:bodyPr>
-            <a:normAutofit/>
+            <a:normAutofit fontScale="62500" lnSpcReduction="20000"/>
           </a:bodyPr>
           <a:lstStyle/>
           <a:p>
-            <a:pPr marL="0" indent="0" algn="ctr">
+            <a:pPr lvl="0"/>
+            <a:r>
+              <a:rPr lang="pl-PL" sz="2900" b="1" dirty="0"/>
+              <a:t>Komunikacja </a:t>
+            </a:r>
+            <a:r>
+              <a:rPr lang="pl-PL" sz="2900" b="1" dirty="0" err="1"/>
+              <a:t>WiFi</a:t>
+            </a:r>
+            <a:r>
+              <a:rPr lang="pl-PL" sz="2900" b="1" dirty="0"/>
+              <a:t>:</a:t>
+            </a:r>
+            <a:endParaRPr lang="pl-PL" sz="2900" dirty="0"/>
+          </a:p>
+          <a:p>
+            <a:pPr marL="0" indent="0">
               <a:buNone/>
             </a:pPr>
             <a:r>
-              <a:rPr lang="pl-PL" sz="3600" dirty="0"/>
-              <a:t>ESP8266</a:t>
-            </a:r>
-            <a:endParaRPr lang="pl-PL" dirty="0"/>
+              <a:rPr lang="pl-PL" sz="2900" dirty="0"/>
+              <a:t>- standard 802.11 b/g/n 2,4 GHz,</a:t>
+            </a:r>
+            <a:br>
+              <a:rPr lang="pl-PL" sz="2900" dirty="0"/>
+            </a:br>
+            <a:r>
+              <a:rPr lang="pl-PL" sz="2900" dirty="0"/>
+              <a:t>- prędkość transmisji do 72,2 </a:t>
+            </a:r>
+            <a:r>
+              <a:rPr lang="pl-PL" sz="2900" dirty="0" err="1"/>
+              <a:t>Mb</a:t>
+            </a:r>
+            <a:r>
+              <a:rPr lang="pl-PL" sz="2900" dirty="0"/>
+              <a:t>/s,</a:t>
+            </a:r>
+            <a:br>
+              <a:rPr lang="pl-PL" sz="2900" dirty="0"/>
+            </a:br>
+            <a:r>
+              <a:rPr lang="pl-PL" sz="2900" dirty="0"/>
+              <a:t>- zabezpieczenia: WPA/WPA2,</a:t>
+            </a:r>
+            <a:br>
+              <a:rPr lang="pl-PL" sz="2900" dirty="0"/>
+            </a:br>
+            <a:r>
+              <a:rPr lang="pl-PL" sz="2900" dirty="0"/>
+              <a:t>- szyfrowanie: WEP/TKIP/AES,</a:t>
+            </a:r>
+            <a:br>
+              <a:rPr lang="pl-PL" sz="2900" dirty="0"/>
+            </a:br>
+            <a:r>
+              <a:rPr lang="pl-PL" sz="2900" dirty="0"/>
+              <a:t>- protokoły: IPv4, TCP/UDP/HTTP.</a:t>
+            </a:r>
+          </a:p>
+          <a:p>
+            <a:pPr lvl="0"/>
+            <a:r>
+              <a:rPr lang="pl-PL" sz="2900" b="1" dirty="0"/>
+              <a:t>Zasilanie</a:t>
+            </a:r>
+            <a:r>
+              <a:rPr lang="pl-PL" sz="2900" dirty="0"/>
+              <a:t>:</a:t>
+            </a:r>
           </a:p>
           <a:p>
             <a:pPr marL="0" indent="0">
               <a:buNone/>
             </a:pPr>
             <a:r>
-              <a:rPr lang="pl-PL" dirty="0"/>
-              <a:t>Możliwości wszystkich kontrolerów są zbliżone, jednak tylko urządzenia ESP posiadają wbudowaną kartę </a:t>
-            </a:r>
-            <a:r>
-              <a:rPr lang="pl-PL" dirty="0" err="1"/>
-              <a:t>WiFi</a:t>
-            </a:r>
-            <a:r>
-              <a:rPr lang="pl-PL" dirty="0"/>
-              <a:t>. Ponieważ układy nie będą wymagać dużej mocy obliczeniowej, ani nie potrzebują dużo pamięci (RAM oraz </a:t>
-            </a:r>
-            <a:r>
-              <a:rPr lang="pl-PL" dirty="0" err="1"/>
-              <a:t>flash</a:t>
-            </a:r>
-            <a:r>
-              <a:rPr lang="pl-PL" dirty="0"/>
-              <a:t>), w tym przypadku wybór sprowadza się więc do porównania ceny między nimi.</a:t>
+              <a:rPr lang="pl-PL" sz="2900" dirty="0"/>
+              <a:t>- napięcie pracy: 2,5 – 3,6 V,</a:t>
+            </a:r>
+            <a:br>
+              <a:rPr lang="pl-PL" sz="2900" dirty="0"/>
+            </a:br>
+            <a:r>
+              <a:rPr lang="pl-PL" sz="2900" dirty="0"/>
+              <a:t>- napięcie zasilania: 4,8 – 12 V,</a:t>
+            </a:r>
+            <a:br>
+              <a:rPr lang="pl-PL" sz="2900" dirty="0"/>
+            </a:br>
+            <a:r>
+              <a:rPr lang="pl-PL" sz="2900" dirty="0"/>
+              <a:t>- średni pobór prądu: 80 </a:t>
+            </a:r>
+            <a:r>
+              <a:rPr lang="pl-PL" sz="2900" dirty="0" err="1"/>
+              <a:t>mA</a:t>
+            </a:r>
+            <a:r>
+              <a:rPr lang="pl-PL" sz="2900" dirty="0"/>
+              <a:t>,</a:t>
+            </a:r>
+            <a:br>
+              <a:rPr lang="pl-PL" sz="2900" dirty="0"/>
+            </a:br>
+            <a:r>
+              <a:rPr lang="pl-PL" sz="2900" dirty="0"/>
+              <a:t>- maksymalny pobór prądu: 800 </a:t>
+            </a:r>
+            <a:r>
+              <a:rPr lang="pl-PL" sz="2900" dirty="0" err="1"/>
+              <a:t>mA</a:t>
+            </a:r>
+            <a:r>
+              <a:rPr lang="pl-PL" sz="2900" dirty="0"/>
+              <a:t>.</a:t>
             </a:r>
           </a:p>
           <a:p>
@@ -8449,7 +9282,7 @@
         </p:blipFill>
         <p:spPr>
           <a:xfrm>
-            <a:off x="7442721" y="2758227"/>
+            <a:off x="7862170" y="2733060"/>
             <a:ext cx="3821873" cy="2756608"/>
           </a:xfrm>
           <a:prstGeom prst="rect">
@@ -8457,6 +9290,165 @@
           </a:prstGeom>
         </p:spPr>
       </p:pic>
+      <p:sp>
+        <p:nvSpPr>
+          <p:cNvPr id="5" name="pole tekstowe 4">
+            <a:extLst>
+              <a:ext uri="{FF2B5EF4-FFF2-40B4-BE49-F238E27FC236}">
+                <a16:creationId xmlns:a16="http://schemas.microsoft.com/office/drawing/2014/main" id="{68D0C849-E0DE-45B0-818D-74E9C197FDD3}"/>
+              </a:ext>
+            </a:extLst>
+          </p:cNvPr>
+          <p:cNvSpPr txBox="1"/>
+          <p:nvPr/>
+        </p:nvSpPr>
+        <p:spPr>
+          <a:xfrm>
+            <a:off x="3791824" y="2289871"/>
+            <a:ext cx="3984770" cy="3785652"/>
+          </a:xfrm>
+          <a:prstGeom prst="rect">
+            <a:avLst/>
+          </a:prstGeom>
+          <a:noFill/>
+        </p:spPr>
+        <p:txBody>
+          <a:bodyPr wrap="square" rtlCol="0">
+            <a:spAutoFit/>
+          </a:bodyPr>
+          <a:lstStyle/>
+          <a:p>
+            <a:pPr marL="285750" lvl="0" indent="-285750">
+              <a:buFont typeface="Arial" panose="020B0604020202020204" pitchFamily="34" charset="0"/>
+              <a:buChar char="•"/>
+            </a:pPr>
+            <a:r>
+              <a:rPr lang="pl-PL" sz="2000" b="1" dirty="0"/>
+              <a:t>Aktualizacja</a:t>
+            </a:r>
+            <a:r>
+              <a:rPr lang="pl-PL" sz="2000" dirty="0"/>
+              <a:t> </a:t>
+            </a:r>
+            <a:r>
+              <a:rPr lang="pl-PL" sz="2000" b="1" dirty="0"/>
+              <a:t>oprogramowania</a:t>
+            </a:r>
+            <a:r>
+              <a:rPr lang="pl-PL" sz="2000" dirty="0"/>
+              <a:t>:</a:t>
+            </a:r>
+          </a:p>
+          <a:p>
+            <a:r>
+              <a:rPr lang="pl-PL" dirty="0"/>
+              <a:t>- UART,</a:t>
+            </a:r>
+            <a:br>
+              <a:rPr lang="pl-PL" dirty="0"/>
+            </a:br>
+            <a:r>
+              <a:rPr lang="pl-PL" dirty="0"/>
+              <a:t>- OTA.</a:t>
+            </a:r>
+          </a:p>
+          <a:p>
+            <a:pPr marL="285750" lvl="0" indent="-285750">
+              <a:buFont typeface="Arial" panose="020B0604020202020204" pitchFamily="34" charset="0"/>
+              <a:buChar char="•"/>
+            </a:pPr>
+            <a:r>
+              <a:rPr lang="pl-PL" sz="2000" b="1" dirty="0"/>
+              <a:t>CPU</a:t>
+            </a:r>
+            <a:r>
+              <a:rPr lang="pl-PL" sz="2000" dirty="0"/>
+              <a:t>:</a:t>
+            </a:r>
+          </a:p>
+          <a:p>
+            <a:r>
+              <a:rPr lang="pl-PL" dirty="0"/>
+              <a:t>- </a:t>
+            </a:r>
+            <a:r>
+              <a:rPr lang="pl-PL" dirty="0" err="1"/>
+              <a:t>Tensilica</a:t>
+            </a:r>
+            <a:r>
+              <a:rPr lang="pl-PL" dirty="0"/>
+              <a:t> L106 32-bit 80 MHz,</a:t>
+            </a:r>
+            <a:br>
+              <a:rPr lang="pl-PL" dirty="0"/>
+            </a:br>
+            <a:r>
+              <a:rPr lang="pl-PL" dirty="0"/>
+              <a:t>- obudowa: QFN32-pin (5 mm × 5 mm),</a:t>
+            </a:r>
+            <a:br>
+              <a:rPr lang="pl-PL" dirty="0"/>
+            </a:br>
+            <a:r>
+              <a:rPr lang="pl-PL" dirty="0"/>
+              <a:t>- interfejsy: UART/SDIO/SPI/I2C/I2S/IR (zdalne sterowanie),</a:t>
+            </a:r>
+            <a:br>
+              <a:rPr lang="pl-PL" dirty="0"/>
+            </a:br>
+            <a:r>
+              <a:rPr lang="pl-PL" dirty="0"/>
+              <a:t>- dostępne 10 GPIO,</a:t>
+            </a:r>
+            <a:br>
+              <a:rPr lang="pl-PL" dirty="0"/>
+            </a:br>
+            <a:r>
+              <a:rPr lang="pl-PL" dirty="0"/>
+              <a:t>- 1 wyprowadzenie ADC (0 – 3,3 V).</a:t>
+            </a:r>
+          </a:p>
+        </p:txBody>
+      </p:sp>
+      <p:sp>
+        <p:nvSpPr>
+          <p:cNvPr id="6" name="pole tekstowe 5">
+            <a:extLst>
+              <a:ext uri="{FF2B5EF4-FFF2-40B4-BE49-F238E27FC236}">
+                <a16:creationId xmlns:a16="http://schemas.microsoft.com/office/drawing/2014/main" id="{27E4428D-8D3B-46F2-B3F1-472FC28956EF}"/>
+              </a:ext>
+            </a:extLst>
+          </p:cNvPr>
+          <p:cNvSpPr txBox="1"/>
+          <p:nvPr/>
+        </p:nvSpPr>
+        <p:spPr>
+          <a:xfrm>
+            <a:off x="9047458" y="5489668"/>
+            <a:ext cx="1451295" cy="369332"/>
+          </a:xfrm>
+          <a:prstGeom prst="rect">
+            <a:avLst/>
+          </a:prstGeom>
+          <a:noFill/>
+        </p:spPr>
+        <p:txBody>
+          <a:bodyPr wrap="square" rtlCol="0">
+            <a:spAutoFit/>
+          </a:bodyPr>
+          <a:lstStyle/>
+          <a:p>
+            <a:r>
+              <a:rPr lang="pl-PL" dirty="0" err="1"/>
+              <a:t>Nodemcu</a:t>
+            </a:r>
+            <a:r>
+              <a:rPr lang="pl-PL" dirty="0"/>
+              <a:t> v3</a:t>
+            </a:r>
+          </a:p>
+        </p:txBody>
+      </p:sp>
     </p:spTree>
     <p:extLst>
       <p:ext uri="{BB962C8B-B14F-4D97-AF65-F5344CB8AC3E}">
@@ -8492,7 +9484,7 @@
           <p:cNvPr id="2" name="Tytuł 1">
             <a:extLst>
               <a:ext uri="{FF2B5EF4-FFF2-40B4-BE49-F238E27FC236}">
-                <a16:creationId xmlns:a16="http://schemas.microsoft.com/office/drawing/2014/main" id="{24EE09B4-6F21-4F6F-AF0C-ABEE66C54E03}"/>
+                <a16:creationId xmlns:a16="http://schemas.microsoft.com/office/drawing/2014/main" id="{9988B2A7-31B6-401F-B0DC-110EB9341C24}"/>
               </a:ext>
             </a:extLst>
           </p:cNvPr>
@@ -8510,26 +9502,172 @@
           <a:p>
             <a:r>
               <a:rPr lang="pl-PL" dirty="0"/>
-              <a:t>Czujniki</a:t>
-            </a:r>
+              <a:t>Przykładowe </a:t>
+            </a:r>
+            <a:r>
+              <a:rPr lang="pl-PL" dirty="0" err="1"/>
+              <a:t>IoT</a:t>
+            </a:r>
+            <a:r>
+              <a:rPr lang="pl-PL" dirty="0"/>
+              <a:t> - Czujnik</a:t>
+            </a:r>
+          </a:p>
+        </p:txBody>
+      </p:sp>
+      <p:sp>
+        <p:nvSpPr>
+          <p:cNvPr id="3" name="Symbol zastępczy zawartości 2">
+            <a:extLst>
+              <a:ext uri="{FF2B5EF4-FFF2-40B4-BE49-F238E27FC236}">
+                <a16:creationId xmlns:a16="http://schemas.microsoft.com/office/drawing/2014/main" id="{A6328C50-49B5-4BA6-9969-F2AE101E02D6}"/>
+              </a:ext>
+            </a:extLst>
+          </p:cNvPr>
+          <p:cNvSpPr>
+            <a:spLocks noGrp="1"/>
+          </p:cNvSpPr>
+          <p:nvPr>
+            <p:ph idx="1"/>
+          </p:nvPr>
+        </p:nvSpPr>
+        <p:spPr>
+          <a:xfrm>
+            <a:off x="437040" y="2211038"/>
+            <a:ext cx="7104662" cy="4223318"/>
+          </a:xfrm>
+        </p:spPr>
+        <p:txBody>
+          <a:bodyPr>
+            <a:normAutofit/>
+          </a:bodyPr>
+          <a:lstStyle/>
+          <a:p>
+            <a:pPr lvl="0"/>
+            <a:r>
+              <a:rPr lang="pl-PL" sz="2000" b="1" dirty="0"/>
+              <a:t>Ogólne</a:t>
+            </a:r>
+            <a:r>
+              <a:rPr lang="pl-PL" sz="2000" dirty="0"/>
+              <a:t>:</a:t>
+            </a:r>
+          </a:p>
+          <a:p>
+            <a:pPr marL="0" indent="0">
+              <a:buNone/>
+            </a:pPr>
+            <a:r>
+              <a:rPr lang="pl-PL" sz="1800" dirty="0"/>
+              <a:t>- Napięcie zasilania: 3 V do 5,5 V</a:t>
+            </a:r>
+            <a:br>
+              <a:rPr lang="pl-PL" sz="1800" dirty="0"/>
+            </a:br>
+            <a:r>
+              <a:rPr lang="pl-PL" sz="1800" dirty="0"/>
+              <a:t>- Pobór prądu: 0,2 </a:t>
+            </a:r>
+            <a:r>
+              <a:rPr lang="pl-PL" sz="1800" dirty="0" err="1"/>
+              <a:t>mA</a:t>
+            </a:r>
+            <a:br>
+              <a:rPr lang="pl-PL" sz="1800" dirty="0"/>
+            </a:br>
+            <a:r>
+              <a:rPr lang="pl-PL" sz="1800" dirty="0"/>
+              <a:t>- Częstotliwość próbkowania: 1Hz</a:t>
+            </a:r>
+          </a:p>
+          <a:p>
+            <a:pPr lvl="0"/>
+            <a:r>
+              <a:rPr lang="pl-PL" sz="2000" b="1" dirty="0"/>
+              <a:t>Wbudowany</a:t>
+            </a:r>
+            <a:r>
+              <a:rPr lang="pl-PL" dirty="0"/>
+              <a:t> </a:t>
+            </a:r>
+            <a:r>
+              <a:rPr lang="pl-PL" b="1" dirty="0"/>
+              <a:t>termometr</a:t>
+            </a:r>
+            <a:endParaRPr lang="pl-PL" dirty="0"/>
+          </a:p>
+          <a:p>
+            <a:pPr marL="0" indent="0">
+              <a:buNone/>
+            </a:pPr>
+            <a:r>
+              <a:rPr lang="pl-PL" sz="1800" dirty="0"/>
+              <a:t>- Zakres pomiarowy: 0 - 50 °C</a:t>
+            </a:r>
+            <a:br>
+              <a:rPr lang="pl-PL" sz="1800" dirty="0"/>
+            </a:br>
+            <a:r>
+              <a:rPr lang="pl-PL" sz="1800" dirty="0"/>
+              <a:t>- Dokładność: ±2°C</a:t>
+            </a:r>
+          </a:p>
+          <a:p>
+            <a:pPr lvl="0"/>
+            <a:r>
+              <a:rPr lang="pl-PL" sz="2000" b="1" dirty="0"/>
+              <a:t>Czujnik</a:t>
+            </a:r>
+            <a:r>
+              <a:rPr lang="pl-PL" dirty="0"/>
+              <a:t> </a:t>
+            </a:r>
+            <a:r>
+              <a:rPr lang="pl-PL" b="1" dirty="0"/>
+              <a:t>wilgotności</a:t>
+            </a:r>
+            <a:r>
+              <a:rPr lang="pl-PL" dirty="0"/>
+              <a:t>:</a:t>
+            </a:r>
+          </a:p>
+          <a:p>
+            <a:pPr marL="0" indent="0">
+              <a:buNone/>
+            </a:pPr>
+            <a:r>
+              <a:rPr lang="pl-PL" sz="1800" dirty="0"/>
+              <a:t>- Zakres pomiarowy: 20 - 95%RH</a:t>
+            </a:r>
+            <a:br>
+              <a:rPr lang="pl-PL" sz="1800" dirty="0"/>
+            </a:br>
+            <a:r>
+              <a:rPr lang="pl-PL" sz="1800" dirty="0"/>
+              <a:t>- Dokładność: ±5%RH</a:t>
+            </a:r>
+          </a:p>
+          <a:p>
+            <a:pPr marL="0" indent="0">
+              <a:buNone/>
+            </a:pPr>
+            <a:endParaRPr lang="pl-PL" dirty="0"/>
           </a:p>
         </p:txBody>
       </p:sp>
       <p:pic>
         <p:nvPicPr>
-          <p:cNvPr id="5" name="Symbol zastępczy zawartości 4">
+          <p:cNvPr id="4" name="Symbol zastępczy zawartości 4">
             <a:extLst>
               <a:ext uri="{FF2B5EF4-FFF2-40B4-BE49-F238E27FC236}">
-                <a16:creationId xmlns:a16="http://schemas.microsoft.com/office/drawing/2014/main" id="{D849F78C-A2D8-4F29-A71C-980AF0C0F27B}"/>
+                <a16:creationId xmlns:a16="http://schemas.microsoft.com/office/drawing/2014/main" id="{735EE96B-DBD2-4A61-A1DD-FAA8D25429DC}"/>
               </a:ext>
             </a:extLst>
           </p:cNvPr>
           <p:cNvPicPr>
-            <a:picLocks noGrp="1" noChangeAspect="1"/>
+            <a:picLocks noChangeAspect="1"/>
           </p:cNvPicPr>
-          <p:nvPr>
-            <p:ph idx="1"/>
-          </p:nvPr>
+          <p:nvPr/>
         </p:nvPicPr>
         <p:blipFill>
           <a:blip r:embed="rId2"/>
@@ -8539,17 +9677,20 @@
         </p:blipFill>
         <p:spPr>
           <a:xfrm>
-            <a:off x="506844" y="2457573"/>
-            <a:ext cx="2857500" cy="2857500"/>
-          </a:xfrm>
+            <a:off x="8195315" y="2419142"/>
+            <a:ext cx="3254192" cy="3254192"/>
+          </a:xfrm>
+          <a:prstGeom prst="rect">
+            <a:avLst/>
+          </a:prstGeom>
         </p:spPr>
       </p:pic>
       <p:sp>
         <p:nvSpPr>
-          <p:cNvPr id="8" name="pole tekstowe 7">
+          <p:cNvPr id="5" name="pole tekstowe 4">
             <a:extLst>
               <a:ext uri="{FF2B5EF4-FFF2-40B4-BE49-F238E27FC236}">
-                <a16:creationId xmlns:a16="http://schemas.microsoft.com/office/drawing/2014/main" id="{1C4697CE-9B18-4EFB-845D-991E52678A0F}"/>
+                <a16:creationId xmlns:a16="http://schemas.microsoft.com/office/drawing/2014/main" id="{96ABFC37-E0D9-4FEA-AB9C-E99E47A04F1B}"/>
               </a:ext>
             </a:extLst>
           </p:cNvPr>
@@ -8558,8 +9699,8 @@
         </p:nvSpPr>
         <p:spPr>
           <a:xfrm>
-            <a:off x="885269" y="5552610"/>
-            <a:ext cx="2100649" cy="523220"/>
+            <a:off x="9344238" y="5805182"/>
+            <a:ext cx="956345" cy="369332"/>
           </a:xfrm>
           <a:prstGeom prst="rect">
             <a:avLst/>
@@ -8572,175 +9713,17 @@
           </a:bodyPr>
           <a:lstStyle/>
           <a:p>
-            <a:pPr algn="ctr"/>
-            <a:r>
-              <a:rPr lang="pl-PL" sz="2800" dirty="0"/>
+            <a:r>
+              <a:rPr lang="pl-PL" dirty="0"/>
               <a:t>DHT11</a:t>
             </a:r>
-          </a:p>
-        </p:txBody>
-      </p:sp>
-      <p:sp>
-        <p:nvSpPr>
-          <p:cNvPr id="9" name="pole tekstowe 8">
-            <a:extLst>
-              <a:ext uri="{FF2B5EF4-FFF2-40B4-BE49-F238E27FC236}">
-                <a16:creationId xmlns:a16="http://schemas.microsoft.com/office/drawing/2014/main" id="{A09AD15A-FDA6-47A1-9AAD-40CF6D5A4FF7}"/>
-              </a:ext>
-            </a:extLst>
-          </p:cNvPr>
-          <p:cNvSpPr txBox="1"/>
-          <p:nvPr/>
-        </p:nvSpPr>
-        <p:spPr>
-          <a:xfrm>
-            <a:off x="4826935" y="5529368"/>
-            <a:ext cx="1878227" cy="523220"/>
-          </a:xfrm>
-          <a:prstGeom prst="rect">
-            <a:avLst/>
-          </a:prstGeom>
-          <a:noFill/>
-        </p:spPr>
-        <p:txBody>
-          <a:bodyPr wrap="square" rtlCol="0">
-            <a:spAutoFit/>
-          </a:bodyPr>
-          <a:lstStyle/>
-          <a:p>
-            <a:pPr algn="ctr"/>
-            <a:r>
-              <a:rPr lang="pl-PL" sz="2800" dirty="0"/>
-              <a:t>DHT22</a:t>
-            </a:r>
-          </a:p>
-        </p:txBody>
-      </p:sp>
-      <p:pic>
-        <p:nvPicPr>
-          <p:cNvPr id="10" name="Obraz 9" descr="DHT11 i DHT22 odczytywanie temperatury i wilgotności | Blog ...">
-            <a:extLst>
-              <a:ext uri="{FF2B5EF4-FFF2-40B4-BE49-F238E27FC236}">
-                <a16:creationId xmlns:a16="http://schemas.microsoft.com/office/drawing/2014/main" id="{9C47D12F-500E-4183-83F8-D5DFE424300D}"/>
-              </a:ext>
-            </a:extLst>
-          </p:cNvPr>
-          <p:cNvPicPr/>
-          <p:nvPr/>
-        </p:nvPicPr>
-        <p:blipFill rotWithShape="1">
-          <a:blip r:embed="rId3">
-            <a:extLst>
-              <a:ext uri="{28A0092B-C50C-407E-A947-70E740481C1C}">
-                <a14:useLocalDpi xmlns:a14="http://schemas.microsoft.com/office/drawing/2010/main" val="0"/>
-              </a:ext>
-            </a:extLst>
-          </a:blip>
-          <a:srcRect l="55886" t="17049" r="21462" b="22105"/>
-          <a:stretch/>
-        </p:blipFill>
-        <p:spPr bwMode="auto">
-          <a:xfrm rot="5400000">
-            <a:off x="4672579" y="2215248"/>
-            <a:ext cx="2186940" cy="3305175"/>
-          </a:xfrm>
-          <a:prstGeom prst="rect">
-            <a:avLst/>
-          </a:prstGeom>
-          <a:noFill/>
-          <a:ln>
-            <a:noFill/>
-          </a:ln>
-          <a:extLst>
-            <a:ext uri="{53640926-AAD7-44D8-BBD7-CCE9431645EC}">
-              <a14:shadowObscured xmlns:a14="http://schemas.microsoft.com/office/drawing/2010/main"/>
-            </a:ext>
-          </a:extLst>
-        </p:spPr>
-      </p:pic>
-      <p:pic>
-        <p:nvPicPr>
-          <p:cNvPr id="11" name="Obraz 10" descr="Sunrobotics DHT21 AM2301 Temperature Humidity Module hight quality ...">
-            <a:extLst>
-              <a:ext uri="{FF2B5EF4-FFF2-40B4-BE49-F238E27FC236}">
-                <a16:creationId xmlns:a16="http://schemas.microsoft.com/office/drawing/2014/main" id="{8AAF0C34-C010-4176-B68B-1B133759D2C9}"/>
-              </a:ext>
-            </a:extLst>
-          </p:cNvPr>
-          <p:cNvPicPr/>
-          <p:nvPr/>
-        </p:nvPicPr>
-        <p:blipFill rotWithShape="1">
-          <a:blip r:embed="rId4">
-            <a:extLst>
-              <a:ext uri="{28A0092B-C50C-407E-A947-70E740481C1C}">
-                <a14:useLocalDpi xmlns:a14="http://schemas.microsoft.com/office/drawing/2010/main" val="0"/>
-              </a:ext>
-            </a:extLst>
-          </a:blip>
-          <a:srcRect l="10400" t="12600" r="16000" b="24400"/>
-          <a:stretch/>
-        </p:blipFill>
-        <p:spPr bwMode="auto">
-          <a:xfrm>
-            <a:off x="8491887" y="2674930"/>
-            <a:ext cx="2857500" cy="2422786"/>
-          </a:xfrm>
-          <a:prstGeom prst="rect">
-            <a:avLst/>
-          </a:prstGeom>
-          <a:noFill/>
-          <a:ln>
-            <a:noFill/>
-          </a:ln>
-          <a:extLst>
-            <a:ext uri="{53640926-AAD7-44D8-BBD7-CCE9431645EC}">
-              <a14:shadowObscured xmlns:a14="http://schemas.microsoft.com/office/drawing/2010/main"/>
-            </a:ext>
-          </a:extLst>
-        </p:spPr>
-      </p:pic>
-      <p:sp>
-        <p:nvSpPr>
-          <p:cNvPr id="3" name="pole tekstowe 2">
-            <a:extLst>
-              <a:ext uri="{FF2B5EF4-FFF2-40B4-BE49-F238E27FC236}">
-                <a16:creationId xmlns:a16="http://schemas.microsoft.com/office/drawing/2014/main" id="{5F89CEB7-85C3-43F5-978F-A7C1C10CFE7E}"/>
-              </a:ext>
-            </a:extLst>
-          </p:cNvPr>
-          <p:cNvSpPr txBox="1"/>
-          <p:nvPr/>
-        </p:nvSpPr>
-        <p:spPr>
-          <a:xfrm>
-            <a:off x="8729876" y="5529368"/>
-            <a:ext cx="2381522" cy="523220"/>
-          </a:xfrm>
-          <a:prstGeom prst="rect">
-            <a:avLst/>
-          </a:prstGeom>
-          <a:noFill/>
-        </p:spPr>
-        <p:txBody>
-          <a:bodyPr wrap="square" rtlCol="0">
-            <a:spAutoFit/>
-          </a:bodyPr>
-          <a:lstStyle/>
-          <a:p>
-            <a:pPr algn="ctr"/>
-            <a:r>
-              <a:rPr lang="pl-PL" sz="2800" dirty="0"/>
-              <a:t>DHT21</a:t>
-            </a:r>
-            <a:endParaRPr lang="pl-PL" sz="2000" dirty="0"/>
           </a:p>
         </p:txBody>
       </p:sp>
     </p:spTree>
     <p:extLst>
       <p:ext uri="{BB962C8B-B14F-4D97-AF65-F5344CB8AC3E}">
-        <p14:creationId xmlns:p14="http://schemas.microsoft.com/office/powerpoint/2010/main" val="3777934071"/>
+        <p14:creationId xmlns:p14="http://schemas.microsoft.com/office/powerpoint/2010/main" val="3974088952"/>
       </p:ext>
     </p:extLst>
   </p:cSld>
@@ -8769,594 +9752,56 @@
       </p:grpSpPr>
       <p:sp>
         <p:nvSpPr>
-          <p:cNvPr id="2" name="Tytuł 1">
+          <p:cNvPr id="4" name="Prostokąt 3">
             <a:extLst>
               <a:ext uri="{FF2B5EF4-FFF2-40B4-BE49-F238E27FC236}">
-                <a16:creationId xmlns:a16="http://schemas.microsoft.com/office/drawing/2014/main" id="{9988B2A7-31B6-401F-B0DC-110EB9341C24}"/>
+                <a16:creationId xmlns:a16="http://schemas.microsoft.com/office/drawing/2014/main" id="{BF8C8F3B-C015-4A44-BA47-2F03169761BD}"/>
               </a:ext>
             </a:extLst>
           </p:cNvPr>
-          <p:cNvSpPr>
-            <a:spLocks noGrp="1"/>
-          </p:cNvSpPr>
-          <p:nvPr>
-            <p:ph type="title"/>
-          </p:nvPr>
-        </p:nvSpPr>
-        <p:spPr/>
-        <p:txBody>
-          <a:bodyPr/>
-          <a:lstStyle/>
-          <a:p>
-            <a:r>
-              <a:rPr lang="pl-PL" dirty="0"/>
-              <a:t>Wybór czujnika</a:t>
-            </a:r>
-          </a:p>
-        </p:txBody>
-      </p:sp>
-      <p:sp>
-        <p:nvSpPr>
-          <p:cNvPr id="3" name="Symbol zastępczy zawartości 2">
-            <a:extLst>
-              <a:ext uri="{FF2B5EF4-FFF2-40B4-BE49-F238E27FC236}">
-                <a16:creationId xmlns:a16="http://schemas.microsoft.com/office/drawing/2014/main" id="{A6328C50-49B5-4BA6-9969-F2AE101E02D6}"/>
-              </a:ext>
-            </a:extLst>
-          </p:cNvPr>
-          <p:cNvSpPr>
-            <a:spLocks noGrp="1"/>
-          </p:cNvSpPr>
-          <p:nvPr>
-            <p:ph idx="1"/>
-          </p:nvPr>
-        </p:nvSpPr>
-        <p:spPr>
-          <a:xfrm>
-            <a:off x="437040" y="2211038"/>
-            <a:ext cx="7104662" cy="4223318"/>
-          </a:xfrm>
-        </p:spPr>
-        <p:txBody>
-          <a:bodyPr>
-            <a:normAutofit/>
-          </a:bodyPr>
-          <a:lstStyle/>
-          <a:p>
-            <a:pPr marL="0" indent="0" algn="ctr">
-              <a:buNone/>
-            </a:pPr>
-            <a:r>
-              <a:rPr lang="pl-PL" sz="3600" dirty="0"/>
-              <a:t>DHT11</a:t>
-            </a:r>
-          </a:p>
-          <a:p>
-            <a:pPr marL="0" indent="0">
-              <a:buNone/>
-            </a:pPr>
-            <a:r>
-              <a:rPr lang="pl-PL" dirty="0"/>
-              <a:t>Jedyne parametry które mogą rozróżniać te czujniki od siebie to zakres badanej wartości, jej dokładność oraz cena. Nie posiadając dokładnych wymagań klienta, a w szczególności takich mówiących o wyżej wymienionych czynnikach, uznaliśmy, że najbardziej kluczowym parametrem będzie cena.</a:t>
-            </a:r>
-          </a:p>
-          <a:p>
-            <a:pPr marL="0" indent="0">
-              <a:buNone/>
-            </a:pPr>
-            <a:r>
-              <a:rPr lang="pl-PL" dirty="0"/>
-              <a:t>Alternatywnie można wykorzystać czujnik: DHT22</a:t>
-            </a:r>
-          </a:p>
-          <a:p>
-            <a:pPr marL="0" indent="0">
-              <a:buNone/>
-            </a:pPr>
-            <a:endParaRPr lang="pl-PL" dirty="0"/>
-          </a:p>
-        </p:txBody>
-      </p:sp>
-      <p:pic>
-        <p:nvPicPr>
-          <p:cNvPr id="4" name="Symbol zastępczy zawartości 4">
-            <a:extLst>
-              <a:ext uri="{FF2B5EF4-FFF2-40B4-BE49-F238E27FC236}">
-                <a16:creationId xmlns:a16="http://schemas.microsoft.com/office/drawing/2014/main" id="{735EE96B-DBD2-4A61-A1DD-FAA8D25429DC}"/>
-              </a:ext>
-            </a:extLst>
-          </p:cNvPr>
-          <p:cNvPicPr>
-            <a:picLocks noChangeAspect="1"/>
-          </p:cNvPicPr>
+          <p:cNvSpPr/>
           <p:nvPr/>
-        </p:nvPicPr>
-        <p:blipFill>
-          <a:blip r:embed="rId2"/>
-          <a:stretch>
-            <a:fillRect/>
-          </a:stretch>
-        </p:blipFill>
-        <p:spPr>
-          <a:xfrm>
-            <a:off x="8195315" y="2419142"/>
-            <a:ext cx="3254192" cy="3254192"/>
+        </p:nvSpPr>
+        <p:spPr>
+          <a:xfrm>
+            <a:off x="2654994" y="2852005"/>
+            <a:ext cx="6882012" cy="923330"/>
           </a:xfrm>
           <a:prstGeom prst="rect">
             <a:avLst/>
           </a:prstGeom>
-        </p:spPr>
-      </p:pic>
+          <a:noFill/>
+        </p:spPr>
+        <p:txBody>
+          <a:bodyPr wrap="none" lIns="91440" tIns="45720" rIns="91440" bIns="45720">
+            <a:spAutoFit/>
+          </a:bodyPr>
+          <a:lstStyle/>
+          <a:p>
+            <a:pPr algn="ctr"/>
+            <a:r>
+              <a:rPr lang="pl-PL" sz="5400" b="0" cap="none" spc="0" dirty="0">
+                <a:ln w="0"/>
+                <a:solidFill>
+                  <a:schemeClr val="tx1"/>
+                </a:solidFill>
+                <a:effectLst>
+                  <a:outerShdw blurRad="38100" dist="19050" dir="2700000" algn="tl" rotWithShape="0">
+                    <a:schemeClr val="dk1">
+                      <a:alpha val="40000"/>
+                    </a:schemeClr>
+                  </a:outerShdw>
+                </a:effectLst>
+              </a:rPr>
+              <a:t>Dziękujemy za uwagę</a:t>
+            </a:r>
+          </a:p>
+        </p:txBody>
+      </p:sp>
     </p:spTree>
     <p:extLst>
       <p:ext uri="{BB962C8B-B14F-4D97-AF65-F5344CB8AC3E}">
-        <p14:creationId xmlns:p14="http://schemas.microsoft.com/office/powerpoint/2010/main" val="3974088952"/>
-      </p:ext>
-    </p:extLst>
-  </p:cSld>
-  <p:clrMapOvr>
-    <a:masterClrMapping/>
-  </p:clrMapOvr>
-</p:sld>
-</file>
-
-<file path=ppt/slides/slide16.xml><?xml version="1.0" encoding="utf-8"?>
-<p:sld xmlns:a="http://schemas.openxmlformats.org/drawingml/2006/main" xmlns:r="http://schemas.openxmlformats.org/officeDocument/2006/relationships" xmlns:p="http://schemas.openxmlformats.org/presentationml/2006/main">
-  <p:cSld>
-    <p:spTree>
-      <p:nvGrpSpPr>
-        <p:cNvPr id="1" name=""/>
-        <p:cNvGrpSpPr/>
-        <p:nvPr/>
-      </p:nvGrpSpPr>
-      <p:grpSpPr>
-        <a:xfrm>
-          <a:off x="0" y="0"/>
-          <a:ext cx="0" cy="0"/>
-          <a:chOff x="0" y="0"/>
-          <a:chExt cx="0" cy="0"/>
-        </a:xfrm>
-      </p:grpSpPr>
-      <p:sp>
-        <p:nvSpPr>
-          <p:cNvPr id="2" name="Tytuł 1">
-            <a:extLst>
-              <a:ext uri="{FF2B5EF4-FFF2-40B4-BE49-F238E27FC236}">
-                <a16:creationId xmlns:a16="http://schemas.microsoft.com/office/drawing/2014/main" id="{28D30765-FF80-4C3C-AC3E-EB11DCB03C79}"/>
-              </a:ext>
-            </a:extLst>
-          </p:cNvPr>
-          <p:cNvSpPr>
-            <a:spLocks noGrp="1"/>
-          </p:cNvSpPr>
-          <p:nvPr>
-            <p:ph type="title"/>
-          </p:nvPr>
-        </p:nvSpPr>
-        <p:spPr/>
-        <p:txBody>
-          <a:bodyPr/>
-          <a:lstStyle/>
-          <a:p>
-            <a:r>
-              <a:rPr lang="pl-PL" dirty="0"/>
-              <a:t>Aplikacja Desktopowa</a:t>
-            </a:r>
-          </a:p>
-        </p:txBody>
-      </p:sp>
-      <p:sp>
-        <p:nvSpPr>
-          <p:cNvPr id="3" name="Symbol zastępczy zawartości 2">
-            <a:extLst>
-              <a:ext uri="{FF2B5EF4-FFF2-40B4-BE49-F238E27FC236}">
-                <a16:creationId xmlns:a16="http://schemas.microsoft.com/office/drawing/2014/main" id="{79FBE106-86F7-412D-8AF1-526716ABE63B}"/>
-              </a:ext>
-            </a:extLst>
-          </p:cNvPr>
-          <p:cNvSpPr>
-            <a:spLocks noGrp="1"/>
-          </p:cNvSpPr>
-          <p:nvPr>
-            <p:ph idx="1"/>
-          </p:nvPr>
-        </p:nvSpPr>
-        <p:spPr/>
-        <p:txBody>
-          <a:bodyPr/>
-          <a:lstStyle/>
-          <a:p>
-            <a:pPr marL="0" indent="0">
-              <a:buNone/>
-            </a:pPr>
-            <a:r>
-              <a:rPr lang="pl-PL" dirty="0"/>
-              <a:t>Wymagania:</a:t>
-            </a:r>
-          </a:p>
-          <a:p>
-            <a:r>
-              <a:rPr lang="pl-PL" dirty="0"/>
-              <a:t>Wsparcie </a:t>
-            </a:r>
-            <a:r>
-              <a:rPr lang="pl-PL" dirty="0" err="1"/>
-              <a:t>Qt</a:t>
-            </a:r>
-            <a:r>
-              <a:rPr lang="pl-PL" dirty="0"/>
-              <a:t> w wersji minimum 5.8.</a:t>
-            </a:r>
-          </a:p>
-          <a:p>
-            <a:r>
-              <a:rPr lang="pl-PL" dirty="0"/>
-              <a:t>Możliwość odczytywania danych z podłączonych czujników.</a:t>
-            </a:r>
-          </a:p>
-          <a:p>
-            <a:r>
-              <a:rPr lang="pl-PL" dirty="0"/>
-              <a:t>Możliwość nazywania podłączonych urządzeń </a:t>
-            </a:r>
-            <a:r>
-              <a:rPr lang="pl-PL" dirty="0" err="1"/>
-              <a:t>np</a:t>
-            </a:r>
-            <a:r>
-              <a:rPr lang="pl-PL" dirty="0"/>
-              <a:t>: temepatura-hala1.</a:t>
-            </a:r>
-          </a:p>
-          <a:p>
-            <a:r>
-              <a:rPr lang="pl-PL" dirty="0"/>
-              <a:t>Możliwość dodawania i usuwania połączonych urządzeń.</a:t>
-            </a:r>
-          </a:p>
-          <a:p>
-            <a:r>
-              <a:rPr lang="pl-PL" dirty="0"/>
-              <a:t>Tryb administratora umożliwiający testowanie systemu.</a:t>
-            </a:r>
-          </a:p>
-          <a:p>
-            <a:pPr marL="0" indent="0">
-              <a:buNone/>
-            </a:pPr>
-            <a:endParaRPr lang="pl-PL" dirty="0"/>
-          </a:p>
-        </p:txBody>
-      </p:sp>
-    </p:spTree>
-    <p:extLst>
-      <p:ext uri="{BB962C8B-B14F-4D97-AF65-F5344CB8AC3E}">
-        <p14:creationId xmlns:p14="http://schemas.microsoft.com/office/powerpoint/2010/main" val="3946150921"/>
-      </p:ext>
-    </p:extLst>
-  </p:cSld>
-  <p:clrMapOvr>
-    <a:masterClrMapping/>
-  </p:clrMapOvr>
-</p:sld>
-</file>
-
-<file path=ppt/slides/slide17.xml><?xml version="1.0" encoding="utf-8"?>
-<p:sld xmlns:a="http://schemas.openxmlformats.org/drawingml/2006/main" xmlns:r="http://schemas.openxmlformats.org/officeDocument/2006/relationships" xmlns:p="http://schemas.openxmlformats.org/presentationml/2006/main">
-  <p:cSld>
-    <p:spTree>
-      <p:nvGrpSpPr>
-        <p:cNvPr id="1" name=""/>
-        <p:cNvGrpSpPr/>
-        <p:nvPr/>
-      </p:nvGrpSpPr>
-      <p:grpSpPr>
-        <a:xfrm>
-          <a:off x="0" y="0"/>
-          <a:ext cx="0" cy="0"/>
-          <a:chOff x="0" y="0"/>
-          <a:chExt cx="0" cy="0"/>
-        </a:xfrm>
-      </p:grpSpPr>
-      <p:sp>
-        <p:nvSpPr>
-          <p:cNvPr id="2" name="Tytuł 1">
-            <a:extLst>
-              <a:ext uri="{FF2B5EF4-FFF2-40B4-BE49-F238E27FC236}">
-                <a16:creationId xmlns:a16="http://schemas.microsoft.com/office/drawing/2014/main" id="{1A7B8F4B-9F20-45EE-A788-685583AFFDCB}"/>
-              </a:ext>
-            </a:extLst>
-          </p:cNvPr>
-          <p:cNvSpPr>
-            <a:spLocks noGrp="1"/>
-          </p:cNvSpPr>
-          <p:nvPr>
-            <p:ph type="title"/>
-          </p:nvPr>
-        </p:nvSpPr>
-        <p:spPr/>
-        <p:txBody>
-          <a:bodyPr/>
-          <a:lstStyle/>
-          <a:p>
-            <a:r>
-              <a:rPr lang="pl-PL" dirty="0"/>
-              <a:t>Prototyp interfejsu</a:t>
-            </a:r>
-          </a:p>
-        </p:txBody>
-      </p:sp>
-      <p:pic>
-        <p:nvPicPr>
-          <p:cNvPr id="5" name="Symbol zastępczy zawartości 4" descr="Obraz zawierający zrzut ekranu&#10;&#10;Opis wygenerowany automatycznie">
-            <a:extLst>
-              <a:ext uri="{FF2B5EF4-FFF2-40B4-BE49-F238E27FC236}">
-                <a16:creationId xmlns:a16="http://schemas.microsoft.com/office/drawing/2014/main" id="{6976626B-4FFF-43FD-8F10-FEA1727039F9}"/>
-              </a:ext>
-            </a:extLst>
-          </p:cNvPr>
-          <p:cNvPicPr>
-            <a:picLocks noGrp="1" noChangeAspect="1"/>
-          </p:cNvPicPr>
-          <p:nvPr>
-            <p:ph idx="1"/>
-          </p:nvPr>
-        </p:nvPicPr>
-        <p:blipFill>
-          <a:blip r:embed="rId2"/>
-          <a:stretch>
-            <a:fillRect/>
-          </a:stretch>
-        </p:blipFill>
-        <p:spPr>
-          <a:xfrm>
-            <a:off x="2297041" y="2151974"/>
-            <a:ext cx="7597917" cy="4271743"/>
-          </a:xfrm>
-        </p:spPr>
-      </p:pic>
-    </p:spTree>
-    <p:extLst>
-      <p:ext uri="{BB962C8B-B14F-4D97-AF65-F5344CB8AC3E}">
-        <p14:creationId xmlns:p14="http://schemas.microsoft.com/office/powerpoint/2010/main" val="4238017757"/>
-      </p:ext>
-    </p:extLst>
-  </p:cSld>
-  <p:clrMapOvr>
-    <a:masterClrMapping/>
-  </p:clrMapOvr>
-</p:sld>
-</file>
-
-<file path=ppt/slides/slide18.xml><?xml version="1.0" encoding="utf-8"?>
-<p:sld xmlns:a="http://schemas.openxmlformats.org/drawingml/2006/main" xmlns:r="http://schemas.openxmlformats.org/officeDocument/2006/relationships" xmlns:p="http://schemas.openxmlformats.org/presentationml/2006/main">
-  <p:cSld>
-    <p:spTree>
-      <p:nvGrpSpPr>
-        <p:cNvPr id="1" name=""/>
-        <p:cNvGrpSpPr/>
-        <p:nvPr/>
-      </p:nvGrpSpPr>
-      <p:grpSpPr>
-        <a:xfrm>
-          <a:off x="0" y="0"/>
-          <a:ext cx="0" cy="0"/>
-          <a:chOff x="0" y="0"/>
-          <a:chExt cx="0" cy="0"/>
-        </a:xfrm>
-      </p:grpSpPr>
-      <p:sp>
-        <p:nvSpPr>
-          <p:cNvPr id="2" name="Tytuł 1">
-            <a:extLst>
-              <a:ext uri="{FF2B5EF4-FFF2-40B4-BE49-F238E27FC236}">
-                <a16:creationId xmlns:a16="http://schemas.microsoft.com/office/drawing/2014/main" id="{274E6FB1-798D-4982-9AB0-9CF816854144}"/>
-              </a:ext>
-            </a:extLst>
-          </p:cNvPr>
-          <p:cNvSpPr>
-            <a:spLocks noGrp="1"/>
-          </p:cNvSpPr>
-          <p:nvPr>
-            <p:ph type="title"/>
-          </p:nvPr>
-        </p:nvSpPr>
-        <p:spPr/>
-        <p:txBody>
-          <a:bodyPr/>
-          <a:lstStyle/>
-          <a:p>
-            <a:r>
-              <a:rPr lang="pl-PL" dirty="0"/>
-              <a:t>Gotowy interfejs</a:t>
-            </a:r>
-          </a:p>
-        </p:txBody>
-      </p:sp>
-      <p:pic>
-        <p:nvPicPr>
-          <p:cNvPr id="5" name="Symbol zastępczy zawartości 4" descr="Obraz zawierający zrzut ekranu, monitor, ekran, komputer&#10;&#10;Opis wygenerowany automatycznie">
-            <a:extLst>
-              <a:ext uri="{FF2B5EF4-FFF2-40B4-BE49-F238E27FC236}">
-                <a16:creationId xmlns:a16="http://schemas.microsoft.com/office/drawing/2014/main" id="{316519A3-A569-472A-9E65-0DEF9D67F822}"/>
-              </a:ext>
-            </a:extLst>
-          </p:cNvPr>
-          <p:cNvPicPr>
-            <a:picLocks noGrp="1" noChangeAspect="1"/>
-          </p:cNvPicPr>
-          <p:nvPr>
-            <p:ph idx="1"/>
-          </p:nvPr>
-        </p:nvPicPr>
-        <p:blipFill>
-          <a:blip r:embed="rId2"/>
-          <a:stretch>
-            <a:fillRect/>
-          </a:stretch>
-        </p:blipFill>
-        <p:spPr>
-          <a:xfrm>
-            <a:off x="1030056" y="2421030"/>
-            <a:ext cx="4596342" cy="3598863"/>
-          </a:xfrm>
-        </p:spPr>
-      </p:pic>
-      <p:pic>
-        <p:nvPicPr>
-          <p:cNvPr id="7" name="Obraz 6" descr="Obraz zawierający zrzut ekranu, monitor, ekran, telewizja&#10;&#10;Opis wygenerowany automatycznie">
-            <a:extLst>
-              <a:ext uri="{FF2B5EF4-FFF2-40B4-BE49-F238E27FC236}">
-                <a16:creationId xmlns:a16="http://schemas.microsoft.com/office/drawing/2014/main" id="{3E76DD78-3F57-4066-8085-C7FF89B4961B}"/>
-              </a:ext>
-            </a:extLst>
-          </p:cNvPr>
-          <p:cNvPicPr>
-            <a:picLocks noChangeAspect="1"/>
-          </p:cNvPicPr>
-          <p:nvPr/>
-        </p:nvPicPr>
-        <p:blipFill>
-          <a:blip r:embed="rId3"/>
-          <a:stretch>
-            <a:fillRect/>
-          </a:stretch>
-        </p:blipFill>
-        <p:spPr>
-          <a:xfrm>
-            <a:off x="6704751" y="2421031"/>
-            <a:ext cx="4555165" cy="3598863"/>
-          </a:xfrm>
-          <a:prstGeom prst="rect">
-            <a:avLst/>
-          </a:prstGeom>
-        </p:spPr>
-      </p:pic>
-    </p:spTree>
-    <p:extLst>
-      <p:ext uri="{BB962C8B-B14F-4D97-AF65-F5344CB8AC3E}">
-        <p14:creationId xmlns:p14="http://schemas.microsoft.com/office/powerpoint/2010/main" val="3513395958"/>
-      </p:ext>
-    </p:extLst>
-  </p:cSld>
-  <p:clrMapOvr>
-    <a:masterClrMapping/>
-  </p:clrMapOvr>
-</p:sld>
-</file>
-
-<file path=ppt/slides/slide19.xml><?xml version="1.0" encoding="utf-8"?>
-<p:sld xmlns:a="http://schemas.openxmlformats.org/drawingml/2006/main" xmlns:r="http://schemas.openxmlformats.org/officeDocument/2006/relationships" xmlns:p="http://schemas.openxmlformats.org/presentationml/2006/main">
-  <p:cSld>
-    <p:spTree>
-      <p:nvGrpSpPr>
-        <p:cNvPr id="1" name=""/>
-        <p:cNvGrpSpPr/>
-        <p:nvPr/>
-      </p:nvGrpSpPr>
-      <p:grpSpPr>
-        <a:xfrm>
-          <a:off x="0" y="0"/>
-          <a:ext cx="0" cy="0"/>
-          <a:chOff x="0" y="0"/>
-          <a:chExt cx="0" cy="0"/>
-        </a:xfrm>
-      </p:grpSpPr>
-      <p:sp>
-        <p:nvSpPr>
-          <p:cNvPr id="2" name="Tytuł 1">
-            <a:extLst>
-              <a:ext uri="{FF2B5EF4-FFF2-40B4-BE49-F238E27FC236}">
-                <a16:creationId xmlns:a16="http://schemas.microsoft.com/office/drawing/2014/main" id="{22502E1B-1BC5-44F6-9229-82C5E990E8E1}"/>
-              </a:ext>
-            </a:extLst>
-          </p:cNvPr>
-          <p:cNvSpPr>
-            <a:spLocks noGrp="1"/>
-          </p:cNvSpPr>
-          <p:nvPr>
-            <p:ph type="title"/>
-          </p:nvPr>
-        </p:nvSpPr>
-        <p:spPr/>
-        <p:txBody>
-          <a:bodyPr/>
-          <a:lstStyle/>
-          <a:p>
-            <a:r>
-              <a:rPr lang="pl-PL" dirty="0"/>
-              <a:t>Aplikacja na system Android</a:t>
-            </a:r>
-          </a:p>
-        </p:txBody>
-      </p:sp>
-      <p:sp>
-        <p:nvSpPr>
-          <p:cNvPr id="3" name="Symbol zastępczy zawartości 2">
-            <a:extLst>
-              <a:ext uri="{FF2B5EF4-FFF2-40B4-BE49-F238E27FC236}">
-                <a16:creationId xmlns:a16="http://schemas.microsoft.com/office/drawing/2014/main" id="{C217CC8C-EB11-4D99-AA55-57868CAECC7C}"/>
-              </a:ext>
-            </a:extLst>
-          </p:cNvPr>
-          <p:cNvSpPr>
-            <a:spLocks noGrp="1"/>
-          </p:cNvSpPr>
-          <p:nvPr>
-            <p:ph idx="1"/>
-          </p:nvPr>
-        </p:nvSpPr>
-        <p:spPr/>
-        <p:txBody>
-          <a:bodyPr/>
-          <a:lstStyle/>
-          <a:p>
-            <a:pPr marL="0" indent="0">
-              <a:buNone/>
-            </a:pPr>
-            <a:r>
-              <a:rPr lang="pl-PL" dirty="0"/>
-              <a:t>Aplikacja posiada tą samą funkcjonalność jak wersja na system Linux.</a:t>
-            </a:r>
-          </a:p>
-          <a:p>
-            <a:pPr marL="0" indent="0">
-              <a:buNone/>
-            </a:pPr>
-            <a:r>
-              <a:rPr lang="pl-PL" dirty="0"/>
-              <a:t>Wsparcie:</a:t>
-            </a:r>
-          </a:p>
-          <a:p>
-            <a:r>
-              <a:rPr lang="pl-PL" dirty="0"/>
-              <a:t>Wymagany android od wersji 7 w wzwyż. (Powyżej API 24)</a:t>
-            </a:r>
-          </a:p>
-          <a:p>
-            <a:r>
-              <a:rPr lang="pl-PL" dirty="0"/>
-              <a:t>Urządzenie musi posiadać możliwość podłączenia do sieci (poprzez </a:t>
-            </a:r>
-            <a:r>
-              <a:rPr lang="pl-PL" dirty="0" err="1"/>
-              <a:t>WiFi</a:t>
-            </a:r>
-            <a:r>
-              <a:rPr lang="pl-PL" dirty="0"/>
-              <a:t> lub kablem Ethernet)</a:t>
-            </a:r>
-          </a:p>
-          <a:p>
-            <a:endParaRPr lang="pl-PL" dirty="0"/>
-          </a:p>
-        </p:txBody>
-      </p:sp>
-    </p:spTree>
-    <p:extLst>
-      <p:ext uri="{BB962C8B-B14F-4D97-AF65-F5344CB8AC3E}">
-        <p14:creationId xmlns:p14="http://schemas.microsoft.com/office/powerpoint/2010/main" val="2648048728"/>
+        <p14:creationId xmlns:p14="http://schemas.microsoft.com/office/powerpoint/2010/main" val="2285759344"/>
       </p:ext>
     </p:extLst>
   </p:cSld>
@@ -9406,77 +9851,207 @@
           <a:p>
             <a:r>
               <a:rPr lang="pl-PL" dirty="0"/>
-              <a:t>Członkowie grupy projektowej</a:t>
-            </a:r>
-          </a:p>
-        </p:txBody>
-      </p:sp>
-      <p:sp>
-        <p:nvSpPr>
-          <p:cNvPr id="3" name="Symbol zastępczy zawartości 2">
+              <a:t>Grupa Projektowa</a:t>
+            </a:r>
+          </a:p>
+        </p:txBody>
+      </p:sp>
+      <p:pic>
+        <p:nvPicPr>
+          <p:cNvPr id="5" name="Symbol zastępczy zawartości 4" descr="Obraz zawierający osoba, wewnątrz, mężczyzna, trzymający&#10;&#10;Opis wygenerowany automatycznie">
             <a:extLst>
               <a:ext uri="{FF2B5EF4-FFF2-40B4-BE49-F238E27FC236}">
-                <a16:creationId xmlns:a16="http://schemas.microsoft.com/office/drawing/2014/main" id="{C52B6283-1560-4605-982E-3604E8D627F7}"/>
+                <a16:creationId xmlns:a16="http://schemas.microsoft.com/office/drawing/2014/main" id="{4FD64394-73B5-44E4-9F2B-543B1E1BB9B8}"/>
               </a:ext>
             </a:extLst>
           </p:cNvPr>
-          <p:cNvSpPr>
-            <a:spLocks noGrp="1"/>
-          </p:cNvSpPr>
+          <p:cNvPicPr>
+            <a:picLocks noGrp="1" noChangeAspect="1"/>
+          </p:cNvPicPr>
           <p:nvPr>
             <p:ph idx="1"/>
           </p:nvPr>
-        </p:nvSpPr>
-        <p:spPr/>
-        <p:txBody>
-          <a:bodyPr>
-            <a:normAutofit fontScale="92500" lnSpcReduction="10000"/>
+        </p:nvPicPr>
+        <p:blipFill>
+          <a:blip r:embed="rId2"/>
+          <a:stretch>
+            <a:fillRect/>
+          </a:stretch>
+        </p:blipFill>
+        <p:spPr>
+          <a:xfrm rot="5400000">
+            <a:off x="67336" y="2744813"/>
+            <a:ext cx="2603433" cy="1954611"/>
+          </a:xfrm>
+        </p:spPr>
+      </p:pic>
+      <p:pic>
+        <p:nvPicPr>
+          <p:cNvPr id="7" name="Obraz 6" descr="Obraz zawierający osoba, mężczyzna, wewnątrz, siedzi&#10;&#10;Opis wygenerowany automatycznie">
+            <a:extLst>
+              <a:ext uri="{FF2B5EF4-FFF2-40B4-BE49-F238E27FC236}">
+                <a16:creationId xmlns:a16="http://schemas.microsoft.com/office/drawing/2014/main" id="{0843BC53-2BD9-41A7-B0D4-5CB8FEF8F2C0}"/>
+              </a:ext>
+            </a:extLst>
+          </p:cNvPr>
+          <p:cNvPicPr>
+            <a:picLocks noChangeAspect="1"/>
+          </p:cNvPicPr>
+          <p:nvPr/>
+        </p:nvPicPr>
+        <p:blipFill>
+          <a:blip r:embed="rId3"/>
+          <a:stretch>
+            <a:fillRect/>
+          </a:stretch>
+        </p:blipFill>
+        <p:spPr>
+          <a:xfrm>
+            <a:off x="2555628" y="2420402"/>
+            <a:ext cx="2762264" cy="2603433"/>
+          </a:xfrm>
+          <a:prstGeom prst="rect">
+            <a:avLst/>
+          </a:prstGeom>
+        </p:spPr>
+      </p:pic>
+      <p:pic>
+        <p:nvPicPr>
+          <p:cNvPr id="2050" name="Picture 2">
+            <a:extLst>
+              <a:ext uri="{FF2B5EF4-FFF2-40B4-BE49-F238E27FC236}">
+                <a16:creationId xmlns:a16="http://schemas.microsoft.com/office/drawing/2014/main" id="{594319ED-C00E-453D-81CD-C19BA90F06DD}"/>
+              </a:ext>
+            </a:extLst>
+          </p:cNvPr>
+          <p:cNvPicPr>
+            <a:picLocks noChangeAspect="1" noChangeArrowheads="1"/>
+          </p:cNvPicPr>
+          <p:nvPr/>
+        </p:nvPicPr>
+        <p:blipFill>
+          <a:blip r:embed="rId4">
+            <a:extLst>
+              <a:ext uri="{28A0092B-C50C-407E-A947-70E740481C1C}">
+                <a14:useLocalDpi xmlns:a14="http://schemas.microsoft.com/office/drawing/2010/main" val="0"/>
+              </a:ext>
+            </a:extLst>
+          </a:blip>
+          <a:srcRect/>
+          <a:stretch>
+            <a:fillRect/>
+          </a:stretch>
+        </p:blipFill>
+        <p:spPr bwMode="auto">
+          <a:xfrm>
+            <a:off x="5483542" y="2420402"/>
+            <a:ext cx="2025980" cy="2603433"/>
+          </a:xfrm>
+          <a:prstGeom prst="rect">
+            <a:avLst/>
+          </a:prstGeom>
+          <a:noFill/>
+          <a:extLst>
+            <a:ext uri="{909E8E84-426E-40DD-AFC4-6F175D3DCCD1}">
+              <a14:hiddenFill xmlns:a14="http://schemas.microsoft.com/office/drawing/2010/main">
+                <a:solidFill>
+                  <a:srgbClr val="FFFFFF"/>
+                </a:solidFill>
+              </a14:hiddenFill>
+            </a:ext>
+          </a:extLst>
+        </p:spPr>
+      </p:pic>
+      <p:sp>
+        <p:nvSpPr>
+          <p:cNvPr id="8" name="pole tekstowe 7">
+            <a:extLst>
+              <a:ext uri="{FF2B5EF4-FFF2-40B4-BE49-F238E27FC236}">
+                <a16:creationId xmlns:a16="http://schemas.microsoft.com/office/drawing/2014/main" id="{10D9EB90-ED71-400C-AD3D-96DBCA4D6307}"/>
+              </a:ext>
+            </a:extLst>
+          </p:cNvPr>
+          <p:cNvSpPr txBox="1"/>
+          <p:nvPr/>
+        </p:nvSpPr>
+        <p:spPr>
+          <a:xfrm>
+            <a:off x="391747" y="5362514"/>
+            <a:ext cx="11296669" cy="369332"/>
+          </a:xfrm>
+          <a:prstGeom prst="rect">
+            <a:avLst/>
+          </a:prstGeom>
+          <a:noFill/>
+        </p:spPr>
+        <p:txBody>
+          <a:bodyPr wrap="square" rtlCol="0">
+            <a:spAutoFit/>
           </a:bodyPr>
           <a:lstStyle/>
           <a:p>
             <a:r>
-              <a:rPr lang="pl-PL" sz="3200" dirty="0"/>
-              <a:t>Adam Krizar: Dokumentacja, prezentacja, Interfejs Android oraz Linux oraz zarządzanie zespołem.</a:t>
-            </a:r>
-          </a:p>
-          <a:p>
-            <a:r>
-              <a:rPr lang="pl-PL" sz="3200" dirty="0"/>
-              <a:t>Katarzyna Czajkowska: Kontrola dokumentacji, interfejs aplikacji Linux oraz obsługa protokołu MQTT.</a:t>
-            </a:r>
-          </a:p>
-          <a:p>
-            <a:r>
-              <a:rPr lang="pl-PL" sz="3200" dirty="0"/>
-              <a:t>Mateusz </a:t>
-            </a:r>
-            <a:r>
-              <a:rPr lang="pl-PL" sz="3200" dirty="0" err="1"/>
+              <a:rPr lang="pl-PL" dirty="0"/>
+              <a:t>   Adam Krizar	     	    Arkadiusz Cichy	   Katarzyna Czajkowska      Mateusz </a:t>
+            </a:r>
+            <a:r>
+              <a:rPr lang="pl-PL" dirty="0" err="1"/>
               <a:t>Gurski</a:t>
             </a:r>
             <a:r>
-              <a:rPr lang="pl-PL" sz="3200" dirty="0"/>
-              <a:t>: Obsługa protokołu HTTP, </a:t>
-            </a:r>
-            <a:r>
-              <a:rPr lang="pl-PL" sz="3200" dirty="0" err="1"/>
-              <a:t>aplikacjka</a:t>
-            </a:r>
-            <a:r>
-              <a:rPr lang="pl-PL" sz="3200" dirty="0"/>
-              <a:t> Linux i aplikacja android oraz oprogramowanie urządzeń </a:t>
-            </a:r>
-            <a:r>
-              <a:rPr lang="pl-PL" sz="3200" dirty="0" err="1"/>
-              <a:t>IoT</a:t>
-            </a:r>
-            <a:r>
-              <a:rPr lang="pl-PL" sz="3200" dirty="0"/>
-              <a:t>.</a:t>
-            </a:r>
-          </a:p>
-        </p:txBody>
-      </p:sp>
+              <a:rPr lang="pl-PL" dirty="0"/>
+              <a:t>		 Szymon Cichy</a:t>
+            </a:r>
+          </a:p>
+        </p:txBody>
+      </p:sp>
+      <p:pic>
+        <p:nvPicPr>
+          <p:cNvPr id="1026" name="Picture 2">
+            <a:extLst>
+              <a:ext uri="{FF2B5EF4-FFF2-40B4-BE49-F238E27FC236}">
+                <a16:creationId xmlns:a16="http://schemas.microsoft.com/office/drawing/2014/main" id="{5A7B124B-25C3-4D24-9230-07CD5934FEBF}"/>
+              </a:ext>
+            </a:extLst>
+          </p:cNvPr>
+          <p:cNvPicPr>
+            <a:picLocks noChangeAspect="1" noChangeArrowheads="1"/>
+          </p:cNvPicPr>
+          <p:nvPr/>
+        </p:nvPicPr>
+        <p:blipFill>
+          <a:blip r:embed="rId5">
+            <a:extLst>
+              <a:ext uri="{28A0092B-C50C-407E-A947-70E740481C1C}">
+                <a14:useLocalDpi xmlns:a14="http://schemas.microsoft.com/office/drawing/2010/main" val="0"/>
+              </a:ext>
+            </a:extLst>
+          </a:blip>
+          <a:srcRect/>
+          <a:stretch>
+            <a:fillRect/>
+          </a:stretch>
+        </p:blipFill>
+        <p:spPr bwMode="auto">
+          <a:xfrm>
+            <a:off x="7778427" y="2420401"/>
+            <a:ext cx="2082746" cy="2603433"/>
+          </a:xfrm>
+          <a:prstGeom prst="rect">
+            <a:avLst/>
+          </a:prstGeom>
+          <a:noFill/>
+          <a:extLst>
+            <a:ext uri="{909E8E84-426E-40DD-AFC4-6F175D3DCCD1}">
+              <a14:hiddenFill xmlns:a14="http://schemas.microsoft.com/office/drawing/2010/main">
+                <a:solidFill>
+                  <a:srgbClr val="FFFFFF"/>
+                </a:solidFill>
+              </a14:hiddenFill>
+            </a:ext>
+          </a:extLst>
+        </p:spPr>
+      </p:pic>
     </p:spTree>
     <p:extLst>
       <p:ext uri="{BB962C8B-B14F-4D97-AF65-F5344CB8AC3E}">
@@ -9490,9 +10065,44 @@
 </p:sld>
 </file>
 
-<file path=ppt/slides/slide20.xml><?xml version="1.0" encoding="utf-8"?>
+<file path=ppt/slides/slide3.xml><?xml version="1.0" encoding="utf-8"?>
 <p:sld xmlns:a="http://schemas.openxmlformats.org/drawingml/2006/main" xmlns:r="http://schemas.openxmlformats.org/officeDocument/2006/relationships" xmlns:p="http://schemas.openxmlformats.org/presentationml/2006/main">
   <p:cSld>
+    <p:bg>
+      <p:bgPr>
+        <a:gradFill rotWithShape="1">
+          <a:gsLst>
+            <a:gs pos="0">
+              <a:schemeClr val="bg2">
+                <a:tint val="96000"/>
+                <a:shade val="100000"/>
+                <a:hueMod val="270000"/>
+                <a:satMod val="200000"/>
+                <a:lumMod val="128000"/>
+              </a:schemeClr>
+            </a:gs>
+            <a:gs pos="50000">
+              <a:schemeClr val="bg2">
+                <a:shade val="100000"/>
+                <a:hueMod val="100000"/>
+                <a:satMod val="110000"/>
+                <a:lumMod val="130000"/>
+              </a:schemeClr>
+            </a:gs>
+            <a:gs pos="100000">
+              <a:schemeClr val="bg2">
+                <a:shade val="78000"/>
+                <a:hueMod val="44000"/>
+                <a:satMod val="200000"/>
+                <a:lumMod val="69000"/>
+              </a:schemeClr>
+            </a:gs>
+          </a:gsLst>
+          <a:lin ang="2520000" scaled="0"/>
+        </a:gradFill>
+        <a:effectLst/>
+      </p:bgPr>
+    </p:bg>
     <p:spTree>
       <p:nvGrpSpPr>
         <p:cNvPr id="1" name=""/>
@@ -9507,134 +10117,281 @@
           <a:chExt cx="0" cy="0"/>
         </a:xfrm>
       </p:grpSpPr>
-      <p:sp>
-        <p:nvSpPr>
-          <p:cNvPr id="2" name="Tytuł 1">
+      <p:sp useBgFill="1">
+        <p:nvSpPr>
+          <p:cNvPr id="8" name="Rectangle 7">
             <a:extLst>
               <a:ext uri="{FF2B5EF4-FFF2-40B4-BE49-F238E27FC236}">
-                <a16:creationId xmlns:a16="http://schemas.microsoft.com/office/drawing/2014/main" id="{C420F8B4-77AC-4DCF-A0CE-924E13925BC3}"/>
+                <a16:creationId xmlns:a16="http://schemas.microsoft.com/office/drawing/2014/main" id="{4B0FA309-807F-4C17-98EF-A3BA7388E213}"/>
+              </a:ext>
+              <a:ext uri="{C183D7F6-B498-43B3-948B-1728B52AA6E4}">
+                <adec:decorative xmlns:adec="http://schemas.microsoft.com/office/drawing/2017/decorative" val="1"/>
               </a:ext>
             </a:extLst>
           </p:cNvPr>
           <p:cNvSpPr>
-            <a:spLocks noGrp="1"/>
-          </p:cNvSpPr>
-          <p:nvPr>
-            <p:ph type="title"/>
-          </p:nvPr>
-        </p:nvSpPr>
-        <p:spPr/>
-        <p:txBody>
-          <a:bodyPr/>
+            <a:spLocks noGrp="1" noRot="1" noChangeAspect="1" noMove="1" noResize="1" noEditPoints="1" noAdjustHandles="1" noChangeArrowheads="1" noChangeShapeType="1" noTextEdit="1"/>
+          </p:cNvSpPr>
+          <p:nvPr>
+            <p:extLst>
+              <p:ext uri="{386F3935-93C4-4BCD-93E2-E3B085C9AB24}">
+                <p16:designElem xmlns:p16="http://schemas.microsoft.com/office/powerpoint/2015/main" val="1"/>
+              </p:ext>
+            </p:extLst>
+          </p:nvPr>
+        </p:nvSpPr>
+        <p:spPr>
+          <a:xfrm>
+            <a:off x="0" y="0"/>
+            <a:ext cx="12188824" cy="6858000"/>
+          </a:xfrm>
+          <a:prstGeom prst="rect">
+            <a:avLst/>
+          </a:prstGeom>
+          <a:ln>
+            <a:noFill/>
+          </a:ln>
+        </p:spPr>
+        <p:style>
+          <a:lnRef idx="2">
+            <a:schemeClr val="accent1">
+              <a:shade val="50000"/>
+            </a:schemeClr>
+          </a:lnRef>
+          <a:fillRef idx="1">
+            <a:schemeClr val="accent1"/>
+          </a:fillRef>
+          <a:effectRef idx="0">
+            <a:schemeClr val="accent1"/>
+          </a:effectRef>
+          <a:fontRef idx="minor">
+            <a:schemeClr val="lt1"/>
+          </a:fontRef>
+        </p:style>
+        <p:txBody>
+          <a:bodyPr rtlCol="0" anchor="ctr"/>
           <a:lstStyle/>
           <a:p>
-            <a:r>
-              <a:rPr lang="pl-PL" dirty="0"/>
-              <a:t>Prototyp </a:t>
-            </a:r>
-            <a:r>
-              <a:rPr lang="pl-PL" dirty="0" err="1"/>
-              <a:t>intefejsu</a:t>
-            </a:r>
-            <a:endParaRPr lang="pl-PL" dirty="0"/>
+            <a:pPr algn="ctr"/>
+            <a:endParaRPr lang="en-US"/>
           </a:p>
         </p:txBody>
       </p:sp>
       <p:pic>
         <p:nvPicPr>
-          <p:cNvPr id="5" name="Symbol zastępczy zawartości 4">
+          <p:cNvPr id="10" name="Picture 9">
             <a:extLst>
               <a:ext uri="{FF2B5EF4-FFF2-40B4-BE49-F238E27FC236}">
-                <a16:creationId xmlns:a16="http://schemas.microsoft.com/office/drawing/2014/main" id="{34C26BD5-5A6A-4010-AF55-9329E67601EB}"/>
+                <a16:creationId xmlns:a16="http://schemas.microsoft.com/office/drawing/2014/main" id="{2642A87B-CAE9-4F8F-B293-28388E45D9EE}"/>
+              </a:ext>
+              <a:ext uri="{C183D7F6-B498-43B3-948B-1728B52AA6E4}">
+                <adec:decorative xmlns:adec="http://schemas.microsoft.com/office/drawing/2017/decorative" val="1"/>
               </a:ext>
             </a:extLst>
           </p:cNvPr>
           <p:cNvPicPr>
-            <a:picLocks noGrp="1" noChangeAspect="1"/>
+            <a:picLocks noGrp="1" noRot="1" noChangeAspect="1" noMove="1" noResize="1" noEditPoints="1" noAdjustHandles="1" noChangeArrowheads="1" noChangeShapeType="1" noCrop="1"/>
           </p:cNvPicPr>
           <p:nvPr>
-            <p:ph idx="1"/>
+            <p:extLst>
+              <p:ext uri="{386F3935-93C4-4BCD-93E2-E3B085C9AB24}">
+                <p16:designElem xmlns:p16="http://schemas.microsoft.com/office/powerpoint/2015/main" val="1"/>
+              </p:ext>
+            </p:extLst>
           </p:nvPr>
         </p:nvPicPr>
         <p:blipFill>
-          <a:blip r:embed="rId2"/>
+          <a:blip r:embed="rId2">
+            <a:alphaModFix amt="10000"/>
+            <a:extLst>
+              <a:ext uri="{28A0092B-C50C-407E-A947-70E740481C1C}">
+                <a14:useLocalDpi xmlns:a14="http://schemas.microsoft.com/office/drawing/2010/main" val="0"/>
+              </a:ext>
+            </a:extLst>
+          </a:blip>
           <a:stretch>
             <a:fillRect/>
           </a:stretch>
         </p:blipFill>
         <p:spPr>
           <a:xfrm>
-            <a:off x="2474368" y="2170022"/>
-            <a:ext cx="2425623" cy="4246685"/>
-          </a:xfrm>
+            <a:off x="0" y="0"/>
+            <a:ext cx="12192000" cy="6858000"/>
+          </a:xfrm>
+          <a:prstGeom prst="rect">
+            <a:avLst/>
+          </a:prstGeom>
         </p:spPr>
       </p:pic>
+      <p:sp>
+        <p:nvSpPr>
+          <p:cNvPr id="12" name="Rectangle 11">
+            <a:extLst>
+              <a:ext uri="{FF2B5EF4-FFF2-40B4-BE49-F238E27FC236}">
+                <a16:creationId xmlns:a16="http://schemas.microsoft.com/office/drawing/2014/main" id="{C8FA1749-B91A-40E7-AD01-0B9C9C6AF74E}"/>
+              </a:ext>
+              <a:ext uri="{C183D7F6-B498-43B3-948B-1728B52AA6E4}">
+                <adec:decorative xmlns:adec="http://schemas.microsoft.com/office/drawing/2017/decorative" val="1"/>
+              </a:ext>
+            </a:extLst>
+          </p:cNvPr>
+          <p:cNvSpPr>
+            <a:spLocks noGrp="1" noRot="1" noChangeAspect="1" noMove="1" noResize="1" noEditPoints="1" noAdjustHandles="1" noChangeArrowheads="1" noChangeShapeType="1" noTextEdit="1"/>
+          </p:cNvSpPr>
+          <p:nvPr>
+            <p:extLst>
+              <p:ext uri="{386F3935-93C4-4BCD-93E2-E3B085C9AB24}">
+                <p16:designElem xmlns:p16="http://schemas.microsoft.com/office/powerpoint/2015/main" val="1"/>
+              </p:ext>
+            </p:extLst>
+          </p:nvPr>
+        </p:nvSpPr>
+        <p:spPr>
+          <a:xfrm>
+            <a:off x="4644527" y="0"/>
+            <a:ext cx="7552944" cy="6858001"/>
+          </a:xfrm>
+          <a:prstGeom prst="rect">
+            <a:avLst/>
+          </a:prstGeom>
+          <a:solidFill>
+            <a:schemeClr val="accent1"/>
+          </a:solidFill>
+          <a:ln>
+            <a:noFill/>
+          </a:ln>
+        </p:spPr>
+        <p:style>
+          <a:lnRef idx="2">
+            <a:schemeClr val="accent1">
+              <a:shade val="50000"/>
+            </a:schemeClr>
+          </a:lnRef>
+          <a:fillRef idx="1">
+            <a:schemeClr val="accent1"/>
+          </a:fillRef>
+          <a:effectRef idx="0">
+            <a:schemeClr val="accent1"/>
+          </a:effectRef>
+          <a:fontRef idx="minor">
+            <a:schemeClr val="lt1"/>
+          </a:fontRef>
+        </p:style>
+        <p:txBody>
+          <a:bodyPr rtlCol="0" anchor="ctr"/>
+          <a:lstStyle/>
+          <a:p>
+            <a:pPr algn="ctr"/>
+            <a:endParaRPr lang="en-US"/>
+          </a:p>
+        </p:txBody>
+      </p:sp>
       <p:pic>
         <p:nvPicPr>
-          <p:cNvPr id="7" name="Obraz 6">
+          <p:cNvPr id="14" name="Picture 13">
             <a:extLst>
               <a:ext uri="{FF2B5EF4-FFF2-40B4-BE49-F238E27FC236}">
-                <a16:creationId xmlns:a16="http://schemas.microsoft.com/office/drawing/2014/main" id="{E8B3D010-3DFB-4843-BB0D-2174032F07EA}"/>
+                <a16:creationId xmlns:a16="http://schemas.microsoft.com/office/drawing/2014/main" id="{3B7A934F-FFF7-4353-83D3-4EF66E93EEF8}"/>
+              </a:ext>
+              <a:ext uri="{C183D7F6-B498-43B3-948B-1728B52AA6E4}">
+                <adec:decorative xmlns:adec="http://schemas.microsoft.com/office/drawing/2017/decorative" val="1"/>
               </a:ext>
             </a:extLst>
           </p:cNvPr>
           <p:cNvPicPr>
-            <a:picLocks noChangeAspect="1"/>
+            <a:picLocks noGrp="1" noRot="1" noChangeAspect="1" noMove="1" noResize="1" noEditPoints="1" noAdjustHandles="1" noChangeArrowheads="1" noChangeShapeType="1" noCrop="1"/>
           </p:cNvPicPr>
-          <p:nvPr/>
+          <p:nvPr>
+            <p:extLst>
+              <p:ext uri="{386F3935-93C4-4BCD-93E2-E3B085C9AB24}">
+                <p16:designElem xmlns:p16="http://schemas.microsoft.com/office/powerpoint/2015/main" val="1"/>
+              </p:ext>
+            </p:extLst>
+          </p:nvPr>
         </p:nvPicPr>
         <p:blipFill>
-          <a:blip r:embed="rId3"/>
+          <a:blip r:embed="rId3" cstate="print">
+            <a:extLst>
+              <a:ext uri="{28A0092B-C50C-407E-A947-70E740481C1C}">
+                <a14:useLocalDpi xmlns:a14="http://schemas.microsoft.com/office/drawing/2010/main" val="0"/>
+              </a:ext>
+            </a:extLst>
+          </a:blip>
           <a:stretch>
             <a:fillRect/>
           </a:stretch>
         </p:blipFill>
         <p:spPr>
           <a:xfrm>
-            <a:off x="7484165" y="2170023"/>
-            <a:ext cx="2425623" cy="4246684"/>
+            <a:off x="1" y="5006045"/>
+            <a:ext cx="4965192" cy="144668"/>
           </a:xfrm>
           <a:prstGeom prst="rect">
             <a:avLst/>
           </a:prstGeom>
         </p:spPr>
       </p:pic>
-    </p:spTree>
-    <p:extLst>
-      <p:ext uri="{BB962C8B-B14F-4D97-AF65-F5344CB8AC3E}">
-        <p14:creationId xmlns:p14="http://schemas.microsoft.com/office/powerpoint/2010/main" val="2739928159"/>
-      </p:ext>
-    </p:extLst>
-  </p:cSld>
-  <p:clrMapOvr>
-    <a:masterClrMapping/>
-  </p:clrMapOvr>
-</p:sld>
-</file>
-
-<file path=ppt/slides/slide21.xml><?xml version="1.0" encoding="utf-8"?>
-<p:sld xmlns:a="http://schemas.openxmlformats.org/drawingml/2006/main" xmlns:r="http://schemas.openxmlformats.org/officeDocument/2006/relationships" xmlns:p="http://schemas.openxmlformats.org/presentationml/2006/main">
-  <p:cSld>
-    <p:spTree>
-      <p:nvGrpSpPr>
-        <p:cNvPr id="1" name=""/>
-        <p:cNvGrpSpPr/>
-        <p:nvPr/>
-      </p:nvGrpSpPr>
-      <p:grpSpPr>
-        <a:xfrm>
-          <a:off x="0" y="0"/>
-          <a:ext cx="0" cy="0"/>
-          <a:chOff x="0" y="0"/>
-          <a:chExt cx="0" cy="0"/>
-        </a:xfrm>
-      </p:grpSpPr>
+      <p:sp>
+        <p:nvSpPr>
+          <p:cNvPr id="16" name="Rectangle 15">
+            <a:extLst>
+              <a:ext uri="{FF2B5EF4-FFF2-40B4-BE49-F238E27FC236}">
+                <a16:creationId xmlns:a16="http://schemas.microsoft.com/office/drawing/2014/main" id="{700676C8-6DE8-47DD-9A23-D42063A12E10}"/>
+              </a:ext>
+              <a:ext uri="{C183D7F6-B498-43B3-948B-1728B52AA6E4}">
+                <adec:decorative xmlns:adec="http://schemas.microsoft.com/office/drawing/2017/decorative" val="1"/>
+              </a:ext>
+            </a:extLst>
+          </p:cNvPr>
+          <p:cNvSpPr>
+            <a:spLocks noGrp="1" noRot="1" noChangeAspect="1" noMove="1" noResize="1" noEditPoints="1" noAdjustHandles="1" noChangeArrowheads="1" noChangeShapeType="1" noTextEdit="1"/>
+          </p:cNvSpPr>
+          <p:nvPr>
+            <p:extLst>
+              <p:ext uri="{386F3935-93C4-4BCD-93E2-E3B085C9AB24}">
+                <p16:designElem xmlns:p16="http://schemas.microsoft.com/office/powerpoint/2015/main" val="1"/>
+              </p:ext>
+            </p:extLst>
+          </p:nvPr>
+        </p:nvSpPr>
+        <p:spPr>
+          <a:xfrm>
+            <a:off x="-1" y="1838764"/>
+            <a:ext cx="4964567" cy="3180473"/>
+          </a:xfrm>
+          <a:prstGeom prst="rect">
+            <a:avLst/>
+          </a:prstGeom>
+          <a:solidFill>
+            <a:srgbClr val="262626"/>
+          </a:solidFill>
+          <a:ln>
+            <a:noFill/>
+          </a:ln>
+        </p:spPr>
+        <p:style>
+          <a:lnRef idx="2">
+            <a:schemeClr val="accent1">
+              <a:shade val="50000"/>
+            </a:schemeClr>
+          </a:lnRef>
+          <a:fillRef idx="1">
+            <a:schemeClr val="accent1"/>
+          </a:fillRef>
+          <a:effectRef idx="0">
+            <a:schemeClr val="accent1"/>
+          </a:effectRef>
+          <a:fontRef idx="minor">
+            <a:schemeClr val="lt1"/>
+          </a:fontRef>
+        </p:style>
+      </p:sp>
       <p:sp>
         <p:nvSpPr>
           <p:cNvPr id="2" name="Tytuł 1">
             <a:extLst>
               <a:ext uri="{FF2B5EF4-FFF2-40B4-BE49-F238E27FC236}">
-                <a16:creationId xmlns:a16="http://schemas.microsoft.com/office/drawing/2014/main" id="{6A2D38C8-6768-4794-9FBB-210BE94600F7}"/>
+                <a16:creationId xmlns:a16="http://schemas.microsoft.com/office/drawing/2014/main" id="{2294BD86-C7CC-47E5-9CA5-8D232644AAF8}"/>
               </a:ext>
             </a:extLst>
           </p:cNvPr>
@@ -9645,433 +10402,105 @@
             <p:ph type="title"/>
           </p:nvPr>
         </p:nvSpPr>
-        <p:spPr/>
-        <p:txBody>
-          <a:bodyPr/>
-          <a:lstStyle/>
-          <a:p>
-            <a:r>
-              <a:rPr lang="pl-PL" dirty="0"/>
-              <a:t>Gotowy Interfejs</a:t>
-            </a:r>
-          </a:p>
-        </p:txBody>
-      </p:sp>
-      <p:pic>
-        <p:nvPicPr>
-          <p:cNvPr id="6" name="Obraz 5">
-            <a:extLst>
-              <a:ext uri="{FF2B5EF4-FFF2-40B4-BE49-F238E27FC236}">
-                <a16:creationId xmlns:a16="http://schemas.microsoft.com/office/drawing/2014/main" id="{50B3C163-43EF-42C9-AAA2-B03E3720FA89}"/>
-              </a:ext>
-            </a:extLst>
-          </p:cNvPr>
-          <p:cNvPicPr/>
-          <p:nvPr/>
-        </p:nvPicPr>
-        <p:blipFill>
-          <a:blip r:embed="rId2" cstate="print">
-            <a:extLst>
-              <a:ext uri="{28A0092B-C50C-407E-A947-70E740481C1C}">
-                <a14:useLocalDpi xmlns:a14="http://schemas.microsoft.com/office/drawing/2010/main" val="0"/>
-              </a:ext>
-            </a:extLst>
-          </a:blip>
-          <a:srcRect/>
-          <a:stretch>
-            <a:fillRect/>
-          </a:stretch>
-        </p:blipFill>
-        <p:spPr bwMode="auto">
-          <a:xfrm>
-            <a:off x="7493727" y="2227470"/>
-            <a:ext cx="2126523" cy="4333875"/>
-          </a:xfrm>
-          <a:prstGeom prst="rect">
-            <a:avLst/>
-          </a:prstGeom>
-          <a:noFill/>
-          <a:ln>
-            <a:noFill/>
-          </a:ln>
-        </p:spPr>
-      </p:pic>
-      <p:pic>
-        <p:nvPicPr>
-          <p:cNvPr id="8" name="Obraz 7">
-            <a:extLst>
-              <a:ext uri="{FF2B5EF4-FFF2-40B4-BE49-F238E27FC236}">
-                <a16:creationId xmlns:a16="http://schemas.microsoft.com/office/drawing/2014/main" id="{6C3C991B-88AA-45E3-915D-2950D71830BE}"/>
-              </a:ext>
-            </a:extLst>
-          </p:cNvPr>
-          <p:cNvPicPr/>
-          <p:nvPr/>
-        </p:nvPicPr>
-        <p:blipFill>
-          <a:blip r:embed="rId2" cstate="print">
-            <a:extLst>
-              <a:ext uri="{28A0092B-C50C-407E-A947-70E740481C1C}">
-                <a14:useLocalDpi xmlns:a14="http://schemas.microsoft.com/office/drawing/2010/main" val="0"/>
-              </a:ext>
-            </a:extLst>
-          </a:blip>
-          <a:srcRect/>
-          <a:stretch>
-            <a:fillRect/>
-          </a:stretch>
-        </p:blipFill>
-        <p:spPr bwMode="auto">
-          <a:xfrm>
-            <a:off x="2466975" y="2227470"/>
-            <a:ext cx="2126523" cy="4333875"/>
-          </a:xfrm>
-          <a:prstGeom prst="rect">
-            <a:avLst/>
-          </a:prstGeom>
-          <a:noFill/>
-          <a:ln>
-            <a:noFill/>
-          </a:ln>
-        </p:spPr>
-      </p:pic>
-      <p:sp>
-        <p:nvSpPr>
-          <p:cNvPr id="4" name="Symbol zastępczy zawartości 3">
-            <a:extLst>
-              <a:ext uri="{FF2B5EF4-FFF2-40B4-BE49-F238E27FC236}">
-                <a16:creationId xmlns:a16="http://schemas.microsoft.com/office/drawing/2014/main" id="{AAFABD0E-E886-478E-A5CD-4F3030E556AB}"/>
-              </a:ext>
-            </a:extLst>
-          </p:cNvPr>
-          <p:cNvSpPr>
-            <a:spLocks noGrp="1"/>
-          </p:cNvSpPr>
-          <p:nvPr>
-            <p:ph idx="1"/>
-          </p:nvPr>
-        </p:nvSpPr>
-        <p:spPr/>
-        <p:txBody>
-          <a:bodyPr/>
-          <a:lstStyle/>
-          <a:p>
-            <a:endParaRPr lang="pl-PL" dirty="0"/>
-          </a:p>
-        </p:txBody>
-      </p:sp>
-    </p:spTree>
-    <p:extLst>
-      <p:ext uri="{BB962C8B-B14F-4D97-AF65-F5344CB8AC3E}">
-        <p14:creationId xmlns:p14="http://schemas.microsoft.com/office/powerpoint/2010/main" val="1142710450"/>
-      </p:ext>
-    </p:extLst>
-  </p:cSld>
-  <p:clrMapOvr>
-    <a:masterClrMapping/>
-  </p:clrMapOvr>
-</p:sld>
-</file>
-
-<file path=ppt/slides/slide22.xml><?xml version="1.0" encoding="utf-8"?>
-<p:sld xmlns:a="http://schemas.openxmlformats.org/drawingml/2006/main" xmlns:r="http://schemas.openxmlformats.org/officeDocument/2006/relationships" xmlns:p="http://schemas.openxmlformats.org/presentationml/2006/main">
-  <p:cSld>
-    <p:spTree>
-      <p:nvGrpSpPr>
-        <p:cNvPr id="1" name=""/>
-        <p:cNvGrpSpPr/>
-        <p:nvPr/>
-      </p:nvGrpSpPr>
-      <p:grpSpPr>
-        <a:xfrm>
-          <a:off x="0" y="0"/>
-          <a:ext cx="0" cy="0"/>
-          <a:chOff x="0" y="0"/>
-          <a:chExt cx="0" cy="0"/>
-        </a:xfrm>
-      </p:grpSpPr>
-      <p:sp>
-        <p:nvSpPr>
-          <p:cNvPr id="2" name="Tytuł 1">
-            <a:extLst>
-              <a:ext uri="{FF2B5EF4-FFF2-40B4-BE49-F238E27FC236}">
-                <a16:creationId xmlns:a16="http://schemas.microsoft.com/office/drawing/2014/main" id="{F6D8681D-B74D-4894-8F66-568E8595C195}"/>
-              </a:ext>
-            </a:extLst>
-          </p:cNvPr>
-          <p:cNvSpPr>
-            <a:spLocks noGrp="1"/>
-          </p:cNvSpPr>
-          <p:nvPr>
-            <p:ph type="title"/>
-          </p:nvPr>
-        </p:nvSpPr>
-        <p:spPr/>
-        <p:txBody>
-          <a:bodyPr/>
-          <a:lstStyle/>
-          <a:p>
-            <a:r>
-              <a:rPr lang="pl-PL" dirty="0"/>
-              <a:t>Gotowy Interfejs</a:t>
-            </a:r>
-          </a:p>
-        </p:txBody>
-      </p:sp>
-      <p:pic>
-        <p:nvPicPr>
-          <p:cNvPr id="5" name="Symbol zastępczy zawartości 4" descr="Obraz zawierający rysunek&#10;&#10;Opis wygenerowany automatycznie">
-            <a:extLst>
-              <a:ext uri="{FF2B5EF4-FFF2-40B4-BE49-F238E27FC236}">
-                <a16:creationId xmlns:a16="http://schemas.microsoft.com/office/drawing/2014/main" id="{55AA9CB3-C72D-4DD4-955A-F5B122FC2EB9}"/>
-              </a:ext>
-            </a:extLst>
-          </p:cNvPr>
-          <p:cNvPicPr>
-            <a:picLocks noGrp="1" noChangeAspect="1"/>
-          </p:cNvPicPr>
-          <p:nvPr>
-            <p:ph idx="1"/>
-          </p:nvPr>
-        </p:nvPicPr>
-        <p:blipFill>
-          <a:blip r:embed="rId2"/>
-          <a:stretch>
-            <a:fillRect/>
-          </a:stretch>
-        </p:blipFill>
-        <p:spPr>
-          <a:xfrm>
-            <a:off x="2359131" y="2171773"/>
-            <a:ext cx="2455472" cy="4466306"/>
-          </a:xfrm>
-        </p:spPr>
-      </p:pic>
-      <p:pic>
-        <p:nvPicPr>
-          <p:cNvPr id="7" name="Obraz 6" descr="Obraz zawierający zrzut ekranu&#10;&#10;Opis wygenerowany automatycznie">
-            <a:extLst>
-              <a:ext uri="{FF2B5EF4-FFF2-40B4-BE49-F238E27FC236}">
-                <a16:creationId xmlns:a16="http://schemas.microsoft.com/office/drawing/2014/main" id="{5BBA04C4-B0A1-44A7-9895-338EC545583D}"/>
-              </a:ext>
-            </a:extLst>
-          </p:cNvPr>
-          <p:cNvPicPr>
-            <a:picLocks noChangeAspect="1"/>
-          </p:cNvPicPr>
-          <p:nvPr/>
-        </p:nvPicPr>
-        <p:blipFill>
-          <a:blip r:embed="rId3"/>
-          <a:stretch>
-            <a:fillRect/>
-          </a:stretch>
-        </p:blipFill>
-        <p:spPr>
-          <a:xfrm>
-            <a:off x="7377399" y="2171773"/>
-            <a:ext cx="2434367" cy="4466306"/>
-          </a:xfrm>
-          <a:prstGeom prst="rect">
-            <a:avLst/>
-          </a:prstGeom>
-        </p:spPr>
-      </p:pic>
-    </p:spTree>
-    <p:extLst>
-      <p:ext uri="{BB962C8B-B14F-4D97-AF65-F5344CB8AC3E}">
-        <p14:creationId xmlns:p14="http://schemas.microsoft.com/office/powerpoint/2010/main" val="1819095391"/>
-      </p:ext>
-    </p:extLst>
-  </p:cSld>
-  <p:clrMapOvr>
-    <a:masterClrMapping/>
-  </p:clrMapOvr>
-</p:sld>
-</file>
-
-<file path=ppt/slides/slide23.xml><?xml version="1.0" encoding="utf-8"?>
-<p:sld xmlns:a="http://schemas.openxmlformats.org/drawingml/2006/main" xmlns:r="http://schemas.openxmlformats.org/officeDocument/2006/relationships" xmlns:p="http://schemas.openxmlformats.org/presentationml/2006/main">
-  <p:cSld>
-    <p:spTree>
-      <p:nvGrpSpPr>
-        <p:cNvPr id="1" name=""/>
-        <p:cNvGrpSpPr/>
-        <p:nvPr/>
-      </p:nvGrpSpPr>
-      <p:grpSpPr>
-        <a:xfrm>
-          <a:off x="0" y="0"/>
-          <a:ext cx="0" cy="0"/>
-          <a:chOff x="0" y="0"/>
-          <a:chExt cx="0" cy="0"/>
-        </a:xfrm>
-      </p:grpSpPr>
-      <p:sp>
-        <p:nvSpPr>
-          <p:cNvPr id="4" name="Prostokąt 3">
-            <a:extLst>
-              <a:ext uri="{FF2B5EF4-FFF2-40B4-BE49-F238E27FC236}">
-                <a16:creationId xmlns:a16="http://schemas.microsoft.com/office/drawing/2014/main" id="{BF8C8F3B-C015-4A44-BA47-2F03169761BD}"/>
-              </a:ext>
-            </a:extLst>
-          </p:cNvPr>
-          <p:cNvSpPr/>
-          <p:nvPr/>
-        </p:nvSpPr>
-        <p:spPr>
-          <a:xfrm>
-            <a:off x="2654994" y="2852005"/>
-            <a:ext cx="6882012" cy="923330"/>
-          </a:xfrm>
-          <a:prstGeom prst="rect">
-            <a:avLst/>
-          </a:prstGeom>
-          <a:noFill/>
-        </p:spPr>
-        <p:txBody>
-          <a:bodyPr wrap="none" lIns="91440" tIns="45720" rIns="91440" bIns="45720">
-            <a:spAutoFit/>
-          </a:bodyPr>
-          <a:lstStyle/>
-          <a:p>
-            <a:pPr algn="ctr"/>
-            <a:r>
-              <a:rPr lang="pl-PL" sz="5400" b="0" cap="none" spc="0" dirty="0">
-                <a:ln w="0"/>
-                <a:solidFill>
-                  <a:schemeClr val="tx1"/>
-                </a:solidFill>
-                <a:effectLst>
-                  <a:outerShdw blurRad="38100" dist="19050" dir="2700000" algn="tl" rotWithShape="0">
-                    <a:schemeClr val="dk1">
-                      <a:alpha val="40000"/>
-                    </a:schemeClr>
-                  </a:outerShdw>
-                </a:effectLst>
-              </a:rPr>
-              <a:t>Dziękujemy za uwagę</a:t>
-            </a:r>
-          </a:p>
-        </p:txBody>
-      </p:sp>
-    </p:spTree>
-    <p:extLst>
-      <p:ext uri="{BB962C8B-B14F-4D97-AF65-F5344CB8AC3E}">
-        <p14:creationId xmlns:p14="http://schemas.microsoft.com/office/powerpoint/2010/main" val="2285759344"/>
-      </p:ext>
-    </p:extLst>
-  </p:cSld>
-  <p:clrMapOvr>
-    <a:masterClrMapping/>
-  </p:clrMapOvr>
-</p:sld>
-</file>
-
-<file path=ppt/slides/slide3.xml><?xml version="1.0" encoding="utf-8"?>
-<p:sld xmlns:a="http://schemas.openxmlformats.org/drawingml/2006/main" xmlns:r="http://schemas.openxmlformats.org/officeDocument/2006/relationships" xmlns:p="http://schemas.openxmlformats.org/presentationml/2006/main">
-  <p:cSld>
-    <p:spTree>
-      <p:nvGrpSpPr>
-        <p:cNvPr id="1" name=""/>
-        <p:cNvGrpSpPr/>
-        <p:nvPr/>
-      </p:nvGrpSpPr>
-      <p:grpSpPr>
-        <a:xfrm>
-          <a:off x="0" y="0"/>
-          <a:ext cx="0" cy="0"/>
-          <a:chOff x="0" y="0"/>
-          <a:chExt cx="0" cy="0"/>
-        </a:xfrm>
-      </p:grpSpPr>
-      <p:sp>
-        <p:nvSpPr>
-          <p:cNvPr id="2" name="Tytuł 1">
-            <a:extLst>
-              <a:ext uri="{FF2B5EF4-FFF2-40B4-BE49-F238E27FC236}">
-                <a16:creationId xmlns:a16="http://schemas.microsoft.com/office/drawing/2014/main" id="{5943F4B7-11F3-4515-BAB1-8781C7C3324D}"/>
-              </a:ext>
-            </a:extLst>
-          </p:cNvPr>
-          <p:cNvSpPr>
-            <a:spLocks noGrp="1"/>
-          </p:cNvSpPr>
-          <p:nvPr>
-            <p:ph type="title"/>
-          </p:nvPr>
-        </p:nvSpPr>
-        <p:spPr/>
-        <p:txBody>
-          <a:bodyPr/>
-          <a:lstStyle/>
-          <a:p>
-            <a:r>
-              <a:rPr lang="pl-PL" dirty="0"/>
-              <a:t>Członkowie grupy projektowej</a:t>
-            </a:r>
-          </a:p>
-        </p:txBody>
-      </p:sp>
-      <p:sp>
-        <p:nvSpPr>
-          <p:cNvPr id="3" name="Symbol zastępczy zawartości 2">
-            <a:extLst>
-              <a:ext uri="{FF2B5EF4-FFF2-40B4-BE49-F238E27FC236}">
-                <a16:creationId xmlns:a16="http://schemas.microsoft.com/office/drawing/2014/main" id="{073B1EC3-E40A-45C5-9459-A16870C366AD}"/>
-              </a:ext>
-            </a:extLst>
-          </p:cNvPr>
-          <p:cNvSpPr>
-            <a:spLocks noGrp="1"/>
-          </p:cNvSpPr>
-          <p:nvPr>
-            <p:ph idx="1"/>
-          </p:nvPr>
-        </p:nvSpPr>
-        <p:spPr/>
+        <p:spPr>
+          <a:xfrm>
+            <a:off x="680321" y="2063262"/>
+            <a:ext cx="3739279" cy="2661052"/>
+          </a:xfrm>
+        </p:spPr>
         <p:txBody>
           <a:bodyPr>
             <a:normAutofit/>
           </a:bodyPr>
           <a:lstStyle/>
           <a:p>
-            <a:r>
-              <a:rPr lang="pl-PL" sz="3200" dirty="0"/>
-              <a:t>Arkadiusz Cichy: Obsługa protokołu HTTP, Obsługa protokołu MQTT oraz oprogramowanie urządzenia </a:t>
-            </a:r>
-            <a:r>
-              <a:rPr lang="pl-PL" sz="3200" dirty="0" err="1"/>
-              <a:t>IoT</a:t>
-            </a:r>
-            <a:r>
-              <a:rPr lang="pl-PL" sz="3200" dirty="0"/>
-              <a:t>.</a:t>
-            </a:r>
-          </a:p>
-          <a:p>
-            <a:r>
-              <a:rPr lang="pl-PL" sz="3200" dirty="0"/>
-              <a:t>Szymon Cichy: Obsługa protokołu HTTP, Obsługa protokołu MQTT, oprogramowanie urządzenia </a:t>
-            </a:r>
-            <a:r>
-              <a:rPr lang="pl-PL" sz="3200" dirty="0" err="1"/>
-              <a:t>IoT</a:t>
-            </a:r>
-            <a:r>
-              <a:rPr lang="pl-PL" sz="3200" dirty="0"/>
-              <a:t>, aplikacja android.</a:t>
-            </a:r>
-          </a:p>
-          <a:p>
-            <a:endParaRPr lang="pl-PL" sz="3200" b="1" dirty="0"/>
+            <a:pPr algn="r"/>
+            <a:r>
+              <a:rPr lang="pl-PL" sz="4400">
+                <a:solidFill>
+                  <a:srgbClr val="FFFFFF"/>
+                </a:solidFill>
+              </a:rPr>
+              <a:t>Nasze cele</a:t>
+            </a:r>
+          </a:p>
+        </p:txBody>
+      </p:sp>
+      <p:sp>
+        <p:nvSpPr>
+          <p:cNvPr id="3" name="Symbol zastępczy zawartości 2">
+            <a:extLst>
+              <a:ext uri="{FF2B5EF4-FFF2-40B4-BE49-F238E27FC236}">
+                <a16:creationId xmlns:a16="http://schemas.microsoft.com/office/drawing/2014/main" id="{0212E436-6E04-4B2A-BEDC-227BFFF11901}"/>
+              </a:ext>
+            </a:extLst>
+          </p:cNvPr>
+          <p:cNvSpPr>
+            <a:spLocks noGrp="1"/>
+          </p:cNvSpPr>
+          <p:nvPr>
+            <p:ph idx="1"/>
+          </p:nvPr>
+        </p:nvSpPr>
+        <p:spPr>
+          <a:xfrm>
+            <a:off x="5287995" y="661106"/>
+            <a:ext cx="6257362" cy="5503101"/>
+          </a:xfrm>
+        </p:spPr>
+        <p:txBody>
+          <a:bodyPr anchor="ctr">
+            <a:normAutofit/>
+          </a:bodyPr>
+          <a:lstStyle/>
+          <a:p>
+            <a:pPr marL="514350" indent="-514350">
+              <a:buFont typeface="+mj-lt"/>
+              <a:buAutoNum type="arabicPeriod"/>
+            </a:pPr>
+            <a:r>
+              <a:rPr lang="pl-PL" sz="2000" dirty="0">
+                <a:solidFill>
+                  <a:srgbClr val="FFFFFF"/>
+                </a:solidFill>
+              </a:rPr>
+              <a:t>Stworzenie elastycznej aplikacji.</a:t>
+            </a:r>
+          </a:p>
+          <a:p>
+            <a:pPr marL="514350" indent="-514350">
+              <a:buFont typeface="+mj-lt"/>
+              <a:buAutoNum type="arabicPeriod"/>
+            </a:pPr>
+            <a:r>
+              <a:rPr lang="pl-PL" sz="2000" dirty="0">
+                <a:solidFill>
+                  <a:srgbClr val="FFFFFF"/>
+                </a:solidFill>
+              </a:rPr>
+              <a:t>Wsparcie dwóch różnych platform. </a:t>
+            </a:r>
+          </a:p>
+          <a:p>
+            <a:pPr marL="514350" indent="-514350">
+              <a:buFont typeface="+mj-lt"/>
+              <a:buAutoNum type="arabicPeriod"/>
+            </a:pPr>
+            <a:r>
+              <a:rPr lang="pl-PL" sz="2000" dirty="0">
+                <a:solidFill>
+                  <a:srgbClr val="FFFFFF"/>
+                </a:solidFill>
+              </a:rPr>
+              <a:t>Przygotowanie przykładowego systemu wykorzystującego naszą aplikację.</a:t>
+            </a:r>
           </a:p>
         </p:txBody>
       </p:sp>
     </p:spTree>
     <p:extLst>
       <p:ext uri="{BB962C8B-B14F-4D97-AF65-F5344CB8AC3E}">
-        <p14:creationId xmlns:p14="http://schemas.microsoft.com/office/powerpoint/2010/main" val="1386523433"/>
+        <p14:creationId xmlns:p14="http://schemas.microsoft.com/office/powerpoint/2010/main" val="758933350"/>
       </p:ext>
     </p:extLst>
   </p:cSld>
@@ -10103,7 +10532,7 @@
           <p:cNvPr id="2" name="Tytuł 1">
             <a:extLst>
               <a:ext uri="{FF2B5EF4-FFF2-40B4-BE49-F238E27FC236}">
-                <a16:creationId xmlns:a16="http://schemas.microsoft.com/office/drawing/2014/main" id="{2294BD86-C7CC-47E5-9CA5-8D232644AAF8}"/>
+                <a16:creationId xmlns:a16="http://schemas.microsoft.com/office/drawing/2014/main" id="{F5F4C84B-0955-4630-8756-24C6D0CDE4F4}"/>
               </a:ext>
             </a:extLst>
           </p:cNvPr>
@@ -10121,87 +10550,104 @@
           <a:p>
             <a:r>
               <a:rPr lang="pl-PL" dirty="0"/>
-              <a:t>Cele projektu</a:t>
-            </a:r>
-          </a:p>
-        </p:txBody>
-      </p:sp>
-      <p:sp>
-        <p:nvSpPr>
-          <p:cNvPr id="3" name="Symbol zastępczy zawartości 2">
+              <a:t>Wybrane środowiska</a:t>
+            </a:r>
+          </a:p>
+        </p:txBody>
+      </p:sp>
+      <p:pic>
+        <p:nvPicPr>
+          <p:cNvPr id="5" name="Symbol zastępczy zawartości 4" descr="Obraz zawierający zrzut ekranu&#10;&#10;Opis wygenerowany automatycznie">
             <a:extLst>
               <a:ext uri="{FF2B5EF4-FFF2-40B4-BE49-F238E27FC236}">
-                <a16:creationId xmlns:a16="http://schemas.microsoft.com/office/drawing/2014/main" id="{0212E436-6E04-4B2A-BEDC-227BFFF11901}"/>
+                <a16:creationId xmlns:a16="http://schemas.microsoft.com/office/drawing/2014/main" id="{775EE8FD-62DB-4BFA-9121-D6120FA4921F}"/>
               </a:ext>
             </a:extLst>
           </p:cNvPr>
-          <p:cNvSpPr>
-            <a:spLocks noGrp="1"/>
-          </p:cNvSpPr>
+          <p:cNvPicPr>
+            <a:picLocks noGrp="1" noChangeAspect="1"/>
+          </p:cNvPicPr>
           <p:nvPr>
             <p:ph idx="1"/>
           </p:nvPr>
-        </p:nvSpPr>
-        <p:spPr/>
-        <p:txBody>
-          <a:bodyPr>
-            <a:normAutofit/>
-          </a:bodyPr>
-          <a:lstStyle/>
-          <a:p>
-            <a:pPr marL="514350" indent="-514350">
-              <a:buFont typeface="+mj-lt"/>
-              <a:buAutoNum type="arabicPeriod"/>
-            </a:pPr>
-            <a:r>
-              <a:rPr lang="pl-PL" sz="2800" dirty="0"/>
-              <a:t>Wykorzystanie biblioteki </a:t>
-            </a:r>
-            <a:r>
-              <a:rPr lang="pl-PL" sz="2800" dirty="0" err="1"/>
-              <a:t>Qt</a:t>
-            </a:r>
-            <a:r>
-              <a:rPr lang="pl-PL" sz="2800" dirty="0"/>
-              <a:t> (aplikacja desktopowa)</a:t>
-            </a:r>
-          </a:p>
-          <a:p>
-            <a:pPr marL="514350" indent="-514350">
-              <a:buFont typeface="+mj-lt"/>
-              <a:buAutoNum type="arabicPeriod"/>
-            </a:pPr>
-            <a:r>
-              <a:rPr lang="pl-PL" sz="2800" dirty="0"/>
-              <a:t>Stworzenie aplikacji na dwie platformy (PC: Linux, Android)</a:t>
-            </a:r>
-          </a:p>
-          <a:p>
-            <a:pPr marL="514350" indent="-514350">
-              <a:buFont typeface="+mj-lt"/>
-              <a:buAutoNum type="arabicPeriod"/>
-            </a:pPr>
-            <a:r>
-              <a:rPr lang="pl-PL" sz="2800" dirty="0"/>
-              <a:t>Implementacja dwóch protokołów komunikacji: HTTP i MQTT.</a:t>
-            </a:r>
-          </a:p>
-          <a:p>
-            <a:pPr marL="514350" indent="-514350">
-              <a:buFont typeface="+mj-lt"/>
-              <a:buAutoNum type="arabicPeriod"/>
-            </a:pPr>
-            <a:r>
-              <a:rPr lang="pl-PL" sz="2800" dirty="0"/>
-              <a:t>Przygotowanie przykładowego systemu wykorzystującego naszą aplikację.</a:t>
-            </a:r>
-          </a:p>
-        </p:txBody>
-      </p:sp>
+        </p:nvPicPr>
+        <p:blipFill>
+          <a:blip r:embed="rId2"/>
+          <a:stretch>
+            <a:fillRect/>
+          </a:stretch>
+        </p:blipFill>
+        <p:spPr>
+          <a:xfrm>
+            <a:off x="7009161" y="191780"/>
+            <a:ext cx="5007042" cy="3169014"/>
+          </a:xfrm>
+        </p:spPr>
+      </p:pic>
+      <p:pic>
+        <p:nvPicPr>
+          <p:cNvPr id="7" name="Obraz 6" descr="Obraz zawierający zrzut ekranu, monitor, telefon, ekran&#10;&#10;Opis wygenerowany automatycznie">
+            <a:extLst>
+              <a:ext uri="{FF2B5EF4-FFF2-40B4-BE49-F238E27FC236}">
+                <a16:creationId xmlns:a16="http://schemas.microsoft.com/office/drawing/2014/main" id="{8FAEA2A5-D556-4CB1-B340-48B4710A4255}"/>
+              </a:ext>
+            </a:extLst>
+          </p:cNvPr>
+          <p:cNvPicPr>
+            <a:picLocks noChangeAspect="1"/>
+          </p:cNvPicPr>
+          <p:nvPr/>
+        </p:nvPicPr>
+        <p:blipFill>
+          <a:blip r:embed="rId3"/>
+          <a:stretch>
+            <a:fillRect/>
+          </a:stretch>
+        </p:blipFill>
+        <p:spPr>
+          <a:xfrm>
+            <a:off x="5895273" y="3922242"/>
+            <a:ext cx="4835010" cy="2716298"/>
+          </a:xfrm>
+          <a:prstGeom prst="rect">
+            <a:avLst/>
+          </a:prstGeom>
+        </p:spPr>
+      </p:pic>
+      <p:pic>
+        <p:nvPicPr>
+          <p:cNvPr id="6" name="Symbol zastępczy zawartości 4" descr="Obraz zawierający zrzut ekranu, telefon&#10;&#10;Opis wygenerowany automatycznie">
+            <a:extLst>
+              <a:ext uri="{FF2B5EF4-FFF2-40B4-BE49-F238E27FC236}">
+                <a16:creationId xmlns:a16="http://schemas.microsoft.com/office/drawing/2014/main" id="{B4DD47A8-7F73-4EA3-9E7C-C7D3BB1A67A6}"/>
+              </a:ext>
+            </a:extLst>
+          </p:cNvPr>
+          <p:cNvPicPr>
+            <a:picLocks noChangeAspect="1"/>
+          </p:cNvPicPr>
+          <p:nvPr/>
+        </p:nvPicPr>
+        <p:blipFill>
+          <a:blip r:embed="rId4"/>
+          <a:stretch>
+            <a:fillRect/>
+          </a:stretch>
+        </p:blipFill>
+        <p:spPr>
+          <a:xfrm>
+            <a:off x="652241" y="2148753"/>
+            <a:ext cx="4835010" cy="3036113"/>
+          </a:xfrm>
+          <a:prstGeom prst="rect">
+            <a:avLst/>
+          </a:prstGeom>
+        </p:spPr>
+      </p:pic>
     </p:spTree>
     <p:extLst>
       <p:ext uri="{BB962C8B-B14F-4D97-AF65-F5344CB8AC3E}">
-        <p14:creationId xmlns:p14="http://schemas.microsoft.com/office/powerpoint/2010/main" val="758933350"/>
+        <p14:creationId xmlns:p14="http://schemas.microsoft.com/office/powerpoint/2010/main" val="2753908767"/>
       </p:ext>
     </p:extLst>
   </p:cSld>
@@ -10233,7 +10679,7 @@
           <p:cNvPr id="2" name="Tytuł 1">
             <a:extLst>
               <a:ext uri="{FF2B5EF4-FFF2-40B4-BE49-F238E27FC236}">
-                <a16:creationId xmlns:a16="http://schemas.microsoft.com/office/drawing/2014/main" id="{F5F4C84B-0955-4630-8756-24C6D0CDE4F4}"/>
+                <a16:creationId xmlns:a16="http://schemas.microsoft.com/office/drawing/2014/main" id="{274E6FB1-798D-4982-9AB0-9CF816854144}"/>
               </a:ext>
             </a:extLst>
           </p:cNvPr>
@@ -10251,17 +10697,17 @@
           <a:p>
             <a:r>
               <a:rPr lang="pl-PL" dirty="0"/>
-              <a:t>Wybrane środowiska</a:t>
+              <a:t>Aplikacja Desktopowa - interfejs</a:t>
             </a:r>
           </a:p>
         </p:txBody>
       </p:sp>
       <p:pic>
         <p:nvPicPr>
-          <p:cNvPr id="5" name="Symbol zastępczy zawartości 4" descr="Obraz zawierający zrzut ekranu&#10;&#10;Opis wygenerowany automatycznie">
+          <p:cNvPr id="5" name="Symbol zastępczy zawartości 4" descr="Obraz zawierający zrzut ekranu, monitor, ekran, komputer&#10;&#10;Opis wygenerowany automatycznie">
             <a:extLst>
               <a:ext uri="{FF2B5EF4-FFF2-40B4-BE49-F238E27FC236}">
-                <a16:creationId xmlns:a16="http://schemas.microsoft.com/office/drawing/2014/main" id="{775EE8FD-62DB-4BFA-9121-D6120FA4921F}"/>
+                <a16:creationId xmlns:a16="http://schemas.microsoft.com/office/drawing/2014/main" id="{316519A3-A569-472A-9E65-0DEF9D67F822}"/>
               </a:ext>
             </a:extLst>
           </p:cNvPr>
@@ -10280,45 +10726,15 @@
         </p:blipFill>
         <p:spPr>
           <a:xfrm>
-            <a:off x="919783" y="2443932"/>
-            <a:ext cx="5007042" cy="3169014"/>
-          </a:xfrm>
-        </p:spPr>
-      </p:pic>
-      <p:pic>
-        <p:nvPicPr>
-          <p:cNvPr id="7" name="Obraz 6" descr="Obraz zawierający zrzut ekranu, monitor, telefon, ekran&#10;&#10;Opis wygenerowany automatycznie">
-            <a:extLst>
-              <a:ext uri="{FF2B5EF4-FFF2-40B4-BE49-F238E27FC236}">
-                <a16:creationId xmlns:a16="http://schemas.microsoft.com/office/drawing/2014/main" id="{8FAEA2A5-D556-4CB1-B340-48B4710A4255}"/>
-              </a:ext>
-            </a:extLst>
-          </p:cNvPr>
-          <p:cNvPicPr>
-            <a:picLocks noChangeAspect="1"/>
-          </p:cNvPicPr>
-          <p:nvPr/>
-        </p:nvPicPr>
-        <p:blipFill>
-          <a:blip r:embed="rId3"/>
-          <a:stretch>
-            <a:fillRect/>
-          </a:stretch>
-        </p:blipFill>
-        <p:spPr>
-          <a:xfrm>
-            <a:off x="6652355" y="2785620"/>
-            <a:ext cx="4835010" cy="2716298"/>
-          </a:xfrm>
-          <a:prstGeom prst="rect">
-            <a:avLst/>
-          </a:prstGeom>
+            <a:off x="3144259" y="2101898"/>
+            <a:ext cx="5903482" cy="4622333"/>
+          </a:xfrm>
         </p:spPr>
       </p:pic>
     </p:spTree>
     <p:extLst>
       <p:ext uri="{BB962C8B-B14F-4D97-AF65-F5344CB8AC3E}">
-        <p14:creationId xmlns:p14="http://schemas.microsoft.com/office/powerpoint/2010/main" val="2753908767"/>
+        <p14:creationId xmlns:p14="http://schemas.microsoft.com/office/powerpoint/2010/main" val="3513395958"/>
       </p:ext>
     </p:extLst>
   </p:cSld>
@@ -10350,7 +10766,7 @@
           <p:cNvPr id="2" name="Tytuł 1">
             <a:extLst>
               <a:ext uri="{FF2B5EF4-FFF2-40B4-BE49-F238E27FC236}">
-                <a16:creationId xmlns:a16="http://schemas.microsoft.com/office/drawing/2014/main" id="{7010F86E-4915-4077-BCCA-F068EEC57175}"/>
+                <a16:creationId xmlns:a16="http://schemas.microsoft.com/office/drawing/2014/main" id="{BEDD8F44-CCB0-432F-87EE-93253D84AB5B}"/>
               </a:ext>
             </a:extLst>
           </p:cNvPr>
@@ -10368,17 +10784,17 @@
           <a:p>
             <a:r>
               <a:rPr lang="pl-PL" dirty="0"/>
-              <a:t>Wybrane środowiska</a:t>
+              <a:t>Aplikacja Desktopowa - funkcjonalność</a:t>
             </a:r>
           </a:p>
         </p:txBody>
       </p:sp>
       <p:pic>
         <p:nvPicPr>
-          <p:cNvPr id="5" name="Symbol zastępczy zawartości 4" descr="Obraz zawierający zrzut ekranu, telefon&#10;&#10;Opis wygenerowany automatycznie">
+          <p:cNvPr id="5" name="Symbol zastępczy zawartości 4" descr="Obraz zawierający zrzut ekranu, monitor&#10;&#10;Opis wygenerowany automatycznie">
             <a:extLst>
               <a:ext uri="{FF2B5EF4-FFF2-40B4-BE49-F238E27FC236}">
-                <a16:creationId xmlns:a16="http://schemas.microsoft.com/office/drawing/2014/main" id="{66F1A036-4CBB-4C07-8BD1-7C07A7F427DD}"/>
+                <a16:creationId xmlns:a16="http://schemas.microsoft.com/office/drawing/2014/main" id="{8F676CA9-40AC-49D9-B4B4-D59F4FE6E421}"/>
               </a:ext>
             </a:extLst>
           </p:cNvPr>
@@ -10397,15 +10813,15 @@
         </p:blipFill>
         <p:spPr>
           <a:xfrm>
-            <a:off x="3230405" y="2312086"/>
-            <a:ext cx="5731190" cy="3598863"/>
+            <a:off x="3180766" y="2078383"/>
+            <a:ext cx="5830467" cy="4593919"/>
           </a:xfrm>
         </p:spPr>
       </p:pic>
     </p:spTree>
     <p:extLst>
       <p:ext uri="{BB962C8B-B14F-4D97-AF65-F5344CB8AC3E}">
-        <p14:creationId xmlns:p14="http://schemas.microsoft.com/office/powerpoint/2010/main" val="2147612439"/>
+        <p14:creationId xmlns:p14="http://schemas.microsoft.com/office/powerpoint/2010/main" val="2889066787"/>
       </p:ext>
     </p:extLst>
   </p:cSld>
@@ -10437,7 +10853,7 @@
           <p:cNvPr id="2" name="Tytuł 1">
             <a:extLst>
               <a:ext uri="{FF2B5EF4-FFF2-40B4-BE49-F238E27FC236}">
-                <a16:creationId xmlns:a16="http://schemas.microsoft.com/office/drawing/2014/main" id="{047502D6-B33D-4D9A-846D-E22E330390DE}"/>
+                <a16:creationId xmlns:a16="http://schemas.microsoft.com/office/drawing/2014/main" id="{4044DB64-5DCF-4FAF-BE97-BC43917EF627}"/>
               </a:ext>
             </a:extLst>
           </p:cNvPr>
@@ -10455,22 +10871,17 @@
           <a:p>
             <a:r>
               <a:rPr lang="pl-PL" dirty="0"/>
-              <a:t>QT </a:t>
-            </a:r>
-            <a:r>
-              <a:rPr lang="pl-PL" dirty="0" err="1"/>
-              <a:t>Creator</a:t>
-            </a:r>
-            <a:endParaRPr lang="pl-PL" dirty="0"/>
+              <a:t>Aplikacja Desktopowa - funkcjonalność</a:t>
+            </a:r>
           </a:p>
         </p:txBody>
       </p:sp>
       <p:pic>
         <p:nvPicPr>
-          <p:cNvPr id="5" name="Symbol zastępczy zawartości 4" descr="Obraz zawierający zrzut ekranu, monitor, komputer, ekran&#10;&#10;Opis wygenerowany automatycznie">
+          <p:cNvPr id="5" name="Symbol zastępczy zawartości 4" descr="Obraz zawierający zrzut ekranu, monitor, ekran, czarny&#10;&#10;Opis wygenerowany automatycznie">
             <a:extLst>
               <a:ext uri="{FF2B5EF4-FFF2-40B4-BE49-F238E27FC236}">
-                <a16:creationId xmlns:a16="http://schemas.microsoft.com/office/drawing/2014/main" id="{9A9998A1-144C-4AF8-8F08-5FC64302034D}"/>
+                <a16:creationId xmlns:a16="http://schemas.microsoft.com/office/drawing/2014/main" id="{26BBCBF4-D489-4E54-AACD-1123262942AA}"/>
               </a:ext>
             </a:extLst>
           </p:cNvPr>
@@ -10489,15 +10900,15 @@
         </p:blipFill>
         <p:spPr>
           <a:xfrm>
-            <a:off x="1978509" y="2064426"/>
-            <a:ext cx="8234982" cy="4705704"/>
+            <a:off x="3138611" y="2088322"/>
+            <a:ext cx="5914777" cy="4660348"/>
           </a:xfrm>
         </p:spPr>
       </p:pic>
     </p:spTree>
     <p:extLst>
       <p:ext uri="{BB962C8B-B14F-4D97-AF65-F5344CB8AC3E}">
-        <p14:creationId xmlns:p14="http://schemas.microsoft.com/office/powerpoint/2010/main" val="1004497374"/>
+        <p14:creationId xmlns:p14="http://schemas.microsoft.com/office/powerpoint/2010/main" val="1208801786"/>
       </p:ext>
     </p:extLst>
   </p:cSld>
@@ -10529,7 +10940,7 @@
           <p:cNvPr id="2" name="Tytuł 1">
             <a:extLst>
               <a:ext uri="{FF2B5EF4-FFF2-40B4-BE49-F238E27FC236}">
-                <a16:creationId xmlns:a16="http://schemas.microsoft.com/office/drawing/2014/main" id="{C2781182-2684-4A1A-ACBA-A4FC4E1A48D3}"/>
+                <a16:creationId xmlns:a16="http://schemas.microsoft.com/office/drawing/2014/main" id="{FBD8E08C-CF7D-4B8E-8349-2660E8C01DB0}"/>
               </a:ext>
             </a:extLst>
           </p:cNvPr>
@@ -10546,22 +10957,18 @@
           <a:lstStyle/>
           <a:p>
             <a:r>
-              <a:rPr lang="pl-PL" dirty="0" err="1"/>
-              <a:t>Qt</a:t>
-            </a:r>
-            <a:r>
               <a:rPr lang="pl-PL" dirty="0"/>
-              <a:t> Designer</a:t>
+              <a:t>Aplikacja Desktopowa – tryb administratora</a:t>
             </a:r>
           </a:p>
         </p:txBody>
       </p:sp>
       <p:pic>
         <p:nvPicPr>
-          <p:cNvPr id="5" name="Symbol zastępczy zawartości 4" descr="Obraz zawierający zrzut ekranu, monitor, sprzęt elektroniczny, ekran&#10;&#10;Opis wygenerowany automatycznie">
+          <p:cNvPr id="5" name="Symbol zastępczy zawartości 4" descr="Obraz zawierający zrzut ekranu, monitor, ekran, komputer&#10;&#10;Opis wygenerowany automatycznie">
             <a:extLst>
               <a:ext uri="{FF2B5EF4-FFF2-40B4-BE49-F238E27FC236}">
-                <a16:creationId xmlns:a16="http://schemas.microsoft.com/office/drawing/2014/main" id="{36DD2F8B-AE72-411F-9A84-7A5984C1739F}"/>
+                <a16:creationId xmlns:a16="http://schemas.microsoft.com/office/drawing/2014/main" id="{7C86CF07-65A4-4FEF-9C7D-F96CDD598402}"/>
               </a:ext>
             </a:extLst>
           </p:cNvPr>
@@ -10580,15 +10987,15 @@
         </p:blipFill>
         <p:spPr>
           <a:xfrm>
-            <a:off x="2050107" y="2076168"/>
-            <a:ext cx="8091785" cy="4623877"/>
+            <a:off x="3056527" y="1988930"/>
+            <a:ext cx="6078946" cy="4789700"/>
           </a:xfrm>
         </p:spPr>
       </p:pic>
     </p:spTree>
     <p:extLst>
       <p:ext uri="{BB962C8B-B14F-4D97-AF65-F5344CB8AC3E}">
-        <p14:creationId xmlns:p14="http://schemas.microsoft.com/office/powerpoint/2010/main" val="1571734805"/>
+        <p14:creationId xmlns:p14="http://schemas.microsoft.com/office/powerpoint/2010/main" val="5326048"/>
       </p:ext>
     </p:extLst>
   </p:cSld>
@@ -10601,6 +11008,41 @@
 <file path=ppt/slides/slide9.xml><?xml version="1.0" encoding="utf-8"?>
 <p:sld xmlns:a="http://schemas.openxmlformats.org/drawingml/2006/main" xmlns:r="http://schemas.openxmlformats.org/officeDocument/2006/relationships" xmlns:p="http://schemas.openxmlformats.org/presentationml/2006/main">
   <p:cSld>
+    <p:bg>
+      <p:bgPr>
+        <a:gradFill rotWithShape="1">
+          <a:gsLst>
+            <a:gs pos="0">
+              <a:schemeClr val="bg2">
+                <a:tint val="96000"/>
+                <a:shade val="100000"/>
+                <a:hueMod val="270000"/>
+                <a:satMod val="200000"/>
+                <a:lumMod val="128000"/>
+              </a:schemeClr>
+            </a:gs>
+            <a:gs pos="50000">
+              <a:schemeClr val="bg2">
+                <a:shade val="100000"/>
+                <a:hueMod val="100000"/>
+                <a:satMod val="110000"/>
+                <a:lumMod val="130000"/>
+              </a:schemeClr>
+            </a:gs>
+            <a:gs pos="100000">
+              <a:schemeClr val="bg2">
+                <a:shade val="78000"/>
+                <a:hueMod val="44000"/>
+                <a:satMod val="200000"/>
+                <a:lumMod val="69000"/>
+              </a:schemeClr>
+            </a:gs>
+          </a:gsLst>
+          <a:lin ang="2520000" scaled="0"/>
+        </a:gradFill>
+        <a:effectLst/>
+      </p:bgPr>
+    </p:bg>
     <p:spTree>
       <p:nvGrpSpPr>
         <p:cNvPr id="1" name=""/>
@@ -10615,12 +11057,281 @@
           <a:chExt cx="0" cy="0"/>
         </a:xfrm>
       </p:grpSpPr>
+      <p:sp useBgFill="1">
+        <p:nvSpPr>
+          <p:cNvPr id="8" name="Rectangle 7">
+            <a:extLst>
+              <a:ext uri="{FF2B5EF4-FFF2-40B4-BE49-F238E27FC236}">
+                <a16:creationId xmlns:a16="http://schemas.microsoft.com/office/drawing/2014/main" id="{4B0FA309-807F-4C17-98EF-A3BA7388E213}"/>
+              </a:ext>
+              <a:ext uri="{C183D7F6-B498-43B3-948B-1728B52AA6E4}">
+                <adec:decorative xmlns:adec="http://schemas.microsoft.com/office/drawing/2017/decorative" val="1"/>
+              </a:ext>
+            </a:extLst>
+          </p:cNvPr>
+          <p:cNvSpPr>
+            <a:spLocks noGrp="1" noRot="1" noChangeAspect="1" noMove="1" noResize="1" noEditPoints="1" noAdjustHandles="1" noChangeArrowheads="1" noChangeShapeType="1" noTextEdit="1"/>
+          </p:cNvSpPr>
+          <p:nvPr>
+            <p:extLst>
+              <p:ext uri="{386F3935-93C4-4BCD-93E2-E3B085C9AB24}">
+                <p16:designElem xmlns:p16="http://schemas.microsoft.com/office/powerpoint/2015/main" val="1"/>
+              </p:ext>
+            </p:extLst>
+          </p:nvPr>
+        </p:nvSpPr>
+        <p:spPr>
+          <a:xfrm>
+            <a:off x="0" y="0"/>
+            <a:ext cx="12188824" cy="6858000"/>
+          </a:xfrm>
+          <a:prstGeom prst="rect">
+            <a:avLst/>
+          </a:prstGeom>
+          <a:ln>
+            <a:noFill/>
+          </a:ln>
+        </p:spPr>
+        <p:style>
+          <a:lnRef idx="2">
+            <a:schemeClr val="accent1">
+              <a:shade val="50000"/>
+            </a:schemeClr>
+          </a:lnRef>
+          <a:fillRef idx="1">
+            <a:schemeClr val="accent1"/>
+          </a:fillRef>
+          <a:effectRef idx="0">
+            <a:schemeClr val="accent1"/>
+          </a:effectRef>
+          <a:fontRef idx="minor">
+            <a:schemeClr val="lt1"/>
+          </a:fontRef>
+        </p:style>
+        <p:txBody>
+          <a:bodyPr rtlCol="0" anchor="ctr"/>
+          <a:lstStyle/>
+          <a:p>
+            <a:pPr algn="ctr"/>
+            <a:endParaRPr lang="en-US"/>
+          </a:p>
+        </p:txBody>
+      </p:sp>
+      <p:pic>
+        <p:nvPicPr>
+          <p:cNvPr id="10" name="Picture 9">
+            <a:extLst>
+              <a:ext uri="{FF2B5EF4-FFF2-40B4-BE49-F238E27FC236}">
+                <a16:creationId xmlns:a16="http://schemas.microsoft.com/office/drawing/2014/main" id="{2642A87B-CAE9-4F8F-B293-28388E45D9EE}"/>
+              </a:ext>
+              <a:ext uri="{C183D7F6-B498-43B3-948B-1728B52AA6E4}">
+                <adec:decorative xmlns:adec="http://schemas.microsoft.com/office/drawing/2017/decorative" val="1"/>
+              </a:ext>
+            </a:extLst>
+          </p:cNvPr>
+          <p:cNvPicPr>
+            <a:picLocks noGrp="1" noRot="1" noChangeAspect="1" noMove="1" noResize="1" noEditPoints="1" noAdjustHandles="1" noChangeArrowheads="1" noChangeShapeType="1" noCrop="1"/>
+          </p:cNvPicPr>
+          <p:nvPr>
+            <p:extLst>
+              <p:ext uri="{386F3935-93C4-4BCD-93E2-E3B085C9AB24}">
+                <p16:designElem xmlns:p16="http://schemas.microsoft.com/office/powerpoint/2015/main" val="1"/>
+              </p:ext>
+            </p:extLst>
+          </p:nvPr>
+        </p:nvPicPr>
+        <p:blipFill>
+          <a:blip r:embed="rId2">
+            <a:alphaModFix amt="10000"/>
+            <a:extLst>
+              <a:ext uri="{28A0092B-C50C-407E-A947-70E740481C1C}">
+                <a14:useLocalDpi xmlns:a14="http://schemas.microsoft.com/office/drawing/2010/main" val="0"/>
+              </a:ext>
+            </a:extLst>
+          </a:blip>
+          <a:stretch>
+            <a:fillRect/>
+          </a:stretch>
+        </p:blipFill>
+        <p:spPr>
+          <a:xfrm>
+            <a:off x="0" y="0"/>
+            <a:ext cx="12192000" cy="6858000"/>
+          </a:xfrm>
+          <a:prstGeom prst="rect">
+            <a:avLst/>
+          </a:prstGeom>
+        </p:spPr>
+      </p:pic>
+      <p:sp>
+        <p:nvSpPr>
+          <p:cNvPr id="12" name="Rectangle 11">
+            <a:extLst>
+              <a:ext uri="{FF2B5EF4-FFF2-40B4-BE49-F238E27FC236}">
+                <a16:creationId xmlns:a16="http://schemas.microsoft.com/office/drawing/2014/main" id="{C8FA1749-B91A-40E7-AD01-0B9C9C6AF74E}"/>
+              </a:ext>
+              <a:ext uri="{C183D7F6-B498-43B3-948B-1728B52AA6E4}">
+                <adec:decorative xmlns:adec="http://schemas.microsoft.com/office/drawing/2017/decorative" val="1"/>
+              </a:ext>
+            </a:extLst>
+          </p:cNvPr>
+          <p:cNvSpPr>
+            <a:spLocks noGrp="1" noRot="1" noChangeAspect="1" noMove="1" noResize="1" noEditPoints="1" noAdjustHandles="1" noChangeArrowheads="1" noChangeShapeType="1" noTextEdit="1"/>
+          </p:cNvSpPr>
+          <p:nvPr>
+            <p:extLst>
+              <p:ext uri="{386F3935-93C4-4BCD-93E2-E3B085C9AB24}">
+                <p16:designElem xmlns:p16="http://schemas.microsoft.com/office/powerpoint/2015/main" val="1"/>
+              </p:ext>
+            </p:extLst>
+          </p:nvPr>
+        </p:nvSpPr>
+        <p:spPr>
+          <a:xfrm>
+            <a:off x="4644527" y="0"/>
+            <a:ext cx="7552944" cy="6858001"/>
+          </a:xfrm>
+          <a:prstGeom prst="rect">
+            <a:avLst/>
+          </a:prstGeom>
+          <a:solidFill>
+            <a:schemeClr val="accent1"/>
+          </a:solidFill>
+          <a:ln>
+            <a:noFill/>
+          </a:ln>
+        </p:spPr>
+        <p:style>
+          <a:lnRef idx="2">
+            <a:schemeClr val="accent1">
+              <a:shade val="50000"/>
+            </a:schemeClr>
+          </a:lnRef>
+          <a:fillRef idx="1">
+            <a:schemeClr val="accent1"/>
+          </a:fillRef>
+          <a:effectRef idx="0">
+            <a:schemeClr val="accent1"/>
+          </a:effectRef>
+          <a:fontRef idx="minor">
+            <a:schemeClr val="lt1"/>
+          </a:fontRef>
+        </p:style>
+        <p:txBody>
+          <a:bodyPr rtlCol="0" anchor="ctr"/>
+          <a:lstStyle/>
+          <a:p>
+            <a:pPr algn="ctr"/>
+            <a:endParaRPr lang="en-US"/>
+          </a:p>
+        </p:txBody>
+      </p:sp>
+      <p:pic>
+        <p:nvPicPr>
+          <p:cNvPr id="14" name="Picture 13">
+            <a:extLst>
+              <a:ext uri="{FF2B5EF4-FFF2-40B4-BE49-F238E27FC236}">
+                <a16:creationId xmlns:a16="http://schemas.microsoft.com/office/drawing/2014/main" id="{3B7A934F-FFF7-4353-83D3-4EF66E93EEF8}"/>
+              </a:ext>
+              <a:ext uri="{C183D7F6-B498-43B3-948B-1728B52AA6E4}">
+                <adec:decorative xmlns:adec="http://schemas.microsoft.com/office/drawing/2017/decorative" val="1"/>
+              </a:ext>
+            </a:extLst>
+          </p:cNvPr>
+          <p:cNvPicPr>
+            <a:picLocks noGrp="1" noRot="1" noChangeAspect="1" noMove="1" noResize="1" noEditPoints="1" noAdjustHandles="1" noChangeArrowheads="1" noChangeShapeType="1" noCrop="1"/>
+          </p:cNvPicPr>
+          <p:nvPr>
+            <p:extLst>
+              <p:ext uri="{386F3935-93C4-4BCD-93E2-E3B085C9AB24}">
+                <p16:designElem xmlns:p16="http://schemas.microsoft.com/office/powerpoint/2015/main" val="1"/>
+              </p:ext>
+            </p:extLst>
+          </p:nvPr>
+        </p:nvPicPr>
+        <p:blipFill>
+          <a:blip r:embed="rId3" cstate="print">
+            <a:extLst>
+              <a:ext uri="{28A0092B-C50C-407E-A947-70E740481C1C}">
+                <a14:useLocalDpi xmlns:a14="http://schemas.microsoft.com/office/drawing/2010/main" val="0"/>
+              </a:ext>
+            </a:extLst>
+          </a:blip>
+          <a:stretch>
+            <a:fillRect/>
+          </a:stretch>
+        </p:blipFill>
+        <p:spPr>
+          <a:xfrm>
+            <a:off x="1" y="5006045"/>
+            <a:ext cx="4965192" cy="144668"/>
+          </a:xfrm>
+          <a:prstGeom prst="rect">
+            <a:avLst/>
+          </a:prstGeom>
+        </p:spPr>
+      </p:pic>
+      <p:sp>
+        <p:nvSpPr>
+          <p:cNvPr id="16" name="Rectangle 15">
+            <a:extLst>
+              <a:ext uri="{FF2B5EF4-FFF2-40B4-BE49-F238E27FC236}">
+                <a16:creationId xmlns:a16="http://schemas.microsoft.com/office/drawing/2014/main" id="{700676C8-6DE8-47DD-9A23-D42063A12E10}"/>
+              </a:ext>
+              <a:ext uri="{C183D7F6-B498-43B3-948B-1728B52AA6E4}">
+                <adec:decorative xmlns:adec="http://schemas.microsoft.com/office/drawing/2017/decorative" val="1"/>
+              </a:ext>
+            </a:extLst>
+          </p:cNvPr>
+          <p:cNvSpPr>
+            <a:spLocks noGrp="1" noRot="1" noChangeAspect="1" noMove="1" noResize="1" noEditPoints="1" noAdjustHandles="1" noChangeArrowheads="1" noChangeShapeType="1" noTextEdit="1"/>
+          </p:cNvSpPr>
+          <p:nvPr>
+            <p:extLst>
+              <p:ext uri="{386F3935-93C4-4BCD-93E2-E3B085C9AB24}">
+                <p16:designElem xmlns:p16="http://schemas.microsoft.com/office/powerpoint/2015/main" val="1"/>
+              </p:ext>
+            </p:extLst>
+          </p:nvPr>
+        </p:nvSpPr>
+        <p:spPr>
+          <a:xfrm>
+            <a:off x="-1" y="1838764"/>
+            <a:ext cx="4964567" cy="3180473"/>
+          </a:xfrm>
+          <a:prstGeom prst="rect">
+            <a:avLst/>
+          </a:prstGeom>
+          <a:solidFill>
+            <a:srgbClr val="262626"/>
+          </a:solidFill>
+          <a:ln>
+            <a:noFill/>
+          </a:ln>
+        </p:spPr>
+        <p:style>
+          <a:lnRef idx="2">
+            <a:schemeClr val="accent1">
+              <a:shade val="50000"/>
+            </a:schemeClr>
+          </a:lnRef>
+          <a:fillRef idx="1">
+            <a:schemeClr val="accent1"/>
+          </a:fillRef>
+          <a:effectRef idx="0">
+            <a:schemeClr val="accent1"/>
+          </a:effectRef>
+          <a:fontRef idx="minor">
+            <a:schemeClr val="lt1"/>
+          </a:fontRef>
+        </p:style>
+      </p:sp>
       <p:sp>
         <p:nvSpPr>
           <p:cNvPr id="2" name="Tytuł 1">
             <a:extLst>
               <a:ext uri="{FF2B5EF4-FFF2-40B4-BE49-F238E27FC236}">
-                <a16:creationId xmlns:a16="http://schemas.microsoft.com/office/drawing/2014/main" id="{34A9AA28-20D1-451F-A6A0-BE007C548616}"/>
+                <a16:creationId xmlns:a16="http://schemas.microsoft.com/office/drawing/2014/main" id="{2294BD86-C7CC-47E5-9CA5-8D232644AAF8}"/>
               </a:ext>
             </a:extLst>
           </p:cNvPr>
@@ -10631,28 +11342,36 @@
             <p:ph type="title"/>
           </p:nvPr>
         </p:nvSpPr>
-        <p:spPr/>
-        <p:txBody>
-          <a:bodyPr/>
+        <p:spPr>
+          <a:xfrm>
+            <a:off x="680321" y="2063262"/>
+            <a:ext cx="3739279" cy="2661052"/>
+          </a:xfrm>
+        </p:spPr>
+        <p:txBody>
+          <a:bodyPr>
+            <a:normAutofit/>
+          </a:bodyPr>
           <a:lstStyle/>
           <a:p>
-            <a:r>
-              <a:rPr lang="pl-PL" dirty="0" err="1"/>
-              <a:t>Arduino</a:t>
-            </a:r>
-            <a:r>
-              <a:rPr lang="pl-PL" dirty="0"/>
-              <a:t> IDE</a:t>
+            <a:pPr algn="r"/>
+            <a:r>
+              <a:rPr lang="pl-PL" sz="4400" dirty="0">
+                <a:solidFill>
+                  <a:srgbClr val="FFFFFF"/>
+                </a:solidFill>
+              </a:rPr>
+              <a:t>Aplikacja Android</a:t>
             </a:r>
           </a:p>
         </p:txBody>
       </p:sp>
       <p:pic>
         <p:nvPicPr>
-          <p:cNvPr id="5" name="Symbol zastępczy zawartości 4" descr="Obraz zawierający zrzut ekranu&#10;&#10;Opis wygenerowany automatycznie">
+          <p:cNvPr id="5" name="Symbol zastępczy zawartości 4" descr="Obraz zawierający zrzut ekranu, zegar&#10;&#10;Opis wygenerowany automatycznie">
             <a:extLst>
               <a:ext uri="{FF2B5EF4-FFF2-40B4-BE49-F238E27FC236}">
-                <a16:creationId xmlns:a16="http://schemas.microsoft.com/office/drawing/2014/main" id="{C5F2B9F7-F41F-4080-BFBD-FB7B723FC601}"/>
+                <a16:creationId xmlns:a16="http://schemas.microsoft.com/office/drawing/2014/main" id="{1F078DD3-E0CD-4B38-8AD4-A0734B9DCC76}"/>
               </a:ext>
             </a:extLst>
           </p:cNvPr>
@@ -10664,22 +11383,22 @@
           </p:nvPr>
         </p:nvPicPr>
         <p:blipFill>
-          <a:blip r:embed="rId2"/>
+          <a:blip r:embed="rId4"/>
           <a:stretch>
             <a:fillRect/>
           </a:stretch>
         </p:blipFill>
         <p:spPr>
           <a:xfrm>
-            <a:off x="2112216" y="2147415"/>
-            <a:ext cx="7967568" cy="4552896"/>
+            <a:off x="6838384" y="0"/>
+            <a:ext cx="3165230" cy="6858000"/>
           </a:xfrm>
         </p:spPr>
       </p:pic>
     </p:spTree>
     <p:extLst>
       <p:ext uri="{BB962C8B-B14F-4D97-AF65-F5344CB8AC3E}">
-        <p14:creationId xmlns:p14="http://schemas.microsoft.com/office/powerpoint/2010/main" val="2090030534"/>
+        <p14:creationId xmlns:p14="http://schemas.microsoft.com/office/powerpoint/2010/main" val="2795247331"/>
       </p:ext>
     </p:extLst>
   </p:cSld>

--- a/przentacja.pptx
+++ b/przentacja.pptx
@@ -8,18 +8,19 @@
     <p:sldId id="256" r:id="rId2"/>
     <p:sldId id="257" r:id="rId3"/>
     <p:sldId id="259" r:id="rId4"/>
-    <p:sldId id="260" r:id="rId5"/>
-    <p:sldId id="274" r:id="rId6"/>
-    <p:sldId id="279" r:id="rId7"/>
-    <p:sldId id="280" r:id="rId8"/>
-    <p:sldId id="281" r:id="rId9"/>
-    <p:sldId id="282" r:id="rId10"/>
-    <p:sldId id="283" r:id="rId11"/>
-    <p:sldId id="284" r:id="rId12"/>
-    <p:sldId id="285" r:id="rId13"/>
-    <p:sldId id="271" r:id="rId14"/>
-    <p:sldId id="272" r:id="rId15"/>
-    <p:sldId id="267" r:id="rId16"/>
+    <p:sldId id="286" r:id="rId5"/>
+    <p:sldId id="260" r:id="rId6"/>
+    <p:sldId id="274" r:id="rId7"/>
+    <p:sldId id="279" r:id="rId8"/>
+    <p:sldId id="280" r:id="rId9"/>
+    <p:sldId id="281" r:id="rId10"/>
+    <p:sldId id="282" r:id="rId11"/>
+    <p:sldId id="283" r:id="rId12"/>
+    <p:sldId id="284" r:id="rId13"/>
+    <p:sldId id="285" r:id="rId14"/>
+    <p:sldId id="271" r:id="rId15"/>
+    <p:sldId id="272" r:id="rId16"/>
+    <p:sldId id="267" r:id="rId17"/>
   </p:sldIdLst>
   <p:sldSz cx="12192000" cy="6858000"/>
   <p:notesSz cx="6858000" cy="9144000"/>
@@ -400,7 +401,7 @@
           <a:p>
             <a:fld id="{78ABE3C1-DBE1-495D-B57B-2849774B866A}" type="datetimeFigureOut">
               <a:rPr lang="en-US" dirty="0"/>
-              <a:t>6/2/2020</a:t>
+              <a:t>6/4/2020</a:t>
             </a:fld>
             <a:endParaRPr lang="en-US" dirty="0"/>
           </a:p>
@@ -809,7 +810,7 @@
           <a:p>
             <a:fld id="{446C117F-5CCF-4837-BE5F-2B92066CAFAF}" type="datetimeFigureOut">
               <a:rPr lang="en-US" dirty="0"/>
-              <a:t>6/2/2020</a:t>
+              <a:t>6/4/2020</a:t>
             </a:fld>
             <a:endParaRPr lang="en-US" dirty="0"/>
           </a:p>
@@ -1140,7 +1141,7 @@
           <a:p>
             <a:fld id="{84EB90BD-B6CE-46B7-997F-7313B992CCDC}" type="datetimeFigureOut">
               <a:rPr lang="en-US" dirty="0"/>
-              <a:t>6/2/2020</a:t>
+              <a:t>6/4/2020</a:t>
             </a:fld>
             <a:endParaRPr lang="en-US" dirty="0"/>
           </a:p>
@@ -1540,7 +1541,7 @@
           <a:p>
             <a:fld id="{CDB9D11F-B188-461D-B23F-39381795C052}" type="datetimeFigureOut">
               <a:rPr lang="en-US" dirty="0"/>
-              <a:t>6/2/2020</a:t>
+              <a:t>6/4/2020</a:t>
             </a:fld>
             <a:endParaRPr lang="en-US" dirty="0"/>
           </a:p>
@@ -2103,7 +2104,7 @@
           <a:p>
             <a:fld id="{52E6D8D9-55A2-4063-B0F3-121F44549695}" type="datetimeFigureOut">
               <a:rPr lang="en-US" dirty="0"/>
-              <a:t>6/2/2020</a:t>
+              <a:t>6/4/2020</a:t>
             </a:fld>
             <a:endParaRPr lang="en-US" dirty="0"/>
           </a:p>
@@ -2779,7 +2780,7 @@
           <a:p>
             <a:fld id="{D4B24536-994D-4021-A283-9F449C0DB509}" type="datetimeFigureOut">
               <a:rPr lang="en-US" dirty="0"/>
-              <a:t>6/2/2020</a:t>
+              <a:t>6/4/2020</a:t>
             </a:fld>
             <a:endParaRPr lang="en-US" dirty="0"/>
           </a:p>
@@ -3687,7 +3688,7 @@
           <a:p>
             <a:fld id="{3CBBBB78-C96F-47B7-AB17-D852CA960AC9}" type="datetimeFigureOut">
               <a:rPr lang="en-US" dirty="0"/>
-              <a:t>6/2/2020</a:t>
+              <a:t>6/4/2020</a:t>
             </a:fld>
             <a:endParaRPr lang="en-US" dirty="0"/>
           </a:p>
@@ -3995,7 +3996,7 @@
           <a:p>
             <a:fld id="{1FA3F48C-C7C6-4055-9F49-3777875E72AE}" type="datetimeFigureOut">
               <a:rPr lang="en-US" dirty="0"/>
-              <a:t>6/2/2020</a:t>
+              <a:t>6/4/2020</a:t>
             </a:fld>
             <a:endParaRPr lang="en-US" dirty="0"/>
           </a:p>
@@ -4254,7 +4255,7 @@
           <a:p>
             <a:fld id="{6178E61D-D431-422C-9764-11DAFE33AB63}" type="datetimeFigureOut">
               <a:rPr lang="en-US" dirty="0"/>
-              <a:t>6/2/2020</a:t>
+              <a:t>6/4/2020</a:t>
             </a:fld>
             <a:endParaRPr lang="en-US" dirty="0"/>
           </a:p>
@@ -4573,7 +4574,7 @@
           <a:p>
             <a:fld id="{12DE42F4-6EEF-4EF7-8ED4-2208F0F89A08}" type="datetimeFigureOut">
               <a:rPr lang="en-US" dirty="0"/>
-              <a:t>6/2/2020</a:t>
+              <a:t>6/4/2020</a:t>
             </a:fld>
             <a:endParaRPr lang="en-US" dirty="0"/>
           </a:p>
@@ -4957,7 +4958,7 @@
           <a:p>
             <a:fld id="{30578ACC-22D6-47C1-A373-4FD133E34F3C}" type="datetimeFigureOut">
               <a:rPr lang="en-US" dirty="0"/>
-              <a:t>6/2/2020</a:t>
+              <a:t>6/4/2020</a:t>
             </a:fld>
             <a:endParaRPr lang="en-US" dirty="0"/>
           </a:p>
@@ -5328,7 +5329,7 @@
           <a:p>
             <a:fld id="{4E5A6C69-6797-4E8A-BF37-F2C3751466E9}" type="datetimeFigureOut">
               <a:rPr lang="en-US" dirty="0"/>
-              <a:t>6/2/2020</a:t>
+              <a:t>6/4/2020</a:t>
             </a:fld>
             <a:endParaRPr lang="en-US" dirty="0"/>
           </a:p>
@@ -5829,7 +5830,7 @@
           <a:p>
             <a:fld id="{D82014A1-A632-4878-A0D3-F52BA7563730}" type="datetimeFigureOut">
               <a:rPr lang="en-US" dirty="0"/>
-              <a:t>6/2/2020</a:t>
+              <a:t>6/4/2020</a:t>
             </a:fld>
             <a:endParaRPr lang="en-US" dirty="0"/>
           </a:p>
@@ -6081,7 +6082,7 @@
           <a:p>
             <a:fld id="{CE99F462-093F-4566-844B-4C71F2739DA5}" type="datetimeFigureOut">
               <a:rPr lang="en-US" dirty="0"/>
-              <a:t>6/2/2020</a:t>
+              <a:t>6/4/2020</a:t>
             </a:fld>
             <a:endParaRPr lang="en-US" dirty="0"/>
           </a:p>
@@ -6239,7 +6240,7 @@
           <a:p>
             <a:fld id="{3D24A7AC-904D-4781-85BA-7D10C17ED021}" type="datetimeFigureOut">
               <a:rPr lang="en-US" dirty="0"/>
-              <a:t>6/2/2020</a:t>
+              <a:t>6/4/2020</a:t>
             </a:fld>
             <a:endParaRPr lang="en-US" dirty="0"/>
           </a:p>
@@ -6624,7 +6625,7 @@
           <a:p>
             <a:fld id="{E331444B-B92B-4E27-8C94-BB93EAF5CB18}" type="datetimeFigureOut">
               <a:rPr lang="en-US" dirty="0"/>
-              <a:t>6/2/2020</a:t>
+              <a:t>6/4/2020</a:t>
             </a:fld>
             <a:endParaRPr lang="en-US" dirty="0"/>
           </a:p>
@@ -7028,7 +7029,7 @@
           <a:p>
             <a:fld id="{363EFA5E-FA76-400D-B3DC-F0BA90E6D107}" type="datetimeFigureOut">
               <a:rPr lang="en-US" dirty="0"/>
-              <a:t>6/2/2020</a:t>
+              <a:t>6/4/2020</a:t>
             </a:fld>
             <a:endParaRPr lang="en-US" dirty="0"/>
           </a:p>
@@ -7267,7 +7268,7 @@
           <a:p>
             <a:fld id="{9D6E9DEC-419B-4CC5-A080-3B06BD5A8291}" type="datetimeFigureOut">
               <a:rPr lang="en-US" dirty="0"/>
-              <a:t>6/2/2020</a:t>
+              <a:t>6/4/2020</a:t>
             </a:fld>
             <a:endParaRPr lang="en-US" dirty="0"/>
           </a:p>
@@ -7731,25 +7732,29 @@
         </p:nvSpPr>
         <p:spPr>
           <a:xfrm>
-            <a:off x="779176" y="4385801"/>
-            <a:ext cx="8144134" cy="1117687"/>
-          </a:xfrm>
-        </p:spPr>
-        <p:txBody>
-          <a:bodyPr/>
+            <a:off x="0" y="6149130"/>
+            <a:ext cx="8144134" cy="708870"/>
+          </a:xfrm>
+        </p:spPr>
+        <p:txBody>
+          <a:bodyPr>
+            <a:normAutofit lnSpcReduction="10000"/>
+          </a:bodyPr>
           <a:lstStyle/>
           <a:p>
+            <a:pPr algn="l"/>
             <a:r>
               <a:rPr lang="pl-PL" dirty="0"/>
               <a:t>Projekt zgłoszony przez firmę </a:t>
             </a:r>
             <a:r>
               <a:rPr lang="pl-PL" dirty="0" err="1"/>
-              <a:t>InterElecom</a:t>
+              <a:t>InterElcom</a:t>
             </a:r>
             <a:endParaRPr lang="pl-PL" dirty="0"/>
           </a:p>
           <a:p>
+            <a:pPr algn="l"/>
             <a:r>
               <a:rPr lang="pl-PL" dirty="0"/>
               <a:t>Prowadzący: Dr inż. Jan Nikodem</a:t>
@@ -7832,6 +7837,143 @@
           </a:prstGeom>
         </p:spPr>
       </p:pic>
+      <p:sp>
+        <p:nvSpPr>
+          <p:cNvPr id="4" name="pole tekstowe 3">
+            <a:extLst>
+              <a:ext uri="{FF2B5EF4-FFF2-40B4-BE49-F238E27FC236}">
+                <a16:creationId xmlns:a16="http://schemas.microsoft.com/office/drawing/2014/main" id="{1088FBA3-0DDB-4A12-9611-4DDA8911933C}"/>
+              </a:ext>
+            </a:extLst>
+          </p:cNvPr>
+          <p:cNvSpPr txBox="1"/>
+          <p:nvPr/>
+        </p:nvSpPr>
+        <p:spPr>
+          <a:xfrm>
+            <a:off x="9088073" y="4983061"/>
+            <a:ext cx="3103927" cy="1754326"/>
+          </a:xfrm>
+          <a:prstGeom prst="rect">
+            <a:avLst/>
+          </a:prstGeom>
+          <a:noFill/>
+        </p:spPr>
+        <p:txBody>
+          <a:bodyPr wrap="square" rtlCol="0">
+            <a:spAutoFit/>
+          </a:bodyPr>
+          <a:lstStyle/>
+          <a:p>
+            <a:r>
+              <a:rPr lang="pl-PL" dirty="0"/>
+              <a:t>Grupa:</a:t>
+            </a:r>
+          </a:p>
+          <a:p>
+            <a:pPr marL="285750" indent="-285750">
+              <a:buFont typeface="Arial" panose="020B0604020202020204" pitchFamily="34" charset="0"/>
+              <a:buChar char="•"/>
+            </a:pPr>
+            <a:r>
+              <a:rPr lang="pl-PL" dirty="0"/>
+              <a:t>Adam Krizar</a:t>
+            </a:r>
+          </a:p>
+          <a:p>
+            <a:pPr marL="285750" indent="-285750">
+              <a:buFont typeface="Arial" panose="020B0604020202020204" pitchFamily="34" charset="0"/>
+              <a:buChar char="•"/>
+            </a:pPr>
+            <a:r>
+              <a:rPr lang="pl-PL" dirty="0"/>
+              <a:t>Arkadiusz Cichy</a:t>
+            </a:r>
+          </a:p>
+          <a:p>
+            <a:pPr marL="285750" indent="-285750">
+              <a:buFont typeface="Arial" panose="020B0604020202020204" pitchFamily="34" charset="0"/>
+              <a:buChar char="•"/>
+            </a:pPr>
+            <a:r>
+              <a:rPr lang="pl-PL" dirty="0"/>
+              <a:t>Katarzyna Czajkowska </a:t>
+            </a:r>
+          </a:p>
+          <a:p>
+            <a:pPr marL="285750" indent="-285750">
+              <a:buFont typeface="Arial" panose="020B0604020202020204" pitchFamily="34" charset="0"/>
+              <a:buChar char="•"/>
+            </a:pPr>
+            <a:r>
+              <a:rPr lang="pl-PL" dirty="0"/>
+              <a:t>Mateusz </a:t>
+            </a:r>
+            <a:r>
+              <a:rPr lang="pl-PL" dirty="0" err="1"/>
+              <a:t>Gurski</a:t>
+            </a:r>
+            <a:endParaRPr lang="pl-PL" dirty="0"/>
+          </a:p>
+          <a:p>
+            <a:pPr marL="285750" indent="-285750">
+              <a:buFont typeface="Arial" panose="020B0604020202020204" pitchFamily="34" charset="0"/>
+              <a:buChar char="•"/>
+            </a:pPr>
+            <a:r>
+              <a:rPr lang="pl-PL" dirty="0"/>
+              <a:t>Szymon Cichy</a:t>
+            </a:r>
+          </a:p>
+        </p:txBody>
+      </p:sp>
+      <p:sp>
+        <p:nvSpPr>
+          <p:cNvPr id="6" name="pole tekstowe 5">
+            <a:extLst>
+              <a:ext uri="{FF2B5EF4-FFF2-40B4-BE49-F238E27FC236}">
+                <a16:creationId xmlns:a16="http://schemas.microsoft.com/office/drawing/2014/main" id="{E4098600-F94D-4083-8C2B-22B1CA5636FB}"/>
+              </a:ext>
+            </a:extLst>
+          </p:cNvPr>
+          <p:cNvSpPr txBox="1"/>
+          <p:nvPr/>
+        </p:nvSpPr>
+        <p:spPr>
+          <a:xfrm>
+            <a:off x="9088073" y="2658070"/>
+            <a:ext cx="2869035" cy="923330"/>
+          </a:xfrm>
+          <a:prstGeom prst="rect">
+            <a:avLst/>
+          </a:prstGeom>
+          <a:noFill/>
+        </p:spPr>
+        <p:txBody>
+          <a:bodyPr wrap="square" rtlCol="0">
+            <a:spAutoFit/>
+          </a:bodyPr>
+          <a:lstStyle/>
+          <a:p>
+            <a:r>
+              <a:rPr lang="pl-PL" dirty="0"/>
+              <a:t>Wydział: Elektronika</a:t>
+            </a:r>
+          </a:p>
+          <a:p>
+            <a:r>
+              <a:rPr lang="pl-PL" dirty="0"/>
+              <a:t>Kierunek: Informatyka</a:t>
+            </a:r>
+          </a:p>
+          <a:p>
+            <a:r>
+              <a:rPr lang="pl-PL" dirty="0"/>
+              <a:t>Projekt zespołowy</a:t>
+            </a:r>
+          </a:p>
+        </p:txBody>
+      </p:sp>
     </p:spTree>
     <p:extLst>
       <p:ext uri="{BB962C8B-B14F-4D97-AF65-F5344CB8AC3E}">
@@ -8208,10 +8350,10 @@
       </p:sp>
       <p:pic>
         <p:nvPicPr>
-          <p:cNvPr id="5" name="Symbol zastępczy zawartości 4" descr="Obraz zawierający zrzut ekranu&#10;&#10;Opis wygenerowany automatycznie">
+          <p:cNvPr id="5" name="Symbol zastępczy zawartości 4" descr="Obraz zawierający zrzut ekranu, zegar&#10;&#10;Opis wygenerowany automatycznie">
             <a:extLst>
               <a:ext uri="{FF2B5EF4-FFF2-40B4-BE49-F238E27FC236}">
-                <a16:creationId xmlns:a16="http://schemas.microsoft.com/office/drawing/2014/main" id="{EE4DCDC3-42C3-49EB-B85E-F14E660E130A}"/>
+                <a16:creationId xmlns:a16="http://schemas.microsoft.com/office/drawing/2014/main" id="{1F078DD3-E0CD-4B38-8AD4-A0734B9DCC76}"/>
               </a:ext>
             </a:extLst>
           </p:cNvPr>
@@ -8235,10 +8377,45 @@
           </a:xfrm>
         </p:spPr>
       </p:pic>
+      <p:sp>
+        <p:nvSpPr>
+          <p:cNvPr id="9" name="pole tekstowe 8">
+            <a:extLst>
+              <a:ext uri="{FF2B5EF4-FFF2-40B4-BE49-F238E27FC236}">
+                <a16:creationId xmlns:a16="http://schemas.microsoft.com/office/drawing/2014/main" id="{0E1BFBBC-32CD-4B22-AB61-0CC554DF32B5}"/>
+              </a:ext>
+            </a:extLst>
+          </p:cNvPr>
+          <p:cNvSpPr txBox="1"/>
+          <p:nvPr/>
+        </p:nvSpPr>
+        <p:spPr>
+          <a:xfrm>
+            <a:off x="11367083" y="6488668"/>
+            <a:ext cx="860305" cy="369332"/>
+          </a:xfrm>
+          <a:prstGeom prst="rect">
+            <a:avLst/>
+          </a:prstGeom>
+          <a:noFill/>
+        </p:spPr>
+        <p:txBody>
+          <a:bodyPr wrap="square" rtlCol="0">
+            <a:spAutoFit/>
+          </a:bodyPr>
+          <a:lstStyle/>
+          <a:p>
+            <a:r>
+              <a:rPr lang="pl-PL" dirty="0"/>
+              <a:t>10/16</a:t>
+            </a:r>
+          </a:p>
+        </p:txBody>
+      </p:sp>
     </p:spTree>
     <p:extLst>
       <p:ext uri="{BB962C8B-B14F-4D97-AF65-F5344CB8AC3E}">
-        <p14:creationId xmlns:p14="http://schemas.microsoft.com/office/powerpoint/2010/main" val="1948458012"/>
+        <p14:creationId xmlns:p14="http://schemas.microsoft.com/office/powerpoint/2010/main" val="2795247331"/>
       </p:ext>
     </p:extLst>
   </p:cSld>
@@ -8611,10 +8788,10 @@
       </p:sp>
       <p:pic>
         <p:nvPicPr>
-          <p:cNvPr id="5" name="Symbol zastępczy zawartości 4" descr="Obraz zawierający zrzut ekranu, rysunek, mikrofalówka&#10;&#10;Opis wygenerowany automatycznie">
+          <p:cNvPr id="5" name="Symbol zastępczy zawartości 4" descr="Obraz zawierający zrzut ekranu&#10;&#10;Opis wygenerowany automatycznie">
             <a:extLst>
               <a:ext uri="{FF2B5EF4-FFF2-40B4-BE49-F238E27FC236}">
-                <a16:creationId xmlns:a16="http://schemas.microsoft.com/office/drawing/2014/main" id="{95F17CB6-6783-4C52-B754-5F7F9CF403B4}"/>
+                <a16:creationId xmlns:a16="http://schemas.microsoft.com/office/drawing/2014/main" id="{EE4DCDC3-42C3-49EB-B85E-F14E660E130A}"/>
               </a:ext>
             </a:extLst>
           </p:cNvPr>
@@ -8633,15 +8810,50 @@
         </p:blipFill>
         <p:spPr>
           <a:xfrm>
-            <a:off x="6835991" y="-10367"/>
-            <a:ext cx="3170015" cy="6868367"/>
+            <a:off x="6838384" y="0"/>
+            <a:ext cx="3165230" cy="6858000"/>
           </a:xfrm>
         </p:spPr>
       </p:pic>
+      <p:sp>
+        <p:nvSpPr>
+          <p:cNvPr id="9" name="pole tekstowe 8">
+            <a:extLst>
+              <a:ext uri="{FF2B5EF4-FFF2-40B4-BE49-F238E27FC236}">
+                <a16:creationId xmlns:a16="http://schemas.microsoft.com/office/drawing/2014/main" id="{314D116A-1CB5-4429-92DF-38606077B1E1}"/>
+              </a:ext>
+            </a:extLst>
+          </p:cNvPr>
+          <p:cNvSpPr txBox="1"/>
+          <p:nvPr/>
+        </p:nvSpPr>
+        <p:spPr>
+          <a:xfrm>
+            <a:off x="11367083" y="6488668"/>
+            <a:ext cx="860305" cy="369332"/>
+          </a:xfrm>
+          <a:prstGeom prst="rect">
+            <a:avLst/>
+          </a:prstGeom>
+          <a:noFill/>
+        </p:spPr>
+        <p:txBody>
+          <a:bodyPr wrap="square" rtlCol="0">
+            <a:spAutoFit/>
+          </a:bodyPr>
+          <a:lstStyle/>
+          <a:p>
+            <a:r>
+              <a:rPr lang="pl-PL" dirty="0"/>
+              <a:t>11/16</a:t>
+            </a:r>
+          </a:p>
+        </p:txBody>
+      </p:sp>
     </p:spTree>
     <p:extLst>
       <p:ext uri="{BB962C8B-B14F-4D97-AF65-F5344CB8AC3E}">
-        <p14:creationId xmlns:p14="http://schemas.microsoft.com/office/powerpoint/2010/main" val="3668903003"/>
+        <p14:creationId xmlns:p14="http://schemas.microsoft.com/office/powerpoint/2010/main" val="1948458012"/>
       </p:ext>
     </p:extLst>
   </p:cSld>
@@ -9014,10 +9226,10 @@
       </p:sp>
       <p:pic>
         <p:nvPicPr>
-          <p:cNvPr id="5" name="Symbol zastępczy zawartości 4" descr="Obraz zawierający zrzut ekranu, rysunek&#10;&#10;Opis wygenerowany automatycznie">
+          <p:cNvPr id="5" name="Symbol zastępczy zawartości 4" descr="Obraz zawierający zrzut ekranu, rysunek, mikrofalówka&#10;&#10;Opis wygenerowany automatycznie">
             <a:extLst>
               <a:ext uri="{FF2B5EF4-FFF2-40B4-BE49-F238E27FC236}">
-                <a16:creationId xmlns:a16="http://schemas.microsoft.com/office/drawing/2014/main" id="{CE942DEC-B810-4C4D-817B-F9938F0BBBC9}"/>
+                <a16:creationId xmlns:a16="http://schemas.microsoft.com/office/drawing/2014/main" id="{95F17CB6-6783-4C52-B754-5F7F9CF403B4}"/>
               </a:ext>
             </a:extLst>
           </p:cNvPr>
@@ -9036,15 +9248,50 @@
         </p:blipFill>
         <p:spPr>
           <a:xfrm>
-            <a:off x="6838029" y="0"/>
-            <a:ext cx="3165940" cy="6859538"/>
+            <a:off x="6835991" y="-10367"/>
+            <a:ext cx="3170015" cy="6868367"/>
           </a:xfrm>
         </p:spPr>
       </p:pic>
+      <p:sp>
+        <p:nvSpPr>
+          <p:cNvPr id="9" name="pole tekstowe 8">
+            <a:extLst>
+              <a:ext uri="{FF2B5EF4-FFF2-40B4-BE49-F238E27FC236}">
+                <a16:creationId xmlns:a16="http://schemas.microsoft.com/office/drawing/2014/main" id="{35FB483C-DD0C-4E46-AE0F-FE9CBC57AA46}"/>
+              </a:ext>
+            </a:extLst>
+          </p:cNvPr>
+          <p:cNvSpPr txBox="1"/>
+          <p:nvPr/>
+        </p:nvSpPr>
+        <p:spPr>
+          <a:xfrm>
+            <a:off x="11367083" y="6488668"/>
+            <a:ext cx="860305" cy="369332"/>
+          </a:xfrm>
+          <a:prstGeom prst="rect">
+            <a:avLst/>
+          </a:prstGeom>
+          <a:noFill/>
+        </p:spPr>
+        <p:txBody>
+          <a:bodyPr wrap="square" rtlCol="0">
+            <a:spAutoFit/>
+          </a:bodyPr>
+          <a:lstStyle/>
+          <a:p>
+            <a:r>
+              <a:rPr lang="pl-PL" dirty="0"/>
+              <a:t>12/16</a:t>
+            </a:r>
+          </a:p>
+        </p:txBody>
+      </p:sp>
     </p:spTree>
     <p:extLst>
       <p:ext uri="{BB962C8B-B14F-4D97-AF65-F5344CB8AC3E}">
-        <p14:creationId xmlns:p14="http://schemas.microsoft.com/office/powerpoint/2010/main" val="2802582942"/>
+        <p14:creationId xmlns:p14="http://schemas.microsoft.com/office/powerpoint/2010/main" val="3668903003"/>
       </p:ext>
     </p:extLst>
   </p:cSld>
@@ -9057,6 +9304,41 @@
 <file path=ppt/slides/slide13.xml><?xml version="1.0" encoding="utf-8"?>
 <p:sld xmlns:a="http://schemas.openxmlformats.org/drawingml/2006/main" xmlns:r="http://schemas.openxmlformats.org/officeDocument/2006/relationships" xmlns:p="http://schemas.openxmlformats.org/presentationml/2006/main">
   <p:cSld>
+    <p:bg>
+      <p:bgPr>
+        <a:gradFill rotWithShape="1">
+          <a:gsLst>
+            <a:gs pos="0">
+              <a:schemeClr val="bg2">
+                <a:tint val="96000"/>
+                <a:shade val="100000"/>
+                <a:hueMod val="270000"/>
+                <a:satMod val="200000"/>
+                <a:lumMod val="128000"/>
+              </a:schemeClr>
+            </a:gs>
+            <a:gs pos="50000">
+              <a:schemeClr val="bg2">
+                <a:shade val="100000"/>
+                <a:hueMod val="100000"/>
+                <a:satMod val="110000"/>
+                <a:lumMod val="130000"/>
+              </a:schemeClr>
+            </a:gs>
+            <a:gs pos="100000">
+              <a:schemeClr val="bg2">
+                <a:shade val="78000"/>
+                <a:hueMod val="44000"/>
+                <a:satMod val="200000"/>
+                <a:lumMod val="69000"/>
+              </a:schemeClr>
+            </a:gs>
+          </a:gsLst>
+          <a:lin ang="2520000" scaled="0"/>
+        </a:gradFill>
+        <a:effectLst/>
+      </p:bgPr>
+    </p:bg>
     <p:spTree>
       <p:nvGrpSpPr>
         <p:cNvPr id="1" name=""/>
@@ -9071,219 +9353,106 @@
           <a:chExt cx="0" cy="0"/>
         </a:xfrm>
       </p:grpSpPr>
-      <p:sp>
-        <p:nvSpPr>
-          <p:cNvPr id="2" name="Tytuł 1">
+      <p:sp useBgFill="1">
+        <p:nvSpPr>
+          <p:cNvPr id="8" name="Rectangle 7">
             <a:extLst>
               <a:ext uri="{FF2B5EF4-FFF2-40B4-BE49-F238E27FC236}">
-                <a16:creationId xmlns:a16="http://schemas.microsoft.com/office/drawing/2014/main" id="{84776CD2-899A-4263-BB7E-C0065E69C8CB}"/>
+                <a16:creationId xmlns:a16="http://schemas.microsoft.com/office/drawing/2014/main" id="{4B0FA309-807F-4C17-98EF-A3BA7388E213}"/>
+              </a:ext>
+              <a:ext uri="{C183D7F6-B498-43B3-948B-1728B52AA6E4}">
+                <adec:decorative xmlns:adec="http://schemas.microsoft.com/office/drawing/2017/decorative" val="1"/>
               </a:ext>
             </a:extLst>
           </p:cNvPr>
           <p:cNvSpPr>
-            <a:spLocks noGrp="1"/>
-          </p:cNvSpPr>
-          <p:nvPr>
-            <p:ph type="title"/>
-          </p:nvPr>
-        </p:nvSpPr>
-        <p:spPr/>
-        <p:txBody>
-          <a:bodyPr/>
+            <a:spLocks noGrp="1" noRot="1" noChangeAspect="1" noMove="1" noResize="1" noEditPoints="1" noAdjustHandles="1" noChangeArrowheads="1" noChangeShapeType="1" noTextEdit="1"/>
+          </p:cNvSpPr>
+          <p:nvPr>
+            <p:extLst>
+              <p:ext uri="{386F3935-93C4-4BCD-93E2-E3B085C9AB24}">
+                <p16:designElem xmlns:p16="http://schemas.microsoft.com/office/powerpoint/2015/main" val="1"/>
+              </p:ext>
+            </p:extLst>
+          </p:nvPr>
+        </p:nvSpPr>
+        <p:spPr>
+          <a:xfrm>
+            <a:off x="0" y="0"/>
+            <a:ext cx="12188824" cy="6858000"/>
+          </a:xfrm>
+          <a:prstGeom prst="rect">
+            <a:avLst/>
+          </a:prstGeom>
+          <a:ln>
+            <a:noFill/>
+          </a:ln>
+        </p:spPr>
+        <p:style>
+          <a:lnRef idx="2">
+            <a:schemeClr val="accent1">
+              <a:shade val="50000"/>
+            </a:schemeClr>
+          </a:lnRef>
+          <a:fillRef idx="1">
+            <a:schemeClr val="accent1"/>
+          </a:fillRef>
+          <a:effectRef idx="0">
+            <a:schemeClr val="accent1"/>
+          </a:effectRef>
+          <a:fontRef idx="minor">
+            <a:schemeClr val="lt1"/>
+          </a:fontRef>
+        </p:style>
+        <p:txBody>
+          <a:bodyPr rtlCol="0" anchor="ctr"/>
           <a:lstStyle/>
           <a:p>
-            <a:r>
-              <a:rPr lang="pl-PL" dirty="0"/>
-              <a:t>Przykładowe </a:t>
-            </a:r>
-            <a:r>
-              <a:rPr lang="pl-PL" dirty="0" err="1"/>
-              <a:t>IoT</a:t>
-            </a:r>
-            <a:r>
-              <a:rPr lang="pl-PL" dirty="0"/>
-              <a:t> - Mikrokontroler</a:t>
-            </a:r>
-          </a:p>
-        </p:txBody>
-      </p:sp>
-      <p:sp>
-        <p:nvSpPr>
-          <p:cNvPr id="3" name="Symbol zastępczy zawartości 2">
-            <a:extLst>
-              <a:ext uri="{FF2B5EF4-FFF2-40B4-BE49-F238E27FC236}">
-                <a16:creationId xmlns:a16="http://schemas.microsoft.com/office/drawing/2014/main" id="{38A094A9-3A96-4045-BAAE-DE674BA25A76}"/>
-              </a:ext>
-            </a:extLst>
-          </p:cNvPr>
-          <p:cNvSpPr>
-            <a:spLocks noGrp="1"/>
-          </p:cNvSpPr>
-          <p:nvPr>
-            <p:ph idx="1"/>
-          </p:nvPr>
-        </p:nvSpPr>
-        <p:spPr>
-          <a:xfrm>
-            <a:off x="0" y="2367649"/>
-            <a:ext cx="3531765" cy="4226097"/>
-          </a:xfrm>
-        </p:spPr>
-        <p:txBody>
-          <a:bodyPr>
-            <a:normAutofit fontScale="62500" lnSpcReduction="20000"/>
-          </a:bodyPr>
-          <a:lstStyle/>
-          <a:p>
-            <a:pPr lvl="0"/>
-            <a:r>
-              <a:rPr lang="pl-PL" sz="2900" b="1" dirty="0"/>
-              <a:t>Komunikacja </a:t>
-            </a:r>
-            <a:r>
-              <a:rPr lang="pl-PL" sz="2900" b="1" dirty="0" err="1"/>
-              <a:t>WiFi</a:t>
-            </a:r>
-            <a:r>
-              <a:rPr lang="pl-PL" sz="2900" b="1" dirty="0"/>
-              <a:t>:</a:t>
-            </a:r>
-            <a:endParaRPr lang="pl-PL" sz="2900" dirty="0"/>
-          </a:p>
-          <a:p>
-            <a:pPr marL="0" indent="0">
-              <a:buNone/>
-            </a:pPr>
-            <a:r>
-              <a:rPr lang="pl-PL" sz="2900" dirty="0"/>
-              <a:t>- standard 802.11 b/g/n 2,4 GHz,</a:t>
-            </a:r>
-            <a:br>
-              <a:rPr lang="pl-PL" sz="2900" dirty="0"/>
-            </a:br>
-            <a:r>
-              <a:rPr lang="pl-PL" sz="2900" dirty="0"/>
-              <a:t>- prędkość transmisji do 72,2 </a:t>
-            </a:r>
-            <a:r>
-              <a:rPr lang="pl-PL" sz="2900" dirty="0" err="1"/>
-              <a:t>Mb</a:t>
-            </a:r>
-            <a:r>
-              <a:rPr lang="pl-PL" sz="2900" dirty="0"/>
-              <a:t>/s,</a:t>
-            </a:r>
-            <a:br>
-              <a:rPr lang="pl-PL" sz="2900" dirty="0"/>
-            </a:br>
-            <a:r>
-              <a:rPr lang="pl-PL" sz="2900" dirty="0"/>
-              <a:t>- zabezpieczenia: WPA/WPA2,</a:t>
-            </a:r>
-            <a:br>
-              <a:rPr lang="pl-PL" sz="2900" dirty="0"/>
-            </a:br>
-            <a:r>
-              <a:rPr lang="pl-PL" sz="2900" dirty="0"/>
-              <a:t>- szyfrowanie: WEP/TKIP/AES,</a:t>
-            </a:r>
-            <a:br>
-              <a:rPr lang="pl-PL" sz="2900" dirty="0"/>
-            </a:br>
-            <a:r>
-              <a:rPr lang="pl-PL" sz="2900" dirty="0"/>
-              <a:t>- protokoły: IPv4, TCP/UDP/HTTP.</a:t>
-            </a:r>
-          </a:p>
-          <a:p>
-            <a:pPr lvl="0"/>
-            <a:r>
-              <a:rPr lang="pl-PL" sz="2900" b="1" dirty="0"/>
-              <a:t>Zasilanie</a:t>
-            </a:r>
-            <a:r>
-              <a:rPr lang="pl-PL" sz="2900" dirty="0"/>
-              <a:t>:</a:t>
-            </a:r>
-          </a:p>
-          <a:p>
-            <a:pPr marL="0" indent="0">
-              <a:buNone/>
-            </a:pPr>
-            <a:r>
-              <a:rPr lang="pl-PL" sz="2900" dirty="0"/>
-              <a:t>- napięcie pracy: 2,5 – 3,6 V,</a:t>
-            </a:r>
-            <a:br>
-              <a:rPr lang="pl-PL" sz="2900" dirty="0"/>
-            </a:br>
-            <a:r>
-              <a:rPr lang="pl-PL" sz="2900" dirty="0"/>
-              <a:t>- napięcie zasilania: 4,8 – 12 V,</a:t>
-            </a:r>
-            <a:br>
-              <a:rPr lang="pl-PL" sz="2900" dirty="0"/>
-            </a:br>
-            <a:r>
-              <a:rPr lang="pl-PL" sz="2900" dirty="0"/>
-              <a:t>- średni pobór prądu: 80 </a:t>
-            </a:r>
-            <a:r>
-              <a:rPr lang="pl-PL" sz="2900" dirty="0" err="1"/>
-              <a:t>mA</a:t>
-            </a:r>
-            <a:r>
-              <a:rPr lang="pl-PL" sz="2900" dirty="0"/>
-              <a:t>,</a:t>
-            </a:r>
-            <a:br>
-              <a:rPr lang="pl-PL" sz="2900" dirty="0"/>
-            </a:br>
-            <a:r>
-              <a:rPr lang="pl-PL" sz="2900" dirty="0"/>
-              <a:t>- maksymalny pobór prądu: 800 </a:t>
-            </a:r>
-            <a:r>
-              <a:rPr lang="pl-PL" sz="2900" dirty="0" err="1"/>
-              <a:t>mA</a:t>
-            </a:r>
-            <a:r>
-              <a:rPr lang="pl-PL" sz="2900" dirty="0"/>
-              <a:t>.</a:t>
-            </a:r>
-          </a:p>
-          <a:p>
-            <a:pPr marL="0" indent="0">
-              <a:buNone/>
-            </a:pPr>
-            <a:endParaRPr lang="pl-PL" dirty="0"/>
+            <a:pPr algn="ctr"/>
+            <a:endParaRPr lang="en-US"/>
           </a:p>
         </p:txBody>
       </p:sp>
       <p:pic>
         <p:nvPicPr>
-          <p:cNvPr id="4" name="Symbol zastępczy zawartości 3">
+          <p:cNvPr id="10" name="Picture 9">
             <a:extLst>
               <a:ext uri="{FF2B5EF4-FFF2-40B4-BE49-F238E27FC236}">
-                <a16:creationId xmlns:a16="http://schemas.microsoft.com/office/drawing/2014/main" id="{6FA39A1F-7AC8-4C9D-BC86-C98F3371FA4B}"/>
+                <a16:creationId xmlns:a16="http://schemas.microsoft.com/office/drawing/2014/main" id="{2642A87B-CAE9-4F8F-B293-28388E45D9EE}"/>
+              </a:ext>
+              <a:ext uri="{C183D7F6-B498-43B3-948B-1728B52AA6E4}">
+                <adec:decorative xmlns:adec="http://schemas.microsoft.com/office/drawing/2017/decorative" val="1"/>
               </a:ext>
             </a:extLst>
           </p:cNvPr>
           <p:cNvPicPr>
-            <a:picLocks noChangeAspect="1"/>
+            <a:picLocks noGrp="1" noRot="1" noChangeAspect="1" noMove="1" noResize="1" noEditPoints="1" noAdjustHandles="1" noChangeArrowheads="1" noChangeShapeType="1" noCrop="1"/>
           </p:cNvPicPr>
-          <p:nvPr/>
+          <p:nvPr>
+            <p:extLst>
+              <p:ext uri="{386F3935-93C4-4BCD-93E2-E3B085C9AB24}">
+                <p16:designElem xmlns:p16="http://schemas.microsoft.com/office/powerpoint/2015/main" val="1"/>
+              </p:ext>
+            </p:extLst>
+          </p:nvPr>
         </p:nvPicPr>
         <p:blipFill>
-          <a:blip r:embed="rId2"/>
+          <a:blip r:embed="rId2">
+            <a:alphaModFix amt="10000"/>
+            <a:extLst>
+              <a:ext uri="{28A0092B-C50C-407E-A947-70E740481C1C}">
+                <a14:useLocalDpi xmlns:a14="http://schemas.microsoft.com/office/drawing/2010/main" val="0"/>
+              </a:ext>
+            </a:extLst>
+          </a:blip>
           <a:stretch>
             <a:fillRect/>
           </a:stretch>
         </p:blipFill>
         <p:spPr>
           <a:xfrm>
-            <a:off x="7862170" y="2733060"/>
-            <a:ext cx="3821873" cy="2756608"/>
+            <a:off x="0" y="0"/>
+            <a:ext cx="12192000" cy="6858000"/>
           </a:xfrm>
           <a:prstGeom prst="rect">
             <a:avLst/>
@@ -9292,10 +9461,242 @@
       </p:pic>
       <p:sp>
         <p:nvSpPr>
-          <p:cNvPr id="5" name="pole tekstowe 4">
+          <p:cNvPr id="12" name="Rectangle 11">
             <a:extLst>
               <a:ext uri="{FF2B5EF4-FFF2-40B4-BE49-F238E27FC236}">
-                <a16:creationId xmlns:a16="http://schemas.microsoft.com/office/drawing/2014/main" id="{68D0C849-E0DE-45B0-818D-74E9C197FDD3}"/>
+                <a16:creationId xmlns:a16="http://schemas.microsoft.com/office/drawing/2014/main" id="{C8FA1749-B91A-40E7-AD01-0B9C9C6AF74E}"/>
+              </a:ext>
+              <a:ext uri="{C183D7F6-B498-43B3-948B-1728B52AA6E4}">
+                <adec:decorative xmlns:adec="http://schemas.microsoft.com/office/drawing/2017/decorative" val="1"/>
+              </a:ext>
+            </a:extLst>
+          </p:cNvPr>
+          <p:cNvSpPr>
+            <a:spLocks noGrp="1" noRot="1" noChangeAspect="1" noMove="1" noResize="1" noEditPoints="1" noAdjustHandles="1" noChangeArrowheads="1" noChangeShapeType="1" noTextEdit="1"/>
+          </p:cNvSpPr>
+          <p:nvPr>
+            <p:extLst>
+              <p:ext uri="{386F3935-93C4-4BCD-93E2-E3B085C9AB24}">
+                <p16:designElem xmlns:p16="http://schemas.microsoft.com/office/powerpoint/2015/main" val="1"/>
+              </p:ext>
+            </p:extLst>
+          </p:nvPr>
+        </p:nvSpPr>
+        <p:spPr>
+          <a:xfrm>
+            <a:off x="4644527" y="0"/>
+            <a:ext cx="7552944" cy="6858001"/>
+          </a:xfrm>
+          <a:prstGeom prst="rect">
+            <a:avLst/>
+          </a:prstGeom>
+          <a:solidFill>
+            <a:schemeClr val="accent1"/>
+          </a:solidFill>
+          <a:ln>
+            <a:noFill/>
+          </a:ln>
+        </p:spPr>
+        <p:style>
+          <a:lnRef idx="2">
+            <a:schemeClr val="accent1">
+              <a:shade val="50000"/>
+            </a:schemeClr>
+          </a:lnRef>
+          <a:fillRef idx="1">
+            <a:schemeClr val="accent1"/>
+          </a:fillRef>
+          <a:effectRef idx="0">
+            <a:schemeClr val="accent1"/>
+          </a:effectRef>
+          <a:fontRef idx="minor">
+            <a:schemeClr val="lt1"/>
+          </a:fontRef>
+        </p:style>
+        <p:txBody>
+          <a:bodyPr rtlCol="0" anchor="ctr"/>
+          <a:lstStyle/>
+          <a:p>
+            <a:pPr algn="ctr"/>
+            <a:endParaRPr lang="en-US"/>
+          </a:p>
+        </p:txBody>
+      </p:sp>
+      <p:pic>
+        <p:nvPicPr>
+          <p:cNvPr id="14" name="Picture 13">
+            <a:extLst>
+              <a:ext uri="{FF2B5EF4-FFF2-40B4-BE49-F238E27FC236}">
+                <a16:creationId xmlns:a16="http://schemas.microsoft.com/office/drawing/2014/main" id="{3B7A934F-FFF7-4353-83D3-4EF66E93EEF8}"/>
+              </a:ext>
+              <a:ext uri="{C183D7F6-B498-43B3-948B-1728B52AA6E4}">
+                <adec:decorative xmlns:adec="http://schemas.microsoft.com/office/drawing/2017/decorative" val="1"/>
+              </a:ext>
+            </a:extLst>
+          </p:cNvPr>
+          <p:cNvPicPr>
+            <a:picLocks noGrp="1" noRot="1" noChangeAspect="1" noMove="1" noResize="1" noEditPoints="1" noAdjustHandles="1" noChangeArrowheads="1" noChangeShapeType="1" noCrop="1"/>
+          </p:cNvPicPr>
+          <p:nvPr>
+            <p:extLst>
+              <p:ext uri="{386F3935-93C4-4BCD-93E2-E3B085C9AB24}">
+                <p16:designElem xmlns:p16="http://schemas.microsoft.com/office/powerpoint/2015/main" val="1"/>
+              </p:ext>
+            </p:extLst>
+          </p:nvPr>
+        </p:nvPicPr>
+        <p:blipFill>
+          <a:blip r:embed="rId3" cstate="print">
+            <a:extLst>
+              <a:ext uri="{28A0092B-C50C-407E-A947-70E740481C1C}">
+                <a14:useLocalDpi xmlns:a14="http://schemas.microsoft.com/office/drawing/2010/main" val="0"/>
+              </a:ext>
+            </a:extLst>
+          </a:blip>
+          <a:stretch>
+            <a:fillRect/>
+          </a:stretch>
+        </p:blipFill>
+        <p:spPr>
+          <a:xfrm>
+            <a:off x="1" y="5006045"/>
+            <a:ext cx="4965192" cy="144668"/>
+          </a:xfrm>
+          <a:prstGeom prst="rect">
+            <a:avLst/>
+          </a:prstGeom>
+        </p:spPr>
+      </p:pic>
+      <p:sp>
+        <p:nvSpPr>
+          <p:cNvPr id="16" name="Rectangle 15">
+            <a:extLst>
+              <a:ext uri="{FF2B5EF4-FFF2-40B4-BE49-F238E27FC236}">
+                <a16:creationId xmlns:a16="http://schemas.microsoft.com/office/drawing/2014/main" id="{700676C8-6DE8-47DD-9A23-D42063A12E10}"/>
+              </a:ext>
+              <a:ext uri="{C183D7F6-B498-43B3-948B-1728B52AA6E4}">
+                <adec:decorative xmlns:adec="http://schemas.microsoft.com/office/drawing/2017/decorative" val="1"/>
+              </a:ext>
+            </a:extLst>
+          </p:cNvPr>
+          <p:cNvSpPr>
+            <a:spLocks noGrp="1" noRot="1" noChangeAspect="1" noMove="1" noResize="1" noEditPoints="1" noAdjustHandles="1" noChangeArrowheads="1" noChangeShapeType="1" noTextEdit="1"/>
+          </p:cNvSpPr>
+          <p:nvPr>
+            <p:extLst>
+              <p:ext uri="{386F3935-93C4-4BCD-93E2-E3B085C9AB24}">
+                <p16:designElem xmlns:p16="http://schemas.microsoft.com/office/powerpoint/2015/main" val="1"/>
+              </p:ext>
+            </p:extLst>
+          </p:nvPr>
+        </p:nvSpPr>
+        <p:spPr>
+          <a:xfrm>
+            <a:off x="-1" y="1838764"/>
+            <a:ext cx="4964567" cy="3180473"/>
+          </a:xfrm>
+          <a:prstGeom prst="rect">
+            <a:avLst/>
+          </a:prstGeom>
+          <a:solidFill>
+            <a:srgbClr val="262626"/>
+          </a:solidFill>
+          <a:ln>
+            <a:noFill/>
+          </a:ln>
+        </p:spPr>
+        <p:style>
+          <a:lnRef idx="2">
+            <a:schemeClr val="accent1">
+              <a:shade val="50000"/>
+            </a:schemeClr>
+          </a:lnRef>
+          <a:fillRef idx="1">
+            <a:schemeClr val="accent1"/>
+          </a:fillRef>
+          <a:effectRef idx="0">
+            <a:schemeClr val="accent1"/>
+          </a:effectRef>
+          <a:fontRef idx="minor">
+            <a:schemeClr val="lt1"/>
+          </a:fontRef>
+        </p:style>
+      </p:sp>
+      <p:sp>
+        <p:nvSpPr>
+          <p:cNvPr id="2" name="Tytuł 1">
+            <a:extLst>
+              <a:ext uri="{FF2B5EF4-FFF2-40B4-BE49-F238E27FC236}">
+                <a16:creationId xmlns:a16="http://schemas.microsoft.com/office/drawing/2014/main" id="{2294BD86-C7CC-47E5-9CA5-8D232644AAF8}"/>
+              </a:ext>
+            </a:extLst>
+          </p:cNvPr>
+          <p:cNvSpPr>
+            <a:spLocks noGrp="1"/>
+          </p:cNvSpPr>
+          <p:nvPr>
+            <p:ph type="title"/>
+          </p:nvPr>
+        </p:nvSpPr>
+        <p:spPr>
+          <a:xfrm>
+            <a:off x="680321" y="2063262"/>
+            <a:ext cx="3739279" cy="2661052"/>
+          </a:xfrm>
+        </p:spPr>
+        <p:txBody>
+          <a:bodyPr>
+            <a:normAutofit/>
+          </a:bodyPr>
+          <a:lstStyle/>
+          <a:p>
+            <a:pPr algn="r"/>
+            <a:r>
+              <a:rPr lang="pl-PL" sz="4400" dirty="0">
+                <a:solidFill>
+                  <a:srgbClr val="FFFFFF"/>
+                </a:solidFill>
+              </a:rPr>
+              <a:t>Aplikacja Android</a:t>
+            </a:r>
+          </a:p>
+        </p:txBody>
+      </p:sp>
+      <p:pic>
+        <p:nvPicPr>
+          <p:cNvPr id="5" name="Symbol zastępczy zawartości 4" descr="Obraz zawierający zrzut ekranu, rysunek&#10;&#10;Opis wygenerowany automatycznie">
+            <a:extLst>
+              <a:ext uri="{FF2B5EF4-FFF2-40B4-BE49-F238E27FC236}">
+                <a16:creationId xmlns:a16="http://schemas.microsoft.com/office/drawing/2014/main" id="{CE942DEC-B810-4C4D-817B-F9938F0BBBC9}"/>
+              </a:ext>
+            </a:extLst>
+          </p:cNvPr>
+          <p:cNvPicPr>
+            <a:picLocks noGrp="1" noChangeAspect="1"/>
+          </p:cNvPicPr>
+          <p:nvPr>
+            <p:ph idx="1"/>
+          </p:nvPr>
+        </p:nvPicPr>
+        <p:blipFill>
+          <a:blip r:embed="rId4"/>
+          <a:stretch>
+            <a:fillRect/>
+          </a:stretch>
+        </p:blipFill>
+        <p:spPr>
+          <a:xfrm>
+            <a:off x="6838029" y="0"/>
+            <a:ext cx="3165940" cy="6859538"/>
+          </a:xfrm>
+        </p:spPr>
+      </p:pic>
+      <p:sp>
+        <p:nvSpPr>
+          <p:cNvPr id="9" name="pole tekstowe 8">
+            <a:extLst>
+              <a:ext uri="{FF2B5EF4-FFF2-40B4-BE49-F238E27FC236}">
+                <a16:creationId xmlns:a16="http://schemas.microsoft.com/office/drawing/2014/main" id="{07418869-89C2-4082-B967-3CABD2195CD1}"/>
               </a:ext>
             </a:extLst>
           </p:cNvPr>
@@ -9304,8 +9705,8 @@
         </p:nvSpPr>
         <p:spPr>
           <a:xfrm>
-            <a:off x="3791824" y="2289871"/>
-            <a:ext cx="3984770" cy="3785652"/>
+            <a:off x="11367083" y="6488668"/>
+            <a:ext cx="860305" cy="369332"/>
           </a:xfrm>
           <a:prstGeom prst="rect">
             <a:avLst/>
@@ -9318,133 +9719,9 @@
           </a:bodyPr>
           <a:lstStyle/>
           <a:p>
-            <a:pPr marL="285750" lvl="0" indent="-285750">
-              <a:buFont typeface="Arial" panose="020B0604020202020204" pitchFamily="34" charset="0"/>
-              <a:buChar char="•"/>
-            </a:pPr>
-            <a:r>
-              <a:rPr lang="pl-PL" sz="2000" b="1" dirty="0"/>
-              <a:t>Aktualizacja</a:t>
-            </a:r>
-            <a:r>
-              <a:rPr lang="pl-PL" sz="2000" dirty="0"/>
-              <a:t> </a:t>
-            </a:r>
-            <a:r>
-              <a:rPr lang="pl-PL" sz="2000" b="1" dirty="0"/>
-              <a:t>oprogramowania</a:t>
-            </a:r>
-            <a:r>
-              <a:rPr lang="pl-PL" sz="2000" dirty="0"/>
-              <a:t>:</a:t>
-            </a:r>
-          </a:p>
-          <a:p>
             <a:r>
               <a:rPr lang="pl-PL" dirty="0"/>
-              <a:t>- UART,</a:t>
-            </a:r>
-            <a:br>
-              <a:rPr lang="pl-PL" dirty="0"/>
-            </a:br>
-            <a:r>
-              <a:rPr lang="pl-PL" dirty="0"/>
-              <a:t>- OTA.</a:t>
-            </a:r>
-          </a:p>
-          <a:p>
-            <a:pPr marL="285750" lvl="0" indent="-285750">
-              <a:buFont typeface="Arial" panose="020B0604020202020204" pitchFamily="34" charset="0"/>
-              <a:buChar char="•"/>
-            </a:pPr>
-            <a:r>
-              <a:rPr lang="pl-PL" sz="2000" b="1" dirty="0"/>
-              <a:t>CPU</a:t>
-            </a:r>
-            <a:r>
-              <a:rPr lang="pl-PL" sz="2000" dirty="0"/>
-              <a:t>:</a:t>
-            </a:r>
-          </a:p>
-          <a:p>
-            <a:r>
-              <a:rPr lang="pl-PL" dirty="0"/>
-              <a:t>- </a:t>
-            </a:r>
-            <a:r>
-              <a:rPr lang="pl-PL" dirty="0" err="1"/>
-              <a:t>Tensilica</a:t>
-            </a:r>
-            <a:r>
-              <a:rPr lang="pl-PL" dirty="0"/>
-              <a:t> L106 32-bit 80 MHz,</a:t>
-            </a:r>
-            <a:br>
-              <a:rPr lang="pl-PL" dirty="0"/>
-            </a:br>
-            <a:r>
-              <a:rPr lang="pl-PL" dirty="0"/>
-              <a:t>- obudowa: QFN32-pin (5 mm × 5 mm),</a:t>
-            </a:r>
-            <a:br>
-              <a:rPr lang="pl-PL" dirty="0"/>
-            </a:br>
-            <a:r>
-              <a:rPr lang="pl-PL" dirty="0"/>
-              <a:t>- interfejsy: UART/SDIO/SPI/I2C/I2S/IR (zdalne sterowanie),</a:t>
-            </a:r>
-            <a:br>
-              <a:rPr lang="pl-PL" dirty="0"/>
-            </a:br>
-            <a:r>
-              <a:rPr lang="pl-PL" dirty="0"/>
-              <a:t>- dostępne 10 GPIO,</a:t>
-            </a:r>
-            <a:br>
-              <a:rPr lang="pl-PL" dirty="0"/>
-            </a:br>
-            <a:r>
-              <a:rPr lang="pl-PL" dirty="0"/>
-              <a:t>- 1 wyprowadzenie ADC (0 – 3,3 V).</a:t>
-            </a:r>
-          </a:p>
-        </p:txBody>
-      </p:sp>
-      <p:sp>
-        <p:nvSpPr>
-          <p:cNvPr id="6" name="pole tekstowe 5">
-            <a:extLst>
-              <a:ext uri="{FF2B5EF4-FFF2-40B4-BE49-F238E27FC236}">
-                <a16:creationId xmlns:a16="http://schemas.microsoft.com/office/drawing/2014/main" id="{27E4428D-8D3B-46F2-B3F1-472FC28956EF}"/>
-              </a:ext>
-            </a:extLst>
-          </p:cNvPr>
-          <p:cNvSpPr txBox="1"/>
-          <p:nvPr/>
-        </p:nvSpPr>
-        <p:spPr>
-          <a:xfrm>
-            <a:off x="9047458" y="5489668"/>
-            <a:ext cx="1451295" cy="369332"/>
-          </a:xfrm>
-          <a:prstGeom prst="rect">
-            <a:avLst/>
-          </a:prstGeom>
-          <a:noFill/>
-        </p:spPr>
-        <p:txBody>
-          <a:bodyPr wrap="square" rtlCol="0">
-            <a:spAutoFit/>
-          </a:bodyPr>
-          <a:lstStyle/>
-          <a:p>
-            <a:r>
-              <a:rPr lang="pl-PL" dirty="0" err="1"/>
-              <a:t>Nodemcu</a:t>
-            </a:r>
-            <a:r>
-              <a:rPr lang="pl-PL" dirty="0"/>
-              <a:t> v3</a:t>
+              <a:t>13/16</a:t>
             </a:r>
           </a:p>
         </p:txBody>
@@ -9452,7 +9729,7 @@
     </p:spTree>
     <p:extLst>
       <p:ext uri="{BB962C8B-B14F-4D97-AF65-F5344CB8AC3E}">
-        <p14:creationId xmlns:p14="http://schemas.microsoft.com/office/powerpoint/2010/main" val="1598752641"/>
+        <p14:creationId xmlns:p14="http://schemas.microsoft.com/office/powerpoint/2010/main" val="2802582942"/>
       </p:ext>
     </p:extLst>
   </p:cSld>
@@ -9484,7 +9761,7 @@
           <p:cNvPr id="2" name="Tytuł 1">
             <a:extLst>
               <a:ext uri="{FF2B5EF4-FFF2-40B4-BE49-F238E27FC236}">
-                <a16:creationId xmlns:a16="http://schemas.microsoft.com/office/drawing/2014/main" id="{9988B2A7-31B6-401F-B0DC-110EB9341C24}"/>
+                <a16:creationId xmlns:a16="http://schemas.microsoft.com/office/drawing/2014/main" id="{84776CD2-899A-4263-BB7E-C0065E69C8CB}"/>
               </a:ext>
             </a:extLst>
           </p:cNvPr>
@@ -9510,7 +9787,7 @@
             </a:r>
             <a:r>
               <a:rPr lang="pl-PL" dirty="0"/>
-              <a:t> - Czujnik</a:t>
+              <a:t> - Mikrokontroler</a:t>
             </a:r>
           </a:p>
         </p:txBody>
@@ -9520,7 +9797,7 @@
           <p:cNvPr id="3" name="Symbol zastępczy zawartości 2">
             <a:extLst>
               <a:ext uri="{FF2B5EF4-FFF2-40B4-BE49-F238E27FC236}">
-                <a16:creationId xmlns:a16="http://schemas.microsoft.com/office/drawing/2014/main" id="{A6328C50-49B5-4BA6-9969-F2AE101E02D6}"/>
+                <a16:creationId xmlns:a16="http://schemas.microsoft.com/office/drawing/2014/main" id="{38A094A9-3A96-4045-BAAE-DE674BA25A76}"/>
               </a:ext>
             </a:extLst>
           </p:cNvPr>
@@ -9533,118 +9810,131 @@
         </p:nvSpPr>
         <p:spPr>
           <a:xfrm>
-            <a:off x="437040" y="2211038"/>
-            <a:ext cx="7104662" cy="4223318"/>
+            <a:off x="0" y="2367649"/>
+            <a:ext cx="3531765" cy="4226097"/>
           </a:xfrm>
         </p:spPr>
         <p:txBody>
           <a:bodyPr>
-            <a:normAutofit/>
+            <a:normAutofit fontScale="62500" lnSpcReduction="20000"/>
           </a:bodyPr>
           <a:lstStyle/>
           <a:p>
             <a:pPr lvl="0"/>
             <a:r>
-              <a:rPr lang="pl-PL" sz="2000" b="1" dirty="0"/>
-              <a:t>Ogólne</a:t>
-            </a:r>
-            <a:r>
-              <a:rPr lang="pl-PL" sz="2000" dirty="0"/>
+              <a:rPr lang="pl-PL" sz="2900" b="1" dirty="0"/>
+              <a:t>Komunikacja </a:t>
+            </a:r>
+            <a:r>
+              <a:rPr lang="pl-PL" sz="2900" b="1" dirty="0" err="1"/>
+              <a:t>WiFi</a:t>
+            </a:r>
+            <a:r>
+              <a:rPr lang="pl-PL" sz="2900" b="1" dirty="0"/>
               <a:t>:</a:t>
             </a:r>
+            <a:endParaRPr lang="pl-PL" sz="2900" dirty="0"/>
           </a:p>
           <a:p>
             <a:pPr marL="0" indent="0">
               <a:buNone/>
             </a:pPr>
             <a:r>
-              <a:rPr lang="pl-PL" sz="1800" dirty="0"/>
-              <a:t>- Napięcie zasilania: 3 V do 5,5 V</a:t>
+              <a:rPr lang="pl-PL" sz="2900" dirty="0"/>
+              <a:t>- standard 802.11 b/g/n 2,4 GHz,</a:t>
             </a:r>
             <a:br>
-              <a:rPr lang="pl-PL" sz="1800" dirty="0"/>
+              <a:rPr lang="pl-PL" sz="2900" dirty="0"/>
             </a:br>
             <a:r>
-              <a:rPr lang="pl-PL" sz="1800" dirty="0"/>
-              <a:t>- Pobór prądu: 0,2 </a:t>
-            </a:r>
-            <a:r>
-              <a:rPr lang="pl-PL" sz="1800" dirty="0" err="1"/>
+              <a:rPr lang="pl-PL" sz="2900" dirty="0"/>
+              <a:t>- prędkość transmisji do 72,2 </a:t>
+            </a:r>
+            <a:r>
+              <a:rPr lang="pl-PL" sz="2900" dirty="0" err="1"/>
+              <a:t>Mb</a:t>
+            </a:r>
+            <a:r>
+              <a:rPr lang="pl-PL" sz="2900" dirty="0"/>
+              <a:t>/s,</a:t>
+            </a:r>
+            <a:br>
+              <a:rPr lang="pl-PL" sz="2900" dirty="0"/>
+            </a:br>
+            <a:r>
+              <a:rPr lang="pl-PL" sz="2900" dirty="0"/>
+              <a:t>- zabezpieczenia: WPA/WPA2,</a:t>
+            </a:r>
+            <a:br>
+              <a:rPr lang="pl-PL" sz="2900" dirty="0"/>
+            </a:br>
+            <a:r>
+              <a:rPr lang="pl-PL" sz="2900" dirty="0"/>
+              <a:t>- szyfrowanie: WEP/TKIP/AES,</a:t>
+            </a:r>
+            <a:br>
+              <a:rPr lang="pl-PL" sz="2900" dirty="0"/>
+            </a:br>
+            <a:r>
+              <a:rPr lang="pl-PL" sz="2900" dirty="0"/>
+              <a:t>- protokoły: IPv4, TCP/UDP/HTTP.</a:t>
+            </a:r>
+          </a:p>
+          <a:p>
+            <a:pPr lvl="0"/>
+            <a:r>
+              <a:rPr lang="pl-PL" sz="2900" b="1" dirty="0"/>
+              <a:t>Zasilanie</a:t>
+            </a:r>
+            <a:r>
+              <a:rPr lang="pl-PL" sz="2900" dirty="0"/>
+              <a:t>:</a:t>
+            </a:r>
+          </a:p>
+          <a:p>
+            <a:pPr marL="0" indent="0">
+              <a:buNone/>
+            </a:pPr>
+            <a:r>
+              <a:rPr lang="pl-PL" sz="2900" dirty="0"/>
+              <a:t>- napięcie pracy: 2,5 – 3,6 V,</a:t>
+            </a:r>
+            <a:br>
+              <a:rPr lang="pl-PL" sz="2900" dirty="0"/>
+            </a:br>
+            <a:r>
+              <a:rPr lang="pl-PL" sz="2900" dirty="0"/>
+              <a:t>- napięcie zasilania: 4,8 – 12 V,</a:t>
+            </a:r>
+            <a:br>
+              <a:rPr lang="pl-PL" sz="2900" dirty="0"/>
+            </a:br>
+            <a:r>
+              <a:rPr lang="pl-PL" sz="2900" dirty="0"/>
+              <a:t>- średni pobór prądu: 80 </a:t>
+            </a:r>
+            <a:r>
+              <a:rPr lang="pl-PL" sz="2900" dirty="0" err="1"/>
               <a:t>mA</a:t>
             </a:r>
+            <a:r>
+              <a:rPr lang="pl-PL" sz="2900" dirty="0"/>
+              <a:t>,</a:t>
+            </a:r>
             <a:br>
-              <a:rPr lang="pl-PL" sz="1800" dirty="0"/>
+              <a:rPr lang="pl-PL" sz="2900" dirty="0"/>
             </a:br>
             <a:r>
-              <a:rPr lang="pl-PL" sz="1800" dirty="0"/>
-              <a:t>- Częstotliwość próbkowania: 1Hz</a:t>
-            </a:r>
-          </a:p>
-          <a:p>
-            <a:pPr lvl="0"/>
-            <a:r>
-              <a:rPr lang="pl-PL" sz="2000" b="1" dirty="0"/>
-              <a:t>Wbudowany</a:t>
-            </a:r>
-            <a:r>
-              <a:rPr lang="pl-PL" dirty="0"/>
-              <a:t> </a:t>
-            </a:r>
-            <a:r>
-              <a:rPr lang="pl-PL" b="1" dirty="0"/>
-              <a:t>termometr</a:t>
-            </a:r>
-            <a:endParaRPr lang="pl-PL" dirty="0"/>
-          </a:p>
-          <a:p>
-            <a:pPr marL="0" indent="0">
-              <a:buNone/>
-            </a:pPr>
-            <a:r>
-              <a:rPr lang="pl-PL" sz="1800" dirty="0"/>
-              <a:t>- Zakres pomiarowy: 0 - 50 °C</a:t>
-            </a:r>
-            <a:br>
-              <a:rPr lang="pl-PL" sz="1800" dirty="0"/>
-            </a:br>
-            <a:r>
-              <a:rPr lang="pl-PL" sz="1800" dirty="0"/>
-              <a:t>- Dokładność: ±2°C</a:t>
-            </a:r>
-          </a:p>
-          <a:p>
-            <a:pPr lvl="0"/>
-            <a:r>
-              <a:rPr lang="pl-PL" sz="2000" b="1" dirty="0"/>
-              <a:t>Czujnik</a:t>
-            </a:r>
-            <a:r>
-              <a:rPr lang="pl-PL" dirty="0"/>
-              <a:t> </a:t>
-            </a:r>
-            <a:r>
-              <a:rPr lang="pl-PL" b="1" dirty="0"/>
-              <a:t>wilgotności</a:t>
-            </a:r>
-            <a:r>
-              <a:rPr lang="pl-PL" dirty="0"/>
-              <a:t>:</a:t>
-            </a:r>
-          </a:p>
-          <a:p>
-            <a:pPr marL="0" indent="0">
-              <a:buNone/>
-            </a:pPr>
-            <a:r>
-              <a:rPr lang="pl-PL" sz="1800" dirty="0"/>
-              <a:t>- Zakres pomiarowy: 20 - 95%RH</a:t>
-            </a:r>
-            <a:br>
-              <a:rPr lang="pl-PL" sz="1800" dirty="0"/>
-            </a:br>
-            <a:r>
-              <a:rPr lang="pl-PL" sz="1800" dirty="0"/>
-              <a:t>- Dokładność: ±5%RH</a:t>
+              <a:rPr lang="pl-PL" sz="2900" dirty="0"/>
+              <a:t>- maksymalny pobór prądu: 800 </a:t>
+            </a:r>
+            <a:r>
+              <a:rPr lang="pl-PL" sz="2900" dirty="0" err="1"/>
+              <a:t>mA</a:t>
+            </a:r>
+            <a:r>
+              <a:rPr lang="pl-PL" sz="2900" dirty="0"/>
+              <a:t>.</a:t>
             </a:r>
           </a:p>
           <a:p>
@@ -9657,10 +9947,10 @@
       </p:sp>
       <p:pic>
         <p:nvPicPr>
-          <p:cNvPr id="4" name="Symbol zastępczy zawartości 4">
+          <p:cNvPr id="4" name="Symbol zastępczy zawartości 3">
             <a:extLst>
               <a:ext uri="{FF2B5EF4-FFF2-40B4-BE49-F238E27FC236}">
-                <a16:creationId xmlns:a16="http://schemas.microsoft.com/office/drawing/2014/main" id="{735EE96B-DBD2-4A61-A1DD-FAA8D25429DC}"/>
+                <a16:creationId xmlns:a16="http://schemas.microsoft.com/office/drawing/2014/main" id="{6FA39A1F-7AC8-4C9D-BC86-C98F3371FA4B}"/>
               </a:ext>
             </a:extLst>
           </p:cNvPr>
@@ -9677,8 +9967,8 @@
         </p:blipFill>
         <p:spPr>
           <a:xfrm>
-            <a:off x="8195315" y="2419142"/>
-            <a:ext cx="3254192" cy="3254192"/>
+            <a:off x="7862170" y="2733060"/>
+            <a:ext cx="3821873" cy="2756608"/>
           </a:xfrm>
           <a:prstGeom prst="rect">
             <a:avLst/>
@@ -9690,7 +9980,7 @@
           <p:cNvPr id="5" name="pole tekstowe 4">
             <a:extLst>
               <a:ext uri="{FF2B5EF4-FFF2-40B4-BE49-F238E27FC236}">
-                <a16:creationId xmlns:a16="http://schemas.microsoft.com/office/drawing/2014/main" id="{96ABFC37-E0D9-4FEA-AB9C-E99E47A04F1B}"/>
+                <a16:creationId xmlns:a16="http://schemas.microsoft.com/office/drawing/2014/main" id="{68D0C849-E0DE-45B0-818D-74E9C197FDD3}"/>
               </a:ext>
             </a:extLst>
           </p:cNvPr>
@@ -9699,8 +9989,8 @@
         </p:nvSpPr>
         <p:spPr>
           <a:xfrm>
-            <a:off x="9344238" y="5805182"/>
-            <a:ext cx="956345" cy="369332"/>
+            <a:off x="3791824" y="2289871"/>
+            <a:ext cx="3984770" cy="3785652"/>
           </a:xfrm>
           <a:prstGeom prst="rect">
             <a:avLst/>
@@ -9713,9 +10003,168 @@
           </a:bodyPr>
           <a:lstStyle/>
           <a:p>
+            <a:pPr marL="285750" lvl="0" indent="-285750">
+              <a:buFont typeface="Arial" panose="020B0604020202020204" pitchFamily="34" charset="0"/>
+              <a:buChar char="•"/>
+            </a:pPr>
+            <a:r>
+              <a:rPr lang="pl-PL" sz="2000" b="1" dirty="0"/>
+              <a:t>Aktualizacja</a:t>
+            </a:r>
+            <a:r>
+              <a:rPr lang="pl-PL" sz="2000" dirty="0"/>
+              <a:t> </a:t>
+            </a:r>
+            <a:r>
+              <a:rPr lang="pl-PL" sz="2000" b="1" dirty="0"/>
+              <a:t>oprogramowania</a:t>
+            </a:r>
+            <a:r>
+              <a:rPr lang="pl-PL" sz="2000" dirty="0"/>
+              <a:t>:</a:t>
+            </a:r>
+          </a:p>
+          <a:p>
             <a:r>
               <a:rPr lang="pl-PL" dirty="0"/>
-              <a:t>DHT11</a:t>
+              <a:t>- UART,</a:t>
+            </a:r>
+            <a:br>
+              <a:rPr lang="pl-PL" dirty="0"/>
+            </a:br>
+            <a:r>
+              <a:rPr lang="pl-PL" dirty="0"/>
+              <a:t>- OTA.</a:t>
+            </a:r>
+          </a:p>
+          <a:p>
+            <a:pPr marL="285750" lvl="0" indent="-285750">
+              <a:buFont typeface="Arial" panose="020B0604020202020204" pitchFamily="34" charset="0"/>
+              <a:buChar char="•"/>
+            </a:pPr>
+            <a:r>
+              <a:rPr lang="pl-PL" sz="2000" b="1" dirty="0"/>
+              <a:t>CPU</a:t>
+            </a:r>
+            <a:r>
+              <a:rPr lang="pl-PL" sz="2000" dirty="0"/>
+              <a:t>:</a:t>
+            </a:r>
+          </a:p>
+          <a:p>
+            <a:r>
+              <a:rPr lang="pl-PL" dirty="0"/>
+              <a:t>- </a:t>
+            </a:r>
+            <a:r>
+              <a:rPr lang="pl-PL" dirty="0" err="1"/>
+              <a:t>Tensilica</a:t>
+            </a:r>
+            <a:r>
+              <a:rPr lang="pl-PL" dirty="0"/>
+              <a:t> L106 32-bit 80 MHz,</a:t>
+            </a:r>
+            <a:br>
+              <a:rPr lang="pl-PL" dirty="0"/>
+            </a:br>
+            <a:r>
+              <a:rPr lang="pl-PL" dirty="0"/>
+              <a:t>- obudowa: QFN32-pin (5 mm × 5 mm),</a:t>
+            </a:r>
+            <a:br>
+              <a:rPr lang="pl-PL" dirty="0"/>
+            </a:br>
+            <a:r>
+              <a:rPr lang="pl-PL" dirty="0"/>
+              <a:t>- interfejsy: UART/SDIO/SPI/I2C/I2S/IR (zdalne sterowanie),</a:t>
+            </a:r>
+            <a:br>
+              <a:rPr lang="pl-PL" dirty="0"/>
+            </a:br>
+            <a:r>
+              <a:rPr lang="pl-PL" dirty="0"/>
+              <a:t>- dostępne 10 GPIO,</a:t>
+            </a:r>
+            <a:br>
+              <a:rPr lang="pl-PL" dirty="0"/>
+            </a:br>
+            <a:r>
+              <a:rPr lang="pl-PL" dirty="0"/>
+              <a:t>- 1 wyprowadzenie ADC (0 – 3,3 V).</a:t>
+            </a:r>
+          </a:p>
+        </p:txBody>
+      </p:sp>
+      <p:sp>
+        <p:nvSpPr>
+          <p:cNvPr id="6" name="pole tekstowe 5">
+            <a:extLst>
+              <a:ext uri="{FF2B5EF4-FFF2-40B4-BE49-F238E27FC236}">
+                <a16:creationId xmlns:a16="http://schemas.microsoft.com/office/drawing/2014/main" id="{27E4428D-8D3B-46F2-B3F1-472FC28956EF}"/>
+              </a:ext>
+            </a:extLst>
+          </p:cNvPr>
+          <p:cNvSpPr txBox="1"/>
+          <p:nvPr/>
+        </p:nvSpPr>
+        <p:spPr>
+          <a:xfrm>
+            <a:off x="9047458" y="5489668"/>
+            <a:ext cx="1451295" cy="369332"/>
+          </a:xfrm>
+          <a:prstGeom prst="rect">
+            <a:avLst/>
+          </a:prstGeom>
+          <a:noFill/>
+        </p:spPr>
+        <p:txBody>
+          <a:bodyPr wrap="square" rtlCol="0">
+            <a:spAutoFit/>
+          </a:bodyPr>
+          <a:lstStyle/>
+          <a:p>
+            <a:r>
+              <a:rPr lang="pl-PL" dirty="0" err="1"/>
+              <a:t>Nodemcu</a:t>
+            </a:r>
+            <a:r>
+              <a:rPr lang="pl-PL" dirty="0"/>
+              <a:t> v3</a:t>
+            </a:r>
+          </a:p>
+        </p:txBody>
+      </p:sp>
+      <p:sp>
+        <p:nvSpPr>
+          <p:cNvPr id="7" name="pole tekstowe 6">
+            <a:extLst>
+              <a:ext uri="{FF2B5EF4-FFF2-40B4-BE49-F238E27FC236}">
+                <a16:creationId xmlns:a16="http://schemas.microsoft.com/office/drawing/2014/main" id="{E219D1C8-5D1B-471F-91B7-8BD03346DB0A}"/>
+              </a:ext>
+            </a:extLst>
+          </p:cNvPr>
+          <p:cNvSpPr txBox="1"/>
+          <p:nvPr/>
+        </p:nvSpPr>
+        <p:spPr>
+          <a:xfrm>
+            <a:off x="11367083" y="6488668"/>
+            <a:ext cx="860305" cy="369332"/>
+          </a:xfrm>
+          <a:prstGeom prst="rect">
+            <a:avLst/>
+          </a:prstGeom>
+          <a:noFill/>
+        </p:spPr>
+        <p:txBody>
+          <a:bodyPr wrap="square" rtlCol="0">
+            <a:spAutoFit/>
+          </a:bodyPr>
+          <a:lstStyle/>
+          <a:p>
+            <a:r>
+              <a:rPr lang="pl-PL" dirty="0"/>
+              <a:t>14/16</a:t>
             </a:r>
           </a:p>
         </p:txBody>
@@ -9723,7 +10172,7 @@
     </p:spTree>
     <p:extLst>
       <p:ext uri="{BB962C8B-B14F-4D97-AF65-F5344CB8AC3E}">
-        <p14:creationId xmlns:p14="http://schemas.microsoft.com/office/powerpoint/2010/main" val="3974088952"/>
+        <p14:creationId xmlns:p14="http://schemas.microsoft.com/office/powerpoint/2010/main" val="1598752641"/>
       </p:ext>
     </p:extLst>
   </p:cSld>
@@ -9752,6 +10201,312 @@
       </p:grpSpPr>
       <p:sp>
         <p:nvSpPr>
+          <p:cNvPr id="2" name="Tytuł 1">
+            <a:extLst>
+              <a:ext uri="{FF2B5EF4-FFF2-40B4-BE49-F238E27FC236}">
+                <a16:creationId xmlns:a16="http://schemas.microsoft.com/office/drawing/2014/main" id="{9988B2A7-31B6-401F-B0DC-110EB9341C24}"/>
+              </a:ext>
+            </a:extLst>
+          </p:cNvPr>
+          <p:cNvSpPr>
+            <a:spLocks noGrp="1"/>
+          </p:cNvSpPr>
+          <p:nvPr>
+            <p:ph type="title"/>
+          </p:nvPr>
+        </p:nvSpPr>
+        <p:spPr/>
+        <p:txBody>
+          <a:bodyPr/>
+          <a:lstStyle/>
+          <a:p>
+            <a:r>
+              <a:rPr lang="pl-PL" dirty="0"/>
+              <a:t>Przykładowe </a:t>
+            </a:r>
+            <a:r>
+              <a:rPr lang="pl-PL" dirty="0" err="1"/>
+              <a:t>IoT</a:t>
+            </a:r>
+            <a:r>
+              <a:rPr lang="pl-PL" dirty="0"/>
+              <a:t> - Czujnik</a:t>
+            </a:r>
+          </a:p>
+        </p:txBody>
+      </p:sp>
+      <p:sp>
+        <p:nvSpPr>
+          <p:cNvPr id="3" name="Symbol zastępczy zawartości 2">
+            <a:extLst>
+              <a:ext uri="{FF2B5EF4-FFF2-40B4-BE49-F238E27FC236}">
+                <a16:creationId xmlns:a16="http://schemas.microsoft.com/office/drawing/2014/main" id="{A6328C50-49B5-4BA6-9969-F2AE101E02D6}"/>
+              </a:ext>
+            </a:extLst>
+          </p:cNvPr>
+          <p:cNvSpPr>
+            <a:spLocks noGrp="1"/>
+          </p:cNvSpPr>
+          <p:nvPr>
+            <p:ph idx="1"/>
+          </p:nvPr>
+        </p:nvSpPr>
+        <p:spPr>
+          <a:xfrm>
+            <a:off x="437040" y="2211038"/>
+            <a:ext cx="7104662" cy="4223318"/>
+          </a:xfrm>
+        </p:spPr>
+        <p:txBody>
+          <a:bodyPr>
+            <a:normAutofit/>
+          </a:bodyPr>
+          <a:lstStyle/>
+          <a:p>
+            <a:pPr lvl="0"/>
+            <a:r>
+              <a:rPr lang="pl-PL" sz="2000" b="1" dirty="0"/>
+              <a:t>Ogólne</a:t>
+            </a:r>
+            <a:r>
+              <a:rPr lang="pl-PL" sz="2000" dirty="0"/>
+              <a:t>:</a:t>
+            </a:r>
+          </a:p>
+          <a:p>
+            <a:pPr marL="0" indent="0">
+              <a:buNone/>
+            </a:pPr>
+            <a:r>
+              <a:rPr lang="pl-PL" sz="1800" dirty="0"/>
+              <a:t>- Napięcie zasilania: 3 V do 5,5 V</a:t>
+            </a:r>
+            <a:br>
+              <a:rPr lang="pl-PL" sz="1800" dirty="0"/>
+            </a:br>
+            <a:r>
+              <a:rPr lang="pl-PL" sz="1800" dirty="0"/>
+              <a:t>- Pobór prądu: 0,2 </a:t>
+            </a:r>
+            <a:r>
+              <a:rPr lang="pl-PL" sz="1800" dirty="0" err="1"/>
+              <a:t>mA</a:t>
+            </a:r>
+            <a:br>
+              <a:rPr lang="pl-PL" sz="1800" dirty="0"/>
+            </a:br>
+            <a:r>
+              <a:rPr lang="pl-PL" sz="1800" dirty="0"/>
+              <a:t>- Częstotliwość próbkowania: 1Hz</a:t>
+            </a:r>
+          </a:p>
+          <a:p>
+            <a:pPr lvl="0"/>
+            <a:r>
+              <a:rPr lang="pl-PL" sz="2000" b="1" dirty="0"/>
+              <a:t>Wbudowany</a:t>
+            </a:r>
+            <a:r>
+              <a:rPr lang="pl-PL" dirty="0"/>
+              <a:t> </a:t>
+            </a:r>
+            <a:r>
+              <a:rPr lang="pl-PL" b="1" dirty="0"/>
+              <a:t>termometr</a:t>
+            </a:r>
+            <a:endParaRPr lang="pl-PL" dirty="0"/>
+          </a:p>
+          <a:p>
+            <a:pPr marL="0" indent="0">
+              <a:buNone/>
+            </a:pPr>
+            <a:r>
+              <a:rPr lang="pl-PL" sz="1800" dirty="0"/>
+              <a:t>- Zakres pomiarowy: 0 - 50 °C</a:t>
+            </a:r>
+            <a:br>
+              <a:rPr lang="pl-PL" sz="1800" dirty="0"/>
+            </a:br>
+            <a:r>
+              <a:rPr lang="pl-PL" sz="1800" dirty="0"/>
+              <a:t>- Dokładność: ±2°C</a:t>
+            </a:r>
+          </a:p>
+          <a:p>
+            <a:pPr lvl="0"/>
+            <a:r>
+              <a:rPr lang="pl-PL" sz="2000" b="1" dirty="0"/>
+              <a:t>Czujnik</a:t>
+            </a:r>
+            <a:r>
+              <a:rPr lang="pl-PL" dirty="0"/>
+              <a:t> </a:t>
+            </a:r>
+            <a:r>
+              <a:rPr lang="pl-PL" b="1" dirty="0"/>
+              <a:t>wilgotności</a:t>
+            </a:r>
+            <a:r>
+              <a:rPr lang="pl-PL" dirty="0"/>
+              <a:t>:</a:t>
+            </a:r>
+          </a:p>
+          <a:p>
+            <a:pPr marL="0" indent="0">
+              <a:buNone/>
+            </a:pPr>
+            <a:r>
+              <a:rPr lang="pl-PL" sz="1800" dirty="0"/>
+              <a:t>- Zakres pomiarowy: 20 - 95%RH</a:t>
+            </a:r>
+            <a:br>
+              <a:rPr lang="pl-PL" sz="1800" dirty="0"/>
+            </a:br>
+            <a:r>
+              <a:rPr lang="pl-PL" sz="1800" dirty="0"/>
+              <a:t>- Dokładność: ±5%RH</a:t>
+            </a:r>
+          </a:p>
+          <a:p>
+            <a:pPr marL="0" indent="0">
+              <a:buNone/>
+            </a:pPr>
+            <a:endParaRPr lang="pl-PL" dirty="0"/>
+          </a:p>
+        </p:txBody>
+      </p:sp>
+      <p:pic>
+        <p:nvPicPr>
+          <p:cNvPr id="4" name="Symbol zastępczy zawartości 4">
+            <a:extLst>
+              <a:ext uri="{FF2B5EF4-FFF2-40B4-BE49-F238E27FC236}">
+                <a16:creationId xmlns:a16="http://schemas.microsoft.com/office/drawing/2014/main" id="{735EE96B-DBD2-4A61-A1DD-FAA8D25429DC}"/>
+              </a:ext>
+            </a:extLst>
+          </p:cNvPr>
+          <p:cNvPicPr>
+            <a:picLocks noChangeAspect="1"/>
+          </p:cNvPicPr>
+          <p:nvPr/>
+        </p:nvPicPr>
+        <p:blipFill>
+          <a:blip r:embed="rId2"/>
+          <a:stretch>
+            <a:fillRect/>
+          </a:stretch>
+        </p:blipFill>
+        <p:spPr>
+          <a:xfrm>
+            <a:off x="8195315" y="2419142"/>
+            <a:ext cx="3254192" cy="3254192"/>
+          </a:xfrm>
+          <a:prstGeom prst="rect">
+            <a:avLst/>
+          </a:prstGeom>
+        </p:spPr>
+      </p:pic>
+      <p:sp>
+        <p:nvSpPr>
+          <p:cNvPr id="5" name="pole tekstowe 4">
+            <a:extLst>
+              <a:ext uri="{FF2B5EF4-FFF2-40B4-BE49-F238E27FC236}">
+                <a16:creationId xmlns:a16="http://schemas.microsoft.com/office/drawing/2014/main" id="{96ABFC37-E0D9-4FEA-AB9C-E99E47A04F1B}"/>
+              </a:ext>
+            </a:extLst>
+          </p:cNvPr>
+          <p:cNvSpPr txBox="1"/>
+          <p:nvPr/>
+        </p:nvSpPr>
+        <p:spPr>
+          <a:xfrm>
+            <a:off x="9344238" y="5805182"/>
+            <a:ext cx="956345" cy="369332"/>
+          </a:xfrm>
+          <a:prstGeom prst="rect">
+            <a:avLst/>
+          </a:prstGeom>
+          <a:noFill/>
+        </p:spPr>
+        <p:txBody>
+          <a:bodyPr wrap="square" rtlCol="0">
+            <a:spAutoFit/>
+          </a:bodyPr>
+          <a:lstStyle/>
+          <a:p>
+            <a:r>
+              <a:rPr lang="pl-PL" dirty="0"/>
+              <a:t>DHT11</a:t>
+            </a:r>
+          </a:p>
+        </p:txBody>
+      </p:sp>
+      <p:sp>
+        <p:nvSpPr>
+          <p:cNvPr id="6" name="pole tekstowe 5">
+            <a:extLst>
+              <a:ext uri="{FF2B5EF4-FFF2-40B4-BE49-F238E27FC236}">
+                <a16:creationId xmlns:a16="http://schemas.microsoft.com/office/drawing/2014/main" id="{0244F708-8D79-4ACF-87AA-60DD96D8DC89}"/>
+              </a:ext>
+            </a:extLst>
+          </p:cNvPr>
+          <p:cNvSpPr txBox="1"/>
+          <p:nvPr/>
+        </p:nvSpPr>
+        <p:spPr>
+          <a:xfrm>
+            <a:off x="11367083" y="6488668"/>
+            <a:ext cx="860305" cy="369332"/>
+          </a:xfrm>
+          <a:prstGeom prst="rect">
+            <a:avLst/>
+          </a:prstGeom>
+          <a:noFill/>
+        </p:spPr>
+        <p:txBody>
+          <a:bodyPr wrap="square" rtlCol="0">
+            <a:spAutoFit/>
+          </a:bodyPr>
+          <a:lstStyle/>
+          <a:p>
+            <a:r>
+              <a:rPr lang="pl-PL" dirty="0"/>
+              <a:t>15/16</a:t>
+            </a:r>
+          </a:p>
+        </p:txBody>
+      </p:sp>
+    </p:spTree>
+    <p:extLst>
+      <p:ext uri="{BB962C8B-B14F-4D97-AF65-F5344CB8AC3E}">
+        <p14:creationId xmlns:p14="http://schemas.microsoft.com/office/powerpoint/2010/main" val="3974088952"/>
+      </p:ext>
+    </p:extLst>
+  </p:cSld>
+  <p:clrMapOvr>
+    <a:masterClrMapping/>
+  </p:clrMapOvr>
+</p:sld>
+</file>
+
+<file path=ppt/slides/slide16.xml><?xml version="1.0" encoding="utf-8"?>
+<p:sld xmlns:a="http://schemas.openxmlformats.org/drawingml/2006/main" xmlns:r="http://schemas.openxmlformats.org/officeDocument/2006/relationships" xmlns:p="http://schemas.openxmlformats.org/presentationml/2006/main">
+  <p:cSld>
+    <p:spTree>
+      <p:nvGrpSpPr>
+        <p:cNvPr id="1" name=""/>
+        <p:cNvGrpSpPr/>
+        <p:nvPr/>
+      </p:nvGrpSpPr>
+      <p:grpSpPr>
+        <a:xfrm>
+          <a:off x="0" y="0"/>
+          <a:ext cx="0" cy="0"/>
+          <a:chOff x="0" y="0"/>
+          <a:chExt cx="0" cy="0"/>
+        </a:xfrm>
+      </p:grpSpPr>
+      <p:sp>
+        <p:nvSpPr>
           <p:cNvPr id="4" name="Prostokąt 3">
             <a:extLst>
               <a:ext uri="{FF2B5EF4-FFF2-40B4-BE49-F238E27FC236}">
@@ -9764,7 +10519,7 @@
         </p:nvSpPr>
         <p:spPr>
           <a:xfrm>
-            <a:off x="2654994" y="2852005"/>
+            <a:off x="2654994" y="3280601"/>
             <a:ext cx="6882012" cy="923330"/>
           </a:xfrm>
           <a:prstGeom prst="rect">
@@ -9795,6 +10550,46 @@
               </a:rPr>
               <a:t>Dziękujemy za uwagę</a:t>
             </a:r>
+          </a:p>
+        </p:txBody>
+      </p:sp>
+      <p:sp>
+        <p:nvSpPr>
+          <p:cNvPr id="2" name="pole tekstowe 1">
+            <a:extLst>
+              <a:ext uri="{FF2B5EF4-FFF2-40B4-BE49-F238E27FC236}">
+                <a16:creationId xmlns:a16="http://schemas.microsoft.com/office/drawing/2014/main" id="{6C0FF6FB-C741-4C14-87AF-E5012947393B}"/>
+              </a:ext>
+            </a:extLst>
+          </p:cNvPr>
+          <p:cNvSpPr txBox="1"/>
+          <p:nvPr/>
+        </p:nvSpPr>
+        <p:spPr>
+          <a:xfrm>
+            <a:off x="743824" y="352149"/>
+            <a:ext cx="10704352" cy="1754326"/>
+          </a:xfrm>
+          <a:prstGeom prst="rect">
+            <a:avLst/>
+          </a:prstGeom>
+          <a:noFill/>
+        </p:spPr>
+        <p:txBody>
+          <a:bodyPr wrap="square" rtlCol="0">
+            <a:spAutoFit/>
+          </a:bodyPr>
+          <a:lstStyle/>
+          <a:p>
+            <a:r>
+              <a:rPr lang="pl-PL" sz="5400" i="1" dirty="0"/>
+              <a:t>Elastyczna aplikacja do zarządzania urządzeniami </a:t>
+            </a:r>
+            <a:r>
+              <a:rPr lang="pl-PL" sz="5400" i="1" dirty="0" err="1"/>
+              <a:t>IoT</a:t>
+            </a:r>
+            <a:endParaRPr lang="pl-PL" sz="5400" dirty="0"/>
           </a:p>
         </p:txBody>
       </p:sp>
@@ -10052,6 +10847,41 @@
           </a:extLst>
         </p:spPr>
       </p:pic>
+      <p:sp>
+        <p:nvSpPr>
+          <p:cNvPr id="4" name="pole tekstowe 3">
+            <a:extLst>
+              <a:ext uri="{FF2B5EF4-FFF2-40B4-BE49-F238E27FC236}">
+                <a16:creationId xmlns:a16="http://schemas.microsoft.com/office/drawing/2014/main" id="{86F3697F-764A-4BA5-A3EF-9954C6EF1C3D}"/>
+              </a:ext>
+            </a:extLst>
+          </p:cNvPr>
+          <p:cNvSpPr txBox="1"/>
+          <p:nvPr/>
+        </p:nvSpPr>
+        <p:spPr>
+          <a:xfrm>
+            <a:off x="11455601" y="6488668"/>
+            <a:ext cx="771787" cy="369332"/>
+          </a:xfrm>
+          <a:prstGeom prst="rect">
+            <a:avLst/>
+          </a:prstGeom>
+          <a:noFill/>
+        </p:spPr>
+        <p:txBody>
+          <a:bodyPr wrap="square" rtlCol="0">
+            <a:spAutoFit/>
+          </a:bodyPr>
+          <a:lstStyle/>
+          <a:p>
+            <a:r>
+              <a:rPr lang="pl-PL" dirty="0"/>
+              <a:t>2/16</a:t>
+            </a:r>
+          </a:p>
+        </p:txBody>
+      </p:sp>
     </p:spTree>
     <p:extLst>
       <p:ext uri="{BB962C8B-B14F-4D97-AF65-F5344CB8AC3E}">
@@ -10454,6 +11284,35 @@
           </a:bodyPr>
           <a:lstStyle/>
           <a:p>
+            <a:pPr marL="0" indent="0">
+              <a:buNone/>
+            </a:pPr>
+            <a:r>
+              <a:rPr lang="pl-PL" sz="2000" dirty="0">
+                <a:solidFill>
+                  <a:srgbClr val="FFFFFF"/>
+                </a:solidFill>
+              </a:rPr>
+              <a:t>Cele opracowane na podstawie wymagań złożonych przez firmę </a:t>
+            </a:r>
+            <a:r>
+              <a:rPr lang="pl-PL" sz="2000" dirty="0" err="1">
+                <a:solidFill>
+                  <a:srgbClr val="FFFFFF"/>
+                </a:solidFill>
+              </a:rPr>
+              <a:t>InterElcom</a:t>
+            </a:r>
+            <a:r>
+              <a:rPr lang="pl-PL" sz="2000" dirty="0">
+                <a:solidFill>
+                  <a:srgbClr val="FFFFFF"/>
+                </a:solidFill>
+              </a:rPr>
+              <a:t>.</a:t>
+            </a:r>
+          </a:p>
+          <a:p>
             <a:pPr marL="514350" indent="-514350">
               <a:buFont typeface="+mj-lt"/>
               <a:buAutoNum type="arabicPeriod"/>
@@ -10478,6 +11337,20 @@
                   <a:srgbClr val="FFFFFF"/>
                 </a:solidFill>
               </a:rPr>
+              <a:t>Początkowa implementacja HTTP i MQTT</a:t>
+            </a:r>
+          </a:p>
+          <a:p>
+            <a:pPr marL="514350" indent="-514350">
+              <a:buFont typeface="+mj-lt"/>
+              <a:buAutoNum type="arabicPeriod"/>
+            </a:pPr>
+            <a:r>
+              <a:rPr lang="pl-PL" sz="2000" dirty="0">
+                <a:solidFill>
+                  <a:srgbClr val="FFFFFF"/>
+                </a:solidFill>
+              </a:rPr>
               <a:t>Wsparcie dwóch różnych platform. </a:t>
             </a:r>
           </a:p>
@@ -10493,6 +11366,114 @@
                 </a:solidFill>
               </a:rPr>
               <a:t>Przygotowanie przykładowego systemu wykorzystującego naszą aplikację.</a:t>
+            </a:r>
+          </a:p>
+          <a:p>
+            <a:pPr marL="514350" indent="-514350">
+              <a:buFont typeface="+mj-lt"/>
+              <a:buAutoNum type="arabicPeriod"/>
+            </a:pPr>
+            <a:r>
+              <a:rPr lang="pl-PL" sz="2000" dirty="0">
+                <a:solidFill>
+                  <a:srgbClr val="FFFFFF"/>
+                </a:solidFill>
+              </a:rPr>
+              <a:t>Wykorzystanie </a:t>
+            </a:r>
+            <a:r>
+              <a:rPr lang="pl-PL" sz="2000" dirty="0" err="1">
+                <a:solidFill>
+                  <a:srgbClr val="FFFFFF"/>
+                </a:solidFill>
+              </a:rPr>
+              <a:t>frameworku</a:t>
+            </a:r>
+            <a:r>
+              <a:rPr lang="pl-PL" sz="2000" dirty="0">
+                <a:solidFill>
+                  <a:srgbClr val="FFFFFF"/>
+                </a:solidFill>
+              </a:rPr>
+              <a:t> </a:t>
+            </a:r>
+            <a:r>
+              <a:rPr lang="pl-PL" sz="2000" dirty="0" err="1">
+                <a:solidFill>
+                  <a:srgbClr val="FFFFFF"/>
+                </a:solidFill>
+              </a:rPr>
+              <a:t>Qt</a:t>
+            </a:r>
+            <a:endParaRPr lang="pl-PL" sz="2000" dirty="0">
+              <a:solidFill>
+                <a:srgbClr val="FFFFFF"/>
+              </a:solidFill>
+            </a:endParaRPr>
+          </a:p>
+        </p:txBody>
+      </p:sp>
+      <p:pic>
+        <p:nvPicPr>
+          <p:cNvPr id="5" name="Obraz 4" descr="Obraz zawierający rysunek, znak&#10;&#10;Opis wygenerowany automatycznie">
+            <a:extLst>
+              <a:ext uri="{FF2B5EF4-FFF2-40B4-BE49-F238E27FC236}">
+                <a16:creationId xmlns:a16="http://schemas.microsoft.com/office/drawing/2014/main" id="{12478950-DF06-4471-8761-52F33C72AE0D}"/>
+              </a:ext>
+            </a:extLst>
+          </p:cNvPr>
+          <p:cNvPicPr>
+            <a:picLocks noChangeAspect="1"/>
+          </p:cNvPicPr>
+          <p:nvPr/>
+        </p:nvPicPr>
+        <p:blipFill>
+          <a:blip r:embed="rId4"/>
+          <a:stretch>
+            <a:fillRect/>
+          </a:stretch>
+        </p:blipFill>
+        <p:spPr>
+          <a:xfrm>
+            <a:off x="5059239" y="315707"/>
+            <a:ext cx="6184127" cy="1142857"/>
+          </a:xfrm>
+          <a:prstGeom prst="rect">
+            <a:avLst/>
+          </a:prstGeom>
+        </p:spPr>
+      </p:pic>
+      <p:sp>
+        <p:nvSpPr>
+          <p:cNvPr id="11" name="pole tekstowe 10">
+            <a:extLst>
+              <a:ext uri="{FF2B5EF4-FFF2-40B4-BE49-F238E27FC236}">
+                <a16:creationId xmlns:a16="http://schemas.microsoft.com/office/drawing/2014/main" id="{C63924CD-ABAB-4F9D-860E-B2DCD076D797}"/>
+              </a:ext>
+            </a:extLst>
+          </p:cNvPr>
+          <p:cNvSpPr txBox="1"/>
+          <p:nvPr/>
+        </p:nvSpPr>
+        <p:spPr>
+          <a:xfrm>
+            <a:off x="11425684" y="6488668"/>
+            <a:ext cx="771787" cy="369332"/>
+          </a:xfrm>
+          <a:prstGeom prst="rect">
+            <a:avLst/>
+          </a:prstGeom>
+          <a:noFill/>
+        </p:spPr>
+        <p:txBody>
+          <a:bodyPr wrap="square" rtlCol="0">
+            <a:spAutoFit/>
+          </a:bodyPr>
+          <a:lstStyle/>
+          <a:p>
+            <a:r>
+              <a:rPr lang="pl-PL" dirty="0"/>
+              <a:t>3/16</a:t>
             </a:r>
           </a:p>
         </p:txBody>
@@ -10532,7 +11513,7 @@
           <p:cNvPr id="2" name="Tytuł 1">
             <a:extLst>
               <a:ext uri="{FF2B5EF4-FFF2-40B4-BE49-F238E27FC236}">
-                <a16:creationId xmlns:a16="http://schemas.microsoft.com/office/drawing/2014/main" id="{F5F4C84B-0955-4630-8756-24C6D0CDE4F4}"/>
+                <a16:creationId xmlns:a16="http://schemas.microsoft.com/office/drawing/2014/main" id="{501E51D8-C7D0-4342-99D2-FC159A9461C0}"/>
               </a:ext>
             </a:extLst>
           </p:cNvPr>
@@ -10550,104 +11531,114 @@
           <a:p>
             <a:r>
               <a:rPr lang="pl-PL" dirty="0"/>
-              <a:t>Wybrane środowiska</a:t>
-            </a:r>
+              <a:t>Schemat projektu</a:t>
+            </a:r>
+          </a:p>
+        </p:txBody>
+      </p:sp>
+      <p:sp>
+        <p:nvSpPr>
+          <p:cNvPr id="3" name="Symbol zastępczy zawartości 2">
+            <a:extLst>
+              <a:ext uri="{FF2B5EF4-FFF2-40B4-BE49-F238E27FC236}">
+                <a16:creationId xmlns:a16="http://schemas.microsoft.com/office/drawing/2014/main" id="{0CB0A805-D296-4F61-B7C9-AE5533819570}"/>
+              </a:ext>
+            </a:extLst>
+          </p:cNvPr>
+          <p:cNvSpPr>
+            <a:spLocks noGrp="1"/>
+          </p:cNvSpPr>
+          <p:nvPr>
+            <p:ph idx="1"/>
+          </p:nvPr>
+        </p:nvSpPr>
+        <p:spPr/>
+        <p:txBody>
+          <a:bodyPr/>
+          <a:lstStyle/>
+          <a:p>
+            <a:endParaRPr lang="pl-PL" dirty="0"/>
           </a:p>
         </p:txBody>
       </p:sp>
       <p:pic>
         <p:nvPicPr>
-          <p:cNvPr id="5" name="Symbol zastępczy zawartości 4" descr="Obraz zawierający zrzut ekranu&#10;&#10;Opis wygenerowany automatycznie">
+          <p:cNvPr id="4" name="Obraz 3">
             <a:extLst>
               <a:ext uri="{FF2B5EF4-FFF2-40B4-BE49-F238E27FC236}">
-                <a16:creationId xmlns:a16="http://schemas.microsoft.com/office/drawing/2014/main" id="{775EE8FD-62DB-4BFA-9121-D6120FA4921F}"/>
+                <a16:creationId xmlns:a16="http://schemas.microsoft.com/office/drawing/2014/main" id="{12AD0F31-5ECE-4A46-8C55-D14CB3C22D62}"/>
               </a:ext>
             </a:extLst>
           </p:cNvPr>
-          <p:cNvPicPr>
-            <a:picLocks noGrp="1" noChangeAspect="1"/>
-          </p:cNvPicPr>
-          <p:nvPr>
-            <p:ph idx="1"/>
-          </p:nvPr>
+          <p:cNvPicPr/>
+          <p:nvPr/>
         </p:nvPicPr>
         <p:blipFill>
-          <a:blip r:embed="rId2"/>
+          <a:blip r:embed="rId2">
+            <a:extLst>
+              <a:ext uri="{28A0092B-C50C-407E-A947-70E740481C1C}">
+                <a14:useLocalDpi xmlns:a14="http://schemas.microsoft.com/office/drawing/2010/main" val="0"/>
+              </a:ext>
+            </a:extLst>
+          </a:blip>
+          <a:srcRect/>
           <a:stretch>
             <a:fillRect/>
           </a:stretch>
         </p:blipFill>
-        <p:spPr>
-          <a:xfrm>
-            <a:off x="7009161" y="191780"/>
-            <a:ext cx="5007042" cy="3169014"/>
-          </a:xfrm>
+        <p:spPr bwMode="auto">
+          <a:xfrm>
+            <a:off x="2003030" y="2011187"/>
+            <a:ext cx="8185939" cy="4608273"/>
+          </a:xfrm>
+          <a:prstGeom prst="rect">
+            <a:avLst/>
+          </a:prstGeom>
+          <a:noFill/>
+          <a:ln>
+            <a:noFill/>
+          </a:ln>
         </p:spPr>
       </p:pic>
-      <p:pic>
-        <p:nvPicPr>
-          <p:cNvPr id="7" name="Obraz 6" descr="Obraz zawierający zrzut ekranu, monitor, telefon, ekran&#10;&#10;Opis wygenerowany automatycznie">
+      <p:sp>
+        <p:nvSpPr>
+          <p:cNvPr id="5" name="pole tekstowe 4">
             <a:extLst>
               <a:ext uri="{FF2B5EF4-FFF2-40B4-BE49-F238E27FC236}">
-                <a16:creationId xmlns:a16="http://schemas.microsoft.com/office/drawing/2014/main" id="{8FAEA2A5-D556-4CB1-B340-48B4710A4255}"/>
+                <a16:creationId xmlns:a16="http://schemas.microsoft.com/office/drawing/2014/main" id="{B889F738-911D-47EA-8BAD-86682B2E93A1}"/>
               </a:ext>
             </a:extLst>
           </p:cNvPr>
-          <p:cNvPicPr>
-            <a:picLocks noChangeAspect="1"/>
-          </p:cNvPicPr>
+          <p:cNvSpPr txBox="1"/>
           <p:nvPr/>
-        </p:nvPicPr>
-        <p:blipFill>
-          <a:blip r:embed="rId3"/>
-          <a:stretch>
-            <a:fillRect/>
-          </a:stretch>
-        </p:blipFill>
-        <p:spPr>
-          <a:xfrm>
-            <a:off x="5895273" y="3922242"/>
-            <a:ext cx="4835010" cy="2716298"/>
-          </a:xfrm>
-          <a:prstGeom prst="rect">
-            <a:avLst/>
-          </a:prstGeom>
-        </p:spPr>
-      </p:pic>
-      <p:pic>
-        <p:nvPicPr>
-          <p:cNvPr id="6" name="Symbol zastępczy zawartości 4" descr="Obraz zawierający zrzut ekranu, telefon&#10;&#10;Opis wygenerowany automatycznie">
-            <a:extLst>
-              <a:ext uri="{FF2B5EF4-FFF2-40B4-BE49-F238E27FC236}">
-                <a16:creationId xmlns:a16="http://schemas.microsoft.com/office/drawing/2014/main" id="{B4DD47A8-7F73-4EA3-9E7C-C7D3BB1A67A6}"/>
-              </a:ext>
-            </a:extLst>
-          </p:cNvPr>
-          <p:cNvPicPr>
-            <a:picLocks noChangeAspect="1"/>
-          </p:cNvPicPr>
-          <p:nvPr/>
-        </p:nvPicPr>
-        <p:blipFill>
-          <a:blip r:embed="rId4"/>
-          <a:stretch>
-            <a:fillRect/>
-          </a:stretch>
-        </p:blipFill>
-        <p:spPr>
-          <a:xfrm>
-            <a:off x="652241" y="2148753"/>
-            <a:ext cx="4835010" cy="3036113"/>
-          </a:xfrm>
-          <a:prstGeom prst="rect">
-            <a:avLst/>
-          </a:prstGeom>
-        </p:spPr>
-      </p:pic>
+        </p:nvSpPr>
+        <p:spPr>
+          <a:xfrm>
+            <a:off x="11455601" y="6488668"/>
+            <a:ext cx="771787" cy="369332"/>
+          </a:xfrm>
+          <a:prstGeom prst="rect">
+            <a:avLst/>
+          </a:prstGeom>
+          <a:noFill/>
+        </p:spPr>
+        <p:txBody>
+          <a:bodyPr wrap="square" rtlCol="0">
+            <a:spAutoFit/>
+          </a:bodyPr>
+          <a:lstStyle/>
+          <a:p>
+            <a:r>
+              <a:rPr lang="pl-PL" dirty="0"/>
+              <a:t>4/16</a:t>
+            </a:r>
+          </a:p>
+        </p:txBody>
+      </p:sp>
     </p:spTree>
     <p:extLst>
       <p:ext uri="{BB962C8B-B14F-4D97-AF65-F5344CB8AC3E}">
-        <p14:creationId xmlns:p14="http://schemas.microsoft.com/office/powerpoint/2010/main" val="2753908767"/>
+        <p14:creationId xmlns:p14="http://schemas.microsoft.com/office/powerpoint/2010/main" val="3669393364"/>
       </p:ext>
     </p:extLst>
   </p:cSld>
@@ -10679,7 +11670,7 @@
           <p:cNvPr id="2" name="Tytuł 1">
             <a:extLst>
               <a:ext uri="{FF2B5EF4-FFF2-40B4-BE49-F238E27FC236}">
-                <a16:creationId xmlns:a16="http://schemas.microsoft.com/office/drawing/2014/main" id="{274E6FB1-798D-4982-9AB0-9CF816854144}"/>
+                <a16:creationId xmlns:a16="http://schemas.microsoft.com/office/drawing/2014/main" id="{F5F4C84B-0955-4630-8756-24C6D0CDE4F4}"/>
               </a:ext>
             </a:extLst>
           </p:cNvPr>
@@ -10697,17 +11688,17 @@
           <a:p>
             <a:r>
               <a:rPr lang="pl-PL" dirty="0"/>
-              <a:t>Aplikacja Desktopowa - interfejs</a:t>
+              <a:t>Wybrane środowiska</a:t>
             </a:r>
           </a:p>
         </p:txBody>
       </p:sp>
       <p:pic>
         <p:nvPicPr>
-          <p:cNvPr id="5" name="Symbol zastępczy zawartości 4" descr="Obraz zawierający zrzut ekranu, monitor, ekran, komputer&#10;&#10;Opis wygenerowany automatycznie">
+          <p:cNvPr id="5" name="Symbol zastępczy zawartości 4" descr="Obraz zawierający zrzut ekranu&#10;&#10;Opis wygenerowany automatycznie">
             <a:extLst>
               <a:ext uri="{FF2B5EF4-FFF2-40B4-BE49-F238E27FC236}">
-                <a16:creationId xmlns:a16="http://schemas.microsoft.com/office/drawing/2014/main" id="{316519A3-A569-472A-9E65-0DEF9D67F822}"/>
+                <a16:creationId xmlns:a16="http://schemas.microsoft.com/office/drawing/2014/main" id="{775EE8FD-62DB-4BFA-9121-D6120FA4921F}"/>
               </a:ext>
             </a:extLst>
           </p:cNvPr>
@@ -10726,15 +11717,110 @@
         </p:blipFill>
         <p:spPr>
           <a:xfrm>
-            <a:off x="3144259" y="2101898"/>
-            <a:ext cx="5903482" cy="4622333"/>
+            <a:off x="7009161" y="191780"/>
+            <a:ext cx="5007042" cy="3169014"/>
           </a:xfrm>
         </p:spPr>
       </p:pic>
+      <p:pic>
+        <p:nvPicPr>
+          <p:cNvPr id="7" name="Obraz 6" descr="Obraz zawierający zrzut ekranu, monitor, telefon, ekran&#10;&#10;Opis wygenerowany automatycznie">
+            <a:extLst>
+              <a:ext uri="{FF2B5EF4-FFF2-40B4-BE49-F238E27FC236}">
+                <a16:creationId xmlns:a16="http://schemas.microsoft.com/office/drawing/2014/main" id="{8FAEA2A5-D556-4CB1-B340-48B4710A4255}"/>
+              </a:ext>
+            </a:extLst>
+          </p:cNvPr>
+          <p:cNvPicPr>
+            <a:picLocks noChangeAspect="1"/>
+          </p:cNvPicPr>
+          <p:nvPr/>
+        </p:nvPicPr>
+        <p:blipFill>
+          <a:blip r:embed="rId3"/>
+          <a:stretch>
+            <a:fillRect/>
+          </a:stretch>
+        </p:blipFill>
+        <p:spPr>
+          <a:xfrm>
+            <a:off x="5895273" y="3922242"/>
+            <a:ext cx="4835010" cy="2716298"/>
+          </a:xfrm>
+          <a:prstGeom prst="rect">
+            <a:avLst/>
+          </a:prstGeom>
+        </p:spPr>
+      </p:pic>
+      <p:pic>
+        <p:nvPicPr>
+          <p:cNvPr id="6" name="Symbol zastępczy zawartości 4" descr="Obraz zawierający zrzut ekranu, telefon&#10;&#10;Opis wygenerowany automatycznie">
+            <a:extLst>
+              <a:ext uri="{FF2B5EF4-FFF2-40B4-BE49-F238E27FC236}">
+                <a16:creationId xmlns:a16="http://schemas.microsoft.com/office/drawing/2014/main" id="{B4DD47A8-7F73-4EA3-9E7C-C7D3BB1A67A6}"/>
+              </a:ext>
+            </a:extLst>
+          </p:cNvPr>
+          <p:cNvPicPr>
+            <a:picLocks noChangeAspect="1"/>
+          </p:cNvPicPr>
+          <p:nvPr/>
+        </p:nvPicPr>
+        <p:blipFill>
+          <a:blip r:embed="rId4"/>
+          <a:stretch>
+            <a:fillRect/>
+          </a:stretch>
+        </p:blipFill>
+        <p:spPr>
+          <a:xfrm>
+            <a:off x="652241" y="2148753"/>
+            <a:ext cx="4835010" cy="3036113"/>
+          </a:xfrm>
+          <a:prstGeom prst="rect">
+            <a:avLst/>
+          </a:prstGeom>
+        </p:spPr>
+      </p:pic>
+      <p:sp>
+        <p:nvSpPr>
+          <p:cNvPr id="8" name="pole tekstowe 7">
+            <a:extLst>
+              <a:ext uri="{FF2B5EF4-FFF2-40B4-BE49-F238E27FC236}">
+                <a16:creationId xmlns:a16="http://schemas.microsoft.com/office/drawing/2014/main" id="{59F6A66F-E5F2-4BB0-B9D9-04E0D345E8FA}"/>
+              </a:ext>
+            </a:extLst>
+          </p:cNvPr>
+          <p:cNvSpPr txBox="1"/>
+          <p:nvPr/>
+        </p:nvSpPr>
+        <p:spPr>
+          <a:xfrm>
+            <a:off x="11455601" y="6488668"/>
+            <a:ext cx="771787" cy="369332"/>
+          </a:xfrm>
+          <a:prstGeom prst="rect">
+            <a:avLst/>
+          </a:prstGeom>
+          <a:noFill/>
+        </p:spPr>
+        <p:txBody>
+          <a:bodyPr wrap="square" rtlCol="0">
+            <a:spAutoFit/>
+          </a:bodyPr>
+          <a:lstStyle/>
+          <a:p>
+            <a:r>
+              <a:rPr lang="pl-PL" dirty="0"/>
+              <a:t>5/16</a:t>
+            </a:r>
+          </a:p>
+        </p:txBody>
+      </p:sp>
     </p:spTree>
     <p:extLst>
       <p:ext uri="{BB962C8B-B14F-4D97-AF65-F5344CB8AC3E}">
-        <p14:creationId xmlns:p14="http://schemas.microsoft.com/office/powerpoint/2010/main" val="3513395958"/>
+        <p14:creationId xmlns:p14="http://schemas.microsoft.com/office/powerpoint/2010/main" val="2753908767"/>
       </p:ext>
     </p:extLst>
   </p:cSld>
@@ -10766,7 +11852,7 @@
           <p:cNvPr id="2" name="Tytuł 1">
             <a:extLst>
               <a:ext uri="{FF2B5EF4-FFF2-40B4-BE49-F238E27FC236}">
-                <a16:creationId xmlns:a16="http://schemas.microsoft.com/office/drawing/2014/main" id="{BEDD8F44-CCB0-432F-87EE-93253D84AB5B}"/>
+                <a16:creationId xmlns:a16="http://schemas.microsoft.com/office/drawing/2014/main" id="{274E6FB1-798D-4982-9AB0-9CF816854144}"/>
               </a:ext>
             </a:extLst>
           </p:cNvPr>
@@ -10784,17 +11870,17 @@
           <a:p>
             <a:r>
               <a:rPr lang="pl-PL" dirty="0"/>
-              <a:t>Aplikacja Desktopowa - funkcjonalność</a:t>
+              <a:t>Aplikacja Desktopowa - interfejs</a:t>
             </a:r>
           </a:p>
         </p:txBody>
       </p:sp>
       <p:pic>
         <p:nvPicPr>
-          <p:cNvPr id="5" name="Symbol zastępczy zawartości 4" descr="Obraz zawierający zrzut ekranu, monitor&#10;&#10;Opis wygenerowany automatycznie">
+          <p:cNvPr id="5" name="Symbol zastępczy zawartości 4" descr="Obraz zawierający zrzut ekranu, monitor, ekran, komputer&#10;&#10;Opis wygenerowany automatycznie">
             <a:extLst>
               <a:ext uri="{FF2B5EF4-FFF2-40B4-BE49-F238E27FC236}">
-                <a16:creationId xmlns:a16="http://schemas.microsoft.com/office/drawing/2014/main" id="{8F676CA9-40AC-49D9-B4B4-D59F4FE6E421}"/>
+                <a16:creationId xmlns:a16="http://schemas.microsoft.com/office/drawing/2014/main" id="{316519A3-A569-472A-9E65-0DEF9D67F822}"/>
               </a:ext>
             </a:extLst>
           </p:cNvPr>
@@ -10813,15 +11899,50 @@
         </p:blipFill>
         <p:spPr>
           <a:xfrm>
-            <a:off x="3180766" y="2078383"/>
-            <a:ext cx="5830467" cy="4593919"/>
+            <a:off x="3144259" y="2101898"/>
+            <a:ext cx="5903482" cy="4622333"/>
           </a:xfrm>
         </p:spPr>
       </p:pic>
+      <p:sp>
+        <p:nvSpPr>
+          <p:cNvPr id="4" name="pole tekstowe 3">
+            <a:extLst>
+              <a:ext uri="{FF2B5EF4-FFF2-40B4-BE49-F238E27FC236}">
+                <a16:creationId xmlns:a16="http://schemas.microsoft.com/office/drawing/2014/main" id="{44E69113-E3AC-4406-ACC8-E0165BB6AB05}"/>
+              </a:ext>
+            </a:extLst>
+          </p:cNvPr>
+          <p:cNvSpPr txBox="1"/>
+          <p:nvPr/>
+        </p:nvSpPr>
+        <p:spPr>
+          <a:xfrm>
+            <a:off x="11455601" y="6488668"/>
+            <a:ext cx="771787" cy="369332"/>
+          </a:xfrm>
+          <a:prstGeom prst="rect">
+            <a:avLst/>
+          </a:prstGeom>
+          <a:noFill/>
+        </p:spPr>
+        <p:txBody>
+          <a:bodyPr wrap="square" rtlCol="0">
+            <a:spAutoFit/>
+          </a:bodyPr>
+          <a:lstStyle/>
+          <a:p>
+            <a:r>
+              <a:rPr lang="pl-PL" dirty="0"/>
+              <a:t>6/16</a:t>
+            </a:r>
+          </a:p>
+        </p:txBody>
+      </p:sp>
     </p:spTree>
     <p:extLst>
       <p:ext uri="{BB962C8B-B14F-4D97-AF65-F5344CB8AC3E}">
-        <p14:creationId xmlns:p14="http://schemas.microsoft.com/office/powerpoint/2010/main" val="2889066787"/>
+        <p14:creationId xmlns:p14="http://schemas.microsoft.com/office/powerpoint/2010/main" val="3513395958"/>
       </p:ext>
     </p:extLst>
   </p:cSld>
@@ -10853,7 +11974,7 @@
           <p:cNvPr id="2" name="Tytuł 1">
             <a:extLst>
               <a:ext uri="{FF2B5EF4-FFF2-40B4-BE49-F238E27FC236}">
-                <a16:creationId xmlns:a16="http://schemas.microsoft.com/office/drawing/2014/main" id="{4044DB64-5DCF-4FAF-BE97-BC43917EF627}"/>
+                <a16:creationId xmlns:a16="http://schemas.microsoft.com/office/drawing/2014/main" id="{BEDD8F44-CCB0-432F-87EE-93253D84AB5B}"/>
               </a:ext>
             </a:extLst>
           </p:cNvPr>
@@ -10878,10 +11999,10 @@
       </p:sp>
       <p:pic>
         <p:nvPicPr>
-          <p:cNvPr id="5" name="Symbol zastępczy zawartości 4" descr="Obraz zawierający zrzut ekranu, monitor, ekran, czarny&#10;&#10;Opis wygenerowany automatycznie">
+          <p:cNvPr id="5" name="Symbol zastępczy zawartości 4" descr="Obraz zawierający zrzut ekranu, monitor&#10;&#10;Opis wygenerowany automatycznie">
             <a:extLst>
               <a:ext uri="{FF2B5EF4-FFF2-40B4-BE49-F238E27FC236}">
-                <a16:creationId xmlns:a16="http://schemas.microsoft.com/office/drawing/2014/main" id="{26BBCBF4-D489-4E54-AACD-1123262942AA}"/>
+                <a16:creationId xmlns:a16="http://schemas.microsoft.com/office/drawing/2014/main" id="{8F676CA9-40AC-49D9-B4B4-D59F4FE6E421}"/>
               </a:ext>
             </a:extLst>
           </p:cNvPr>
@@ -10900,15 +12021,50 @@
         </p:blipFill>
         <p:spPr>
           <a:xfrm>
-            <a:off x="3138611" y="2088322"/>
-            <a:ext cx="5914777" cy="4660348"/>
+            <a:off x="3180766" y="2078383"/>
+            <a:ext cx="5830467" cy="4593919"/>
           </a:xfrm>
         </p:spPr>
       </p:pic>
+      <p:sp>
+        <p:nvSpPr>
+          <p:cNvPr id="4" name="pole tekstowe 3">
+            <a:extLst>
+              <a:ext uri="{FF2B5EF4-FFF2-40B4-BE49-F238E27FC236}">
+                <a16:creationId xmlns:a16="http://schemas.microsoft.com/office/drawing/2014/main" id="{7A6D0785-A8DC-4A63-A096-4BBB42CC02D8}"/>
+              </a:ext>
+            </a:extLst>
+          </p:cNvPr>
+          <p:cNvSpPr txBox="1"/>
+          <p:nvPr/>
+        </p:nvSpPr>
+        <p:spPr>
+          <a:xfrm>
+            <a:off x="11455601" y="6488668"/>
+            <a:ext cx="771787" cy="369332"/>
+          </a:xfrm>
+          <a:prstGeom prst="rect">
+            <a:avLst/>
+          </a:prstGeom>
+          <a:noFill/>
+        </p:spPr>
+        <p:txBody>
+          <a:bodyPr wrap="square" rtlCol="0">
+            <a:spAutoFit/>
+          </a:bodyPr>
+          <a:lstStyle/>
+          <a:p>
+            <a:r>
+              <a:rPr lang="pl-PL" b="1" dirty="0"/>
+              <a:t>7/16</a:t>
+            </a:r>
+          </a:p>
+        </p:txBody>
+      </p:sp>
     </p:spTree>
     <p:extLst>
       <p:ext uri="{BB962C8B-B14F-4D97-AF65-F5344CB8AC3E}">
-        <p14:creationId xmlns:p14="http://schemas.microsoft.com/office/powerpoint/2010/main" val="1208801786"/>
+        <p14:creationId xmlns:p14="http://schemas.microsoft.com/office/powerpoint/2010/main" val="2889066787"/>
       </p:ext>
     </p:extLst>
   </p:cSld>
@@ -10940,7 +12096,7 @@
           <p:cNvPr id="2" name="Tytuł 1">
             <a:extLst>
               <a:ext uri="{FF2B5EF4-FFF2-40B4-BE49-F238E27FC236}">
-                <a16:creationId xmlns:a16="http://schemas.microsoft.com/office/drawing/2014/main" id="{FBD8E08C-CF7D-4B8E-8349-2660E8C01DB0}"/>
+                <a16:creationId xmlns:a16="http://schemas.microsoft.com/office/drawing/2014/main" id="{4044DB64-5DCF-4FAF-BE97-BC43917EF627}"/>
               </a:ext>
             </a:extLst>
           </p:cNvPr>
@@ -10958,17 +12114,17 @@
           <a:p>
             <a:r>
               <a:rPr lang="pl-PL" dirty="0"/>
-              <a:t>Aplikacja Desktopowa – tryb administratora</a:t>
+              <a:t>Aplikacja Desktopowa - funkcjonalność</a:t>
             </a:r>
           </a:p>
         </p:txBody>
       </p:sp>
       <p:pic>
         <p:nvPicPr>
-          <p:cNvPr id="5" name="Symbol zastępczy zawartości 4" descr="Obraz zawierający zrzut ekranu, monitor, ekran, komputer&#10;&#10;Opis wygenerowany automatycznie">
+          <p:cNvPr id="5" name="Symbol zastępczy zawartości 4" descr="Obraz zawierający zrzut ekranu, monitor, ekran, czarny&#10;&#10;Opis wygenerowany automatycznie">
             <a:extLst>
               <a:ext uri="{FF2B5EF4-FFF2-40B4-BE49-F238E27FC236}">
-                <a16:creationId xmlns:a16="http://schemas.microsoft.com/office/drawing/2014/main" id="{7C86CF07-65A4-4FEF-9C7D-F96CDD598402}"/>
+                <a16:creationId xmlns:a16="http://schemas.microsoft.com/office/drawing/2014/main" id="{26BBCBF4-D489-4E54-AACD-1123262942AA}"/>
               </a:ext>
             </a:extLst>
           </p:cNvPr>
@@ -10987,15 +12143,50 @@
         </p:blipFill>
         <p:spPr>
           <a:xfrm>
-            <a:off x="3056527" y="1988930"/>
-            <a:ext cx="6078946" cy="4789700"/>
+            <a:off x="3138611" y="2088322"/>
+            <a:ext cx="5914777" cy="4660348"/>
           </a:xfrm>
         </p:spPr>
       </p:pic>
+      <p:sp>
+        <p:nvSpPr>
+          <p:cNvPr id="4" name="pole tekstowe 3">
+            <a:extLst>
+              <a:ext uri="{FF2B5EF4-FFF2-40B4-BE49-F238E27FC236}">
+                <a16:creationId xmlns:a16="http://schemas.microsoft.com/office/drawing/2014/main" id="{A328C310-A6B5-457F-8082-1694DA66FDE3}"/>
+              </a:ext>
+            </a:extLst>
+          </p:cNvPr>
+          <p:cNvSpPr txBox="1"/>
+          <p:nvPr/>
+        </p:nvSpPr>
+        <p:spPr>
+          <a:xfrm>
+            <a:off x="11455601" y="6488668"/>
+            <a:ext cx="771787" cy="369332"/>
+          </a:xfrm>
+          <a:prstGeom prst="rect">
+            <a:avLst/>
+          </a:prstGeom>
+          <a:noFill/>
+        </p:spPr>
+        <p:txBody>
+          <a:bodyPr wrap="square" rtlCol="0">
+            <a:spAutoFit/>
+          </a:bodyPr>
+          <a:lstStyle/>
+          <a:p>
+            <a:r>
+              <a:rPr lang="pl-PL" dirty="0"/>
+              <a:t>8/16</a:t>
+            </a:r>
+          </a:p>
+        </p:txBody>
+      </p:sp>
     </p:spTree>
     <p:extLst>
       <p:ext uri="{BB962C8B-B14F-4D97-AF65-F5344CB8AC3E}">
-        <p14:creationId xmlns:p14="http://schemas.microsoft.com/office/powerpoint/2010/main" val="5326048"/>
+        <p14:creationId xmlns:p14="http://schemas.microsoft.com/office/powerpoint/2010/main" val="1208801786"/>
       </p:ext>
     </p:extLst>
   </p:cSld>
@@ -11008,41 +12199,6 @@
 <file path=ppt/slides/slide9.xml><?xml version="1.0" encoding="utf-8"?>
 <p:sld xmlns:a="http://schemas.openxmlformats.org/drawingml/2006/main" xmlns:r="http://schemas.openxmlformats.org/officeDocument/2006/relationships" xmlns:p="http://schemas.openxmlformats.org/presentationml/2006/main">
   <p:cSld>
-    <p:bg>
-      <p:bgPr>
-        <a:gradFill rotWithShape="1">
-          <a:gsLst>
-            <a:gs pos="0">
-              <a:schemeClr val="bg2">
-                <a:tint val="96000"/>
-                <a:shade val="100000"/>
-                <a:hueMod val="270000"/>
-                <a:satMod val="200000"/>
-                <a:lumMod val="128000"/>
-              </a:schemeClr>
-            </a:gs>
-            <a:gs pos="50000">
-              <a:schemeClr val="bg2">
-                <a:shade val="100000"/>
-                <a:hueMod val="100000"/>
-                <a:satMod val="110000"/>
-                <a:lumMod val="130000"/>
-              </a:schemeClr>
-            </a:gs>
-            <a:gs pos="100000">
-              <a:schemeClr val="bg2">
-                <a:shade val="78000"/>
-                <a:hueMod val="44000"/>
-                <a:satMod val="200000"/>
-                <a:lumMod val="69000"/>
-              </a:schemeClr>
-            </a:gs>
-          </a:gsLst>
-          <a:lin ang="2520000" scaled="0"/>
-        </a:gradFill>
-        <a:effectLst/>
-      </p:bgPr>
-    </p:bg>
     <p:spTree>
       <p:nvGrpSpPr>
         <p:cNvPr id="1" name=""/>
@@ -11057,348 +12213,102 @@
           <a:chExt cx="0" cy="0"/>
         </a:xfrm>
       </p:grpSpPr>
-      <p:sp useBgFill="1">
-        <p:nvSpPr>
-          <p:cNvPr id="8" name="Rectangle 7">
+      <p:sp>
+        <p:nvSpPr>
+          <p:cNvPr id="2" name="Tytuł 1">
             <a:extLst>
               <a:ext uri="{FF2B5EF4-FFF2-40B4-BE49-F238E27FC236}">
-                <a16:creationId xmlns:a16="http://schemas.microsoft.com/office/drawing/2014/main" id="{4B0FA309-807F-4C17-98EF-A3BA7388E213}"/>
-              </a:ext>
-              <a:ext uri="{C183D7F6-B498-43B3-948B-1728B52AA6E4}">
-                <adec:decorative xmlns:adec="http://schemas.microsoft.com/office/drawing/2017/decorative" val="1"/>
+                <a16:creationId xmlns:a16="http://schemas.microsoft.com/office/drawing/2014/main" id="{FBD8E08C-CF7D-4B8E-8349-2660E8C01DB0}"/>
               </a:ext>
             </a:extLst>
           </p:cNvPr>
           <p:cNvSpPr>
-            <a:spLocks noGrp="1" noRot="1" noChangeAspect="1" noMove="1" noResize="1" noEditPoints="1" noAdjustHandles="1" noChangeArrowheads="1" noChangeShapeType="1" noTextEdit="1"/>
-          </p:cNvSpPr>
-          <p:nvPr>
-            <p:extLst>
-              <p:ext uri="{386F3935-93C4-4BCD-93E2-E3B085C9AB24}">
-                <p16:designElem xmlns:p16="http://schemas.microsoft.com/office/powerpoint/2015/main" val="1"/>
-              </p:ext>
-            </p:extLst>
-          </p:nvPr>
-        </p:nvSpPr>
-        <p:spPr>
-          <a:xfrm>
-            <a:off x="0" y="0"/>
-            <a:ext cx="12188824" cy="6858000"/>
-          </a:xfrm>
-          <a:prstGeom prst="rect">
-            <a:avLst/>
-          </a:prstGeom>
-          <a:ln>
-            <a:noFill/>
-          </a:ln>
-        </p:spPr>
-        <p:style>
-          <a:lnRef idx="2">
-            <a:schemeClr val="accent1">
-              <a:shade val="50000"/>
-            </a:schemeClr>
-          </a:lnRef>
-          <a:fillRef idx="1">
-            <a:schemeClr val="accent1"/>
-          </a:fillRef>
-          <a:effectRef idx="0">
-            <a:schemeClr val="accent1"/>
-          </a:effectRef>
-          <a:fontRef idx="minor">
-            <a:schemeClr val="lt1"/>
-          </a:fontRef>
-        </p:style>
-        <p:txBody>
-          <a:bodyPr rtlCol="0" anchor="ctr"/>
+            <a:spLocks noGrp="1"/>
+          </p:cNvSpPr>
+          <p:nvPr>
+            <p:ph type="title"/>
+          </p:nvPr>
+        </p:nvSpPr>
+        <p:spPr/>
+        <p:txBody>
+          <a:bodyPr/>
           <a:lstStyle/>
           <a:p>
-            <a:pPr algn="ctr"/>
-            <a:endParaRPr lang="en-US"/>
+            <a:r>
+              <a:rPr lang="pl-PL" dirty="0"/>
+              <a:t>Aplikacja Desktopowa – tryb administratora</a:t>
+            </a:r>
           </a:p>
         </p:txBody>
       </p:sp>
       <p:pic>
         <p:nvPicPr>
-          <p:cNvPr id="10" name="Picture 9">
+          <p:cNvPr id="5" name="Symbol zastępczy zawartości 4" descr="Obraz zawierający zrzut ekranu, monitor, ekran, komputer&#10;&#10;Opis wygenerowany automatycznie">
             <a:extLst>
               <a:ext uri="{FF2B5EF4-FFF2-40B4-BE49-F238E27FC236}">
-                <a16:creationId xmlns:a16="http://schemas.microsoft.com/office/drawing/2014/main" id="{2642A87B-CAE9-4F8F-B293-28388E45D9EE}"/>
-              </a:ext>
-              <a:ext uri="{C183D7F6-B498-43B3-948B-1728B52AA6E4}">
-                <adec:decorative xmlns:adec="http://schemas.microsoft.com/office/drawing/2017/decorative" val="1"/>
+                <a16:creationId xmlns:a16="http://schemas.microsoft.com/office/drawing/2014/main" id="{7C86CF07-65A4-4FEF-9C7D-F96CDD598402}"/>
               </a:ext>
             </a:extLst>
           </p:cNvPr>
           <p:cNvPicPr>
-            <a:picLocks noGrp="1" noRot="1" noChangeAspect="1" noMove="1" noResize="1" noEditPoints="1" noAdjustHandles="1" noChangeArrowheads="1" noChangeShapeType="1" noCrop="1"/>
+            <a:picLocks noGrp="1" noChangeAspect="1"/>
           </p:cNvPicPr>
           <p:nvPr>
-            <p:extLst>
-              <p:ext uri="{386F3935-93C4-4BCD-93E2-E3B085C9AB24}">
-                <p16:designElem xmlns:p16="http://schemas.microsoft.com/office/powerpoint/2015/main" val="1"/>
-              </p:ext>
-            </p:extLst>
+            <p:ph idx="1"/>
           </p:nvPr>
         </p:nvPicPr>
         <p:blipFill>
-          <a:blip r:embed="rId2">
-            <a:alphaModFix amt="10000"/>
-            <a:extLst>
-              <a:ext uri="{28A0092B-C50C-407E-A947-70E740481C1C}">
-                <a14:useLocalDpi xmlns:a14="http://schemas.microsoft.com/office/drawing/2010/main" val="0"/>
-              </a:ext>
-            </a:extLst>
-          </a:blip>
+          <a:blip r:embed="rId2"/>
           <a:stretch>
             <a:fillRect/>
           </a:stretch>
         </p:blipFill>
         <p:spPr>
           <a:xfrm>
-            <a:off x="0" y="0"/>
-            <a:ext cx="12192000" cy="6858000"/>
-          </a:xfrm>
-          <a:prstGeom prst="rect">
-            <a:avLst/>
-          </a:prstGeom>
+            <a:off x="3056527" y="1988930"/>
+            <a:ext cx="6078946" cy="4789700"/>
+          </a:xfrm>
         </p:spPr>
       </p:pic>
       <p:sp>
         <p:nvSpPr>
-          <p:cNvPr id="12" name="Rectangle 11">
+          <p:cNvPr id="4" name="pole tekstowe 3">
             <a:extLst>
               <a:ext uri="{FF2B5EF4-FFF2-40B4-BE49-F238E27FC236}">
-                <a16:creationId xmlns:a16="http://schemas.microsoft.com/office/drawing/2014/main" id="{C8FA1749-B91A-40E7-AD01-0B9C9C6AF74E}"/>
-              </a:ext>
-              <a:ext uri="{C183D7F6-B498-43B3-948B-1728B52AA6E4}">
-                <adec:decorative xmlns:adec="http://schemas.microsoft.com/office/drawing/2017/decorative" val="1"/>
+                <a16:creationId xmlns:a16="http://schemas.microsoft.com/office/drawing/2014/main" id="{32E3AAE0-0BE2-48D1-BA26-BD20FF7AD593}"/>
               </a:ext>
             </a:extLst>
           </p:cNvPr>
-          <p:cNvSpPr>
-            <a:spLocks noGrp="1" noRot="1" noChangeAspect="1" noMove="1" noResize="1" noEditPoints="1" noAdjustHandles="1" noChangeArrowheads="1" noChangeShapeType="1" noTextEdit="1"/>
-          </p:cNvSpPr>
-          <p:nvPr>
-            <p:extLst>
-              <p:ext uri="{386F3935-93C4-4BCD-93E2-E3B085C9AB24}">
-                <p16:designElem xmlns:p16="http://schemas.microsoft.com/office/powerpoint/2015/main" val="1"/>
-              </p:ext>
-            </p:extLst>
-          </p:nvPr>
-        </p:nvSpPr>
-        <p:spPr>
-          <a:xfrm>
-            <a:off x="4644527" y="0"/>
-            <a:ext cx="7552944" cy="6858001"/>
-          </a:xfrm>
-          <a:prstGeom prst="rect">
-            <a:avLst/>
-          </a:prstGeom>
-          <a:solidFill>
-            <a:schemeClr val="accent1"/>
-          </a:solidFill>
-          <a:ln>
-            <a:noFill/>
-          </a:ln>
-        </p:spPr>
-        <p:style>
-          <a:lnRef idx="2">
-            <a:schemeClr val="accent1">
-              <a:shade val="50000"/>
-            </a:schemeClr>
-          </a:lnRef>
-          <a:fillRef idx="1">
-            <a:schemeClr val="accent1"/>
-          </a:fillRef>
-          <a:effectRef idx="0">
-            <a:schemeClr val="accent1"/>
-          </a:effectRef>
-          <a:fontRef idx="minor">
-            <a:schemeClr val="lt1"/>
-          </a:fontRef>
-        </p:style>
-        <p:txBody>
-          <a:bodyPr rtlCol="0" anchor="ctr"/>
-          <a:lstStyle/>
-          <a:p>
-            <a:pPr algn="ctr"/>
-            <a:endParaRPr lang="en-US"/>
-          </a:p>
-        </p:txBody>
-      </p:sp>
-      <p:pic>
-        <p:nvPicPr>
-          <p:cNvPr id="14" name="Picture 13">
-            <a:extLst>
-              <a:ext uri="{FF2B5EF4-FFF2-40B4-BE49-F238E27FC236}">
-                <a16:creationId xmlns:a16="http://schemas.microsoft.com/office/drawing/2014/main" id="{3B7A934F-FFF7-4353-83D3-4EF66E93EEF8}"/>
-              </a:ext>
-              <a:ext uri="{C183D7F6-B498-43B3-948B-1728B52AA6E4}">
-                <adec:decorative xmlns:adec="http://schemas.microsoft.com/office/drawing/2017/decorative" val="1"/>
-              </a:ext>
-            </a:extLst>
-          </p:cNvPr>
-          <p:cNvPicPr>
-            <a:picLocks noGrp="1" noRot="1" noChangeAspect="1" noMove="1" noResize="1" noEditPoints="1" noAdjustHandles="1" noChangeArrowheads="1" noChangeShapeType="1" noCrop="1"/>
-          </p:cNvPicPr>
-          <p:nvPr>
-            <p:extLst>
-              <p:ext uri="{386F3935-93C4-4BCD-93E2-E3B085C9AB24}">
-                <p16:designElem xmlns:p16="http://schemas.microsoft.com/office/powerpoint/2015/main" val="1"/>
-              </p:ext>
-            </p:extLst>
-          </p:nvPr>
-        </p:nvPicPr>
-        <p:blipFill>
-          <a:blip r:embed="rId3" cstate="print">
-            <a:extLst>
-              <a:ext uri="{28A0092B-C50C-407E-A947-70E740481C1C}">
-                <a14:useLocalDpi xmlns:a14="http://schemas.microsoft.com/office/drawing/2010/main" val="0"/>
-              </a:ext>
-            </a:extLst>
-          </a:blip>
-          <a:stretch>
-            <a:fillRect/>
-          </a:stretch>
-        </p:blipFill>
-        <p:spPr>
-          <a:xfrm>
-            <a:off x="1" y="5006045"/>
-            <a:ext cx="4965192" cy="144668"/>
-          </a:xfrm>
-          <a:prstGeom prst="rect">
-            <a:avLst/>
-          </a:prstGeom>
-        </p:spPr>
-      </p:pic>
-      <p:sp>
-        <p:nvSpPr>
-          <p:cNvPr id="16" name="Rectangle 15">
-            <a:extLst>
-              <a:ext uri="{FF2B5EF4-FFF2-40B4-BE49-F238E27FC236}">
-                <a16:creationId xmlns:a16="http://schemas.microsoft.com/office/drawing/2014/main" id="{700676C8-6DE8-47DD-9A23-D42063A12E10}"/>
-              </a:ext>
-              <a:ext uri="{C183D7F6-B498-43B3-948B-1728B52AA6E4}">
-                <adec:decorative xmlns:adec="http://schemas.microsoft.com/office/drawing/2017/decorative" val="1"/>
-              </a:ext>
-            </a:extLst>
-          </p:cNvPr>
-          <p:cNvSpPr>
-            <a:spLocks noGrp="1" noRot="1" noChangeAspect="1" noMove="1" noResize="1" noEditPoints="1" noAdjustHandles="1" noChangeArrowheads="1" noChangeShapeType="1" noTextEdit="1"/>
-          </p:cNvSpPr>
-          <p:nvPr>
-            <p:extLst>
-              <p:ext uri="{386F3935-93C4-4BCD-93E2-E3B085C9AB24}">
-                <p16:designElem xmlns:p16="http://schemas.microsoft.com/office/powerpoint/2015/main" val="1"/>
-              </p:ext>
-            </p:extLst>
-          </p:nvPr>
-        </p:nvSpPr>
-        <p:spPr>
-          <a:xfrm>
-            <a:off x="-1" y="1838764"/>
-            <a:ext cx="4964567" cy="3180473"/>
-          </a:xfrm>
-          <a:prstGeom prst="rect">
-            <a:avLst/>
-          </a:prstGeom>
-          <a:solidFill>
-            <a:srgbClr val="262626"/>
-          </a:solidFill>
-          <a:ln>
-            <a:noFill/>
-          </a:ln>
-        </p:spPr>
-        <p:style>
-          <a:lnRef idx="2">
-            <a:schemeClr val="accent1">
-              <a:shade val="50000"/>
-            </a:schemeClr>
-          </a:lnRef>
-          <a:fillRef idx="1">
-            <a:schemeClr val="accent1"/>
-          </a:fillRef>
-          <a:effectRef idx="0">
-            <a:schemeClr val="accent1"/>
-          </a:effectRef>
-          <a:fontRef idx="minor">
-            <a:schemeClr val="lt1"/>
-          </a:fontRef>
-        </p:style>
-      </p:sp>
-      <p:sp>
-        <p:nvSpPr>
-          <p:cNvPr id="2" name="Tytuł 1">
-            <a:extLst>
-              <a:ext uri="{FF2B5EF4-FFF2-40B4-BE49-F238E27FC236}">
-                <a16:creationId xmlns:a16="http://schemas.microsoft.com/office/drawing/2014/main" id="{2294BD86-C7CC-47E5-9CA5-8D232644AAF8}"/>
-              </a:ext>
-            </a:extLst>
-          </p:cNvPr>
-          <p:cNvSpPr>
-            <a:spLocks noGrp="1"/>
-          </p:cNvSpPr>
-          <p:nvPr>
-            <p:ph type="title"/>
-          </p:nvPr>
-        </p:nvSpPr>
-        <p:spPr>
-          <a:xfrm>
-            <a:off x="680321" y="2063262"/>
-            <a:ext cx="3739279" cy="2661052"/>
-          </a:xfrm>
-        </p:spPr>
-        <p:txBody>
-          <a:bodyPr>
-            <a:normAutofit/>
+          <p:cNvSpPr txBox="1"/>
+          <p:nvPr/>
+        </p:nvSpPr>
+        <p:spPr>
+          <a:xfrm>
+            <a:off x="11455601" y="6488668"/>
+            <a:ext cx="771787" cy="369332"/>
+          </a:xfrm>
+          <a:prstGeom prst="rect">
+            <a:avLst/>
+          </a:prstGeom>
+          <a:noFill/>
+        </p:spPr>
+        <p:txBody>
+          <a:bodyPr wrap="square" rtlCol="0">
+            <a:spAutoFit/>
           </a:bodyPr>
           <a:lstStyle/>
           <a:p>
-            <a:pPr algn="r"/>
-            <a:r>
-              <a:rPr lang="pl-PL" sz="4400" dirty="0">
-                <a:solidFill>
-                  <a:srgbClr val="FFFFFF"/>
-                </a:solidFill>
-              </a:rPr>
-              <a:t>Aplikacja Android</a:t>
-            </a:r>
-          </a:p>
-        </p:txBody>
-      </p:sp>
-      <p:pic>
-        <p:nvPicPr>
-          <p:cNvPr id="5" name="Symbol zastępczy zawartości 4" descr="Obraz zawierający zrzut ekranu, zegar&#10;&#10;Opis wygenerowany automatycznie">
-            <a:extLst>
-              <a:ext uri="{FF2B5EF4-FFF2-40B4-BE49-F238E27FC236}">
-                <a16:creationId xmlns:a16="http://schemas.microsoft.com/office/drawing/2014/main" id="{1F078DD3-E0CD-4B38-8AD4-A0734B9DCC76}"/>
-              </a:ext>
-            </a:extLst>
-          </p:cNvPr>
-          <p:cNvPicPr>
-            <a:picLocks noGrp="1" noChangeAspect="1"/>
-          </p:cNvPicPr>
-          <p:nvPr>
-            <p:ph idx="1"/>
-          </p:nvPr>
-        </p:nvPicPr>
-        <p:blipFill>
-          <a:blip r:embed="rId4"/>
-          <a:stretch>
-            <a:fillRect/>
-          </a:stretch>
-        </p:blipFill>
-        <p:spPr>
-          <a:xfrm>
-            <a:off x="6838384" y="0"/>
-            <a:ext cx="3165230" cy="6858000"/>
-          </a:xfrm>
-        </p:spPr>
-      </p:pic>
+            <a:r>
+              <a:rPr lang="pl-PL" dirty="0"/>
+              <a:t>9/16</a:t>
+            </a:r>
+          </a:p>
+        </p:txBody>
+      </p:sp>
     </p:spTree>
     <p:extLst>
       <p:ext uri="{BB962C8B-B14F-4D97-AF65-F5344CB8AC3E}">
-        <p14:creationId xmlns:p14="http://schemas.microsoft.com/office/powerpoint/2010/main" val="2795247331"/>
+        <p14:creationId xmlns:p14="http://schemas.microsoft.com/office/powerpoint/2010/main" val="5326048"/>
       </p:ext>
     </p:extLst>
   </p:cSld>

--- a/przentacja.pptx
+++ b/przentacja.pptx
@@ -127,6 +127,195 @@
 </p:presentation>
 </file>
 
+<file path=ppt/commentAuthors.xml><?xml version="1.0" encoding="utf-8"?>
+<p:cmAuthorLst xmlns:a="http://schemas.openxmlformats.org/drawingml/2006/main" xmlns:r="http://schemas.openxmlformats.org/officeDocument/2006/relationships" xmlns:p="http://schemas.openxmlformats.org/presentationml/2006/main">
+  <p:cmAuthor id="1" name="Adam Krizar" initials="AK" lastIdx="13" clrIdx="0">
+    <p:extLst>
+      <p:ext uri="{19B8F6BF-5375-455C-9EA6-DF929625EA0E}">
+        <p15:presenceInfo xmlns:p15="http://schemas.microsoft.com/office/powerpoint/2012/main" userId="fb26ac248f2bd53a" providerId="Windows Live"/>
+      </p:ext>
+    </p:extLst>
+  </p:cmAuthor>
+</p:cmAuthorLst>
+</file>
+
+<file path=ppt/comments/comment1.xml><?xml version="1.0" encoding="utf-8"?>
+<p:cmLst xmlns:a="http://schemas.openxmlformats.org/drawingml/2006/main" xmlns:r="http://schemas.openxmlformats.org/officeDocument/2006/relationships" xmlns:p="http://schemas.openxmlformats.org/presentationml/2006/main">
+  <p:cm authorId="1" dt="2020-06-07T16:24:40.568" idx="7">
+    <p:pos x="10" y="10"/>
+    <p:text>Nasza grupa przygotowała projekt w ramach przedmiotu projekt zespołowy kierunku Informatyka na wydziale Elektronika. Opiekunem projektu jest doktor Nikodem. Jak państwo mogli przeczytać nasz temat - Elastyczna aplikacja do zarządzania urządzeniami IoT został zgłoszony przez firme IntelElcom.</p:text>
+    <p:extLst>
+      <p:ext uri="{C676402C-5697-4E1C-873F-D02D1690AC5C}">
+        <p15:threadingInfo xmlns:p15="http://schemas.microsoft.com/office/powerpoint/2012/main" timeZoneBias="-120"/>
+      </p:ext>
+    </p:extLst>
+  </p:cm>
+</p:cmLst>
+</file>
+
+<file path=ppt/comments/comment10.xml><?xml version="1.0" encoding="utf-8"?>
+<p:cmLst xmlns:a="http://schemas.openxmlformats.org/drawingml/2006/main" xmlns:r="http://schemas.openxmlformats.org/officeDocument/2006/relationships" xmlns:p="http://schemas.openxmlformats.org/presentationml/2006/main">
+  <p:cm authorId="1" dt="2020-06-07T16:21:47.970" idx="1">
+    <p:pos x="10" y="10"/>
+    <p:text>Założenia projektowe sugerują wybór elektroniki o jak najmniejszym poborze mocy, ale jednocześnie układy nie powinny oszczędzać na prostocie użytkowania. Nikt nie będzie chciał płacić 5 inżynierom za złożenie nowych czujników w celu oszczędzenia 5 zł rocznie na rachunku za prąd. Stąd też wybór padł na Nodemcu v3. Zawiera on wszystko co potrzebne do sterowania urządzeniem IoT. Dobry procesor, nie za wolny, nie za szybki, moduł WiFi - jest, pobór mocy w normie. Do tego nie wymaga doktoratu z informatyki aby móc go zaprogramować. W zestawie dostajemy również 10 samych GPIO co pozwala na dołączanie bardziej skomplikowanych urządzeń.</p:text>
+    <p:extLst>
+      <p:ext uri="{C676402C-5697-4E1C-873F-D02D1690AC5C}">
+        <p15:threadingInfo xmlns:p15="http://schemas.microsoft.com/office/powerpoint/2012/main" timeZoneBias="-120"/>
+      </p:ext>
+    </p:extLst>
+  </p:cm>
+</p:cmLst>
+</file>
+
+<file path=ppt/comments/comment11.xml><?xml version="1.0" encoding="utf-8"?>
+<p:cmLst xmlns:a="http://schemas.openxmlformats.org/drawingml/2006/main" xmlns:r="http://schemas.openxmlformats.org/officeDocument/2006/relationships" xmlns:p="http://schemas.openxmlformats.org/presentationml/2006/main">
+  <p:cm authorId="1" dt="2020-06-07T16:22:06.088" idx="2">
+    <p:pos x="10" y="10"/>
+    <p:text>Jednak sam sterownik nie wystarczy jeśli nie mamy czym sterować. Dopełnienie całości stanowi czujnik DHT11. Zakładając, że całość będzie używana w pomieszczeniach, uznaliśmy że czujnik ten spełnia wymagania w zakresie funkcjonalności jak i wymaganie cenowe. Lecz bardziej wymagający klienci mogą być nieusatysfakcjonowani tym urządzeniem. Na całe szczęście istnieje również czujnik DHT22 który funkcjonuje identycznie jak tutaj przedstawiony DHT11, ale posiada większe zakresy i dokładności pomiarowe.</p:text>
+    <p:extLst>
+      <p:ext uri="{C676402C-5697-4E1C-873F-D02D1690AC5C}">
+        <p15:threadingInfo xmlns:p15="http://schemas.microsoft.com/office/powerpoint/2012/main" timeZoneBias="-120"/>
+      </p:ext>
+    </p:extLst>
+  </p:cm>
+</p:cmLst>
+</file>
+
+<file path=ppt/comments/comment12.xml><?xml version="1.0" encoding="utf-8"?>
+<p:cmLst xmlns:a="http://schemas.openxmlformats.org/drawingml/2006/main" xmlns:r="http://schemas.openxmlformats.org/officeDocument/2006/relationships" xmlns:p="http://schemas.openxmlformats.org/presentationml/2006/main">
+  <p:cm authorId="1" dt="2020-06-07T16:42:11.986" idx="13">
+    <p:pos x="10" y="10"/>
+    <p:text>Mamy nadzieje że nasza propozycja zainteresowała państwa i dziękujemy za uwagę.</p:text>
+    <p:extLst>
+      <p:ext uri="{C676402C-5697-4E1C-873F-D02D1690AC5C}">
+        <p15:threadingInfo xmlns:p15="http://schemas.microsoft.com/office/powerpoint/2012/main" timeZoneBias="-120"/>
+      </p:ext>
+    </p:extLst>
+  </p:cm>
+</p:cmLst>
+</file>
+
+<file path=ppt/comments/comment2.xml><?xml version="1.0" encoding="utf-8"?>
+<p:cmLst xmlns:a="http://schemas.openxmlformats.org/drawingml/2006/main" xmlns:r="http://schemas.openxmlformats.org/officeDocument/2006/relationships" xmlns:p="http://schemas.openxmlformats.org/presentationml/2006/main">
+  <p:cm authorId="1" dt="2020-06-07T16:31:24.906" idx="8">
+    <p:pos x="10" y="10"/>
+    <p:text/>
+    <p:extLst>
+      <p:ext uri="{C676402C-5697-4E1C-873F-D02D1690AC5C}">
+        <p15:threadingInfo xmlns:p15="http://schemas.microsoft.com/office/powerpoint/2012/main" timeZoneBias="-120"/>
+      </p:ext>
+    </p:extLst>
+  </p:cm>
+  <p:cm authorId="1" dt="2020-06-07T16:32:27.075" idx="9">
+    <p:pos x="146" y="146"/>
+    <p:text>Nasza grupa projektowa składa się z pięci osób. Ja, pirewszy po prawej zarządzam grupą, kolega Arkadiusz Cichy i Mateusz Gurski są odpiwedziealni za urządzenia IoT i protkoły komunikacji, Katarzyna Czajkowska za aplikacje desktopową, a Szymon Cichy za aplikacje mobilną.</p:text>
+    <p:extLst>
+      <p:ext uri="{C676402C-5697-4E1C-873F-D02D1690AC5C}">
+        <p15:threadingInfo xmlns:p15="http://schemas.microsoft.com/office/powerpoint/2012/main" timeZoneBias="-120"/>
+      </p:ext>
+    </p:extLst>
+  </p:cm>
+</p:cmLst>
+</file>
+
+<file path=ppt/comments/comment3.xml><?xml version="1.0" encoding="utf-8"?>
+<p:cmLst xmlns:a="http://schemas.openxmlformats.org/drawingml/2006/main" xmlns:r="http://schemas.openxmlformats.org/officeDocument/2006/relationships" xmlns:p="http://schemas.openxmlformats.org/presentationml/2006/main">
+  <p:cm authorId="1" dt="2020-06-07T16:36:01.351" idx="10">
+    <p:pos x="10" y="10"/>
+    <p:text>Ponieważ nasz projekt został stworzony na podstawie wymagań zgłoszonych przez firmę nasze cele były jasno określone od samego poczatku. Najważnijszym z tej listy jest implementacja dówch protokołów oraz elastyczność aplikacji.</p:text>
+    <p:extLst>
+      <p:ext uri="{C676402C-5697-4E1C-873F-D02D1690AC5C}">
+        <p15:threadingInfo xmlns:p15="http://schemas.microsoft.com/office/powerpoint/2012/main" timeZoneBias="-120"/>
+      </p:ext>
+    </p:extLst>
+  </p:cm>
+</p:cmLst>
+</file>
+
+<file path=ppt/comments/comment4.xml><?xml version="1.0" encoding="utf-8"?>
+<p:cmLst xmlns:a="http://schemas.openxmlformats.org/drawingml/2006/main" xmlns:r="http://schemas.openxmlformats.org/officeDocument/2006/relationships" xmlns:p="http://schemas.openxmlformats.org/presentationml/2006/main">
+  <p:cm authorId="1" dt="2020-06-07T16:38:40.100" idx="11">
+    <p:pos x="10" y="10"/>
+    <p:text>Jak państwo widzą proponowany przez nasz system mam za zadanie operować w sieci lokalnej. Nasza aplikacja umożliwia zczytywanie danych ze wszystkich urządzeń IoT w sieci, które wspierają odpwiednie protokoły.</p:text>
+    <p:extLst>
+      <p:ext uri="{C676402C-5697-4E1C-873F-D02D1690AC5C}">
+        <p15:threadingInfo xmlns:p15="http://schemas.microsoft.com/office/powerpoint/2012/main" timeZoneBias="-120"/>
+      </p:ext>
+    </p:extLst>
+  </p:cm>
+</p:cmLst>
+</file>
+
+<file path=ppt/comments/comment5.xml><?xml version="1.0" encoding="utf-8"?>
+<p:cmLst xmlns:a="http://schemas.openxmlformats.org/drawingml/2006/main" xmlns:r="http://schemas.openxmlformats.org/officeDocument/2006/relationships" xmlns:p="http://schemas.openxmlformats.org/presentationml/2006/main">
+  <p:cm authorId="1" dt="2020-06-07T16:39:46.140" idx="12">
+    <p:pos x="10" y="10"/>
+    <p:text>I teraz przejdźmy do elastycznoścni. Nasza aplikacja wykorzystuje zewnętrzne bilioteki do dostarczania funkcjonalności obsługi protokołów - umożliwia to proste podmienie wykorzystywanych funkcji oraz dodanie nowych biliotek - co było klucozwym celem naszej aplikacji: Elastyczność. Wszystko to możemy osiągnać niskim kosztem, ponieważ jak państwo widzą wykorzystujemy tylko darmowe i opensourcowe oprogramowanie.</p:text>
+    <p:extLst>
+      <p:ext uri="{C676402C-5697-4E1C-873F-D02D1690AC5C}">
+        <p15:threadingInfo xmlns:p15="http://schemas.microsoft.com/office/powerpoint/2012/main" timeZoneBias="-120"/>
+      </p:ext>
+    </p:extLst>
+  </p:cm>
+</p:cmLst>
+</file>
+
+<file path=ppt/comments/comment6.xml><?xml version="1.0" encoding="utf-8"?>
+<p:cmLst xmlns:a="http://schemas.openxmlformats.org/drawingml/2006/main" xmlns:r="http://schemas.openxmlformats.org/officeDocument/2006/relationships" xmlns:p="http://schemas.openxmlformats.org/presentationml/2006/main">
+  <p:cm authorId="1" dt="2020-06-07T16:23:35.958" idx="3">
+    <p:pos x="10" y="10"/>
+    <p:text>Jedną z przygotowanych przez nas aplikacji jest aplikacja desktopowa na system Linux. Zapewnia ona wygodną obsługę komunikacji z urządzeniami IoT wyświetlając listę zapisanych urządzeń.</p:text>
+    <p:extLst>
+      <p:ext uri="{C676402C-5697-4E1C-873F-D02D1690AC5C}">
+        <p15:threadingInfo xmlns:p15="http://schemas.microsoft.com/office/powerpoint/2012/main" timeZoneBias="-120"/>
+      </p:ext>
+    </p:extLst>
+  </p:cm>
+</p:cmLst>
+</file>
+
+<file path=ppt/comments/comment7.xml><?xml version="1.0" encoding="utf-8"?>
+<p:cmLst xmlns:a="http://schemas.openxmlformats.org/drawingml/2006/main" xmlns:r="http://schemas.openxmlformats.org/officeDocument/2006/relationships" xmlns:p="http://schemas.openxmlformats.org/presentationml/2006/main">
+  <p:cm authorId="1" dt="2020-06-07T16:23:49.008" idx="4">
+    <p:pos x="10" y="10"/>
+    <p:text>Aplikacja pozwala na połączenie się z wybranym urządzeniem z listy i odbieraniem od niego danych. Możliwe jest dodawanie nowych urządzeń poprzez wprowadzenie ich adresu IP oraz nadanie im nazwy, pod którą będą wyświetlane na liście, oraz usuwanie urządzeń z listy. Dane odczytane z sensorów można zapisać do pliku o nazwie podanej przez użytkownika. Lista urządzeń zapisywana jest przy zamykaniu aplikacji i automatycznie wczytywana na starcie.</p:text>
+    <p:extLst>
+      <p:ext uri="{C676402C-5697-4E1C-873F-D02D1690AC5C}">
+        <p15:threadingInfo xmlns:p15="http://schemas.microsoft.com/office/powerpoint/2012/main" timeZoneBias="-120"/>
+      </p:ext>
+    </p:extLst>
+  </p:cm>
+</p:cmLst>
+</file>
+
+<file path=ppt/comments/comment8.xml><?xml version="1.0" encoding="utf-8"?>
+<p:cmLst xmlns:a="http://schemas.openxmlformats.org/drawingml/2006/main" xmlns:r="http://schemas.openxmlformats.org/officeDocument/2006/relationships" xmlns:p="http://schemas.openxmlformats.org/presentationml/2006/main">
+  <p:cm authorId="1" dt="2020-06-07T16:24:08.209" idx="5">
+    <p:pos x="10" y="10"/>
+    <p:text>W razie problemów w aplikacji znajdują się informacje na temat funkcjonalności - instrukcja obsługi w zakładce "Pomoc" oraz znak zapytania w prawym dolnym rogu włączający tryb pomocy, podczas którego można sprawdzić funkcjonalność konkretnych elementów aplikacji po naciśnięciu ich.</p:text>
+    <p:extLst>
+      <p:ext uri="{C676402C-5697-4E1C-873F-D02D1690AC5C}">
+        <p15:threadingInfo xmlns:p15="http://schemas.microsoft.com/office/powerpoint/2012/main" timeZoneBias="-120"/>
+      </p:ext>
+    </p:extLst>
+  </p:cm>
+</p:cmLst>
+</file>
+
+<file path=ppt/comments/comment9.xml><?xml version="1.0" encoding="utf-8"?>
+<p:cmLst xmlns:a="http://schemas.openxmlformats.org/drawingml/2006/main" xmlns:r="http://schemas.openxmlformats.org/officeDocument/2006/relationships" xmlns:p="http://schemas.openxmlformats.org/presentationml/2006/main">
+  <p:cm authorId="1" dt="2020-06-07T16:24:20.997" idx="6">
+    <p:pos x="10" y="10"/>
+    <p:text>Aplikacja posiada wbudowany tryb administratora - służy on do dokładniejszej analizy działania programu oraz testowania połączenia. Włączenie trybu programisty przejawia się pojawieniem się nowego pola tesktowego nad przyciskiem "dodaj", gdzie wyświetlane są dokładniejsze informacje na temat odczytu danych.</p:text>
+    <p:extLst>
+      <p:ext uri="{C676402C-5697-4E1C-873F-D02D1690AC5C}">
+        <p15:threadingInfo xmlns:p15="http://schemas.microsoft.com/office/powerpoint/2012/main" timeZoneBias="-120"/>
+      </p:ext>
+    </p:extLst>
+  </p:cm>
+</p:cmLst>
+</file>
+
 <file path=ppt/slideLayouts/slideLayout1.xml><?xml version="1.0" encoding="utf-8"?>
 <p:sldLayout xmlns:a="http://schemas.openxmlformats.org/drawingml/2006/main" xmlns:r="http://schemas.openxmlformats.org/officeDocument/2006/relationships" xmlns:p="http://schemas.openxmlformats.org/presentationml/2006/main" type="title" preserve="1">
   <p:cSld name="Slajd tytułowy">
@@ -401,7 +590,7 @@
           <a:p>
             <a:fld id="{78ABE3C1-DBE1-495D-B57B-2849774B866A}" type="datetimeFigureOut">
               <a:rPr lang="en-US" dirty="0"/>
-              <a:t>6/4/2020</a:t>
+              <a:t>6/7/2020</a:t>
             </a:fld>
             <a:endParaRPr lang="en-US" dirty="0"/>
           </a:p>
@@ -810,7 +999,7 @@
           <a:p>
             <a:fld id="{446C117F-5CCF-4837-BE5F-2B92066CAFAF}" type="datetimeFigureOut">
               <a:rPr lang="en-US" dirty="0"/>
-              <a:t>6/4/2020</a:t>
+              <a:t>6/7/2020</a:t>
             </a:fld>
             <a:endParaRPr lang="en-US" dirty="0"/>
           </a:p>
@@ -1141,7 +1330,7 @@
           <a:p>
             <a:fld id="{84EB90BD-B6CE-46B7-997F-7313B992CCDC}" type="datetimeFigureOut">
               <a:rPr lang="en-US" dirty="0"/>
-              <a:t>6/4/2020</a:t>
+              <a:t>6/7/2020</a:t>
             </a:fld>
             <a:endParaRPr lang="en-US" dirty="0"/>
           </a:p>
@@ -1541,7 +1730,7 @@
           <a:p>
             <a:fld id="{CDB9D11F-B188-461D-B23F-39381795C052}" type="datetimeFigureOut">
               <a:rPr lang="en-US" dirty="0"/>
-              <a:t>6/4/2020</a:t>
+              <a:t>6/7/2020</a:t>
             </a:fld>
             <a:endParaRPr lang="en-US" dirty="0"/>
           </a:p>
@@ -2104,7 +2293,7 @@
           <a:p>
             <a:fld id="{52E6D8D9-55A2-4063-B0F3-121F44549695}" type="datetimeFigureOut">
               <a:rPr lang="en-US" dirty="0"/>
-              <a:t>6/4/2020</a:t>
+              <a:t>6/7/2020</a:t>
             </a:fld>
             <a:endParaRPr lang="en-US" dirty="0"/>
           </a:p>
@@ -2780,7 +2969,7 @@
           <a:p>
             <a:fld id="{D4B24536-994D-4021-A283-9F449C0DB509}" type="datetimeFigureOut">
               <a:rPr lang="en-US" dirty="0"/>
-              <a:t>6/4/2020</a:t>
+              <a:t>6/7/2020</a:t>
             </a:fld>
             <a:endParaRPr lang="en-US" dirty="0"/>
           </a:p>
@@ -3688,7 +3877,7 @@
           <a:p>
             <a:fld id="{3CBBBB78-C96F-47B7-AB17-D852CA960AC9}" type="datetimeFigureOut">
               <a:rPr lang="en-US" dirty="0"/>
-              <a:t>6/4/2020</a:t>
+              <a:t>6/7/2020</a:t>
             </a:fld>
             <a:endParaRPr lang="en-US" dirty="0"/>
           </a:p>
@@ -3996,7 +4185,7 @@
           <a:p>
             <a:fld id="{1FA3F48C-C7C6-4055-9F49-3777875E72AE}" type="datetimeFigureOut">
               <a:rPr lang="en-US" dirty="0"/>
-              <a:t>6/4/2020</a:t>
+              <a:t>6/7/2020</a:t>
             </a:fld>
             <a:endParaRPr lang="en-US" dirty="0"/>
           </a:p>
@@ -4255,7 +4444,7 @@
           <a:p>
             <a:fld id="{6178E61D-D431-422C-9764-11DAFE33AB63}" type="datetimeFigureOut">
               <a:rPr lang="en-US" dirty="0"/>
-              <a:t>6/4/2020</a:t>
+              <a:t>6/7/2020</a:t>
             </a:fld>
             <a:endParaRPr lang="en-US" dirty="0"/>
           </a:p>
@@ -4574,7 +4763,7 @@
           <a:p>
             <a:fld id="{12DE42F4-6EEF-4EF7-8ED4-2208F0F89A08}" type="datetimeFigureOut">
               <a:rPr lang="en-US" dirty="0"/>
-              <a:t>6/4/2020</a:t>
+              <a:t>6/7/2020</a:t>
             </a:fld>
             <a:endParaRPr lang="en-US" dirty="0"/>
           </a:p>
@@ -4958,7 +5147,7 @@
           <a:p>
             <a:fld id="{30578ACC-22D6-47C1-A373-4FD133E34F3C}" type="datetimeFigureOut">
               <a:rPr lang="en-US" dirty="0"/>
-              <a:t>6/4/2020</a:t>
+              <a:t>6/7/2020</a:t>
             </a:fld>
             <a:endParaRPr lang="en-US" dirty="0"/>
           </a:p>
@@ -5329,7 +5518,7 @@
           <a:p>
             <a:fld id="{4E5A6C69-6797-4E8A-BF37-F2C3751466E9}" type="datetimeFigureOut">
               <a:rPr lang="en-US" dirty="0"/>
-              <a:t>6/4/2020</a:t>
+              <a:t>6/7/2020</a:t>
             </a:fld>
             <a:endParaRPr lang="en-US" dirty="0"/>
           </a:p>
@@ -5830,7 +6019,7 @@
           <a:p>
             <a:fld id="{D82014A1-A632-4878-A0D3-F52BA7563730}" type="datetimeFigureOut">
               <a:rPr lang="en-US" dirty="0"/>
-              <a:t>6/4/2020</a:t>
+              <a:t>6/7/2020</a:t>
             </a:fld>
             <a:endParaRPr lang="en-US" dirty="0"/>
           </a:p>
@@ -6082,7 +6271,7 @@
           <a:p>
             <a:fld id="{CE99F462-093F-4566-844B-4C71F2739DA5}" type="datetimeFigureOut">
               <a:rPr lang="en-US" dirty="0"/>
-              <a:t>6/4/2020</a:t>
+              <a:t>6/7/2020</a:t>
             </a:fld>
             <a:endParaRPr lang="en-US" dirty="0"/>
           </a:p>
@@ -6240,7 +6429,7 @@
           <a:p>
             <a:fld id="{3D24A7AC-904D-4781-85BA-7D10C17ED021}" type="datetimeFigureOut">
               <a:rPr lang="en-US" dirty="0"/>
-              <a:t>6/4/2020</a:t>
+              <a:t>6/7/2020</a:t>
             </a:fld>
             <a:endParaRPr lang="en-US" dirty="0"/>
           </a:p>
@@ -6625,7 +6814,7 @@
           <a:p>
             <a:fld id="{E331444B-B92B-4E27-8C94-BB93EAF5CB18}" type="datetimeFigureOut">
               <a:rPr lang="en-US" dirty="0"/>
-              <a:t>6/4/2020</a:t>
+              <a:t>6/7/2020</a:t>
             </a:fld>
             <a:endParaRPr lang="en-US" dirty="0"/>
           </a:p>
@@ -7029,7 +7218,7 @@
           <a:p>
             <a:fld id="{363EFA5E-FA76-400D-B3DC-F0BA90E6D107}" type="datetimeFigureOut">
               <a:rPr lang="en-US" dirty="0"/>
-              <a:t>6/4/2020</a:t>
+              <a:t>6/7/2020</a:t>
             </a:fld>
             <a:endParaRPr lang="en-US" dirty="0"/>
           </a:p>
@@ -7268,7 +7457,7 @@
           <a:p>
             <a:fld id="{9D6E9DEC-419B-4CC5-A080-3B06BD5A8291}" type="datetimeFigureOut">
               <a:rPr lang="en-US" dirty="0"/>
-              <a:t>6/4/2020</a:t>
+              <a:t>6/7/2020</a:t>
             </a:fld>
             <a:endParaRPr lang="en-US" dirty="0"/>
           </a:p>
@@ -10739,7 +10928,7 @@
         </p:blipFill>
         <p:spPr bwMode="auto">
           <a:xfrm>
-            <a:off x="5483542" y="2420402"/>
+            <a:off x="7819178" y="2420401"/>
             <a:ext cx="2025980" cy="2603433"/>
           </a:xfrm>
           <a:prstGeom prst="rect">
@@ -10772,7 +10961,7 @@
         <p:spPr>
           <a:xfrm>
             <a:off x="391747" y="5362514"/>
-            <a:ext cx="11296669" cy="369332"/>
+            <a:ext cx="11692098" cy="369332"/>
           </a:xfrm>
           <a:prstGeom prst="rect">
             <a:avLst/>
@@ -10787,7 +10976,7 @@
           <a:p>
             <a:r>
               <a:rPr lang="pl-PL" dirty="0"/>
-              <a:t>   Adam Krizar	     	    Arkadiusz Cichy	   Katarzyna Czajkowska      Mateusz </a:t>
+              <a:t>Adam Krizar	     	    Arkadiusz Cichy	             Mateusz </a:t>
             </a:r>
             <a:r>
               <a:rPr lang="pl-PL" dirty="0" err="1"/>
@@ -10795,7 +10984,7 @@
             </a:r>
             <a:r>
               <a:rPr lang="pl-PL" dirty="0"/>
-              <a:t>		 Szymon Cichy</a:t>
+              <a:t>		 Katarzyna Czajkowska    Szymon Cichy</a:t>
             </a:r>
           </a:p>
         </p:txBody>
@@ -10829,7 +11018,7 @@
         </p:blipFill>
         <p:spPr bwMode="auto">
           <a:xfrm>
-            <a:off x="7778427" y="2420401"/>
+            <a:off x="5527162" y="2420401"/>
             <a:ext cx="2082746" cy="2603433"/>
           </a:xfrm>
           <a:prstGeom prst="rect">

--- a/przentacja.pptx
+++ b/przentacja.pptx
@@ -10864,8 +10864,8 @@
         </p:blipFill>
         <p:spPr>
           <a:xfrm rot="5400000">
-            <a:off x="67336" y="2744813"/>
-            <a:ext cx="2603433" cy="1954611"/>
+            <a:off x="-137307" y="2712390"/>
+            <a:ext cx="2343236" cy="1759260"/>
           </a:xfrm>
         </p:spPr>
       </p:pic>
@@ -10891,8 +10891,8 @@
         </p:blipFill>
         <p:spPr>
           <a:xfrm>
-            <a:off x="2555628" y="2420402"/>
-            <a:ext cx="2762264" cy="2603433"/>
+            <a:off x="2216962" y="2420400"/>
+            <a:ext cx="2486194" cy="2343237"/>
           </a:xfrm>
           <a:prstGeom prst="rect">
             <a:avLst/>
@@ -10928,8 +10928,8 @@
         </p:blipFill>
         <p:spPr bwMode="auto">
           <a:xfrm>
-            <a:off x="7819178" y="2420401"/>
-            <a:ext cx="2025980" cy="2603433"/>
+            <a:off x="7592085" y="2420400"/>
+            <a:ext cx="1823497" cy="2343237"/>
           </a:xfrm>
           <a:prstGeom prst="rect">
             <a:avLst/>
@@ -10960,7 +10960,7 @@
         </p:nvSpPr>
         <p:spPr>
           <a:xfrm>
-            <a:off x="391747" y="5362514"/>
+            <a:off x="345221" y="4776279"/>
             <a:ext cx="11692098" cy="369332"/>
           </a:xfrm>
           <a:prstGeom prst="rect">
@@ -10983,8 +10983,12 @@
               <a:t>Gurski</a:t>
             </a:r>
             <a:r>
+              <a:rPr lang="pl-PL"/>
+              <a:t>	  Katarzyna Czajkowska      Szymon </a:t>
+            </a:r>
+            <a:r>
               <a:rPr lang="pl-PL" dirty="0"/>
-              <a:t>		 Katarzyna Czajkowska    Szymon Cichy</a:t>
+              <a:t>Cichy</a:t>
             </a:r>
           </a:p>
         </p:txBody>
@@ -11018,8 +11022,8 @@
         </p:blipFill>
         <p:spPr bwMode="auto">
           <a:xfrm>
-            <a:off x="5527162" y="2420401"/>
-            <a:ext cx="2082746" cy="2603433"/>
+            <a:off x="5282247" y="2420400"/>
+            <a:ext cx="1874589" cy="2343237"/>
           </a:xfrm>
           <a:prstGeom prst="rect">
             <a:avLst/>
@@ -11071,6 +11075,36 @@
           </a:p>
         </p:txBody>
       </p:sp>
+      <p:pic>
+        <p:nvPicPr>
+          <p:cNvPr id="6" name="Obraz 5">
+            <a:extLst>
+              <a:ext uri="{FF2B5EF4-FFF2-40B4-BE49-F238E27FC236}">
+                <a16:creationId xmlns:a16="http://schemas.microsoft.com/office/drawing/2014/main" id="{0DD495E1-D0AB-4044-81EE-C42C4714E055}"/>
+              </a:ext>
+            </a:extLst>
+          </p:cNvPr>
+          <p:cNvPicPr>
+            <a:picLocks noChangeAspect="1"/>
+          </p:cNvPicPr>
+          <p:nvPr/>
+        </p:nvPicPr>
+        <p:blipFill>
+          <a:blip r:embed="rId6"/>
+          <a:stretch>
+            <a:fillRect/>
+          </a:stretch>
+        </p:blipFill>
+        <p:spPr>
+          <a:xfrm>
+            <a:off x="9694082" y="2433042"/>
+            <a:ext cx="2343237" cy="2343237"/>
+          </a:xfrm>
+          <a:prstGeom prst="rect">
+            <a:avLst/>
+          </a:prstGeom>
+        </p:spPr>
+      </p:pic>
     </p:spTree>
     <p:extLst>
       <p:ext uri="{BB962C8B-B14F-4D97-AF65-F5344CB8AC3E}">
